--- a/Disparity_Extender.pptx
+++ b/Disparity_Extender.pptx
@@ -5,7 +5,7 @@
     <p:sldMasterId id="2147483966" r:id="rId1"/>
   </p:sldMasterIdLst>
   <p:notesMasterIdLst>
-    <p:notesMasterId r:id="rId33"/>
+    <p:notesMasterId r:id="rId34"/>
   </p:notesMasterIdLst>
   <p:sldIdLst>
     <p:sldId id="256" r:id="rId2"/>
@@ -31,14 +31,15 @@
     <p:sldId id="293" r:id="rId22"/>
     <p:sldId id="294" r:id="rId23"/>
     <p:sldId id="297" r:id="rId24"/>
-    <p:sldId id="296" r:id="rId25"/>
-    <p:sldId id="298" r:id="rId26"/>
-    <p:sldId id="299" r:id="rId27"/>
-    <p:sldId id="300" r:id="rId28"/>
-    <p:sldId id="301" r:id="rId29"/>
-    <p:sldId id="302" r:id="rId30"/>
-    <p:sldId id="303" r:id="rId31"/>
-    <p:sldId id="304" r:id="rId32"/>
+    <p:sldId id="305" r:id="rId25"/>
+    <p:sldId id="296" r:id="rId26"/>
+    <p:sldId id="298" r:id="rId27"/>
+    <p:sldId id="299" r:id="rId28"/>
+    <p:sldId id="300" r:id="rId29"/>
+    <p:sldId id="301" r:id="rId30"/>
+    <p:sldId id="302" r:id="rId31"/>
+    <p:sldId id="303" r:id="rId32"/>
+    <p:sldId id="304" r:id="rId33"/>
   </p:sldIdLst>
   <p:sldSz cx="12192000" cy="6858000"/>
   <p:notesSz cx="6858000" cy="9144000"/>
@@ -227,7 +228,7 @@
           <a:p>
             <a:fld id="{437C1FA7-8412-4D7E-8A60-FB1BCA601FFA}" type="datetimeFigureOut">
               <a:rPr lang="en-US" smtClean="0"/>
-              <a:t>6/28/2022</a:t>
+              <a:t>7/8/2022</a:t>
             </a:fld>
             <a:endParaRPr lang="en-US"/>
           </a:p>
@@ -2065,6 +2066,122 @@
             </a:pPr>
             <a:r>
               <a:rPr lang="en-US" dirty="0"/>
+              <a:t>This is just explaining the covering</a:t>
+            </a:r>
+          </a:p>
+          <a:p>
+            <a:pPr marL="171450" indent="-171450">
+              <a:buFontTx/>
+              <a:buChar char="-"/>
+            </a:pPr>
+            <a:r>
+              <a:rPr lang="en-US" dirty="0"/>
+              <a:t>Ask the audience how they would find the angle, if they knew the red and green lengths</a:t>
+            </a:r>
+          </a:p>
+          <a:p>
+            <a:pPr marL="171450" indent="-171450">
+              <a:buFontTx/>
+              <a:buChar char="-"/>
+            </a:pPr>
+            <a:r>
+              <a:rPr lang="en-US" dirty="0"/>
+              <a:t>Specify that the red is HALF </a:t>
+            </a:r>
+            <a:r>
+              <a:rPr lang="en-US"/>
+              <a:t>the width of the car</a:t>
+            </a:r>
+            <a:endParaRPr lang="en-US" dirty="0"/>
+          </a:p>
+        </p:txBody>
+      </p:sp>
+      <p:sp>
+        <p:nvSpPr>
+          <p:cNvPr id="4" name="Slide Number Placeholder 3"/>
+          <p:cNvSpPr>
+            <a:spLocks noGrp="1"/>
+          </p:cNvSpPr>
+          <p:nvPr>
+            <p:ph type="sldNum" sz="quarter" idx="5"/>
+          </p:nvPr>
+        </p:nvSpPr>
+        <p:spPr/>
+        <p:txBody>
+          <a:bodyPr/>
+          <a:lstStyle/>
+          <a:p>
+            <a:fld id="{B5D8664D-ED04-40AE-922B-31A3174CFE18}" type="slidenum">
+              <a:rPr lang="en-US" smtClean="0"/>
+              <a:t>24</a:t>
+            </a:fld>
+            <a:endParaRPr lang="en-US"/>
+          </a:p>
+        </p:txBody>
+      </p:sp>
+    </p:spTree>
+    <p:extLst>
+      <p:ext uri="{BB962C8B-B14F-4D97-AF65-F5344CB8AC3E}">
+        <p14:creationId xmlns:p14="http://schemas.microsoft.com/office/powerpoint/2010/main" val="4057185413"/>
+      </p:ext>
+    </p:extLst>
+  </p:cSld>
+  <p:clrMapOvr>
+    <a:masterClrMapping/>
+  </p:clrMapOvr>
+</p:notes>
+</file>
+
+<file path=ppt/notesSlides/notesSlide24.xml><?xml version="1.0" encoding="utf-8"?>
+<p:notes xmlns:a="http://schemas.openxmlformats.org/drawingml/2006/main" xmlns:r="http://schemas.openxmlformats.org/officeDocument/2006/relationships" xmlns:p="http://schemas.openxmlformats.org/presentationml/2006/main">
+  <p:cSld>
+    <p:spTree>
+      <p:nvGrpSpPr>
+        <p:cNvPr id="1" name=""/>
+        <p:cNvGrpSpPr/>
+        <p:nvPr/>
+      </p:nvGrpSpPr>
+      <p:grpSpPr>
+        <a:xfrm>
+          <a:off x="0" y="0"/>
+          <a:ext cx="0" cy="0"/>
+          <a:chOff x="0" y="0"/>
+          <a:chExt cx="0" cy="0"/>
+        </a:xfrm>
+      </p:grpSpPr>
+      <p:sp>
+        <p:nvSpPr>
+          <p:cNvPr id="2" name="Slide Image Placeholder 1"/>
+          <p:cNvSpPr>
+            <a:spLocks noGrp="1" noRot="1" noChangeAspect="1"/>
+          </p:cNvSpPr>
+          <p:nvPr>
+            <p:ph type="sldImg"/>
+          </p:nvPr>
+        </p:nvSpPr>
+        <p:spPr/>
+      </p:sp>
+      <p:sp>
+        <p:nvSpPr>
+          <p:cNvPr id="3" name="Notes Placeholder 2"/>
+          <p:cNvSpPr>
+            <a:spLocks noGrp="1"/>
+          </p:cNvSpPr>
+          <p:nvPr>
+            <p:ph type="body" idx="1"/>
+          </p:nvPr>
+        </p:nvSpPr>
+        <p:spPr/>
+        <p:txBody>
+          <a:bodyPr/>
+          <a:lstStyle/>
+          <a:p>
+            <a:pPr marL="171450" indent="-171450">
+              <a:buFontTx/>
+              <a:buChar char="-"/>
+            </a:pPr>
+            <a:r>
+              <a:rPr lang="en-US" dirty="0"/>
               <a:t>Start of example for extending disparities</a:t>
             </a:r>
           </a:p>
@@ -2117,7 +2234,7 @@
           <a:p>
             <a:fld id="{B5D8664D-ED04-40AE-922B-31A3174CFE18}" type="slidenum">
               <a:rPr lang="en-US" smtClean="0"/>
-              <a:t>24</a:t>
+              <a:t>25</a:t>
             </a:fld>
             <a:endParaRPr lang="en-US"/>
           </a:p>
@@ -2136,7 +2253,7 @@
 </p:notes>
 </file>
 
-<file path=ppt/notesSlides/notesSlide24.xml><?xml version="1.0" encoding="utf-8"?>
+<file path=ppt/notesSlides/notesSlide25.xml><?xml version="1.0" encoding="utf-8"?>
 <p:notes xmlns:a="http://schemas.openxmlformats.org/drawingml/2006/main" xmlns:r="http://schemas.openxmlformats.org/officeDocument/2006/relationships" xmlns:p="http://schemas.openxmlformats.org/presentationml/2006/main">
   <p:cSld>
     <p:spTree>
@@ -2218,7 +2335,7 @@
           <a:p>
             <a:fld id="{B5D8664D-ED04-40AE-922B-31A3174CFE18}" type="slidenum">
               <a:rPr lang="en-US" smtClean="0"/>
-              <a:t>25</a:t>
+              <a:t>26</a:t>
             </a:fld>
             <a:endParaRPr lang="en-US"/>
           </a:p>
@@ -2237,7 +2354,7 @@
 </p:notes>
 </file>
 
-<file path=ppt/notesSlides/notesSlide25.xml><?xml version="1.0" encoding="utf-8"?>
+<file path=ppt/notesSlides/notesSlide26.xml><?xml version="1.0" encoding="utf-8"?>
 <p:notes xmlns:a="http://schemas.openxmlformats.org/drawingml/2006/main" xmlns:r="http://schemas.openxmlformats.org/officeDocument/2006/relationships" xmlns:p="http://schemas.openxmlformats.org/presentationml/2006/main">
   <p:cSld>
     <p:spTree>
@@ -2329,7 +2446,7 @@
           <a:p>
             <a:fld id="{B5D8664D-ED04-40AE-922B-31A3174CFE18}" type="slidenum">
               <a:rPr lang="en-US" smtClean="0"/>
-              <a:t>26</a:t>
+              <a:t>27</a:t>
             </a:fld>
             <a:endParaRPr lang="en-US"/>
           </a:p>
@@ -2339,105 +2456,6 @@
     <p:extLst>
       <p:ext uri="{BB962C8B-B14F-4D97-AF65-F5344CB8AC3E}">
         <p14:creationId xmlns:p14="http://schemas.microsoft.com/office/powerpoint/2010/main" val="1272537989"/>
-      </p:ext>
-    </p:extLst>
-  </p:cSld>
-  <p:clrMapOvr>
-    <a:masterClrMapping/>
-  </p:clrMapOvr>
-</p:notes>
-</file>
-
-<file path=ppt/notesSlides/notesSlide26.xml><?xml version="1.0" encoding="utf-8"?>
-<p:notes xmlns:a="http://schemas.openxmlformats.org/drawingml/2006/main" xmlns:r="http://schemas.openxmlformats.org/officeDocument/2006/relationships" xmlns:p="http://schemas.openxmlformats.org/presentationml/2006/main">
-  <p:cSld>
-    <p:spTree>
-      <p:nvGrpSpPr>
-        <p:cNvPr id="1" name=""/>
-        <p:cNvGrpSpPr/>
-        <p:nvPr/>
-      </p:nvGrpSpPr>
-      <p:grpSpPr>
-        <a:xfrm>
-          <a:off x="0" y="0"/>
-          <a:ext cx="0" cy="0"/>
-          <a:chOff x="0" y="0"/>
-          <a:chExt cx="0" cy="0"/>
-        </a:xfrm>
-      </p:grpSpPr>
-      <p:sp>
-        <p:nvSpPr>
-          <p:cNvPr id="2" name="Slide Image Placeholder 1"/>
-          <p:cNvSpPr>
-            <a:spLocks noGrp="1" noRot="1" noChangeAspect="1"/>
-          </p:cNvSpPr>
-          <p:nvPr>
-            <p:ph type="sldImg"/>
-          </p:nvPr>
-        </p:nvSpPr>
-        <p:spPr/>
-      </p:sp>
-      <p:sp>
-        <p:nvSpPr>
-          <p:cNvPr id="3" name="Notes Placeholder 2"/>
-          <p:cNvSpPr>
-            <a:spLocks noGrp="1"/>
-          </p:cNvSpPr>
-          <p:nvPr>
-            <p:ph type="body" idx="1"/>
-          </p:nvPr>
-        </p:nvSpPr>
-        <p:spPr/>
-        <p:txBody>
-          <a:bodyPr/>
-          <a:lstStyle/>
-          <a:p>
-            <a:pPr marL="0" indent="0">
-              <a:buFontTx/>
-              <a:buNone/>
-            </a:pPr>
-            <a:r>
-              <a:rPr lang="en-US" dirty="0"/>
-              <a:t>- Now we can find the longest distance from these scans (one of the yellow lines) and be certain we won't hit any of the walls. </a:t>
-            </a:r>
-            <a:r>
-              <a:rPr lang="en-US" dirty="0" err="1"/>
-              <a:t>Ie</a:t>
-            </a:r>
-            <a:r>
-              <a:rPr lang="en-US" dirty="0"/>
-              <a:t>. We have found the Longest Safely Traversable Distance</a:t>
-            </a:r>
-          </a:p>
-        </p:txBody>
-      </p:sp>
-      <p:sp>
-        <p:nvSpPr>
-          <p:cNvPr id="4" name="Slide Number Placeholder 3"/>
-          <p:cNvSpPr>
-            <a:spLocks noGrp="1"/>
-          </p:cNvSpPr>
-          <p:nvPr>
-            <p:ph type="sldNum" sz="quarter" idx="5"/>
-          </p:nvPr>
-        </p:nvSpPr>
-        <p:spPr/>
-        <p:txBody>
-          <a:bodyPr/>
-          <a:lstStyle/>
-          <a:p>
-            <a:fld id="{B5D8664D-ED04-40AE-922B-31A3174CFE18}" type="slidenum">
-              <a:rPr lang="en-US" smtClean="0"/>
-              <a:t>27</a:t>
-            </a:fld>
-            <a:endParaRPr lang="en-US"/>
-          </a:p>
-        </p:txBody>
-      </p:sp>
-    </p:spTree>
-    <p:extLst>
-      <p:ext uri="{BB962C8B-B14F-4D97-AF65-F5344CB8AC3E}">
-        <p14:creationId xmlns:p14="http://schemas.microsoft.com/office/powerpoint/2010/main" val="837257145"/>
       </p:ext>
     </p:extLst>
   </p:cSld>
@@ -2536,7 +2554,7 @@
     </p:spTree>
     <p:extLst>
       <p:ext uri="{BB962C8B-B14F-4D97-AF65-F5344CB8AC3E}">
-        <p14:creationId xmlns:p14="http://schemas.microsoft.com/office/powerpoint/2010/main" val="238395400"/>
+        <p14:creationId xmlns:p14="http://schemas.microsoft.com/office/powerpoint/2010/main" val="837257145"/>
       </p:ext>
     </p:extLst>
   </p:cSld>
@@ -2590,23 +2608,21 @@
           <a:bodyPr/>
           <a:lstStyle/>
           <a:p>
-            <a:pPr marL="171450" indent="-171450">
+            <a:pPr marL="0" indent="0">
               <a:buFontTx/>
-              <a:buChar char="-"/>
+              <a:buNone/>
             </a:pPr>
             <a:r>
               <a:rPr lang="en-US" dirty="0"/>
-              <a:t>Calculate the angle</a:t>
+              <a:t>- Now we can find the longest distance from these scans (one of the yellow lines) and be certain we won't hit any of the walls. </a:t>
             </a:r>
-          </a:p>
-          <a:p>
-            <a:pPr marL="171450" indent="-171450">
-              <a:buFontTx/>
-              <a:buChar char="-"/>
-            </a:pPr>
+            <a:r>
+              <a:rPr lang="en-US" dirty="0" err="1"/>
+              <a:t>Ie</a:t>
+            </a:r>
             <a:r>
               <a:rPr lang="en-US" dirty="0"/>
-              <a:t>Limit the angle to -+90deg</a:t>
+              <a:t>. We have found the Longest Safely Traversable Distance</a:t>
             </a:r>
           </a:p>
         </p:txBody>
@@ -2637,7 +2653,7 @@
     </p:spTree>
     <p:extLst>
       <p:ext uri="{BB962C8B-B14F-4D97-AF65-F5344CB8AC3E}">
-        <p14:creationId xmlns:p14="http://schemas.microsoft.com/office/powerpoint/2010/main" val="1867699277"/>
+        <p14:creationId xmlns:p14="http://schemas.microsoft.com/office/powerpoint/2010/main" val="238395400"/>
       </p:ext>
     </p:extLst>
   </p:cSld>
@@ -2738,7 +2754,7 @@
     </p:spTree>
     <p:extLst>
       <p:ext uri="{BB962C8B-B14F-4D97-AF65-F5344CB8AC3E}">
-        <p14:creationId xmlns:p14="http://schemas.microsoft.com/office/powerpoint/2010/main" val="2786282252"/>
+        <p14:creationId xmlns:p14="http://schemas.microsoft.com/office/powerpoint/2010/main" val="1867699277"/>
       </p:ext>
     </p:extLst>
   </p:cSld>
@@ -2879,6 +2895,107 @@
           <a:bodyPr/>
           <a:lstStyle/>
           <a:p>
+            <a:pPr marL="171450" indent="-171450">
+              <a:buFontTx/>
+              <a:buChar char="-"/>
+            </a:pPr>
+            <a:r>
+              <a:rPr lang="en-US" dirty="0"/>
+              <a:t>Calculate the angle</a:t>
+            </a:r>
+          </a:p>
+          <a:p>
+            <a:pPr marL="171450" indent="-171450">
+              <a:buFontTx/>
+              <a:buChar char="-"/>
+            </a:pPr>
+            <a:r>
+              <a:rPr lang="en-US" dirty="0"/>
+              <a:t>Limit the angle to -+90deg</a:t>
+            </a:r>
+          </a:p>
+        </p:txBody>
+      </p:sp>
+      <p:sp>
+        <p:nvSpPr>
+          <p:cNvPr id="4" name="Slide Number Placeholder 3"/>
+          <p:cNvSpPr>
+            <a:spLocks noGrp="1"/>
+          </p:cNvSpPr>
+          <p:nvPr>
+            <p:ph type="sldNum" sz="quarter" idx="5"/>
+          </p:nvPr>
+        </p:nvSpPr>
+        <p:spPr/>
+        <p:txBody>
+          <a:bodyPr/>
+          <a:lstStyle/>
+          <a:p>
+            <a:fld id="{B5D8664D-ED04-40AE-922B-31A3174CFE18}" type="slidenum">
+              <a:rPr lang="en-US" smtClean="0"/>
+              <a:t>31</a:t>
+            </a:fld>
+            <a:endParaRPr lang="en-US"/>
+          </a:p>
+        </p:txBody>
+      </p:sp>
+    </p:spTree>
+    <p:extLst>
+      <p:ext uri="{BB962C8B-B14F-4D97-AF65-F5344CB8AC3E}">
+        <p14:creationId xmlns:p14="http://schemas.microsoft.com/office/powerpoint/2010/main" val="2786282252"/>
+      </p:ext>
+    </p:extLst>
+  </p:cSld>
+  <p:clrMapOvr>
+    <a:masterClrMapping/>
+  </p:clrMapOvr>
+</p:notes>
+</file>
+
+<file path=ppt/notesSlides/notesSlide31.xml><?xml version="1.0" encoding="utf-8"?>
+<p:notes xmlns:a="http://schemas.openxmlformats.org/drawingml/2006/main" xmlns:r="http://schemas.openxmlformats.org/officeDocument/2006/relationships" xmlns:p="http://schemas.openxmlformats.org/presentationml/2006/main">
+  <p:cSld>
+    <p:spTree>
+      <p:nvGrpSpPr>
+        <p:cNvPr id="1" name=""/>
+        <p:cNvGrpSpPr/>
+        <p:nvPr/>
+      </p:nvGrpSpPr>
+      <p:grpSpPr>
+        <a:xfrm>
+          <a:off x="0" y="0"/>
+          <a:ext cx="0" cy="0"/>
+          <a:chOff x="0" y="0"/>
+          <a:chExt cx="0" cy="0"/>
+        </a:xfrm>
+      </p:grpSpPr>
+      <p:sp>
+        <p:nvSpPr>
+          <p:cNvPr id="2" name="Slide Image Placeholder 1"/>
+          <p:cNvSpPr>
+            <a:spLocks noGrp="1" noRot="1" noChangeAspect="1"/>
+          </p:cNvSpPr>
+          <p:nvPr>
+            <p:ph type="sldImg"/>
+          </p:nvPr>
+        </p:nvSpPr>
+        <p:spPr/>
+      </p:sp>
+      <p:sp>
+        <p:nvSpPr>
+          <p:cNvPr id="3" name="Notes Placeholder 2"/>
+          <p:cNvSpPr>
+            <a:spLocks noGrp="1"/>
+          </p:cNvSpPr>
+          <p:nvPr>
+            <p:ph type="body" idx="1"/>
+          </p:nvPr>
+        </p:nvSpPr>
+        <p:spPr/>
+        <p:txBody>
+          <a:bodyPr/>
+          <a:lstStyle/>
+          <a:p>
             <a:r>
               <a:rPr lang="en-US" dirty="0"/>
               <a:t>- This is pretty self explanatory………..</a:t>
@@ -2903,7 +3020,7 @@
           <a:p>
             <a:fld id="{B5D8664D-ED04-40AE-922B-31A3174CFE18}" type="slidenum">
               <a:rPr lang="en-US" smtClean="0"/>
-              <a:t>31</a:t>
+              <a:t>32</a:t>
             </a:fld>
             <a:endParaRPr lang="en-US"/>
           </a:p>
@@ -3857,7 +3974,7 @@
           <a:p>
             <a:fld id="{3CADBD16-5BFB-4D9F-9646-C75D1B53BBB6}" type="datetimeFigureOut">
               <a:rPr lang="en-US" smtClean="0"/>
-              <a:t>6/28/2022</a:t>
+              <a:t>7/8/2022</a:t>
             </a:fld>
             <a:endParaRPr lang="en-US"/>
           </a:p>
@@ -4098,7 +4215,7 @@
           <a:p>
             <a:fld id="{3CADBD16-5BFB-4D9F-9646-C75D1B53BBB6}" type="datetimeFigureOut">
               <a:rPr lang="en-US" smtClean="0"/>
-              <a:t>6/28/2022</a:t>
+              <a:t>7/8/2022</a:t>
             </a:fld>
             <a:endParaRPr lang="en-US"/>
           </a:p>
@@ -4306,7 +4423,7 @@
           <a:p>
             <a:fld id="{3CADBD16-5BFB-4D9F-9646-C75D1B53BBB6}" type="datetimeFigureOut">
               <a:rPr lang="en-US" smtClean="0"/>
-              <a:t>6/28/2022</a:t>
+              <a:t>7/8/2022</a:t>
             </a:fld>
             <a:endParaRPr lang="en-US"/>
           </a:p>
@@ -4504,7 +4621,7 @@
           <a:p>
             <a:fld id="{3CADBD16-5BFB-4D9F-9646-C75D1B53BBB6}" type="datetimeFigureOut">
               <a:rPr lang="en-US" smtClean="0"/>
-              <a:t>6/28/2022</a:t>
+              <a:t>7/8/2022</a:t>
             </a:fld>
             <a:endParaRPr lang="en-US"/>
           </a:p>
@@ -4781,7 +4898,7 @@
           <a:p>
             <a:fld id="{3CADBD16-5BFB-4D9F-9646-C75D1B53BBB6}" type="datetimeFigureOut">
               <a:rPr lang="en-US" smtClean="0"/>
-              <a:t>6/28/2022</a:t>
+              <a:t>7/8/2022</a:t>
             </a:fld>
             <a:endParaRPr lang="en-US"/>
           </a:p>
@@ -5046,7 +5163,7 @@
           <a:p>
             <a:fld id="{3CADBD16-5BFB-4D9F-9646-C75D1B53BBB6}" type="datetimeFigureOut">
               <a:rPr lang="en-US" smtClean="0"/>
-              <a:t>6/28/2022</a:t>
+              <a:t>7/8/2022</a:t>
             </a:fld>
             <a:endParaRPr lang="en-US"/>
           </a:p>
@@ -5462,7 +5579,7 @@
           <a:p>
             <a:fld id="{3CADBD16-5BFB-4D9F-9646-C75D1B53BBB6}" type="datetimeFigureOut">
               <a:rPr lang="en-US" smtClean="0"/>
-              <a:t>6/28/2022</a:t>
+              <a:t>7/8/2022</a:t>
             </a:fld>
             <a:endParaRPr lang="en-US"/>
           </a:p>
@@ -5612,7 +5729,7 @@
           <a:p>
             <a:fld id="{3CADBD16-5BFB-4D9F-9646-C75D1B53BBB6}" type="datetimeFigureOut">
               <a:rPr lang="en-US" smtClean="0"/>
-              <a:t>6/28/2022</a:t>
+              <a:t>7/8/2022</a:t>
             </a:fld>
             <a:endParaRPr lang="en-US"/>
           </a:p>
@@ -5725,7 +5842,7 @@
           <a:p>
             <a:fld id="{3CADBD16-5BFB-4D9F-9646-C75D1B53BBB6}" type="datetimeFigureOut">
               <a:rPr lang="en-US" smtClean="0"/>
-              <a:t>6/28/2022</a:t>
+              <a:t>7/8/2022</a:t>
             </a:fld>
             <a:endParaRPr lang="en-US"/>
           </a:p>
@@ -6041,7 +6158,7 @@
           <a:p>
             <a:fld id="{3CADBD16-5BFB-4D9F-9646-C75D1B53BBB6}" type="datetimeFigureOut">
               <a:rPr lang="en-US" smtClean="0"/>
-              <a:t>6/28/2022</a:t>
+              <a:t>7/8/2022</a:t>
             </a:fld>
             <a:endParaRPr lang="en-US"/>
           </a:p>
@@ -6292,7 +6409,7 @@
           <a:p>
             <a:fld id="{3CADBD16-5BFB-4D9F-9646-C75D1B53BBB6}" type="datetimeFigureOut">
               <a:rPr lang="en-US" smtClean="0"/>
-              <a:t>6/28/2022</a:t>
+              <a:t>7/8/2022</a:t>
             </a:fld>
             <a:endParaRPr lang="en-US"/>
           </a:p>
@@ -6801,7 +6918,7 @@
             <a:fld id="{3CADBD16-5BFB-4D9F-9646-C75D1B53BBB6}" type="datetimeFigureOut">
               <a:rPr lang="en-US" smtClean="0"/>
               <a:pPr/>
-              <a:t>6/28/2022</a:t>
+              <a:t>7/8/2022</a:t>
             </a:fld>
             <a:endParaRPr lang="en-US" dirty="0"/>
           </a:p>
@@ -13190,13 +13307,13 @@
   <p:clrMapOvr>
     <a:masterClrMapping/>
   </p:clrMapOvr>
-  <mc:AlternateContent xmlns:mc="http://schemas.openxmlformats.org/markup-compatibility/2006">
-    <mc:Choice xmlns:p14="http://schemas.microsoft.com/office/powerpoint/2010/main" Requires="p14">
+  <mc:AlternateContent xmlns:mc="http://schemas.openxmlformats.org/markup-compatibility/2006" xmlns:p14="http://schemas.microsoft.com/office/powerpoint/2010/main">
+    <mc:Choice Requires="p14">
       <p:transition spd="med" p14:dur="700">
         <p:fade/>
       </p:transition>
     </mc:Choice>
-    <mc:Fallback>
+    <mc:Fallback xmlns="">
       <p:transition spd="med">
         <p:fade/>
       </p:transition>
@@ -14334,13 +14451,13 @@
   <p:clrMapOvr>
     <a:masterClrMapping/>
   </p:clrMapOvr>
-  <mc:AlternateContent xmlns:mc="http://schemas.openxmlformats.org/markup-compatibility/2006">
-    <mc:Choice xmlns:p159="http://schemas.microsoft.com/office/powerpoint/2015/09/main" Requires="p159">
+  <mc:AlternateContent xmlns:mc="http://schemas.openxmlformats.org/markup-compatibility/2006" xmlns:p159="http://schemas.microsoft.com/office/powerpoint/2015/09/main">
+    <mc:Choice Requires="p159">
       <p:transition xmlns:p14="http://schemas.microsoft.com/office/powerpoint/2010/main" spd="slow" p14:dur="2000">
         <p159:morph option="byObject"/>
       </p:transition>
     </mc:Choice>
-    <mc:Fallback>
+    <mc:Fallback xmlns="">
       <p:transition spd="slow">
         <p:fade/>
       </p:transition>
@@ -17419,13 +17536,13 @@
   <p:clrMapOvr>
     <a:masterClrMapping/>
   </p:clrMapOvr>
-  <mc:AlternateContent xmlns:mc="http://schemas.openxmlformats.org/markup-compatibility/2006">
-    <mc:Choice xmlns:p14="http://schemas.microsoft.com/office/powerpoint/2010/main" Requires="p14">
+  <mc:AlternateContent xmlns:mc="http://schemas.openxmlformats.org/markup-compatibility/2006" xmlns:p14="http://schemas.microsoft.com/office/powerpoint/2010/main">
+    <mc:Choice Requires="p14">
       <p:transition spd="med" p14:dur="700">
         <p:fade/>
       </p:transition>
     </mc:Choice>
-    <mc:Fallback>
+    <mc:Fallback xmlns="">
       <p:transition spd="med">
         <p:fade/>
       </p:transition>
@@ -20352,13 +20469,13 @@
   <p:clrMapOvr>
     <a:masterClrMapping/>
   </p:clrMapOvr>
-  <mc:AlternateContent xmlns:mc="http://schemas.openxmlformats.org/markup-compatibility/2006">
-    <mc:Choice xmlns:p14="http://schemas.microsoft.com/office/powerpoint/2010/main" Requires="p14">
+  <mc:AlternateContent xmlns:mc="http://schemas.openxmlformats.org/markup-compatibility/2006" xmlns:p14="http://schemas.microsoft.com/office/powerpoint/2010/main">
+    <mc:Choice Requires="p14">
       <p:transition spd="med" p14:dur="700">
         <p:fade/>
       </p:transition>
     </mc:Choice>
-    <mc:Fallback>
+    <mc:Fallback xmlns="">
       <p:transition spd="med">
         <p:fade/>
       </p:transition>
@@ -20368,6 +20485,567 @@
 </file>
 
 <file path=ppt/slides/slide24.xml><?xml version="1.0" encoding="utf-8"?>
+<p:sld xmlns:a="http://schemas.openxmlformats.org/drawingml/2006/main" xmlns:r="http://schemas.openxmlformats.org/officeDocument/2006/relationships" xmlns:p="http://schemas.openxmlformats.org/presentationml/2006/main">
+  <p:cSld>
+    <p:spTree>
+      <p:nvGrpSpPr>
+        <p:cNvPr id="1" name=""/>
+        <p:cNvGrpSpPr/>
+        <p:nvPr/>
+      </p:nvGrpSpPr>
+      <p:grpSpPr>
+        <a:xfrm>
+          <a:off x="0" y="0"/>
+          <a:ext cx="0" cy="0"/>
+          <a:chOff x="0" y="0"/>
+          <a:chExt cx="0" cy="0"/>
+        </a:xfrm>
+      </p:grpSpPr>
+      <p:sp>
+        <p:nvSpPr>
+          <p:cNvPr id="7" name="Content Placeholder 2">
+            <a:extLst>
+              <a:ext uri="{FF2B5EF4-FFF2-40B4-BE49-F238E27FC236}">
+                <a16:creationId xmlns:a16="http://schemas.microsoft.com/office/drawing/2014/main" id="{D3E64906-E945-371A-7BFF-AD589E514F74}"/>
+              </a:ext>
+            </a:extLst>
+          </p:cNvPr>
+          <p:cNvSpPr>
+            <a:spLocks noGrp="1"/>
+          </p:cNvSpPr>
+          <p:nvPr>
+            <p:ph idx="1"/>
+          </p:nvPr>
+        </p:nvSpPr>
+        <p:spPr>
+          <a:xfrm>
+            <a:off x="2146863" y="468824"/>
+            <a:ext cx="7898269" cy="652474"/>
+          </a:xfrm>
+        </p:spPr>
+        <p:txBody>
+          <a:bodyPr anchor="ctr" anchorCtr="0">
+            <a:noAutofit/>
+          </a:bodyPr>
+          <a:lstStyle/>
+          <a:p>
+            <a:pPr marL="0" indent="0" algn="ctr">
+              <a:buNone/>
+            </a:pPr>
+            <a:r>
+              <a:rPr lang="en-US" sz="2800" dirty="0"/>
+              <a:t>Extending the disparity</a:t>
+            </a:r>
+          </a:p>
+        </p:txBody>
+      </p:sp>
+      <p:sp>
+        <p:nvSpPr>
+          <p:cNvPr id="8" name="Title 1">
+            <a:extLst>
+              <a:ext uri="{FF2B5EF4-FFF2-40B4-BE49-F238E27FC236}">
+                <a16:creationId xmlns:a16="http://schemas.microsoft.com/office/drawing/2014/main" id="{06DCD268-CBD9-011B-7DF1-A7282AA6CE71}"/>
+              </a:ext>
+            </a:extLst>
+          </p:cNvPr>
+          <p:cNvSpPr>
+            <a:spLocks noGrp="1"/>
+          </p:cNvSpPr>
+          <p:nvPr>
+            <p:ph type="title"/>
+          </p:nvPr>
+        </p:nvSpPr>
+        <p:spPr>
+          <a:xfrm>
+            <a:off x="5588004" y="6172200"/>
+            <a:ext cx="6603996" cy="685800"/>
+          </a:xfrm>
+        </p:spPr>
+        <p:txBody>
+          <a:bodyPr>
+            <a:normAutofit/>
+          </a:bodyPr>
+          <a:lstStyle/>
+          <a:p>
+            <a:r>
+              <a:rPr lang="en-US" sz="3200" dirty="0"/>
+              <a:t>Longest Safely Traversable Distance</a:t>
+            </a:r>
+          </a:p>
+        </p:txBody>
+      </p:sp>
+      <p:grpSp>
+        <p:nvGrpSpPr>
+          <p:cNvPr id="35" name="Group 34">
+            <a:extLst>
+              <a:ext uri="{FF2B5EF4-FFF2-40B4-BE49-F238E27FC236}">
+                <a16:creationId xmlns:a16="http://schemas.microsoft.com/office/drawing/2014/main" id="{FE712D00-47BA-2073-933E-DC8B1A4D56DB}"/>
+              </a:ext>
+            </a:extLst>
+          </p:cNvPr>
+          <p:cNvGrpSpPr/>
+          <p:nvPr/>
+        </p:nvGrpSpPr>
+        <p:grpSpPr>
+          <a:xfrm>
+            <a:off x="4677358" y="1422236"/>
+            <a:ext cx="1821292" cy="4449025"/>
+            <a:chOff x="4373809" y="1422236"/>
+            <a:chExt cx="1821292" cy="4449025"/>
+          </a:xfrm>
+        </p:grpSpPr>
+        <p:sp>
+          <p:nvSpPr>
+            <p:cNvPr id="16" name="Rectangle 15">
+              <a:extLst>
+                <a:ext uri="{FF2B5EF4-FFF2-40B4-BE49-F238E27FC236}">
+                  <a16:creationId xmlns:a16="http://schemas.microsoft.com/office/drawing/2014/main" id="{5C70D7B4-370E-33AF-F40B-96D47081C32F}"/>
+                </a:ext>
+              </a:extLst>
+            </p:cNvPr>
+            <p:cNvSpPr>
+              <a:spLocks noChangeAspect="1"/>
+            </p:cNvSpPr>
+            <p:nvPr/>
+          </p:nvSpPr>
+          <p:spPr>
+            <a:xfrm>
+              <a:off x="4980906" y="3646749"/>
+              <a:ext cx="1214195" cy="2224512"/>
+            </a:xfrm>
+            <a:prstGeom prst="rect">
+              <a:avLst/>
+            </a:prstGeom>
+            <a:solidFill>
+              <a:srgbClr val="8BD1C5"/>
+            </a:solidFill>
+            <a:ln>
+              <a:solidFill>
+                <a:srgbClr val="8BD1C5"/>
+              </a:solidFill>
+            </a:ln>
+          </p:spPr>
+          <p:style>
+            <a:lnRef idx="2">
+              <a:schemeClr val="accent1">
+                <a:shade val="50000"/>
+              </a:schemeClr>
+            </a:lnRef>
+            <a:fillRef idx="1">
+              <a:schemeClr val="accent1"/>
+            </a:fillRef>
+            <a:effectRef idx="0">
+              <a:schemeClr val="accent1"/>
+            </a:effectRef>
+            <a:fontRef idx="minor">
+              <a:schemeClr val="lt1"/>
+            </a:fontRef>
+          </p:style>
+          <p:txBody>
+            <a:bodyPr rtlCol="0" anchor="ctr"/>
+            <a:lstStyle/>
+            <a:p>
+              <a:pPr algn="ctr"/>
+              <a:endParaRPr lang="en-US"/>
+            </a:p>
+          </p:txBody>
+        </p:sp>
+        <p:cxnSp>
+          <p:nvCxnSpPr>
+            <p:cNvPr id="14" name="Straight Arrow Connector 13">
+              <a:extLst>
+                <a:ext uri="{FF2B5EF4-FFF2-40B4-BE49-F238E27FC236}">
+                  <a16:creationId xmlns:a16="http://schemas.microsoft.com/office/drawing/2014/main" id="{68B6CFFB-42F1-E63D-F164-E3B84857154C}"/>
+                </a:ext>
+              </a:extLst>
+            </p:cNvPr>
+            <p:cNvCxnSpPr>
+              <a:cxnSpLocks/>
+              <a:stCxn id="16" idx="0"/>
+            </p:cNvCxnSpPr>
+            <p:nvPr/>
+          </p:nvCxnSpPr>
+          <p:spPr>
+            <a:xfrm flipH="1" flipV="1">
+              <a:off x="4373809" y="1422237"/>
+              <a:ext cx="1214195" cy="2224512"/>
+            </a:xfrm>
+            <a:prstGeom prst="straightConnector1">
+              <a:avLst/>
+            </a:prstGeom>
+            <a:ln w="22225">
+              <a:solidFill>
+                <a:srgbClr val="B3DE69"/>
+              </a:solidFill>
+              <a:tailEnd type="triangle"/>
+            </a:ln>
+          </p:spPr>
+          <p:style>
+            <a:lnRef idx="1">
+              <a:schemeClr val="accent1"/>
+            </a:lnRef>
+            <a:fillRef idx="0">
+              <a:schemeClr val="accent1"/>
+            </a:fillRef>
+            <a:effectRef idx="0">
+              <a:schemeClr val="accent1"/>
+            </a:effectRef>
+            <a:fontRef idx="minor">
+              <a:schemeClr val="tx1"/>
+            </a:fontRef>
+          </p:style>
+        </p:cxnSp>
+        <p:cxnSp>
+          <p:nvCxnSpPr>
+            <p:cNvPr id="12" name="Straight Connector 11">
+              <a:extLst>
+                <a:ext uri="{FF2B5EF4-FFF2-40B4-BE49-F238E27FC236}">
+                  <a16:creationId xmlns:a16="http://schemas.microsoft.com/office/drawing/2014/main" id="{67F64AD9-03DD-6297-3B20-A68C2DBAF2CA}"/>
+                </a:ext>
+              </a:extLst>
+            </p:cNvPr>
+            <p:cNvCxnSpPr>
+              <a:cxnSpLocks/>
+            </p:cNvCxnSpPr>
+            <p:nvPr/>
+          </p:nvCxnSpPr>
+          <p:spPr>
+            <a:xfrm>
+              <a:off x="4373809" y="1422237"/>
+              <a:ext cx="612648" cy="0"/>
+            </a:xfrm>
+            <a:prstGeom prst="line">
+              <a:avLst/>
+            </a:prstGeom>
+            <a:ln w="22225">
+              <a:solidFill>
+                <a:srgbClr val="FA8174"/>
+              </a:solidFill>
+              <a:tailEnd type="none"/>
+            </a:ln>
+          </p:spPr>
+          <p:style>
+            <a:lnRef idx="1">
+              <a:schemeClr val="accent1"/>
+            </a:lnRef>
+            <a:fillRef idx="0">
+              <a:schemeClr val="accent1"/>
+            </a:fillRef>
+            <a:effectRef idx="0">
+              <a:schemeClr val="accent1"/>
+            </a:effectRef>
+            <a:fontRef idx="minor">
+              <a:schemeClr val="tx1"/>
+            </a:fontRef>
+          </p:style>
+        </p:cxnSp>
+        <p:cxnSp>
+          <p:nvCxnSpPr>
+            <p:cNvPr id="25" name="Straight Connector 24">
+              <a:extLst>
+                <a:ext uri="{FF2B5EF4-FFF2-40B4-BE49-F238E27FC236}">
+                  <a16:creationId xmlns:a16="http://schemas.microsoft.com/office/drawing/2014/main" id="{B9545E13-B588-7A6C-5305-F7859598902E}"/>
+                </a:ext>
+              </a:extLst>
+            </p:cNvPr>
+            <p:cNvCxnSpPr>
+              <a:cxnSpLocks/>
+            </p:cNvCxnSpPr>
+            <p:nvPr/>
+          </p:nvCxnSpPr>
+          <p:spPr>
+            <a:xfrm>
+              <a:off x="4980906" y="1422236"/>
+              <a:ext cx="0" cy="1116307"/>
+            </a:xfrm>
+            <a:prstGeom prst="line">
+              <a:avLst/>
+            </a:prstGeom>
+            <a:ln w="22225">
+              <a:solidFill>
+                <a:srgbClr val="F8B044"/>
+              </a:solidFill>
+              <a:prstDash val="dash"/>
+            </a:ln>
+          </p:spPr>
+          <p:style>
+            <a:lnRef idx="1">
+              <a:schemeClr val="accent1"/>
+            </a:lnRef>
+            <a:fillRef idx="0">
+              <a:schemeClr val="accent1"/>
+            </a:fillRef>
+            <a:effectRef idx="0">
+              <a:schemeClr val="accent1"/>
+            </a:effectRef>
+            <a:fontRef idx="minor">
+              <a:schemeClr val="tx1"/>
+            </a:fontRef>
+          </p:style>
+        </p:cxnSp>
+        <p:cxnSp>
+          <p:nvCxnSpPr>
+            <p:cNvPr id="31" name="Straight Connector 30">
+              <a:extLst>
+                <a:ext uri="{FF2B5EF4-FFF2-40B4-BE49-F238E27FC236}">
+                  <a16:creationId xmlns:a16="http://schemas.microsoft.com/office/drawing/2014/main" id="{31FB1633-8009-3A89-A61C-28F1D8893082}"/>
+                </a:ext>
+              </a:extLst>
+            </p:cNvPr>
+            <p:cNvCxnSpPr>
+              <a:cxnSpLocks/>
+            </p:cNvCxnSpPr>
+            <p:nvPr/>
+          </p:nvCxnSpPr>
+          <p:spPr>
+            <a:xfrm>
+              <a:off x="5588004" y="2538543"/>
+              <a:ext cx="0" cy="1116307"/>
+            </a:xfrm>
+            <a:prstGeom prst="line">
+              <a:avLst/>
+            </a:prstGeom>
+            <a:ln w="22225">
+              <a:solidFill>
+                <a:srgbClr val="F8B044"/>
+              </a:solidFill>
+              <a:prstDash val="dash"/>
+            </a:ln>
+          </p:spPr>
+          <p:style>
+            <a:lnRef idx="1">
+              <a:schemeClr val="accent1"/>
+            </a:lnRef>
+            <a:fillRef idx="0">
+              <a:schemeClr val="accent1"/>
+            </a:fillRef>
+            <a:effectRef idx="0">
+              <a:schemeClr val="accent1"/>
+            </a:effectRef>
+            <a:fontRef idx="minor">
+              <a:schemeClr val="tx1"/>
+            </a:fontRef>
+          </p:style>
+        </p:cxnSp>
+        <mc:AlternateContent xmlns:mc="http://schemas.openxmlformats.org/markup-compatibility/2006">
+          <mc:Choice xmlns:a14="http://schemas.microsoft.com/office/drawing/2010/main" Requires="a14">
+            <p:sp>
+              <p:nvSpPr>
+                <p:cNvPr id="32" name="TextBox 31">
+                  <a:extLst>
+                    <a:ext uri="{FF2B5EF4-FFF2-40B4-BE49-F238E27FC236}">
+                      <a16:creationId xmlns:a16="http://schemas.microsoft.com/office/drawing/2014/main" id="{4A086BAA-17A1-F4A9-A93B-8D8796AA8494}"/>
+                    </a:ext>
+                  </a:extLst>
+                </p:cNvPr>
+                <p:cNvSpPr txBox="1"/>
+                <p:nvPr/>
+              </p:nvSpPr>
+              <p:spPr>
+                <a:xfrm>
+                  <a:off x="4711031" y="1902174"/>
+                  <a:ext cx="295275" cy="369332"/>
+                </a:xfrm>
+                <a:prstGeom prst="rect">
+                  <a:avLst/>
+                </a:prstGeom>
+                <a:noFill/>
+              </p:spPr>
+              <p:txBody>
+                <a:bodyPr wrap="square" rtlCol="0">
+                  <a:spAutoFit/>
+                </a:bodyPr>
+                <a:lstStyle/>
+                <a:p>
+                  <a14:m>
+                    <m:oMathPara xmlns:m="http://schemas.openxmlformats.org/officeDocument/2006/math">
+                      <m:oMathParaPr>
+                        <m:jc m:val="centerGroup"/>
+                      </m:oMathParaPr>
+                      <m:oMath xmlns:m="http://schemas.openxmlformats.org/officeDocument/2006/math">
+                        <m:r>
+                          <a:rPr lang="en-US" i="1" smtClean="0">
+                            <a:latin typeface="Cambria Math" panose="02040503050406030204" pitchFamily="18" charset="0"/>
+                            <a:ea typeface="Cambria Math" panose="02040503050406030204" pitchFamily="18" charset="0"/>
+                          </a:rPr>
+                          <m:t>𝜃</m:t>
+                        </m:r>
+                      </m:oMath>
+                    </m:oMathPara>
+                  </a14:m>
+                  <a:endParaRPr lang="en-US" dirty="0"/>
+                </a:p>
+              </p:txBody>
+            </p:sp>
+          </mc:Choice>
+          <mc:Fallback>
+            <p:sp>
+              <p:nvSpPr>
+                <p:cNvPr id="32" name="TextBox 31">
+                  <a:extLst>
+                    <a:ext uri="{FF2B5EF4-FFF2-40B4-BE49-F238E27FC236}">
+                      <a16:creationId xmlns:a16="http://schemas.microsoft.com/office/drawing/2014/main" id="{4A086BAA-17A1-F4A9-A93B-8D8796AA8494}"/>
+                    </a:ext>
+                  </a:extLst>
+                </p:cNvPr>
+                <p:cNvSpPr txBox="1">
+                  <a:spLocks noRot="1" noChangeAspect="1" noMove="1" noResize="1" noEditPoints="1" noAdjustHandles="1" noChangeArrowheads="1" noChangeShapeType="1" noTextEdit="1"/>
+                </p:cNvSpPr>
+                <p:nvPr/>
+              </p:nvSpPr>
+              <p:spPr>
+                <a:xfrm>
+                  <a:off x="4711031" y="1902174"/>
+                  <a:ext cx="295275" cy="369332"/>
+                </a:xfrm>
+                <a:prstGeom prst="rect">
+                  <a:avLst/>
+                </a:prstGeom>
+                <a:blipFill>
+                  <a:blip r:embed="rId3"/>
+                  <a:stretch>
+                    <a:fillRect r="-2083"/>
+                  </a:stretch>
+                </a:blipFill>
+              </p:spPr>
+              <p:txBody>
+                <a:bodyPr/>
+                <a:lstStyle/>
+                <a:p>
+                  <a:r>
+                    <a:rPr lang="en-US">
+                      <a:noFill/>
+                    </a:rPr>
+                    <a:t> </a:t>
+                  </a:r>
+                </a:p>
+              </p:txBody>
+            </p:sp>
+          </mc:Fallback>
+        </mc:AlternateContent>
+        <mc:AlternateContent xmlns:mc="http://schemas.openxmlformats.org/markup-compatibility/2006">
+          <mc:Choice xmlns:a14="http://schemas.microsoft.com/office/drawing/2010/main" Requires="a14">
+            <p:sp>
+              <p:nvSpPr>
+                <p:cNvPr id="34" name="TextBox 33">
+                  <a:extLst>
+                    <a:ext uri="{FF2B5EF4-FFF2-40B4-BE49-F238E27FC236}">
+                      <a16:creationId xmlns:a16="http://schemas.microsoft.com/office/drawing/2014/main" id="{5D6D6A26-6967-704B-60A5-05B34723918D}"/>
+                    </a:ext>
+                  </a:extLst>
+                </p:cNvPr>
+                <p:cNvSpPr txBox="1"/>
+                <p:nvPr/>
+              </p:nvSpPr>
+              <p:spPr>
+                <a:xfrm>
+                  <a:off x="5328378" y="3028191"/>
+                  <a:ext cx="295275" cy="369332"/>
+                </a:xfrm>
+                <a:prstGeom prst="rect">
+                  <a:avLst/>
+                </a:prstGeom>
+                <a:noFill/>
+              </p:spPr>
+              <p:txBody>
+                <a:bodyPr wrap="square" rtlCol="0">
+                  <a:spAutoFit/>
+                </a:bodyPr>
+                <a:lstStyle/>
+                <a:p>
+                  <a14:m>
+                    <m:oMathPara xmlns:m="http://schemas.openxmlformats.org/officeDocument/2006/math">
+                      <m:oMathParaPr>
+                        <m:jc m:val="centerGroup"/>
+                      </m:oMathParaPr>
+                      <m:oMath xmlns:m="http://schemas.openxmlformats.org/officeDocument/2006/math">
+                        <m:r>
+                          <a:rPr lang="en-US" i="1" smtClean="0">
+                            <a:latin typeface="Cambria Math" panose="02040503050406030204" pitchFamily="18" charset="0"/>
+                            <a:ea typeface="Cambria Math" panose="02040503050406030204" pitchFamily="18" charset="0"/>
+                          </a:rPr>
+                          <m:t>𝜃</m:t>
+                        </m:r>
+                      </m:oMath>
+                    </m:oMathPara>
+                  </a14:m>
+                  <a:endParaRPr lang="en-US" dirty="0"/>
+                </a:p>
+              </p:txBody>
+            </p:sp>
+          </mc:Choice>
+          <mc:Fallback>
+            <p:sp>
+              <p:nvSpPr>
+                <p:cNvPr id="34" name="TextBox 33">
+                  <a:extLst>
+                    <a:ext uri="{FF2B5EF4-FFF2-40B4-BE49-F238E27FC236}">
+                      <a16:creationId xmlns:a16="http://schemas.microsoft.com/office/drawing/2014/main" id="{5D6D6A26-6967-704B-60A5-05B34723918D}"/>
+                    </a:ext>
+                  </a:extLst>
+                </p:cNvPr>
+                <p:cNvSpPr txBox="1">
+                  <a:spLocks noRot="1" noChangeAspect="1" noMove="1" noResize="1" noEditPoints="1" noAdjustHandles="1" noChangeArrowheads="1" noChangeShapeType="1" noTextEdit="1"/>
+                </p:cNvSpPr>
+                <p:nvPr/>
+              </p:nvSpPr>
+              <p:spPr>
+                <a:xfrm>
+                  <a:off x="5328378" y="3028191"/>
+                  <a:ext cx="295275" cy="369332"/>
+                </a:xfrm>
+                <a:prstGeom prst="rect">
+                  <a:avLst/>
+                </a:prstGeom>
+                <a:blipFill>
+                  <a:blip r:embed="rId4"/>
+                  <a:stretch>
+                    <a:fillRect r="-2083"/>
+                  </a:stretch>
+                </a:blipFill>
+              </p:spPr>
+              <p:txBody>
+                <a:bodyPr/>
+                <a:lstStyle/>
+                <a:p>
+                  <a:r>
+                    <a:rPr lang="en-US">
+                      <a:noFill/>
+                    </a:rPr>
+                    <a:t> </a:t>
+                  </a:r>
+                </a:p>
+              </p:txBody>
+            </p:sp>
+          </mc:Fallback>
+        </mc:AlternateContent>
+      </p:grpSp>
+    </p:spTree>
+    <p:extLst>
+      <p:ext uri="{BB962C8B-B14F-4D97-AF65-F5344CB8AC3E}">
+        <p14:creationId xmlns:p14="http://schemas.microsoft.com/office/powerpoint/2010/main" val="1170728716"/>
+      </p:ext>
+    </p:extLst>
+  </p:cSld>
+  <p:clrMapOvr>
+    <a:masterClrMapping/>
+  </p:clrMapOvr>
+  <mc:AlternateContent xmlns:mc="http://schemas.openxmlformats.org/markup-compatibility/2006">
+    <mc:Choice xmlns:p14="http://schemas.microsoft.com/office/powerpoint/2010/main" Requires="p14">
+      <p:transition spd="slow" p14:dur="1500">
+        <p:split orient="vert"/>
+      </p:transition>
+    </mc:Choice>
+    <mc:Fallback>
+      <p:transition spd="slow">
+        <p:split orient="vert"/>
+      </p:transition>
+    </mc:Fallback>
+  </mc:AlternateContent>
+</p:sld>
+</file>
+
+<file path=ppt/slides/slide25.xml><?xml version="1.0" encoding="utf-8"?>
 <p:sld xmlns:a="http://schemas.openxmlformats.org/drawingml/2006/main" xmlns:r="http://schemas.openxmlformats.org/officeDocument/2006/relationships" xmlns:p="http://schemas.openxmlformats.org/presentationml/2006/main">
   <p:cSld>
     <p:spTree>
@@ -22098,141 +22776,141 @@
               <a:avLst/>
               <a:gdLst>
                 <a:gd name="connsiteX0" fmla="*/ 1550743 w 1550743"/>
-                <a:gd name="connsiteY0" fmla="*/ 4241048 h 4241048"/>
+                <a:gd name="connsiteY0" fmla="*/ 4241047 h 4241047"/>
                 <a:gd name="connsiteX1" fmla="*/ 1456758 w 1550743"/>
-                <a:gd name="connsiteY1" fmla="*/ 4229299 h 4241048"/>
+                <a:gd name="connsiteY1" fmla="*/ 4229298 h 4241047"/>
                 <a:gd name="connsiteX2" fmla="*/ 1421514 w 1550743"/>
-                <a:gd name="connsiteY2" fmla="*/ 4217551 h 4241048"/>
+                <a:gd name="connsiteY2" fmla="*/ 4217550 h 4241047"/>
                 <a:gd name="connsiteX3" fmla="*/ 1315781 w 1550743"/>
-                <a:gd name="connsiteY3" fmla="*/ 4182307 h 4241048"/>
+                <a:gd name="connsiteY3" fmla="*/ 4182306 h 4241047"/>
                 <a:gd name="connsiteX4" fmla="*/ 1257041 w 1550743"/>
-                <a:gd name="connsiteY4" fmla="*/ 4147063 h 4241048"/>
+                <a:gd name="connsiteY4" fmla="*/ 4147062 h 4241047"/>
                 <a:gd name="connsiteX5" fmla="*/ 1174805 w 1550743"/>
-                <a:gd name="connsiteY5" fmla="*/ 4123567 h 4241048"/>
+                <a:gd name="connsiteY5" fmla="*/ 4123566 h 4241047"/>
                 <a:gd name="connsiteX6" fmla="*/ 1139561 w 1550743"/>
-                <a:gd name="connsiteY6" fmla="*/ 4100071 h 4241048"/>
+                <a:gd name="connsiteY6" fmla="*/ 4100070 h 4241047"/>
                 <a:gd name="connsiteX7" fmla="*/ 1092568 w 1550743"/>
-                <a:gd name="connsiteY7" fmla="*/ 4088323 h 4241048"/>
+                <a:gd name="connsiteY7" fmla="*/ 4088322 h 4241047"/>
                 <a:gd name="connsiteX8" fmla="*/ 975088 w 1550743"/>
-                <a:gd name="connsiteY8" fmla="*/ 4053079 h 4241048"/>
+                <a:gd name="connsiteY8" fmla="*/ 4053078 h 4241047"/>
                 <a:gd name="connsiteX9" fmla="*/ 892852 w 1550743"/>
-                <a:gd name="connsiteY9" fmla="*/ 4006086 h 4241048"/>
+                <a:gd name="connsiteY9" fmla="*/ 4006085 h 4241047"/>
                 <a:gd name="connsiteX10" fmla="*/ 822363 w 1550743"/>
-                <a:gd name="connsiteY10" fmla="*/ 3970842 h 4241048"/>
+                <a:gd name="connsiteY10" fmla="*/ 3970841 h 4241047"/>
                 <a:gd name="connsiteX11" fmla="*/ 740127 w 1550743"/>
-                <a:gd name="connsiteY11" fmla="*/ 3912102 h 4241048"/>
+                <a:gd name="connsiteY11" fmla="*/ 3912101 h 4241047"/>
                 <a:gd name="connsiteX12" fmla="*/ 693135 w 1550743"/>
-                <a:gd name="connsiteY12" fmla="*/ 3876858 h 4241048"/>
+                <a:gd name="connsiteY12" fmla="*/ 3876857 h 4241047"/>
                 <a:gd name="connsiteX13" fmla="*/ 646142 w 1550743"/>
-                <a:gd name="connsiteY13" fmla="*/ 3853362 h 4241048"/>
+                <a:gd name="connsiteY13" fmla="*/ 3853361 h 4241047"/>
                 <a:gd name="connsiteX14" fmla="*/ 587402 w 1550743"/>
-                <a:gd name="connsiteY14" fmla="*/ 3818118 h 4241048"/>
+                <a:gd name="connsiteY14" fmla="*/ 3818117 h 4241047"/>
                 <a:gd name="connsiteX15" fmla="*/ 552158 w 1550743"/>
-                <a:gd name="connsiteY15" fmla="*/ 3794621 h 4241048"/>
+                <a:gd name="connsiteY15" fmla="*/ 3794621 h 4241047"/>
                 <a:gd name="connsiteX16" fmla="*/ 434677 w 1550743"/>
-                <a:gd name="connsiteY16" fmla="*/ 3700637 h 4241048"/>
+                <a:gd name="connsiteY16" fmla="*/ 3700636 h 4241047"/>
                 <a:gd name="connsiteX17" fmla="*/ 375937 w 1550743"/>
-                <a:gd name="connsiteY17" fmla="*/ 3618401 h 4241048"/>
+                <a:gd name="connsiteY17" fmla="*/ 3618400 h 4241047"/>
                 <a:gd name="connsiteX18" fmla="*/ 317197 w 1550743"/>
-                <a:gd name="connsiteY18" fmla="*/ 3512668 h 4241048"/>
+                <a:gd name="connsiteY18" fmla="*/ 3512667 h 4241047"/>
                 <a:gd name="connsiteX19" fmla="*/ 293701 w 1550743"/>
-                <a:gd name="connsiteY19" fmla="*/ 3477424 h 4241048"/>
+                <a:gd name="connsiteY19" fmla="*/ 3477423 h 4241047"/>
                 <a:gd name="connsiteX20" fmla="*/ 270205 w 1550743"/>
-                <a:gd name="connsiteY20" fmla="*/ 3348195 h 4241048"/>
+                <a:gd name="connsiteY20" fmla="*/ 3348195 h 4241047"/>
                 <a:gd name="connsiteX21" fmla="*/ 258457 w 1550743"/>
-                <a:gd name="connsiteY21" fmla="*/ 3277707 h 4241048"/>
+                <a:gd name="connsiteY21" fmla="*/ 3277706 h 4241047"/>
                 <a:gd name="connsiteX22" fmla="*/ 305449 w 1550743"/>
-                <a:gd name="connsiteY22" fmla="*/ 3054494 h 4241048"/>
+                <a:gd name="connsiteY22" fmla="*/ 3054493 h 4241047"/>
                 <a:gd name="connsiteX23" fmla="*/ 317197 w 1550743"/>
-                <a:gd name="connsiteY23" fmla="*/ 3019250 h 4241048"/>
+                <a:gd name="connsiteY23" fmla="*/ 3019249 h 4241047"/>
                 <a:gd name="connsiteX24" fmla="*/ 375937 w 1550743"/>
-                <a:gd name="connsiteY24" fmla="*/ 2948761 h 4241048"/>
+                <a:gd name="connsiteY24" fmla="*/ 2948761 h 4241047"/>
                 <a:gd name="connsiteX25" fmla="*/ 434677 w 1550743"/>
-                <a:gd name="connsiteY25" fmla="*/ 2878273 h 4241048"/>
+                <a:gd name="connsiteY25" fmla="*/ 2878272 h 4241047"/>
                 <a:gd name="connsiteX26" fmla="*/ 469922 w 1550743"/>
-                <a:gd name="connsiteY26" fmla="*/ 2854777 h 4241048"/>
+                <a:gd name="connsiteY26" fmla="*/ 2854776 h 4241047"/>
                 <a:gd name="connsiteX27" fmla="*/ 505166 w 1550743"/>
-                <a:gd name="connsiteY27" fmla="*/ 2807785 h 4241048"/>
+                <a:gd name="connsiteY27" fmla="*/ 2807784 h 4241047"/>
                 <a:gd name="connsiteX28" fmla="*/ 646142 w 1550743"/>
-                <a:gd name="connsiteY28" fmla="*/ 2678556 h 4241048"/>
+                <a:gd name="connsiteY28" fmla="*/ 2678556 h 4241047"/>
                 <a:gd name="connsiteX29" fmla="*/ 693135 w 1550743"/>
-                <a:gd name="connsiteY29" fmla="*/ 2608068 h 4241048"/>
+                <a:gd name="connsiteY29" fmla="*/ 2608067 h 4241047"/>
                 <a:gd name="connsiteX30" fmla="*/ 716631 w 1550743"/>
-                <a:gd name="connsiteY30" fmla="*/ 2572824 h 4241048"/>
+                <a:gd name="connsiteY30" fmla="*/ 2572823 h 4241047"/>
                 <a:gd name="connsiteX31" fmla="*/ 751875 w 1550743"/>
-                <a:gd name="connsiteY31" fmla="*/ 2537579 h 4241048"/>
+                <a:gd name="connsiteY31" fmla="*/ 2537579 h 4241047"/>
                 <a:gd name="connsiteX32" fmla="*/ 798867 w 1550743"/>
-                <a:gd name="connsiteY32" fmla="*/ 2455343 h 4241048"/>
+                <a:gd name="connsiteY32" fmla="*/ 2455343 h 4241047"/>
                 <a:gd name="connsiteX33" fmla="*/ 822363 w 1550743"/>
-                <a:gd name="connsiteY33" fmla="*/ 2420099 h 4241048"/>
+                <a:gd name="connsiteY33" fmla="*/ 2420098 h 4241047"/>
                 <a:gd name="connsiteX34" fmla="*/ 857607 w 1550743"/>
-                <a:gd name="connsiteY34" fmla="*/ 2337863 h 4241048"/>
+                <a:gd name="connsiteY34" fmla="*/ 2337862 h 4241047"/>
                 <a:gd name="connsiteX35" fmla="*/ 881103 w 1550743"/>
-                <a:gd name="connsiteY35" fmla="*/ 2279122 h 4241048"/>
+                <a:gd name="connsiteY35" fmla="*/ 2279122 h 4241047"/>
                 <a:gd name="connsiteX36" fmla="*/ 904600 w 1550743"/>
-                <a:gd name="connsiteY36" fmla="*/ 2161642 h 4241048"/>
+                <a:gd name="connsiteY36" fmla="*/ 2161641 h 4241047"/>
                 <a:gd name="connsiteX37" fmla="*/ 834111 w 1550743"/>
-                <a:gd name="connsiteY37" fmla="*/ 1785704 h 4241048"/>
+                <a:gd name="connsiteY37" fmla="*/ 1785704 h 4241047"/>
                 <a:gd name="connsiteX38" fmla="*/ 798867 w 1550743"/>
-                <a:gd name="connsiteY38" fmla="*/ 1726964 h 4241048"/>
+                <a:gd name="connsiteY38" fmla="*/ 1726963 h 4241047"/>
                 <a:gd name="connsiteX39" fmla="*/ 728379 w 1550743"/>
-                <a:gd name="connsiteY39" fmla="*/ 1656475 h 4241048"/>
+                <a:gd name="connsiteY39" fmla="*/ 1656475 h 4241047"/>
                 <a:gd name="connsiteX40" fmla="*/ 669639 w 1550743"/>
-                <a:gd name="connsiteY40" fmla="*/ 1597735 h 4241048"/>
+                <a:gd name="connsiteY40" fmla="*/ 1597735 h 4241047"/>
                 <a:gd name="connsiteX41" fmla="*/ 634394 w 1550743"/>
-                <a:gd name="connsiteY41" fmla="*/ 1538995 h 4241048"/>
+                <a:gd name="connsiteY41" fmla="*/ 1538994 h 4241047"/>
                 <a:gd name="connsiteX42" fmla="*/ 610898 w 1550743"/>
-                <a:gd name="connsiteY42" fmla="*/ 1503751 h 4241048"/>
+                <a:gd name="connsiteY42" fmla="*/ 1503750 h 4241047"/>
                 <a:gd name="connsiteX43" fmla="*/ 563906 w 1550743"/>
-                <a:gd name="connsiteY43" fmla="*/ 1480254 h 4241048"/>
+                <a:gd name="connsiteY43" fmla="*/ 1480254 h 4241047"/>
                 <a:gd name="connsiteX44" fmla="*/ 493418 w 1550743"/>
-                <a:gd name="connsiteY44" fmla="*/ 1433262 h 4241048"/>
+                <a:gd name="connsiteY44" fmla="*/ 1433262 h 4241047"/>
                 <a:gd name="connsiteX45" fmla="*/ 446426 w 1550743"/>
-                <a:gd name="connsiteY45" fmla="*/ 1398018 h 4241048"/>
+                <a:gd name="connsiteY45" fmla="*/ 1398018 h 4241047"/>
                 <a:gd name="connsiteX46" fmla="*/ 375937 w 1550743"/>
-                <a:gd name="connsiteY46" fmla="*/ 1351026 h 4241048"/>
+                <a:gd name="connsiteY46" fmla="*/ 1351026 h 4241047"/>
                 <a:gd name="connsiteX47" fmla="*/ 352441 w 1550743"/>
-                <a:gd name="connsiteY47" fmla="*/ 1315782 h 4241048"/>
+                <a:gd name="connsiteY47" fmla="*/ 1315781 h 4241047"/>
                 <a:gd name="connsiteX48" fmla="*/ 317197 w 1550743"/>
-                <a:gd name="connsiteY48" fmla="*/ 1304034 h 4241048"/>
+                <a:gd name="connsiteY48" fmla="*/ 1304033 h 4241047"/>
                 <a:gd name="connsiteX49" fmla="*/ 293701 w 1550743"/>
-                <a:gd name="connsiteY49" fmla="*/ 1257041 h 4241048"/>
+                <a:gd name="connsiteY49" fmla="*/ 1257041 h 4241047"/>
                 <a:gd name="connsiteX50" fmla="*/ 234961 w 1550743"/>
-                <a:gd name="connsiteY50" fmla="*/ 1186553 h 4241048"/>
+                <a:gd name="connsiteY50" fmla="*/ 1186553 h 4241047"/>
                 <a:gd name="connsiteX51" fmla="*/ 176220 w 1550743"/>
-                <a:gd name="connsiteY51" fmla="*/ 1163057 h 4241048"/>
+                <a:gd name="connsiteY51" fmla="*/ 1163057 h 4241047"/>
                 <a:gd name="connsiteX52" fmla="*/ 140976 w 1550743"/>
-                <a:gd name="connsiteY52" fmla="*/ 1116065 h 4241048"/>
+                <a:gd name="connsiteY52" fmla="*/ 1116065 h 4241047"/>
                 <a:gd name="connsiteX53" fmla="*/ 105732 w 1550743"/>
-                <a:gd name="connsiteY53" fmla="*/ 1080821 h 4241048"/>
+                <a:gd name="connsiteY53" fmla="*/ 1080820 h 4241047"/>
                 <a:gd name="connsiteX54" fmla="*/ 82236 w 1550743"/>
-                <a:gd name="connsiteY54" fmla="*/ 1010332 h 4241048"/>
+                <a:gd name="connsiteY54" fmla="*/ 1010332 h 4241047"/>
                 <a:gd name="connsiteX55" fmla="*/ 35244 w 1550743"/>
-                <a:gd name="connsiteY55" fmla="*/ 916348 h 4241048"/>
+                <a:gd name="connsiteY55" fmla="*/ 916348 h 4241047"/>
                 <a:gd name="connsiteX56" fmla="*/ 0 w 1550743"/>
-                <a:gd name="connsiteY56" fmla="*/ 810615 h 4241048"/>
+                <a:gd name="connsiteY56" fmla="*/ 810615 h 4241047"/>
                 <a:gd name="connsiteX57" fmla="*/ 11748 w 1550743"/>
-                <a:gd name="connsiteY57" fmla="*/ 657891 h 4241048"/>
+                <a:gd name="connsiteY57" fmla="*/ 657890 h 4241047"/>
                 <a:gd name="connsiteX58" fmla="*/ 23496 w 1550743"/>
-                <a:gd name="connsiteY58" fmla="*/ 622646 h 4241048"/>
+                <a:gd name="connsiteY58" fmla="*/ 622646 h 4241047"/>
                 <a:gd name="connsiteX59" fmla="*/ 129228 w 1550743"/>
-                <a:gd name="connsiteY59" fmla="*/ 481670 h 4241048"/>
+                <a:gd name="connsiteY59" fmla="*/ 481670 h 4241047"/>
                 <a:gd name="connsiteX60" fmla="*/ 140976 w 1550743"/>
-                <a:gd name="connsiteY60" fmla="*/ 446426 h 4241048"/>
+                <a:gd name="connsiteY60" fmla="*/ 446426 h 4241047"/>
                 <a:gd name="connsiteX61" fmla="*/ 187968 w 1550743"/>
-                <a:gd name="connsiteY61" fmla="*/ 399433 h 4241048"/>
+                <a:gd name="connsiteY61" fmla="*/ 399433 h 4241047"/>
                 <a:gd name="connsiteX62" fmla="*/ 246709 w 1550743"/>
-                <a:gd name="connsiteY62" fmla="*/ 317197 h 4241048"/>
+                <a:gd name="connsiteY62" fmla="*/ 317197 h 4241047"/>
                 <a:gd name="connsiteX63" fmla="*/ 364189 w 1550743"/>
-                <a:gd name="connsiteY63" fmla="*/ 211464 h 4241048"/>
+                <a:gd name="connsiteY63" fmla="*/ 211464 h 4241047"/>
                 <a:gd name="connsiteX64" fmla="*/ 399433 w 1550743"/>
-                <a:gd name="connsiteY64" fmla="*/ 152724 h 4241048"/>
+                <a:gd name="connsiteY64" fmla="*/ 152724 h 4241047"/>
                 <a:gd name="connsiteX65" fmla="*/ 469922 w 1550743"/>
-                <a:gd name="connsiteY65" fmla="*/ 82236 h 4241048"/>
+                <a:gd name="connsiteY65" fmla="*/ 82236 h 4241047"/>
                 <a:gd name="connsiteX66" fmla="*/ 575654 w 1550743"/>
-                <a:gd name="connsiteY66" fmla="*/ 23496 h 4241048"/>
+                <a:gd name="connsiteY66" fmla="*/ 23496 h 4241047"/>
                 <a:gd name="connsiteX67" fmla="*/ 575654 w 1550743"/>
-                <a:gd name="connsiteY67" fmla="*/ 0 h 4241048"/>
+                <a:gd name="connsiteY67" fmla="*/ 0 h 4241047"/>
               </a:gdLst>
               <a:ahLst/>
               <a:cxnLst>
@@ -22443,219 +23121,219 @@
               </a:cxnLst>
               <a:rect l="l" t="t" r="r" b="b"/>
               <a:pathLst>
-                <a:path w="1550743" h="4241048" extrusionOk="0">
+                <a:path w="1550743" h="4241047" extrusionOk="0">
                   <a:moveTo>
-                    <a:pt x="1550743" y="4241048"/>
+                    <a:pt x="1550743" y="4241047"/>
                   </a:moveTo>
                   <a:cubicBezTo>
-                    <a:pt x="1519596" y="4240597"/>
-                    <a:pt x="1490671" y="4234800"/>
-                    <a:pt x="1456758" y="4229299"/>
-                  </a:cubicBezTo>
-                  <a:cubicBezTo>
-                    <a:pt x="1446520" y="4225559"/>
-                    <a:pt x="1434184" y="4221264"/>
-                    <a:pt x="1421514" y="4217551"/>
-                  </a:cubicBezTo>
-                  <a:cubicBezTo>
-                    <a:pt x="1368409" y="4202377"/>
-                    <a:pt x="1370023" y="4209034"/>
-                    <a:pt x="1315781" y="4182307"/>
-                  </a:cubicBezTo>
-                  <a:cubicBezTo>
-                    <a:pt x="1293536" y="4171657"/>
-                    <a:pt x="1277025" y="4154549"/>
-                    <a:pt x="1257041" y="4147063"/>
-                  </a:cubicBezTo>
-                  <a:cubicBezTo>
-                    <a:pt x="1184835" y="4112319"/>
-                    <a:pt x="1237461" y="4156718"/>
-                    <a:pt x="1174805" y="4123567"/>
-                  </a:cubicBezTo>
-                  <a:cubicBezTo>
-                    <a:pt x="1162721" y="4118370"/>
-                    <a:pt x="1150352" y="4105764"/>
-                    <a:pt x="1139561" y="4100071"/>
-                  </a:cubicBezTo>
-                  <a:cubicBezTo>
-                    <a:pt x="1124209" y="4095369"/>
-                    <a:pt x="1107476" y="4091983"/>
-                    <a:pt x="1092568" y="4088323"/>
-                  </a:cubicBezTo>
-                  <a:cubicBezTo>
-                    <a:pt x="958016" y="4063264"/>
-                    <a:pt x="1092677" y="4089319"/>
-                    <a:pt x="975088" y="4053079"/>
-                  </a:cubicBezTo>
-                  <a:cubicBezTo>
-                    <a:pt x="887039" y="3997750"/>
-                    <a:pt x="1000635" y="4047783"/>
-                    <a:pt x="892852" y="4006086"/>
-                  </a:cubicBezTo>
-                  <a:cubicBezTo>
-                    <a:pt x="831096" y="3974103"/>
-                    <a:pt x="885111" y="3982099"/>
-                    <a:pt x="822363" y="3970842"/>
-                  </a:cubicBezTo>
-                  <a:cubicBezTo>
-                    <a:pt x="678949" y="3875931"/>
-                    <a:pt x="880540" y="3990363"/>
-                    <a:pt x="740127" y="3912102"/>
-                  </a:cubicBezTo>
-                  <a:cubicBezTo>
-                    <a:pt x="726633" y="3898069"/>
-                    <a:pt x="708666" y="3889879"/>
-                    <a:pt x="693135" y="3876858"/>
-                  </a:cubicBezTo>
-                  <a:cubicBezTo>
-                    <a:pt x="677890" y="3868175"/>
-                    <a:pt x="659805" y="3860602"/>
-                    <a:pt x="646142" y="3853362"/>
-                  </a:cubicBezTo>
-                  <a:cubicBezTo>
-                    <a:pt x="627340" y="3841453"/>
-                    <a:pt x="610774" y="3832169"/>
-                    <a:pt x="587402" y="3818118"/>
-                  </a:cubicBezTo>
-                  <a:cubicBezTo>
-                    <a:pt x="574724" y="3812426"/>
-                    <a:pt x="560818" y="3803292"/>
+                    <a:pt x="1519596" y="4240596"/>
+                    <a:pt x="1490671" y="4234799"/>
+                    <a:pt x="1456758" y="4229298"/>
+                  </a:cubicBezTo>
+                  <a:cubicBezTo>
+                    <a:pt x="1446520" y="4225558"/>
+                    <a:pt x="1434184" y="4221263"/>
+                    <a:pt x="1421514" y="4217550"/>
+                  </a:cubicBezTo>
+                  <a:cubicBezTo>
+                    <a:pt x="1368409" y="4202376"/>
+                    <a:pt x="1370023" y="4209033"/>
+                    <a:pt x="1315781" y="4182306"/>
+                  </a:cubicBezTo>
+                  <a:cubicBezTo>
+                    <a:pt x="1293536" y="4171656"/>
+                    <a:pt x="1277025" y="4154548"/>
+                    <a:pt x="1257041" y="4147062"/>
+                  </a:cubicBezTo>
+                  <a:cubicBezTo>
+                    <a:pt x="1184835" y="4112318"/>
+                    <a:pt x="1237461" y="4156717"/>
+                    <a:pt x="1174805" y="4123566"/>
+                  </a:cubicBezTo>
+                  <a:cubicBezTo>
+                    <a:pt x="1162721" y="4118369"/>
+                    <a:pt x="1150352" y="4105763"/>
+                    <a:pt x="1139561" y="4100070"/>
+                  </a:cubicBezTo>
+                  <a:cubicBezTo>
+                    <a:pt x="1124209" y="4095368"/>
+                    <a:pt x="1107476" y="4091982"/>
+                    <a:pt x="1092568" y="4088322"/>
+                  </a:cubicBezTo>
+                  <a:cubicBezTo>
+                    <a:pt x="958016" y="4063263"/>
+                    <a:pt x="1092677" y="4089318"/>
+                    <a:pt x="975088" y="4053078"/>
+                  </a:cubicBezTo>
+                  <a:cubicBezTo>
+                    <a:pt x="887039" y="3997749"/>
+                    <a:pt x="1000635" y="4047782"/>
+                    <a:pt x="892852" y="4006085"/>
+                  </a:cubicBezTo>
+                  <a:cubicBezTo>
+                    <a:pt x="831096" y="3974102"/>
+                    <a:pt x="885111" y="3982098"/>
+                    <a:pt x="822363" y="3970841"/>
+                  </a:cubicBezTo>
+                  <a:cubicBezTo>
+                    <a:pt x="678949" y="3875930"/>
+                    <a:pt x="880540" y="3990362"/>
+                    <a:pt x="740127" y="3912101"/>
+                  </a:cubicBezTo>
+                  <a:cubicBezTo>
+                    <a:pt x="726633" y="3898068"/>
+                    <a:pt x="708666" y="3889878"/>
+                    <a:pt x="693135" y="3876857"/>
+                  </a:cubicBezTo>
+                  <a:cubicBezTo>
+                    <a:pt x="677325" y="3869035"/>
+                    <a:pt x="660533" y="3861161"/>
+                    <a:pt x="646142" y="3853361"/>
+                  </a:cubicBezTo>
+                  <a:cubicBezTo>
+                    <a:pt x="627340" y="3841452"/>
+                    <a:pt x="610774" y="3832168"/>
+                    <a:pt x="587402" y="3818117"/>
+                  </a:cubicBezTo>
+                  <a:cubicBezTo>
+                    <a:pt x="574978" y="3811780"/>
+                    <a:pt x="560892" y="3803322"/>
                     <a:pt x="552158" y="3794621"/>
                   </a:cubicBezTo>
                   <a:cubicBezTo>
-                    <a:pt x="438132" y="3687729"/>
-                    <a:pt x="508088" y="3740194"/>
-                    <a:pt x="434677" y="3700637"/>
-                  </a:cubicBezTo>
-                  <a:cubicBezTo>
-                    <a:pt x="409767" y="3627653"/>
-                    <a:pt x="440689" y="3703493"/>
-                    <a:pt x="375937" y="3618401"/>
-                  </a:cubicBezTo>
-                  <a:cubicBezTo>
-                    <a:pt x="344385" y="3580312"/>
-                    <a:pt x="337115" y="3556539"/>
-                    <a:pt x="317197" y="3512668"/>
-                  </a:cubicBezTo>
-                  <a:cubicBezTo>
-                    <a:pt x="311483" y="3500730"/>
-                    <a:pt x="302730" y="3486956"/>
-                    <a:pt x="293701" y="3477424"/>
-                  </a:cubicBezTo>
-                  <a:cubicBezTo>
-                    <a:pt x="256571" y="3266186"/>
-                    <a:pt x="281200" y="3527235"/>
+                    <a:pt x="438132" y="3687728"/>
+                    <a:pt x="508088" y="3740193"/>
+                    <a:pt x="434677" y="3700636"/>
+                  </a:cubicBezTo>
+                  <a:cubicBezTo>
+                    <a:pt x="409767" y="3627652"/>
+                    <a:pt x="440689" y="3703492"/>
+                    <a:pt x="375937" y="3618400"/>
+                  </a:cubicBezTo>
+                  <a:cubicBezTo>
+                    <a:pt x="344385" y="3580311"/>
+                    <a:pt x="337115" y="3556538"/>
+                    <a:pt x="317197" y="3512667"/>
+                  </a:cubicBezTo>
+                  <a:cubicBezTo>
+                    <a:pt x="311483" y="3500729"/>
+                    <a:pt x="302730" y="3486955"/>
+                    <a:pt x="293701" y="3477423"/>
+                  </a:cubicBezTo>
+                  <a:cubicBezTo>
+                    <a:pt x="255243" y="3264320"/>
+                    <a:pt x="270545" y="3526465"/>
                     <a:pt x="270205" y="3348195"/>
                   </a:cubicBezTo>
                   <a:cubicBezTo>
                     <a:pt x="266110" y="3325288"/>
-                    <a:pt x="264812" y="3303716"/>
-                    <a:pt x="258457" y="3277707"/>
-                  </a:cubicBezTo>
-                  <a:cubicBezTo>
-                    <a:pt x="272815" y="3094728"/>
-                    <a:pt x="256180" y="3193371"/>
-                    <a:pt x="305449" y="3054494"/>
+                    <a:pt x="264812" y="3303715"/>
+                    <a:pt x="258457" y="3277706"/>
+                  </a:cubicBezTo>
+                  <a:cubicBezTo>
+                    <a:pt x="272815" y="3094727"/>
+                    <a:pt x="256180" y="3193370"/>
+                    <a:pt x="305449" y="3054493"/>
                   </a:cubicBezTo>
                   <a:cubicBezTo>
                     <a:pt x="310835" y="3042061"/>
-                    <a:pt x="310760" y="3028656"/>
-                    <a:pt x="317197" y="3019250"/>
-                  </a:cubicBezTo>
-                  <a:cubicBezTo>
-                    <a:pt x="334884" y="2995790"/>
-                    <a:pt x="356367" y="2975203"/>
+                    <a:pt x="310760" y="3028655"/>
+                    <a:pt x="317197" y="3019249"/>
+                  </a:cubicBezTo>
+                  <a:cubicBezTo>
+                    <a:pt x="335458" y="2997371"/>
+                    <a:pt x="355506" y="2977700"/>
                     <a:pt x="375937" y="2948761"/>
                   </a:cubicBezTo>
                   <a:cubicBezTo>
-                    <a:pt x="410172" y="2903598"/>
-                    <a:pt x="385273" y="2913471"/>
-                    <a:pt x="434677" y="2878273"/>
-                  </a:cubicBezTo>
-                  <a:cubicBezTo>
-                    <a:pt x="445518" y="2867799"/>
-                    <a:pt x="460297" y="2863664"/>
-                    <a:pt x="469922" y="2854777"/>
-                  </a:cubicBezTo>
-                  <a:cubicBezTo>
-                    <a:pt x="482643" y="2842870"/>
-                    <a:pt x="490462" y="2822225"/>
-                    <a:pt x="505166" y="2807785"/>
-                  </a:cubicBezTo>
-                  <a:cubicBezTo>
-                    <a:pt x="567919" y="2749166"/>
-                    <a:pt x="586316" y="2758543"/>
+                    <a:pt x="410443" y="2901600"/>
+                    <a:pt x="387588" y="2916846"/>
+                    <a:pt x="434677" y="2878272"/>
+                  </a:cubicBezTo>
+                  <a:cubicBezTo>
+                    <a:pt x="445520" y="2868114"/>
+                    <a:pt x="460706" y="2862416"/>
+                    <a:pt x="469922" y="2854776"/>
+                  </a:cubicBezTo>
+                  <a:cubicBezTo>
+                    <a:pt x="482643" y="2842869"/>
+                    <a:pt x="490462" y="2822224"/>
+                    <a:pt x="505166" y="2807784"/>
+                  </a:cubicBezTo>
+                  <a:cubicBezTo>
+                    <a:pt x="567919" y="2749165"/>
+                    <a:pt x="586316" y="2758542"/>
                     <a:pt x="646142" y="2678556"/>
                   </a:cubicBezTo>
                   <a:cubicBezTo>
-                    <a:pt x="650690" y="2659414"/>
-                    <a:pt x="673850" y="2633975"/>
-                    <a:pt x="693135" y="2608068"/>
-                  </a:cubicBezTo>
-                  <a:cubicBezTo>
-                    <a:pt x="700382" y="2596399"/>
-                    <a:pt x="705659" y="2585114"/>
-                    <a:pt x="716631" y="2572824"/>
-                  </a:cubicBezTo>
-                  <a:cubicBezTo>
-                    <a:pt x="727884" y="2561369"/>
-                    <a:pt x="740596" y="2553081"/>
+                    <a:pt x="666411" y="2657191"/>
+                    <a:pt x="678760" y="2616772"/>
+                    <a:pt x="693135" y="2608067"/>
+                  </a:cubicBezTo>
+                  <a:cubicBezTo>
+                    <a:pt x="700382" y="2596398"/>
+                    <a:pt x="705659" y="2585113"/>
+                    <a:pt x="716631" y="2572823"/>
+                  </a:cubicBezTo>
+                  <a:cubicBezTo>
+                    <a:pt x="726004" y="2562478"/>
+                    <a:pt x="740553" y="2553127"/>
                     <a:pt x="751875" y="2537579"/>
                   </a:cubicBezTo>
                   <a:cubicBezTo>
-                    <a:pt x="768060" y="2513008"/>
-                    <a:pt x="781382" y="2482844"/>
+                    <a:pt x="765313" y="2514857"/>
+                    <a:pt x="778496" y="2483836"/>
                     <a:pt x="798867" y="2455343"/>
                   </a:cubicBezTo>
                   <a:cubicBezTo>
-                    <a:pt x="805202" y="2443666"/>
-                    <a:pt x="814521" y="2433623"/>
-                    <a:pt x="822363" y="2420099"/>
-                  </a:cubicBezTo>
-                  <a:cubicBezTo>
-                    <a:pt x="848241" y="2367334"/>
-                    <a:pt x="835468" y="2387147"/>
-                    <a:pt x="857607" y="2337863"/>
-                  </a:cubicBezTo>
-                  <a:cubicBezTo>
-                    <a:pt x="865478" y="2316871"/>
-                    <a:pt x="875074" y="2299400"/>
+                    <a:pt x="804708" y="2443892"/>
+                    <a:pt x="814093" y="2434269"/>
+                    <a:pt x="822363" y="2420098"/>
+                  </a:cubicBezTo>
+                  <a:cubicBezTo>
+                    <a:pt x="848241" y="2367333"/>
+                    <a:pt x="835468" y="2387146"/>
+                    <a:pt x="857607" y="2337862"/>
+                  </a:cubicBezTo>
+                  <a:cubicBezTo>
+                    <a:pt x="866241" y="2314830"/>
+                    <a:pt x="876561" y="2300032"/>
                     <a:pt x="881103" y="2279122"/>
                   </a:cubicBezTo>
                   <a:cubicBezTo>
-                    <a:pt x="893701" y="2243620"/>
-                    <a:pt x="899067" y="2191739"/>
-                    <a:pt x="904600" y="2161642"/>
-                  </a:cubicBezTo>
-                  <a:cubicBezTo>
-                    <a:pt x="829336" y="1706126"/>
-                    <a:pt x="901003" y="1949981"/>
+                    <a:pt x="894249" y="2243349"/>
+                    <a:pt x="899029" y="2192443"/>
+                    <a:pt x="904600" y="2161641"/>
+                  </a:cubicBezTo>
+                  <a:cubicBezTo>
+                    <a:pt x="838828" y="1713061"/>
+                    <a:pt x="916293" y="1934173"/>
                     <a:pt x="834111" y="1785704"/>
                   </a:cubicBezTo>
                   <a:cubicBezTo>
                     <a:pt x="818122" y="1765472"/>
-                    <a:pt x="812262" y="1747951"/>
-                    <a:pt x="798867" y="1726964"/>
-                  </a:cubicBezTo>
-                  <a:cubicBezTo>
-                    <a:pt x="778304" y="1702996"/>
+                    <a:pt x="812262" y="1747950"/>
+                    <a:pt x="798867" y="1726963"/>
+                  </a:cubicBezTo>
+                  <a:cubicBezTo>
+                    <a:pt x="778304" y="1702995"/>
                     <a:pt x="756557" y="1682109"/>
                     <a:pt x="728379" y="1656475"/>
                   </a:cubicBezTo>
                   <a:cubicBezTo>
-                    <a:pt x="666246" y="1595610"/>
-                    <a:pt x="751453" y="1647531"/>
+                    <a:pt x="668168" y="1594415"/>
+                    <a:pt x="755567" y="1648147"/>
                     <a:pt x="669639" y="1597735"/>
                   </a:cubicBezTo>
                   <a:cubicBezTo>
-                    <a:pt x="660212" y="1581087"/>
-                    <a:pt x="643982" y="1558595"/>
-                    <a:pt x="634394" y="1538995"/>
-                  </a:cubicBezTo>
-                  <a:cubicBezTo>
-                    <a:pt x="627285" y="1526032"/>
-                    <a:pt x="620878" y="1512372"/>
-                    <a:pt x="610898" y="1503751"/>
+                    <a:pt x="659714" y="1580458"/>
+                    <a:pt x="643060" y="1558682"/>
+                    <a:pt x="634394" y="1538994"/>
+                  </a:cubicBezTo>
+                  <a:cubicBezTo>
+                    <a:pt x="627285" y="1526031"/>
+                    <a:pt x="620878" y="1512371"/>
+                    <a:pt x="610898" y="1503750"/>
                   </a:cubicBezTo>
                   <a:cubicBezTo>
                     <a:pt x="598174" y="1493004"/>
@@ -22668,33 +23346,33 @@
                     <a:pt x="493418" y="1433262"/>
                   </a:cubicBezTo>
                   <a:cubicBezTo>
-                    <a:pt x="476222" y="1419079"/>
-                    <a:pt x="462997" y="1409632"/>
+                    <a:pt x="477200" y="1420633"/>
+                    <a:pt x="465311" y="1411309"/>
                     <a:pt x="446426" y="1398018"/>
                   </a:cubicBezTo>
                   <a:cubicBezTo>
-                    <a:pt x="423291" y="1381824"/>
+                    <a:pt x="423291" y="1381823"/>
                     <a:pt x="375936" y="1351027"/>
                     <a:pt x="375937" y="1351026"/>
                   </a:cubicBezTo>
                   <a:cubicBezTo>
-                    <a:pt x="366781" y="1338510"/>
-                    <a:pt x="361584" y="1324585"/>
-                    <a:pt x="352441" y="1315782"/>
+                    <a:pt x="367025" y="1338652"/>
+                    <a:pt x="363291" y="1324600"/>
+                    <a:pt x="352441" y="1315781"/>
                   </a:cubicBezTo>
                   <a:cubicBezTo>
                     <a:pt x="344541" y="1309620"/>
-                    <a:pt x="324650" y="1312691"/>
-                    <a:pt x="317197" y="1304034"/>
-                  </a:cubicBezTo>
-                  <a:cubicBezTo>
-                    <a:pt x="304934" y="1291403"/>
-                    <a:pt x="303441" y="1271223"/>
+                    <a:pt x="324650" y="1312690"/>
+                    <a:pt x="317197" y="1304033"/>
+                  </a:cubicBezTo>
+                  <a:cubicBezTo>
+                    <a:pt x="305729" y="1289770"/>
+                    <a:pt x="302667" y="1271977"/>
                     <a:pt x="293701" y="1257041"/>
                   </a:cubicBezTo>
                   <a:cubicBezTo>
-                    <a:pt x="282460" y="1230388"/>
-                    <a:pt x="258109" y="1199024"/>
+                    <a:pt x="281953" y="1232049"/>
+                    <a:pt x="256833" y="1199870"/>
                     <a:pt x="234961" y="1186553"/>
                   </a:cubicBezTo>
                   <a:cubicBezTo>
@@ -22703,14 +23381,14 @@
                     <a:pt x="176220" y="1163057"/>
                   </a:cubicBezTo>
                   <a:cubicBezTo>
-                    <a:pt x="166590" y="1148125"/>
-                    <a:pt x="156751" y="1128887"/>
+                    <a:pt x="166790" y="1148195"/>
+                    <a:pt x="153974" y="1130759"/>
                     <a:pt x="140976" y="1116065"/>
                   </a:cubicBezTo>
                   <a:cubicBezTo>
-                    <a:pt x="132422" y="1101253"/>
-                    <a:pt x="116076" y="1094827"/>
-                    <a:pt x="105732" y="1080821"/>
+                    <a:pt x="131490" y="1102159"/>
+                    <a:pt x="114459" y="1095194"/>
+                    <a:pt x="105732" y="1080820"/>
                   </a:cubicBezTo>
                   <a:cubicBezTo>
                     <a:pt x="92017" y="1058895"/>
@@ -22728,9 +23406,9 @@
                     <a:pt x="0" y="810615"/>
                   </a:cubicBezTo>
                   <a:cubicBezTo>
-                    <a:pt x="-2806" y="764891"/>
-                    <a:pt x="3961" y="698522"/>
-                    <a:pt x="11748" y="657891"/>
+                    <a:pt x="2280" y="760969"/>
+                    <a:pt x="4143" y="699781"/>
+                    <a:pt x="11748" y="657890"/>
                   </a:cubicBezTo>
                   <a:cubicBezTo>
                     <a:pt x="13289" y="646168"/>
@@ -22748,7 +23426,7 @@
                     <a:pt x="140976" y="446426"/>
                   </a:cubicBezTo>
                   <a:cubicBezTo>
-                    <a:pt x="155042" y="428099"/>
+                    <a:pt x="155042" y="428098"/>
                     <a:pt x="174240" y="413507"/>
                     <a:pt x="187968" y="399433"/>
                   </a:cubicBezTo>
@@ -24247,13 +24925,13 @@
   <p:clrMapOvr>
     <a:masterClrMapping/>
   </p:clrMapOvr>
-  <mc:AlternateContent xmlns:mc="http://schemas.openxmlformats.org/markup-compatibility/2006">
-    <mc:Choice xmlns:p159="http://schemas.microsoft.com/office/powerpoint/2015/09/main" Requires="p159">
+  <mc:AlternateContent xmlns:mc="http://schemas.openxmlformats.org/markup-compatibility/2006" xmlns:p159="http://schemas.microsoft.com/office/powerpoint/2015/09/main">
+    <mc:Choice Requires="p159">
       <p:transition xmlns:p14="http://schemas.microsoft.com/office/powerpoint/2010/main" spd="slow" p14:dur="2000">
         <p159:morph option="byObject"/>
       </p:transition>
     </mc:Choice>
-    <mc:Fallback>
+    <mc:Fallback xmlns="">
       <p:transition spd="slow">
         <p:fade/>
       </p:transition>
@@ -24262,7 +24940,7 @@
 </p:sld>
 </file>
 
-<file path=ppt/slides/slide25.xml><?xml version="1.0" encoding="utf-8"?>
+<file path=ppt/slides/slide26.xml><?xml version="1.0" encoding="utf-8"?>
 <p:sld xmlns:a="http://schemas.openxmlformats.org/drawingml/2006/main" xmlns:r="http://schemas.openxmlformats.org/officeDocument/2006/relationships" xmlns:p="http://schemas.openxmlformats.org/presentationml/2006/main">
   <p:cSld>
     <p:spTree>
@@ -28144,13 +28822,13 @@
   <p:clrMapOvr>
     <a:masterClrMapping/>
   </p:clrMapOvr>
-  <mc:AlternateContent xmlns:mc="http://schemas.openxmlformats.org/markup-compatibility/2006">
-    <mc:Choice xmlns:p14="http://schemas.microsoft.com/office/powerpoint/2010/main" Requires="p14">
+  <mc:AlternateContent xmlns:mc="http://schemas.openxmlformats.org/markup-compatibility/2006" xmlns:p14="http://schemas.microsoft.com/office/powerpoint/2010/main">
+    <mc:Choice Requires="p14">
       <p:transition spd="slow" p14:dur="1500">
         <p:wipe dir="r"/>
       </p:transition>
     </mc:Choice>
-    <mc:Fallback>
+    <mc:Fallback xmlns="">
       <p:transition spd="slow">
         <p:wipe dir="r"/>
       </p:transition>
@@ -28159,7 +28837,7 @@
 </p:sld>
 </file>
 
-<file path=ppt/slides/slide26.xml><?xml version="1.0" encoding="utf-8"?>
+<file path=ppt/slides/slide27.xml><?xml version="1.0" encoding="utf-8"?>
 <p:sld xmlns:a="http://schemas.openxmlformats.org/drawingml/2006/main" xmlns:r="http://schemas.openxmlformats.org/officeDocument/2006/relationships" xmlns:p="http://schemas.openxmlformats.org/presentationml/2006/main">
   <p:cSld>
     <p:spTree>
@@ -32041,13 +32719,13 @@
   <p:clrMapOvr>
     <a:masterClrMapping/>
   </p:clrMapOvr>
-  <mc:AlternateContent xmlns:mc="http://schemas.openxmlformats.org/markup-compatibility/2006">
-    <mc:Choice xmlns:p14="http://schemas.microsoft.com/office/powerpoint/2010/main" Requires="p14">
+  <mc:AlternateContent xmlns:mc="http://schemas.openxmlformats.org/markup-compatibility/2006" xmlns:p14="http://schemas.microsoft.com/office/powerpoint/2010/main">
+    <mc:Choice Requires="p14">
       <p:transition spd="slow" p14:dur="1500">
         <p:wipe dir="r"/>
       </p:transition>
     </mc:Choice>
-    <mc:Fallback>
+    <mc:Fallback xmlns="">
       <p:transition spd="slow">
         <p:wipe dir="r"/>
       </p:transition>
@@ -32056,7 +32734,7 @@
 </p:sld>
 </file>
 
-<file path=ppt/slides/slide27.xml><?xml version="1.0" encoding="utf-8"?>
+<file path=ppt/slides/slide28.xml><?xml version="1.0" encoding="utf-8"?>
 <p:sld xmlns:a="http://schemas.openxmlformats.org/drawingml/2006/main" xmlns:r="http://schemas.openxmlformats.org/officeDocument/2006/relationships" xmlns:p="http://schemas.openxmlformats.org/presentationml/2006/main">
   <p:cSld>
     <p:spTree>
@@ -35938,13 +36616,13 @@
   <p:clrMapOvr>
     <a:masterClrMapping/>
   </p:clrMapOvr>
-  <mc:AlternateContent xmlns:mc="http://schemas.openxmlformats.org/markup-compatibility/2006">
-    <mc:Choice xmlns:p14="http://schemas.microsoft.com/office/powerpoint/2010/main" Requires="p14">
+  <mc:AlternateContent xmlns:mc="http://schemas.openxmlformats.org/markup-compatibility/2006" xmlns:p14="http://schemas.microsoft.com/office/powerpoint/2010/main">
+    <mc:Choice Requires="p14">
       <p:transition spd="slow" p14:dur="1500">
         <p:wipe dir="r"/>
       </p:transition>
     </mc:Choice>
-    <mc:Fallback>
+    <mc:Fallback xmlns="">
       <p:transition spd="slow">
         <p:wipe dir="r"/>
       </p:transition>
@@ -35953,7 +36631,7 @@
 </p:sld>
 </file>
 
-<file path=ppt/slides/slide28.xml><?xml version="1.0" encoding="utf-8"?>
+<file path=ppt/slides/slide29.xml><?xml version="1.0" encoding="utf-8"?>
 <p:sld xmlns:a="http://schemas.openxmlformats.org/drawingml/2006/main" xmlns:r="http://schemas.openxmlformats.org/officeDocument/2006/relationships" xmlns:p="http://schemas.openxmlformats.org/presentationml/2006/main">
   <p:cSld>
     <p:spTree>
@@ -39184,7 +39862,7 @@
             <a:prstGeom prst="straightConnector1">
               <a:avLst/>
             </a:prstGeom>
-            <a:ln w="12700">
+            <a:ln w="22225">
               <a:solidFill>
                 <a:srgbClr val="FEFFB3"/>
               </a:solidFill>
@@ -39217,13 +39895,13 @@
   <p:clrMapOvr>
     <a:masterClrMapping/>
   </p:clrMapOvr>
-  <mc:AlternateContent xmlns:mc="http://schemas.openxmlformats.org/markup-compatibility/2006">
-    <mc:Choice xmlns:p14="http://schemas.microsoft.com/office/powerpoint/2010/main" Requires="p14">
+  <mc:AlternateContent xmlns:mc="http://schemas.openxmlformats.org/markup-compatibility/2006" xmlns:p14="http://schemas.microsoft.com/office/powerpoint/2010/main">
+    <mc:Choice Requires="p14">
       <p:transition spd="slow" p14:dur="1500">
         <p:split orient="vert" dir="in"/>
       </p:transition>
     </mc:Choice>
-    <mc:Fallback>
+    <mc:Fallback xmlns="">
       <p:transition spd="slow">
         <p:split orient="vert" dir="in"/>
       </p:transition>
@@ -39232,7 +39910,120 @@
 </p:sld>
 </file>
 
-<file path=ppt/slides/slide29.xml><?xml version="1.0" encoding="utf-8"?>
+<file path=ppt/slides/slide3.xml><?xml version="1.0" encoding="utf-8"?>
+<p:sld xmlns:a="http://schemas.openxmlformats.org/drawingml/2006/main" xmlns:r="http://schemas.openxmlformats.org/officeDocument/2006/relationships" xmlns:p="http://schemas.openxmlformats.org/presentationml/2006/main">
+  <p:cSld>
+    <p:spTree>
+      <p:nvGrpSpPr>
+        <p:cNvPr id="1" name=""/>
+        <p:cNvGrpSpPr/>
+        <p:nvPr/>
+      </p:nvGrpSpPr>
+      <p:grpSpPr>
+        <a:xfrm>
+          <a:off x="0" y="0"/>
+          <a:ext cx="0" cy="0"/>
+          <a:chOff x="0" y="0"/>
+          <a:chExt cx="0" cy="0"/>
+        </a:xfrm>
+      </p:grpSpPr>
+      <p:sp>
+        <p:nvSpPr>
+          <p:cNvPr id="4" name="Title 1">
+            <a:extLst>
+              <a:ext uri="{FF2B5EF4-FFF2-40B4-BE49-F238E27FC236}">
+                <a16:creationId xmlns:a16="http://schemas.microsoft.com/office/drawing/2014/main" id="{1EB72470-1A7A-963E-80FC-4024C0C89D90}"/>
+              </a:ext>
+            </a:extLst>
+          </p:cNvPr>
+          <p:cNvSpPr>
+            <a:spLocks noGrp="1"/>
+          </p:cNvSpPr>
+          <p:nvPr>
+            <p:ph type="title"/>
+          </p:nvPr>
+        </p:nvSpPr>
+        <p:spPr>
+          <a:xfrm>
+            <a:off x="1143000" y="872935"/>
+            <a:ext cx="9905999" cy="1360898"/>
+          </a:xfrm>
+        </p:spPr>
+        <p:txBody>
+          <a:bodyPr/>
+          <a:lstStyle/>
+          <a:p>
+            <a:r>
+              <a:rPr lang="en-US" dirty="0"/>
+              <a:t>Longest Safely Traversable Distance</a:t>
+            </a:r>
+          </a:p>
+        </p:txBody>
+      </p:sp>
+      <p:sp>
+        <p:nvSpPr>
+          <p:cNvPr id="5" name="Content Placeholder 2">
+            <a:extLst>
+              <a:ext uri="{FF2B5EF4-FFF2-40B4-BE49-F238E27FC236}">
+                <a16:creationId xmlns:a16="http://schemas.microsoft.com/office/drawing/2014/main" id="{E6E111C7-A4DE-ABB0-668E-F0925C428E91}"/>
+              </a:ext>
+            </a:extLst>
+          </p:cNvPr>
+          <p:cNvSpPr>
+            <a:spLocks noGrp="1"/>
+          </p:cNvSpPr>
+          <p:nvPr>
+            <p:ph idx="1"/>
+          </p:nvPr>
+        </p:nvSpPr>
+        <p:spPr>
+          <a:xfrm>
+            <a:off x="1143000" y="3429000"/>
+            <a:ext cx="9905999" cy="652474"/>
+          </a:xfrm>
+        </p:spPr>
+        <p:txBody>
+          <a:bodyPr>
+            <a:normAutofit/>
+          </a:bodyPr>
+          <a:lstStyle/>
+          <a:p>
+            <a:pPr marL="0" indent="0" algn="ctr">
+              <a:buNone/>
+            </a:pPr>
+            <a:r>
+              <a:rPr lang="en-US" sz="2800" dirty="0"/>
+              <a:t>Get the LiDAR scans from the sensors</a:t>
+            </a:r>
+          </a:p>
+        </p:txBody>
+      </p:sp>
+    </p:spTree>
+    <p:extLst>
+      <p:ext uri="{BB962C8B-B14F-4D97-AF65-F5344CB8AC3E}">
+        <p14:creationId xmlns:p14="http://schemas.microsoft.com/office/powerpoint/2010/main" val="1370521046"/>
+      </p:ext>
+    </p:extLst>
+  </p:cSld>
+  <p:clrMapOvr>
+    <a:masterClrMapping/>
+  </p:clrMapOvr>
+  <mc:AlternateContent xmlns:mc="http://schemas.openxmlformats.org/markup-compatibility/2006" xmlns:p159="http://schemas.microsoft.com/office/powerpoint/2015/09/main">
+    <mc:Choice Requires="p159">
+      <p:transition xmlns:p14="http://schemas.microsoft.com/office/powerpoint/2010/main" spd="slow" p14:dur="2000">
+        <p159:morph option="byObject"/>
+      </p:transition>
+    </mc:Choice>
+    <mc:Fallback xmlns="">
+      <p:transition spd="slow">
+        <p:fade/>
+      </p:transition>
+    </mc:Fallback>
+  </mc:AlternateContent>
+</p:sld>
+</file>
+
+<file path=ppt/slides/slide30.xml><?xml version="1.0" encoding="utf-8"?>
 <p:sld xmlns:a="http://schemas.openxmlformats.org/drawingml/2006/main" xmlns:r="http://schemas.openxmlformats.org/officeDocument/2006/relationships" xmlns:p="http://schemas.openxmlformats.org/presentationml/2006/main">
   <p:cSld>
     <p:spTree>
@@ -39555,6 +40346,16 @@
                   <a:pt x="353165" y="11994"/>
                 </a:moveTo>
                 <a:cubicBezTo>
+                  <a:pt x="424033" y="-1899"/>
+                  <a:pt x="483519" y="-6668"/>
+                  <a:pt x="545950" y="8697"/>
+                </a:cubicBezTo>
+              </a:path>
+              <a:path w="914400" h="914400" fill="none" stroke="0" extrusionOk="0">
+                <a:moveTo>
+                  <a:pt x="353165" y="11994"/>
+                </a:moveTo>
+                <a:cubicBezTo>
                   <a:pt x="406179" y="-8422"/>
                   <a:pt x="486196" y="-2004"/>
                   <a:pt x="545950" y="8697"/>
@@ -39821,13 +40622,13 @@
   <p:clrMapOvr>
     <a:masterClrMapping/>
   </p:clrMapOvr>
-  <mc:AlternateContent xmlns:mc="http://schemas.openxmlformats.org/markup-compatibility/2006">
-    <mc:Choice xmlns:p14="http://schemas.microsoft.com/office/powerpoint/2010/main" Requires="p14">
+  <mc:AlternateContent xmlns:mc="http://schemas.openxmlformats.org/markup-compatibility/2006" xmlns:p14="http://schemas.microsoft.com/office/powerpoint/2010/main">
+    <mc:Choice Requires="p14">
       <p:transition spd="med" p14:dur="700">
         <p:fade/>
       </p:transition>
     </mc:Choice>
-    <mc:Fallback>
+    <mc:Fallback xmlns="">
       <p:transition spd="med">
         <p:fade/>
       </p:transition>
@@ -39836,120 +40637,7 @@
 </p:sld>
 </file>
 
-<file path=ppt/slides/slide3.xml><?xml version="1.0" encoding="utf-8"?>
-<p:sld xmlns:a="http://schemas.openxmlformats.org/drawingml/2006/main" xmlns:r="http://schemas.openxmlformats.org/officeDocument/2006/relationships" xmlns:p="http://schemas.openxmlformats.org/presentationml/2006/main">
-  <p:cSld>
-    <p:spTree>
-      <p:nvGrpSpPr>
-        <p:cNvPr id="1" name=""/>
-        <p:cNvGrpSpPr/>
-        <p:nvPr/>
-      </p:nvGrpSpPr>
-      <p:grpSpPr>
-        <a:xfrm>
-          <a:off x="0" y="0"/>
-          <a:ext cx="0" cy="0"/>
-          <a:chOff x="0" y="0"/>
-          <a:chExt cx="0" cy="0"/>
-        </a:xfrm>
-      </p:grpSpPr>
-      <p:sp>
-        <p:nvSpPr>
-          <p:cNvPr id="4" name="Title 1">
-            <a:extLst>
-              <a:ext uri="{FF2B5EF4-FFF2-40B4-BE49-F238E27FC236}">
-                <a16:creationId xmlns:a16="http://schemas.microsoft.com/office/drawing/2014/main" id="{1EB72470-1A7A-963E-80FC-4024C0C89D90}"/>
-              </a:ext>
-            </a:extLst>
-          </p:cNvPr>
-          <p:cNvSpPr>
-            <a:spLocks noGrp="1"/>
-          </p:cNvSpPr>
-          <p:nvPr>
-            <p:ph type="title"/>
-          </p:nvPr>
-        </p:nvSpPr>
-        <p:spPr>
-          <a:xfrm>
-            <a:off x="1143000" y="872935"/>
-            <a:ext cx="9905999" cy="1360898"/>
-          </a:xfrm>
-        </p:spPr>
-        <p:txBody>
-          <a:bodyPr/>
-          <a:lstStyle/>
-          <a:p>
-            <a:r>
-              <a:rPr lang="en-US" dirty="0"/>
-              <a:t>Longest Safely Traversable Distance</a:t>
-            </a:r>
-          </a:p>
-        </p:txBody>
-      </p:sp>
-      <p:sp>
-        <p:nvSpPr>
-          <p:cNvPr id="5" name="Content Placeholder 2">
-            <a:extLst>
-              <a:ext uri="{FF2B5EF4-FFF2-40B4-BE49-F238E27FC236}">
-                <a16:creationId xmlns:a16="http://schemas.microsoft.com/office/drawing/2014/main" id="{E6E111C7-A4DE-ABB0-668E-F0925C428E91}"/>
-              </a:ext>
-            </a:extLst>
-          </p:cNvPr>
-          <p:cNvSpPr>
-            <a:spLocks noGrp="1"/>
-          </p:cNvSpPr>
-          <p:nvPr>
-            <p:ph idx="1"/>
-          </p:nvPr>
-        </p:nvSpPr>
-        <p:spPr>
-          <a:xfrm>
-            <a:off x="1143000" y="3429000"/>
-            <a:ext cx="9905999" cy="652474"/>
-          </a:xfrm>
-        </p:spPr>
-        <p:txBody>
-          <a:bodyPr>
-            <a:normAutofit/>
-          </a:bodyPr>
-          <a:lstStyle/>
-          <a:p>
-            <a:pPr marL="0" indent="0" algn="ctr">
-              <a:buNone/>
-            </a:pPr>
-            <a:r>
-              <a:rPr lang="en-US" sz="2800" dirty="0"/>
-              <a:t>Get the LiDAR scans from the sensors</a:t>
-            </a:r>
-          </a:p>
-        </p:txBody>
-      </p:sp>
-    </p:spTree>
-    <p:extLst>
-      <p:ext uri="{BB962C8B-B14F-4D97-AF65-F5344CB8AC3E}">
-        <p14:creationId xmlns:p14="http://schemas.microsoft.com/office/powerpoint/2010/main" val="1370521046"/>
-      </p:ext>
-    </p:extLst>
-  </p:cSld>
-  <p:clrMapOvr>
-    <a:masterClrMapping/>
-  </p:clrMapOvr>
-  <mc:AlternateContent xmlns:mc="http://schemas.openxmlformats.org/markup-compatibility/2006" xmlns:p159="http://schemas.microsoft.com/office/powerpoint/2015/09/main">
-    <mc:Choice Requires="p159">
-      <p:transition xmlns:p14="http://schemas.microsoft.com/office/powerpoint/2010/main" spd="slow" p14:dur="2000">
-        <p159:morph option="byObject"/>
-      </p:transition>
-    </mc:Choice>
-    <mc:Fallback xmlns="">
-      <p:transition spd="slow">
-        <p:fade/>
-      </p:transition>
-    </mc:Fallback>
-  </mc:AlternateContent>
-</p:sld>
-</file>
-
-<file path=ppt/slides/slide30.xml><?xml version="1.0" encoding="utf-8"?>
+<file path=ppt/slides/slide31.xml><?xml version="1.0" encoding="utf-8"?>
 <p:sld xmlns:a="http://schemas.openxmlformats.org/drawingml/2006/main" xmlns:r="http://schemas.openxmlformats.org/officeDocument/2006/relationships" xmlns:p="http://schemas.openxmlformats.org/presentationml/2006/main">
   <p:cSld>
     <p:spTree>
@@ -40297,7 +40985,7 @@
 </p:sld>
 </file>
 
-<file path=ppt/slides/slide31.xml><?xml version="1.0" encoding="utf-8"?>
+<file path=ppt/slides/slide32.xml><?xml version="1.0" encoding="utf-8"?>
 <p:sld xmlns:a="http://schemas.openxmlformats.org/drawingml/2006/main" xmlns:r="http://schemas.openxmlformats.org/officeDocument/2006/relationships" xmlns:p="http://schemas.openxmlformats.org/presentationml/2006/main">
   <p:cSld>
     <p:spTree>

--- a/Disparity_Extender.pptx
+++ b/Disparity_Extender.pptx
@@ -146,6 +146,636 @@
 </p:presentation>
 </file>
 
+<file path=ppt/revisionInfo.xml><?xml version="1.0" encoding="utf-8"?>
+<p1510:revInfo xmlns:a="http://schemas.openxmlformats.org/drawingml/2006/main" xmlns:r="http://schemas.openxmlformats.org/officeDocument/2006/relationships" xmlns:p1510="http://schemas.microsoft.com/office/powerpoint/2015/10/main">
+  <p1510:revLst>
+    <p1510:client id="{B4725615-FE2F-4FE9-88E4-581A505FE6A6}" v="63" dt="2022-09-07T17:38:56.238"/>
+  </p1510:revLst>
+</p1510:revInfo>
+</file>
+
+<file path=ppt/changesInfos/changesInfo1.xml><?xml version="1.0" encoding="utf-8"?>
+<pc:chgInfo xmlns:a="http://schemas.openxmlformats.org/drawingml/2006/main" xmlns:r="http://schemas.openxmlformats.org/officeDocument/2006/relationships" xmlns:ac="http://schemas.microsoft.com/office/drawing/2013/main/command" xmlns:pc="http://schemas.microsoft.com/office/powerpoint/2013/main/command">
+  <pc:docChgLst>
+    <pc:chgData name="Emran Moustafa" userId="a12b55cfb681f5cf" providerId="LiveId" clId="{B4725615-FE2F-4FE9-88E4-581A505FE6A6}"/>
+    <pc:docChg chg="undo custSel modSld">
+      <pc:chgData name="Emran Moustafa" userId="a12b55cfb681f5cf" providerId="LiveId" clId="{B4725615-FE2F-4FE9-88E4-581A505FE6A6}" dt="2022-09-07T17:40:02.380" v="333" actId="2711"/>
+      <pc:docMkLst>
+        <pc:docMk/>
+      </pc:docMkLst>
+      <pc:sldChg chg="addSp modSp mod">
+        <pc:chgData name="Emran Moustafa" userId="a12b55cfb681f5cf" providerId="LiveId" clId="{B4725615-FE2F-4FE9-88E4-581A505FE6A6}" dt="2022-09-07T17:33:30.774" v="194" actId="20577"/>
+        <pc:sldMkLst>
+          <pc:docMk/>
+          <pc:sldMk cId="2563157347" sldId="256"/>
+        </pc:sldMkLst>
+        <pc:spChg chg="mod">
+          <ac:chgData name="Emran Moustafa" userId="a12b55cfb681f5cf" providerId="LiveId" clId="{B4725615-FE2F-4FE9-88E4-581A505FE6A6}" dt="2022-09-07T17:33:30.774" v="194" actId="20577"/>
+          <ac:spMkLst>
+            <pc:docMk/>
+            <pc:sldMk cId="2563157347" sldId="256"/>
+            <ac:spMk id="3" creationId="{95AA3A52-CFAD-CE77-BD65-4755420E31BC}"/>
+          </ac:spMkLst>
+        </pc:spChg>
+        <pc:picChg chg="mod">
+          <ac:chgData name="Emran Moustafa" userId="a12b55cfb681f5cf" providerId="LiveId" clId="{B4725615-FE2F-4FE9-88E4-581A505FE6A6}" dt="2022-09-07T17:21:27.369" v="15" actId="207"/>
+          <ac:picMkLst>
+            <pc:docMk/>
+            <pc:sldMk cId="2563157347" sldId="256"/>
+            <ac:picMk id="8" creationId="{47B0251C-3356-91C4-155E-2B7587A15E27}"/>
+          </ac:picMkLst>
+        </pc:picChg>
+        <pc:picChg chg="mod">
+          <ac:chgData name="Emran Moustafa" userId="a12b55cfb681f5cf" providerId="LiveId" clId="{B4725615-FE2F-4FE9-88E4-581A505FE6A6}" dt="2022-09-07T17:21:26.157" v="13" actId="207"/>
+          <ac:picMkLst>
+            <pc:docMk/>
+            <pc:sldMk cId="2563157347" sldId="256"/>
+            <ac:picMk id="9" creationId="{12323A38-A27A-D682-BB40-6F615D88C32E}"/>
+          </ac:picMkLst>
+        </pc:picChg>
+        <pc:picChg chg="add mod">
+          <ac:chgData name="Emran Moustafa" userId="a12b55cfb681f5cf" providerId="LiveId" clId="{B4725615-FE2F-4FE9-88E4-581A505FE6A6}" dt="2022-09-07T17:31:24.669" v="108" actId="1076"/>
+          <ac:picMkLst>
+            <pc:docMk/>
+            <pc:sldMk cId="2563157347" sldId="256"/>
+            <ac:picMk id="11" creationId="{6889CA77-B388-46B6-A62F-CF61FEC70408}"/>
+          </ac:picMkLst>
+        </pc:picChg>
+      </pc:sldChg>
+      <pc:sldChg chg="addSp modSp mod">
+        <pc:chgData name="Emran Moustafa" userId="a12b55cfb681f5cf" providerId="LiveId" clId="{B4725615-FE2F-4FE9-88E4-581A505FE6A6}" dt="2022-09-07T17:40:02.380" v="333" actId="2711"/>
+        <pc:sldMkLst>
+          <pc:docMk/>
+          <pc:sldMk cId="1002892313" sldId="265"/>
+        </pc:sldMkLst>
+        <pc:spChg chg="mod">
+          <ac:chgData name="Emran Moustafa" userId="a12b55cfb681f5cf" providerId="LiveId" clId="{B4725615-FE2F-4FE9-88E4-581A505FE6A6}" dt="2022-09-07T17:40:02.380" v="333" actId="2711"/>
+          <ac:spMkLst>
+            <pc:docMk/>
+            <pc:sldMk cId="1002892313" sldId="265"/>
+            <ac:spMk id="6" creationId="{9A43FE2A-7AEE-F437-FBFE-42F52B79A130}"/>
+          </ac:spMkLst>
+        </pc:spChg>
+        <pc:spChg chg="mod">
+          <ac:chgData name="Emran Moustafa" userId="a12b55cfb681f5cf" providerId="LiveId" clId="{B4725615-FE2F-4FE9-88E4-581A505FE6A6}" dt="2022-09-07T17:34:39.488" v="290" actId="20577"/>
+          <ac:spMkLst>
+            <pc:docMk/>
+            <pc:sldMk cId="1002892313" sldId="265"/>
+            <ac:spMk id="7" creationId="{6D911064-6362-6552-0006-21B080E77CFE}"/>
+          </ac:spMkLst>
+        </pc:spChg>
+        <pc:picChg chg="add mod">
+          <ac:chgData name="Emran Moustafa" userId="a12b55cfb681f5cf" providerId="LiveId" clId="{B4725615-FE2F-4FE9-88E4-581A505FE6A6}" dt="2022-09-07T17:30:09.894" v="57"/>
+          <ac:picMkLst>
+            <pc:docMk/>
+            <pc:sldMk cId="1002892313" sldId="265"/>
+            <ac:picMk id="4" creationId="{D7C34D76-116C-4415-9FA3-C5E2F576D9CB}"/>
+          </ac:picMkLst>
+        </pc:picChg>
+      </pc:sldChg>
+      <pc:sldChg chg="addSp delSp modSp mod">
+        <pc:chgData name="Emran Moustafa" userId="a12b55cfb681f5cf" providerId="LiveId" clId="{B4725615-FE2F-4FE9-88E4-581A505FE6A6}" dt="2022-09-07T17:39:57.785" v="332" actId="2711"/>
+        <pc:sldMkLst>
+          <pc:docMk/>
+          <pc:sldMk cId="1370521046" sldId="266"/>
+        </pc:sldMkLst>
+        <pc:spChg chg="add">
+          <ac:chgData name="Emran Moustafa" userId="a12b55cfb681f5cf" providerId="LiveId" clId="{B4725615-FE2F-4FE9-88E4-581A505FE6A6}" dt="2022-09-07T17:36:42.034" v="315"/>
+          <ac:spMkLst>
+            <pc:docMk/>
+            <pc:sldMk cId="1370521046" sldId="266"/>
+            <ac:spMk id="2" creationId="{7CDB2A1D-4DD7-4ACD-9345-B26CDC7A9A27}"/>
+          </ac:spMkLst>
+        </pc:spChg>
+        <pc:spChg chg="add mod">
+          <ac:chgData name="Emran Moustafa" userId="a12b55cfb681f5cf" providerId="LiveId" clId="{B4725615-FE2F-4FE9-88E4-581A505FE6A6}" dt="2022-09-07T17:36:44.736" v="316"/>
+          <ac:spMkLst>
+            <pc:docMk/>
+            <pc:sldMk cId="1370521046" sldId="266"/>
+            <ac:spMk id="3" creationId="{4C75E539-5ACF-4C0F-9004-E41210DD820F}"/>
+          </ac:spMkLst>
+        </pc:spChg>
+        <pc:spChg chg="mod">
+          <ac:chgData name="Emran Moustafa" userId="a12b55cfb681f5cf" providerId="LiveId" clId="{B4725615-FE2F-4FE9-88E4-581A505FE6A6}" dt="2022-09-07T17:39:57.785" v="332" actId="2711"/>
+          <ac:spMkLst>
+            <pc:docMk/>
+            <pc:sldMk cId="1370521046" sldId="266"/>
+            <ac:spMk id="4" creationId="{1EB72470-1A7A-963E-80FC-4024C0C89D90}"/>
+          </ac:spMkLst>
+        </pc:spChg>
+        <pc:spChg chg="mod">
+          <ac:chgData name="Emran Moustafa" userId="a12b55cfb681f5cf" providerId="LiveId" clId="{B4725615-FE2F-4FE9-88E4-581A505FE6A6}" dt="2022-09-07T17:35:51.943" v="311" actId="1076"/>
+          <ac:spMkLst>
+            <pc:docMk/>
+            <pc:sldMk cId="1370521046" sldId="266"/>
+            <ac:spMk id="5" creationId="{E6E111C7-A4DE-ABB0-668E-F0925C428E91}"/>
+          </ac:spMkLst>
+        </pc:spChg>
+        <pc:spChg chg="add mod">
+          <ac:chgData name="Emran Moustafa" userId="a12b55cfb681f5cf" providerId="LiveId" clId="{B4725615-FE2F-4FE9-88E4-581A505FE6A6}" dt="2022-09-07T17:36:50.016" v="317"/>
+          <ac:spMkLst>
+            <pc:docMk/>
+            <pc:sldMk cId="1370521046" sldId="266"/>
+            <ac:spMk id="7" creationId="{0A1CFC4C-ECC1-4443-B00E-5F5F4CB03531}"/>
+          </ac:spMkLst>
+        </pc:spChg>
+        <pc:picChg chg="add mod">
+          <ac:chgData name="Emran Moustafa" userId="a12b55cfb681f5cf" providerId="LiveId" clId="{B4725615-FE2F-4FE9-88E4-581A505FE6A6}" dt="2022-09-07T17:30:08.712" v="56"/>
+          <ac:picMkLst>
+            <pc:docMk/>
+            <pc:sldMk cId="1370521046" sldId="266"/>
+            <ac:picMk id="6" creationId="{41B8CF14-ADE2-447E-9A9B-F45A2439FFA4}"/>
+          </ac:picMkLst>
+        </pc:picChg>
+        <pc:picChg chg="add del">
+          <ac:chgData name="Emran Moustafa" userId="a12b55cfb681f5cf" providerId="LiveId" clId="{B4725615-FE2F-4FE9-88E4-581A505FE6A6}" dt="2022-09-07T17:35:16.405" v="292"/>
+          <ac:picMkLst>
+            <pc:docMk/>
+            <pc:sldMk cId="1370521046" sldId="266"/>
+            <ac:picMk id="1026" creationId="{E3B1AEB8-E316-49CB-A67F-C5C84284F3F3}"/>
+          </ac:picMkLst>
+        </pc:picChg>
+        <pc:picChg chg="add mod">
+          <ac:chgData name="Emran Moustafa" userId="a12b55cfb681f5cf" providerId="LiveId" clId="{B4725615-FE2F-4FE9-88E4-581A505FE6A6}" dt="2022-09-07T17:38:47.820" v="325" actId="1076"/>
+          <ac:picMkLst>
+            <pc:docMk/>
+            <pc:sldMk cId="1370521046" sldId="266"/>
+            <ac:picMk id="1028" creationId="{A5C4F996-C3B6-4C55-898A-EC0C31162397}"/>
+          </ac:picMkLst>
+        </pc:picChg>
+        <pc:picChg chg="add mod">
+          <ac:chgData name="Emran Moustafa" userId="a12b55cfb681f5cf" providerId="LiveId" clId="{B4725615-FE2F-4FE9-88E4-581A505FE6A6}" dt="2022-09-07T17:38:56.237" v="329" actId="1076"/>
+          <ac:picMkLst>
+            <pc:docMk/>
+            <pc:sldMk cId="1370521046" sldId="266"/>
+            <ac:picMk id="1036" creationId="{2B302D0B-D210-4A91-8322-90FF91841EE3}"/>
+          </ac:picMkLst>
+        </pc:picChg>
+      </pc:sldChg>
+      <pc:sldChg chg="addSp modSp mod">
+        <pc:chgData name="Emran Moustafa" userId="a12b55cfb681f5cf" providerId="LiveId" clId="{B4725615-FE2F-4FE9-88E4-581A505FE6A6}" dt="2022-09-07T17:39:41.751" v="331" actId="108"/>
+        <pc:sldMkLst>
+          <pc:docMk/>
+          <pc:sldMk cId="2292386916" sldId="271"/>
+        </pc:sldMkLst>
+        <pc:spChg chg="mod">
+          <ac:chgData name="Emran Moustafa" userId="a12b55cfb681f5cf" providerId="LiveId" clId="{B4725615-FE2F-4FE9-88E4-581A505FE6A6}" dt="2022-09-07T17:39:41.751" v="331" actId="108"/>
+          <ac:spMkLst>
+            <pc:docMk/>
+            <pc:sldMk cId="2292386916" sldId="271"/>
+            <ac:spMk id="7" creationId="{D3E64906-E945-371A-7BFF-AD589E514F74}"/>
+          </ac:spMkLst>
+        </pc:spChg>
+        <pc:picChg chg="add mod">
+          <ac:chgData name="Emran Moustafa" userId="a12b55cfb681f5cf" providerId="LiveId" clId="{B4725615-FE2F-4FE9-88E4-581A505FE6A6}" dt="2022-09-07T17:30:05.974" v="55"/>
+          <ac:picMkLst>
+            <pc:docMk/>
+            <pc:sldMk cId="2292386916" sldId="271"/>
+            <ac:picMk id="5" creationId="{C8C2E4D7-07AD-4BB6-BCCC-4AF90C989584}"/>
+          </ac:picMkLst>
+        </pc:picChg>
+      </pc:sldChg>
+      <pc:sldChg chg="addSp modSp">
+        <pc:chgData name="Emran Moustafa" userId="a12b55cfb681f5cf" providerId="LiveId" clId="{B4725615-FE2F-4FE9-88E4-581A505FE6A6}" dt="2022-09-07T17:30:05.600" v="54"/>
+        <pc:sldMkLst>
+          <pc:docMk/>
+          <pc:sldMk cId="2727132659" sldId="272"/>
+        </pc:sldMkLst>
+        <pc:picChg chg="add mod">
+          <ac:chgData name="Emran Moustafa" userId="a12b55cfb681f5cf" providerId="LiveId" clId="{B4725615-FE2F-4FE9-88E4-581A505FE6A6}" dt="2022-09-07T17:30:05.600" v="54"/>
+          <ac:picMkLst>
+            <pc:docMk/>
+            <pc:sldMk cId="2727132659" sldId="272"/>
+            <ac:picMk id="6" creationId="{E2781EFA-ED02-4D6C-86BE-DB964EEDF1FF}"/>
+          </ac:picMkLst>
+        </pc:picChg>
+      </pc:sldChg>
+      <pc:sldChg chg="addSp modSp">
+        <pc:chgData name="Emran Moustafa" userId="a12b55cfb681f5cf" providerId="LiveId" clId="{B4725615-FE2F-4FE9-88E4-581A505FE6A6}" dt="2022-09-07T17:30:04.662" v="53"/>
+        <pc:sldMkLst>
+          <pc:docMk/>
+          <pc:sldMk cId="3817967037" sldId="274"/>
+        </pc:sldMkLst>
+        <pc:picChg chg="add mod">
+          <ac:chgData name="Emran Moustafa" userId="a12b55cfb681f5cf" providerId="LiveId" clId="{B4725615-FE2F-4FE9-88E4-581A505FE6A6}" dt="2022-09-07T17:30:04.662" v="53"/>
+          <ac:picMkLst>
+            <pc:docMk/>
+            <pc:sldMk cId="3817967037" sldId="274"/>
+            <ac:picMk id="10" creationId="{28A3A51C-F0B5-4B0B-8E38-66A253A96A6E}"/>
+          </ac:picMkLst>
+        </pc:picChg>
+      </pc:sldChg>
+      <pc:sldChg chg="addSp modSp">
+        <pc:chgData name="Emran Moustafa" userId="a12b55cfb681f5cf" providerId="LiveId" clId="{B4725615-FE2F-4FE9-88E4-581A505FE6A6}" dt="2022-09-07T17:30:01.638" v="52"/>
+        <pc:sldMkLst>
+          <pc:docMk/>
+          <pc:sldMk cId="2441755793" sldId="275"/>
+        </pc:sldMkLst>
+        <pc:picChg chg="add mod">
+          <ac:chgData name="Emran Moustafa" userId="a12b55cfb681f5cf" providerId="LiveId" clId="{B4725615-FE2F-4FE9-88E4-581A505FE6A6}" dt="2022-09-07T17:30:01.638" v="52"/>
+          <ac:picMkLst>
+            <pc:docMk/>
+            <pc:sldMk cId="2441755793" sldId="275"/>
+            <ac:picMk id="11" creationId="{C8E45E4A-57E9-4CBB-AF44-DBB112B7C5EC}"/>
+          </ac:picMkLst>
+        </pc:picChg>
+      </pc:sldChg>
+      <pc:sldChg chg="addSp modSp">
+        <pc:chgData name="Emran Moustafa" userId="a12b55cfb681f5cf" providerId="LiveId" clId="{B4725615-FE2F-4FE9-88E4-581A505FE6A6}" dt="2022-09-07T17:30:00.270" v="51"/>
+        <pc:sldMkLst>
+          <pc:docMk/>
+          <pc:sldMk cId="2709017431" sldId="277"/>
+        </pc:sldMkLst>
+        <pc:picChg chg="add mod">
+          <ac:chgData name="Emran Moustafa" userId="a12b55cfb681f5cf" providerId="LiveId" clId="{B4725615-FE2F-4FE9-88E4-581A505FE6A6}" dt="2022-09-07T17:30:00.270" v="51"/>
+          <ac:picMkLst>
+            <pc:docMk/>
+            <pc:sldMk cId="2709017431" sldId="277"/>
+            <ac:picMk id="6" creationId="{5880B70D-0B51-48ED-AA7F-77ECD102F5CD}"/>
+          </ac:picMkLst>
+        </pc:picChg>
+      </pc:sldChg>
+      <pc:sldChg chg="addSp modSp">
+        <pc:chgData name="Emran Moustafa" userId="a12b55cfb681f5cf" providerId="LiveId" clId="{B4725615-FE2F-4FE9-88E4-581A505FE6A6}" dt="2022-09-07T17:29:57.759" v="50"/>
+        <pc:sldMkLst>
+          <pc:docMk/>
+          <pc:sldMk cId="829590820" sldId="278"/>
+        </pc:sldMkLst>
+        <pc:picChg chg="add mod">
+          <ac:chgData name="Emran Moustafa" userId="a12b55cfb681f5cf" providerId="LiveId" clId="{B4725615-FE2F-4FE9-88E4-581A505FE6A6}" dt="2022-09-07T17:29:57.759" v="50"/>
+          <ac:picMkLst>
+            <pc:docMk/>
+            <pc:sldMk cId="829590820" sldId="278"/>
+            <ac:picMk id="9" creationId="{BAEEF750-9FD7-47A0-9AC3-43121B37972F}"/>
+          </ac:picMkLst>
+        </pc:picChg>
+      </pc:sldChg>
+      <pc:sldChg chg="addSp modSp">
+        <pc:chgData name="Emran Moustafa" userId="a12b55cfb681f5cf" providerId="LiveId" clId="{B4725615-FE2F-4FE9-88E4-581A505FE6A6}" dt="2022-09-07T17:29:55.851" v="49"/>
+        <pc:sldMkLst>
+          <pc:docMk/>
+          <pc:sldMk cId="1024625433" sldId="280"/>
+        </pc:sldMkLst>
+        <pc:picChg chg="add mod">
+          <ac:chgData name="Emran Moustafa" userId="a12b55cfb681f5cf" providerId="LiveId" clId="{B4725615-FE2F-4FE9-88E4-581A505FE6A6}" dt="2022-09-07T17:29:55.851" v="49"/>
+          <ac:picMkLst>
+            <pc:docMk/>
+            <pc:sldMk cId="1024625433" sldId="280"/>
+            <ac:picMk id="10" creationId="{FBEDAD1A-3A3B-4A5D-B8C3-9A07DEED79D0}"/>
+          </ac:picMkLst>
+        </pc:picChg>
+      </pc:sldChg>
+      <pc:sldChg chg="addSp modSp">
+        <pc:chgData name="Emran Moustafa" userId="a12b55cfb681f5cf" providerId="LiveId" clId="{B4725615-FE2F-4FE9-88E4-581A505FE6A6}" dt="2022-09-07T17:29:55.021" v="48"/>
+        <pc:sldMkLst>
+          <pc:docMk/>
+          <pc:sldMk cId="3367338976" sldId="281"/>
+        </pc:sldMkLst>
+        <pc:picChg chg="add mod">
+          <ac:chgData name="Emran Moustafa" userId="a12b55cfb681f5cf" providerId="LiveId" clId="{B4725615-FE2F-4FE9-88E4-581A505FE6A6}" dt="2022-09-07T17:29:55.021" v="48"/>
+          <ac:picMkLst>
+            <pc:docMk/>
+            <pc:sldMk cId="3367338976" sldId="281"/>
+            <ac:picMk id="11" creationId="{11C4534D-E7E2-4838-977C-2565789ABA8E}"/>
+          </ac:picMkLst>
+        </pc:picChg>
+      </pc:sldChg>
+      <pc:sldChg chg="addSp modSp">
+        <pc:chgData name="Emran Moustafa" userId="a12b55cfb681f5cf" providerId="LiveId" clId="{B4725615-FE2F-4FE9-88E4-581A505FE6A6}" dt="2022-09-07T17:29:54.457" v="47"/>
+        <pc:sldMkLst>
+          <pc:docMk/>
+          <pc:sldMk cId="317857900" sldId="282"/>
+        </pc:sldMkLst>
+        <pc:picChg chg="add mod">
+          <ac:chgData name="Emran Moustafa" userId="a12b55cfb681f5cf" providerId="LiveId" clId="{B4725615-FE2F-4FE9-88E4-581A505FE6A6}" dt="2022-09-07T17:29:54.457" v="47"/>
+          <ac:picMkLst>
+            <pc:docMk/>
+            <pc:sldMk cId="317857900" sldId="282"/>
+            <ac:picMk id="5" creationId="{C45F0138-4D5B-42C2-A296-3DD1DC671066}"/>
+          </ac:picMkLst>
+        </pc:picChg>
+      </pc:sldChg>
+      <pc:sldChg chg="addSp modSp">
+        <pc:chgData name="Emran Moustafa" userId="a12b55cfb681f5cf" providerId="LiveId" clId="{B4725615-FE2F-4FE9-88E4-581A505FE6A6}" dt="2022-09-07T17:29:53.044" v="46"/>
+        <pc:sldMkLst>
+          <pc:docMk/>
+          <pc:sldMk cId="3485260059" sldId="283"/>
+        </pc:sldMkLst>
+        <pc:picChg chg="add mod">
+          <ac:chgData name="Emran Moustafa" userId="a12b55cfb681f5cf" providerId="LiveId" clId="{B4725615-FE2F-4FE9-88E4-581A505FE6A6}" dt="2022-09-07T17:29:53.044" v="46"/>
+          <ac:picMkLst>
+            <pc:docMk/>
+            <pc:sldMk cId="3485260059" sldId="283"/>
+            <ac:picMk id="10" creationId="{A9A43169-C474-4B61-A9B5-08CD6698299A}"/>
+          </ac:picMkLst>
+        </pc:picChg>
+      </pc:sldChg>
+      <pc:sldChg chg="addSp modSp">
+        <pc:chgData name="Emran Moustafa" userId="a12b55cfb681f5cf" providerId="LiveId" clId="{B4725615-FE2F-4FE9-88E4-581A505FE6A6}" dt="2022-09-07T17:29:52.788" v="45"/>
+        <pc:sldMkLst>
+          <pc:docMk/>
+          <pc:sldMk cId="2072741703" sldId="284"/>
+        </pc:sldMkLst>
+        <pc:picChg chg="add mod">
+          <ac:chgData name="Emran Moustafa" userId="a12b55cfb681f5cf" providerId="LiveId" clId="{B4725615-FE2F-4FE9-88E4-581A505FE6A6}" dt="2022-09-07T17:29:52.788" v="45"/>
+          <ac:picMkLst>
+            <pc:docMk/>
+            <pc:sldMk cId="2072741703" sldId="284"/>
+            <ac:picMk id="12" creationId="{3C15C656-CF58-4EFA-8E62-20270656D058}"/>
+          </ac:picMkLst>
+        </pc:picChg>
+      </pc:sldChg>
+      <pc:sldChg chg="addSp modSp">
+        <pc:chgData name="Emran Moustafa" userId="a12b55cfb681f5cf" providerId="LiveId" clId="{B4725615-FE2F-4FE9-88E4-581A505FE6A6}" dt="2022-09-07T17:29:51.900" v="44"/>
+        <pc:sldMkLst>
+          <pc:docMk/>
+          <pc:sldMk cId="2566309363" sldId="285"/>
+        </pc:sldMkLst>
+        <pc:picChg chg="add mod">
+          <ac:chgData name="Emran Moustafa" userId="a12b55cfb681f5cf" providerId="LiveId" clId="{B4725615-FE2F-4FE9-88E4-581A505FE6A6}" dt="2022-09-07T17:29:51.900" v="44"/>
+          <ac:picMkLst>
+            <pc:docMk/>
+            <pc:sldMk cId="2566309363" sldId="285"/>
+            <ac:picMk id="13" creationId="{D7870C67-3A67-43B7-ADF4-F56FEDF9BFE1}"/>
+          </ac:picMkLst>
+        </pc:picChg>
+      </pc:sldChg>
+      <pc:sldChg chg="addSp modSp">
+        <pc:chgData name="Emran Moustafa" userId="a12b55cfb681f5cf" providerId="LiveId" clId="{B4725615-FE2F-4FE9-88E4-581A505FE6A6}" dt="2022-09-07T17:29:51.353" v="43"/>
+        <pc:sldMkLst>
+          <pc:docMk/>
+          <pc:sldMk cId="4111692640" sldId="286"/>
+        </pc:sldMkLst>
+        <pc:picChg chg="add mod">
+          <ac:chgData name="Emran Moustafa" userId="a12b55cfb681f5cf" providerId="LiveId" clId="{B4725615-FE2F-4FE9-88E4-581A505FE6A6}" dt="2022-09-07T17:29:51.353" v="43"/>
+          <ac:picMkLst>
+            <pc:docMk/>
+            <pc:sldMk cId="4111692640" sldId="286"/>
+            <ac:picMk id="19" creationId="{1ADBE416-BAEF-4D22-88B4-9CB77453026F}"/>
+          </ac:picMkLst>
+        </pc:picChg>
+      </pc:sldChg>
+      <pc:sldChg chg="addSp modSp">
+        <pc:chgData name="Emran Moustafa" userId="a12b55cfb681f5cf" providerId="LiveId" clId="{B4725615-FE2F-4FE9-88E4-581A505FE6A6}" dt="2022-09-07T17:29:50.407" v="42"/>
+        <pc:sldMkLst>
+          <pc:docMk/>
+          <pc:sldMk cId="1504570854" sldId="287"/>
+        </pc:sldMkLst>
+        <pc:picChg chg="add mod">
+          <ac:chgData name="Emran Moustafa" userId="a12b55cfb681f5cf" providerId="LiveId" clId="{B4725615-FE2F-4FE9-88E4-581A505FE6A6}" dt="2022-09-07T17:29:50.407" v="42"/>
+          <ac:picMkLst>
+            <pc:docMk/>
+            <pc:sldMk cId="1504570854" sldId="287"/>
+            <ac:picMk id="5" creationId="{15ECE84C-3CD3-47C4-BAAD-AA4C55C84016}"/>
+          </ac:picMkLst>
+        </pc:picChg>
+      </pc:sldChg>
+      <pc:sldChg chg="addSp modSp">
+        <pc:chgData name="Emran Moustafa" userId="a12b55cfb681f5cf" providerId="LiveId" clId="{B4725615-FE2F-4FE9-88E4-581A505FE6A6}" dt="2022-09-07T17:29:47.670" v="41"/>
+        <pc:sldMkLst>
+          <pc:docMk/>
+          <pc:sldMk cId="2289713096" sldId="289"/>
+        </pc:sldMkLst>
+        <pc:picChg chg="add mod">
+          <ac:chgData name="Emran Moustafa" userId="a12b55cfb681f5cf" providerId="LiveId" clId="{B4725615-FE2F-4FE9-88E4-581A505FE6A6}" dt="2022-09-07T17:29:47.670" v="41"/>
+          <ac:picMkLst>
+            <pc:docMk/>
+            <pc:sldMk cId="2289713096" sldId="289"/>
+            <ac:picMk id="10" creationId="{DB04EFEB-B8A6-4CAF-B99F-1D44A4177CD4}"/>
+          </ac:picMkLst>
+        </pc:picChg>
+      </pc:sldChg>
+      <pc:sldChg chg="addSp modSp">
+        <pc:chgData name="Emran Moustafa" userId="a12b55cfb681f5cf" providerId="LiveId" clId="{B4725615-FE2F-4FE9-88E4-581A505FE6A6}" dt="2022-09-07T17:29:46.037" v="40"/>
+        <pc:sldMkLst>
+          <pc:docMk/>
+          <pc:sldMk cId="2836436584" sldId="290"/>
+        </pc:sldMkLst>
+        <pc:picChg chg="add mod">
+          <ac:chgData name="Emran Moustafa" userId="a12b55cfb681f5cf" providerId="LiveId" clId="{B4725615-FE2F-4FE9-88E4-581A505FE6A6}" dt="2022-09-07T17:29:46.037" v="40"/>
+          <ac:picMkLst>
+            <pc:docMk/>
+            <pc:sldMk cId="2836436584" sldId="290"/>
+            <ac:picMk id="15" creationId="{C480DD78-D05C-48B3-9905-205662BE8098}"/>
+          </ac:picMkLst>
+        </pc:picChg>
+      </pc:sldChg>
+      <pc:sldChg chg="addSp modSp">
+        <pc:chgData name="Emran Moustafa" userId="a12b55cfb681f5cf" providerId="LiveId" clId="{B4725615-FE2F-4FE9-88E4-581A505FE6A6}" dt="2022-09-07T17:29:45.339" v="39"/>
+        <pc:sldMkLst>
+          <pc:docMk/>
+          <pc:sldMk cId="1528951849" sldId="292"/>
+        </pc:sldMkLst>
+        <pc:picChg chg="add mod">
+          <ac:chgData name="Emran Moustafa" userId="a12b55cfb681f5cf" providerId="LiveId" clId="{B4725615-FE2F-4FE9-88E4-581A505FE6A6}" dt="2022-09-07T17:29:45.339" v="39"/>
+          <ac:picMkLst>
+            <pc:docMk/>
+            <pc:sldMk cId="1528951849" sldId="292"/>
+            <ac:picMk id="20" creationId="{CF199C3C-6211-4914-B8AA-C248748442A0}"/>
+          </ac:picMkLst>
+        </pc:picChg>
+      </pc:sldChg>
+      <pc:sldChg chg="addSp modSp">
+        <pc:chgData name="Emran Moustafa" userId="a12b55cfb681f5cf" providerId="LiveId" clId="{B4725615-FE2F-4FE9-88E4-581A505FE6A6}" dt="2022-09-07T17:29:45.098" v="38"/>
+        <pc:sldMkLst>
+          <pc:docMk/>
+          <pc:sldMk cId="2975228024" sldId="293"/>
+        </pc:sldMkLst>
+        <pc:picChg chg="add mod">
+          <ac:chgData name="Emran Moustafa" userId="a12b55cfb681f5cf" providerId="LiveId" clId="{B4725615-FE2F-4FE9-88E4-581A505FE6A6}" dt="2022-09-07T17:29:45.098" v="38"/>
+          <ac:picMkLst>
+            <pc:docMk/>
+            <pc:sldMk cId="2975228024" sldId="293"/>
+            <ac:picMk id="9" creationId="{220211F7-0939-4F6F-B69A-0EF4D48C8640}"/>
+          </ac:picMkLst>
+        </pc:picChg>
+      </pc:sldChg>
+      <pc:sldChg chg="addSp modSp">
+        <pc:chgData name="Emran Moustafa" userId="a12b55cfb681f5cf" providerId="LiveId" clId="{B4725615-FE2F-4FE9-88E4-581A505FE6A6}" dt="2022-09-07T17:29:44.365" v="37"/>
+        <pc:sldMkLst>
+          <pc:docMk/>
+          <pc:sldMk cId="1631358259" sldId="294"/>
+        </pc:sldMkLst>
+        <pc:picChg chg="add mod">
+          <ac:chgData name="Emran Moustafa" userId="a12b55cfb681f5cf" providerId="LiveId" clId="{B4725615-FE2F-4FE9-88E4-581A505FE6A6}" dt="2022-09-07T17:29:44.365" v="37"/>
+          <ac:picMkLst>
+            <pc:docMk/>
+            <pc:sldMk cId="1631358259" sldId="294"/>
+            <ac:picMk id="10" creationId="{7A76708D-D013-488A-8DFD-FC95C5D804E3}"/>
+          </ac:picMkLst>
+        </pc:picChg>
+      </pc:sldChg>
+      <pc:sldChg chg="addSp modSp">
+        <pc:chgData name="Emran Moustafa" userId="a12b55cfb681f5cf" providerId="LiveId" clId="{B4725615-FE2F-4FE9-88E4-581A505FE6A6}" dt="2022-09-07T17:29:39.565" v="34"/>
+        <pc:sldMkLst>
+          <pc:docMk/>
+          <pc:sldMk cId="3742940562" sldId="296"/>
+        </pc:sldMkLst>
+        <pc:picChg chg="add mod">
+          <ac:chgData name="Emran Moustafa" userId="a12b55cfb681f5cf" providerId="LiveId" clId="{B4725615-FE2F-4FE9-88E4-581A505FE6A6}" dt="2022-09-07T17:29:39.565" v="34"/>
+          <ac:picMkLst>
+            <pc:docMk/>
+            <pc:sldMk cId="3742940562" sldId="296"/>
+            <ac:picMk id="21" creationId="{5B7310B3-9B10-43E1-BCC4-CD9CC98F158F}"/>
+          </ac:picMkLst>
+        </pc:picChg>
+      </pc:sldChg>
+      <pc:sldChg chg="addSp modSp">
+        <pc:chgData name="Emran Moustafa" userId="a12b55cfb681f5cf" providerId="LiveId" clId="{B4725615-FE2F-4FE9-88E4-581A505FE6A6}" dt="2022-09-07T17:29:43.692" v="36"/>
+        <pc:sldMkLst>
+          <pc:docMk/>
+          <pc:sldMk cId="192091677" sldId="297"/>
+        </pc:sldMkLst>
+        <pc:picChg chg="add mod">
+          <ac:chgData name="Emran Moustafa" userId="a12b55cfb681f5cf" providerId="LiveId" clId="{B4725615-FE2F-4FE9-88E4-581A505FE6A6}" dt="2022-09-07T17:29:43.692" v="36"/>
+          <ac:picMkLst>
+            <pc:docMk/>
+            <pc:sldMk cId="192091677" sldId="297"/>
+            <ac:picMk id="11" creationId="{649ECA58-A8D3-4E76-A836-F36A50B2DE1A}"/>
+          </ac:picMkLst>
+        </pc:picChg>
+      </pc:sldChg>
+      <pc:sldChg chg="addSp modSp">
+        <pc:chgData name="Emran Moustafa" userId="a12b55cfb681f5cf" providerId="LiveId" clId="{B4725615-FE2F-4FE9-88E4-581A505FE6A6}" dt="2022-09-07T17:29:38.807" v="33"/>
+        <pc:sldMkLst>
+          <pc:docMk/>
+          <pc:sldMk cId="96087991" sldId="298"/>
+        </pc:sldMkLst>
+        <pc:picChg chg="add mod">
+          <ac:chgData name="Emran Moustafa" userId="a12b55cfb681f5cf" providerId="LiveId" clId="{B4725615-FE2F-4FE9-88E4-581A505FE6A6}" dt="2022-09-07T17:29:38.807" v="33"/>
+          <ac:picMkLst>
+            <pc:docMk/>
+            <pc:sldMk cId="96087991" sldId="298"/>
+            <ac:picMk id="21" creationId="{41685D7E-2705-4466-8353-C19A4FAE8187}"/>
+          </ac:picMkLst>
+        </pc:picChg>
+      </pc:sldChg>
+      <pc:sldChg chg="addSp modSp">
+        <pc:chgData name="Emran Moustafa" userId="a12b55cfb681f5cf" providerId="LiveId" clId="{B4725615-FE2F-4FE9-88E4-581A505FE6A6}" dt="2022-09-07T17:29:37.797" v="32"/>
+        <pc:sldMkLst>
+          <pc:docMk/>
+          <pc:sldMk cId="1388869302" sldId="299"/>
+        </pc:sldMkLst>
+        <pc:picChg chg="add mod">
+          <ac:chgData name="Emran Moustafa" userId="a12b55cfb681f5cf" providerId="LiveId" clId="{B4725615-FE2F-4FE9-88E4-581A505FE6A6}" dt="2022-09-07T17:29:37.797" v="32"/>
+          <ac:picMkLst>
+            <pc:docMk/>
+            <pc:sldMk cId="1388869302" sldId="299"/>
+            <ac:picMk id="21" creationId="{077AA63F-BE7A-42E0-801B-CFFC7761602A}"/>
+          </ac:picMkLst>
+        </pc:picChg>
+      </pc:sldChg>
+      <pc:sldChg chg="addSp modSp">
+        <pc:chgData name="Emran Moustafa" userId="a12b55cfb681f5cf" providerId="LiveId" clId="{B4725615-FE2F-4FE9-88E4-581A505FE6A6}" dt="2022-09-07T17:29:37.385" v="31"/>
+        <pc:sldMkLst>
+          <pc:docMk/>
+          <pc:sldMk cId="623823623" sldId="300"/>
+        </pc:sldMkLst>
+        <pc:picChg chg="add mod">
+          <ac:chgData name="Emran Moustafa" userId="a12b55cfb681f5cf" providerId="LiveId" clId="{B4725615-FE2F-4FE9-88E4-581A505FE6A6}" dt="2022-09-07T17:29:37.385" v="31"/>
+          <ac:picMkLst>
+            <pc:docMk/>
+            <pc:sldMk cId="623823623" sldId="300"/>
+            <ac:picMk id="21" creationId="{441D587B-D49B-47F7-B815-7D07FD27F3BC}"/>
+          </ac:picMkLst>
+        </pc:picChg>
+      </pc:sldChg>
+      <pc:sldChg chg="addSp modSp">
+        <pc:chgData name="Emran Moustafa" userId="a12b55cfb681f5cf" providerId="LiveId" clId="{B4725615-FE2F-4FE9-88E4-581A505FE6A6}" dt="2022-09-07T17:29:36.489" v="30"/>
+        <pc:sldMkLst>
+          <pc:docMk/>
+          <pc:sldMk cId="2744087539" sldId="301"/>
+        </pc:sldMkLst>
+        <pc:picChg chg="add mod">
+          <ac:chgData name="Emran Moustafa" userId="a12b55cfb681f5cf" providerId="LiveId" clId="{B4725615-FE2F-4FE9-88E4-581A505FE6A6}" dt="2022-09-07T17:29:36.489" v="30"/>
+          <ac:picMkLst>
+            <pc:docMk/>
+            <pc:sldMk cId="2744087539" sldId="301"/>
+            <ac:picMk id="10" creationId="{6F06B6D3-E125-47C1-865F-C4A3E3B0E9C2}"/>
+          </ac:picMkLst>
+        </pc:picChg>
+      </pc:sldChg>
+      <pc:sldChg chg="addSp modSp">
+        <pc:chgData name="Emran Moustafa" userId="a12b55cfb681f5cf" providerId="LiveId" clId="{B4725615-FE2F-4FE9-88E4-581A505FE6A6}" dt="2022-09-07T17:29:35.242" v="29"/>
+        <pc:sldMkLst>
+          <pc:docMk/>
+          <pc:sldMk cId="837546796" sldId="302"/>
+        </pc:sldMkLst>
+        <pc:picChg chg="add mod">
+          <ac:chgData name="Emran Moustafa" userId="a12b55cfb681f5cf" providerId="LiveId" clId="{B4725615-FE2F-4FE9-88E4-581A505FE6A6}" dt="2022-09-07T17:29:35.242" v="29"/>
+          <ac:picMkLst>
+            <pc:docMk/>
+            <pc:sldMk cId="837546796" sldId="302"/>
+            <ac:picMk id="10" creationId="{C515D86B-F600-4A9B-910F-D8DDBE29ABC3}"/>
+          </ac:picMkLst>
+        </pc:picChg>
+      </pc:sldChg>
+      <pc:sldChg chg="addSp modSp">
+        <pc:chgData name="Emran Moustafa" userId="a12b55cfb681f5cf" providerId="LiveId" clId="{B4725615-FE2F-4FE9-88E4-581A505FE6A6}" dt="2022-09-07T17:29:33.586" v="28"/>
+        <pc:sldMkLst>
+          <pc:docMk/>
+          <pc:sldMk cId="3448512430" sldId="303"/>
+        </pc:sldMkLst>
+        <pc:picChg chg="add mod">
+          <ac:chgData name="Emran Moustafa" userId="a12b55cfb681f5cf" providerId="LiveId" clId="{B4725615-FE2F-4FE9-88E4-581A505FE6A6}" dt="2022-09-07T17:29:33.586" v="28"/>
+          <ac:picMkLst>
+            <pc:docMk/>
+            <pc:sldMk cId="3448512430" sldId="303"/>
+            <ac:picMk id="6" creationId="{D845B9F3-1C6F-4023-A134-1F53C2F4FDFE}"/>
+          </ac:picMkLst>
+        </pc:picChg>
+      </pc:sldChg>
+      <pc:sldChg chg="addSp modSp mod">
+        <pc:chgData name="Emran Moustafa" userId="a12b55cfb681f5cf" providerId="LiveId" clId="{B4725615-FE2F-4FE9-88E4-581A505FE6A6}" dt="2022-09-07T17:29:27.729" v="27" actId="1076"/>
+        <pc:sldMkLst>
+          <pc:docMk/>
+          <pc:sldMk cId="64999679" sldId="304"/>
+        </pc:sldMkLst>
+        <pc:spChg chg="add mod">
+          <ac:chgData name="Emran Moustafa" userId="a12b55cfb681f5cf" providerId="LiveId" clId="{B4725615-FE2F-4FE9-88E4-581A505FE6A6}" dt="2022-09-07T17:23:48.225" v="19"/>
+          <ac:spMkLst>
+            <pc:docMk/>
+            <pc:sldMk cId="64999679" sldId="304"/>
+            <ac:spMk id="7" creationId="{D26C2716-C0E1-4038-BB81-3B5E02CD82D6}"/>
+          </ac:spMkLst>
+        </pc:spChg>
+        <pc:spChg chg="add">
+          <ac:chgData name="Emran Moustafa" userId="a12b55cfb681f5cf" providerId="LiveId" clId="{B4725615-FE2F-4FE9-88E4-581A505FE6A6}" dt="2022-09-07T17:24:16.897" v="20" actId="22"/>
+          <ac:spMkLst>
+            <pc:docMk/>
+            <pc:sldMk cId="64999679" sldId="304"/>
+            <ac:spMk id="8" creationId="{05AA2BFA-8861-4FDF-8138-0494A37A1D42}"/>
+          </ac:spMkLst>
+        </pc:spChg>
+        <pc:picChg chg="add mod">
+          <ac:chgData name="Emran Moustafa" userId="a12b55cfb681f5cf" providerId="LiveId" clId="{B4725615-FE2F-4FE9-88E4-581A505FE6A6}" dt="2022-09-07T17:29:27.729" v="27" actId="1076"/>
+          <ac:picMkLst>
+            <pc:docMk/>
+            <pc:sldMk cId="64999679" sldId="304"/>
+            <ac:picMk id="9" creationId="{832F1715-6810-4F7B-9288-7C8768B0661B}"/>
+          </ac:picMkLst>
+        </pc:picChg>
+      </pc:sldChg>
+      <pc:sldChg chg="addSp modSp">
+        <pc:chgData name="Emran Moustafa" userId="a12b55cfb681f5cf" providerId="LiveId" clId="{B4725615-FE2F-4FE9-88E4-581A505FE6A6}" dt="2022-09-07T17:29:40.931" v="35"/>
+        <pc:sldMkLst>
+          <pc:docMk/>
+          <pc:sldMk cId="1170728716" sldId="305"/>
+        </pc:sldMkLst>
+        <pc:picChg chg="add mod">
+          <ac:chgData name="Emran Moustafa" userId="a12b55cfb681f5cf" providerId="LiveId" clId="{B4725615-FE2F-4FE9-88E4-581A505FE6A6}" dt="2022-09-07T17:29:40.931" v="35"/>
+          <ac:picMkLst>
+            <pc:docMk/>
+            <pc:sldMk cId="1170728716" sldId="305"/>
+            <ac:picMk id="13" creationId="{C4F705FF-1152-4AE5-8711-44A030147236}"/>
+          </ac:picMkLst>
+        </pc:picChg>
+      </pc:sldChg>
+    </pc:docChg>
+  </pc:docChgLst>
+</pc:chgInfo>
+</file>
+
 <file path=ppt/notesMasters/notesMaster1.xml><?xml version="1.0" encoding="utf-8"?>
 <p:notesMaster xmlns:a="http://schemas.openxmlformats.org/drawingml/2006/main" xmlns:r="http://schemas.openxmlformats.org/officeDocument/2006/relationships" xmlns:p="http://schemas.openxmlformats.org/presentationml/2006/main">
   <p:cSld>
@@ -228,7 +858,7 @@
           <a:p>
             <a:fld id="{437C1FA7-8412-4D7E-8A60-FB1BCA601FFA}" type="datetimeFigureOut">
               <a:rPr lang="en-US" smtClean="0"/>
-              <a:t>7/8/2022</a:t>
+              <a:t>9/7/2022</a:t>
             </a:fld>
             <a:endParaRPr lang="en-US"/>
           </a:p>
@@ -3974,7 +4604,7 @@
           <a:p>
             <a:fld id="{3CADBD16-5BFB-4D9F-9646-C75D1B53BBB6}" type="datetimeFigureOut">
               <a:rPr lang="en-US" smtClean="0"/>
-              <a:t>7/8/2022</a:t>
+              <a:t>9/7/2022</a:t>
             </a:fld>
             <a:endParaRPr lang="en-US"/>
           </a:p>
@@ -4215,7 +4845,7 @@
           <a:p>
             <a:fld id="{3CADBD16-5BFB-4D9F-9646-C75D1B53BBB6}" type="datetimeFigureOut">
               <a:rPr lang="en-US" smtClean="0"/>
-              <a:t>7/8/2022</a:t>
+              <a:t>9/7/2022</a:t>
             </a:fld>
             <a:endParaRPr lang="en-US"/>
           </a:p>
@@ -4423,7 +5053,7 @@
           <a:p>
             <a:fld id="{3CADBD16-5BFB-4D9F-9646-C75D1B53BBB6}" type="datetimeFigureOut">
               <a:rPr lang="en-US" smtClean="0"/>
-              <a:t>7/8/2022</a:t>
+              <a:t>9/7/2022</a:t>
             </a:fld>
             <a:endParaRPr lang="en-US"/>
           </a:p>
@@ -4621,7 +5251,7 @@
           <a:p>
             <a:fld id="{3CADBD16-5BFB-4D9F-9646-C75D1B53BBB6}" type="datetimeFigureOut">
               <a:rPr lang="en-US" smtClean="0"/>
-              <a:t>7/8/2022</a:t>
+              <a:t>9/7/2022</a:t>
             </a:fld>
             <a:endParaRPr lang="en-US"/>
           </a:p>
@@ -4898,7 +5528,7 @@
           <a:p>
             <a:fld id="{3CADBD16-5BFB-4D9F-9646-C75D1B53BBB6}" type="datetimeFigureOut">
               <a:rPr lang="en-US" smtClean="0"/>
-              <a:t>7/8/2022</a:t>
+              <a:t>9/7/2022</a:t>
             </a:fld>
             <a:endParaRPr lang="en-US"/>
           </a:p>
@@ -5163,7 +5793,7 @@
           <a:p>
             <a:fld id="{3CADBD16-5BFB-4D9F-9646-C75D1B53BBB6}" type="datetimeFigureOut">
               <a:rPr lang="en-US" smtClean="0"/>
-              <a:t>7/8/2022</a:t>
+              <a:t>9/7/2022</a:t>
             </a:fld>
             <a:endParaRPr lang="en-US"/>
           </a:p>
@@ -5579,7 +6209,7 @@
           <a:p>
             <a:fld id="{3CADBD16-5BFB-4D9F-9646-C75D1B53BBB6}" type="datetimeFigureOut">
               <a:rPr lang="en-US" smtClean="0"/>
-              <a:t>7/8/2022</a:t>
+              <a:t>9/7/2022</a:t>
             </a:fld>
             <a:endParaRPr lang="en-US"/>
           </a:p>
@@ -5729,7 +6359,7 @@
           <a:p>
             <a:fld id="{3CADBD16-5BFB-4D9F-9646-C75D1B53BBB6}" type="datetimeFigureOut">
               <a:rPr lang="en-US" smtClean="0"/>
-              <a:t>7/8/2022</a:t>
+              <a:t>9/7/2022</a:t>
             </a:fld>
             <a:endParaRPr lang="en-US"/>
           </a:p>
@@ -5842,7 +6472,7 @@
           <a:p>
             <a:fld id="{3CADBD16-5BFB-4D9F-9646-C75D1B53BBB6}" type="datetimeFigureOut">
               <a:rPr lang="en-US" smtClean="0"/>
-              <a:t>7/8/2022</a:t>
+              <a:t>9/7/2022</a:t>
             </a:fld>
             <a:endParaRPr lang="en-US"/>
           </a:p>
@@ -6158,7 +6788,7 @@
           <a:p>
             <a:fld id="{3CADBD16-5BFB-4D9F-9646-C75D1B53BBB6}" type="datetimeFigureOut">
               <a:rPr lang="en-US" smtClean="0"/>
-              <a:t>7/8/2022</a:t>
+              <a:t>9/7/2022</a:t>
             </a:fld>
             <a:endParaRPr lang="en-US"/>
           </a:p>
@@ -6409,7 +7039,7 @@
           <a:p>
             <a:fld id="{3CADBD16-5BFB-4D9F-9646-C75D1B53BBB6}" type="datetimeFigureOut">
               <a:rPr lang="en-US" smtClean="0"/>
-              <a:t>7/8/2022</a:t>
+              <a:t>9/7/2022</a:t>
             </a:fld>
             <a:endParaRPr lang="en-US"/>
           </a:p>
@@ -6918,7 +7548,7 @@
             <a:fld id="{3CADBD16-5BFB-4D9F-9646-C75D1B53BBB6}" type="datetimeFigureOut">
               <a:rPr lang="en-US" smtClean="0"/>
               <a:pPr/>
-              <a:t>7/8/2022</a:t>
+              <a:t>9/7/2022</a:t>
             </a:fld>
             <a:endParaRPr lang="en-US" dirty="0"/>
           </a:p>
@@ -7932,8 +8562,8 @@
         </p:nvSpPr>
         <p:spPr>
           <a:xfrm>
-            <a:off x="1188357" y="4343400"/>
-            <a:ext cx="9850010" cy="1095822"/>
+            <a:off x="627055" y="4606363"/>
+            <a:ext cx="10937890" cy="1797041"/>
           </a:xfrm>
           <a:prstGeom prst="rect">
             <a:avLst/>
@@ -7941,11 +8571,11 @@
         </p:spPr>
         <p:txBody>
           <a:bodyPr vert="horz" lIns="91440" tIns="45720" rIns="91440" bIns="45720" rtlCol="0" anchor="t">
-            <a:normAutofit lnSpcReduction="10000"/>
+            <a:normAutofit/>
           </a:bodyPr>
           <a:lstStyle/>
           <a:p>
-            <a:pPr>
+            <a:pPr algn="ctr">
               <a:spcBef>
                 <a:spcPct val="0"/>
               </a:spcBef>
@@ -7954,16 +8584,86 @@
               </a:spcAft>
             </a:pPr>
             <a:r>
-              <a:rPr lang="en-US" sz="6600" cap="all" spc="300" dirty="0">
+              <a:rPr lang="en-US" sz="5400" b="1" cap="all" spc="300" dirty="0">
                 <a:solidFill>
                   <a:srgbClr val="FFFFFF"/>
                 </a:solidFill>
-                <a:latin typeface="+mj-lt"/>
+                <a:latin typeface="Eras Demi ITC" panose="020B0805030504020804" pitchFamily="34" charset="0"/>
                 <a:ea typeface="+mj-ea"/>
-                <a:cs typeface="+mj-cs"/>
+                <a:cs typeface="Aharoni" panose="02010803020104030203" pitchFamily="2" charset="-79"/>
               </a:rPr>
-              <a:t>Disparity Extender</a:t>
+              <a:t>Reactive </a:t>
             </a:r>
+            <a:r>
+              <a:rPr lang="en-US" sz="5400" b="1" cap="all" spc="300" dirty="0" err="1">
+                <a:solidFill>
+                  <a:srgbClr val="FFFFFF"/>
+                </a:solidFill>
+                <a:latin typeface="Eras Demi ITC" panose="020B0805030504020804" pitchFamily="34" charset="0"/>
+                <a:ea typeface="+mj-ea"/>
+                <a:cs typeface="Aharoni" panose="02010803020104030203" pitchFamily="2" charset="-79"/>
+              </a:rPr>
+              <a:t>MethoDs</a:t>
+            </a:r>
+            <a:endParaRPr lang="en-US" sz="5400" b="1" cap="all" spc="300" dirty="0">
+              <a:solidFill>
+                <a:srgbClr val="FFFFFF"/>
+              </a:solidFill>
+              <a:latin typeface="Eras Demi ITC" panose="020B0805030504020804" pitchFamily="34" charset="0"/>
+              <a:ea typeface="+mj-ea"/>
+              <a:cs typeface="Aharoni" panose="02010803020104030203" pitchFamily="2" charset="-79"/>
+            </a:endParaRPr>
+          </a:p>
+          <a:p>
+            <a:pPr algn="ctr">
+              <a:spcBef>
+                <a:spcPct val="0"/>
+              </a:spcBef>
+              <a:spcAft>
+                <a:spcPts val="600"/>
+              </a:spcAft>
+            </a:pPr>
+            <a:r>
+              <a:rPr lang="en-US" b="1" cap="all" spc="300" dirty="0">
+                <a:solidFill>
+                  <a:srgbClr val="FFFFFF"/>
+                </a:solidFill>
+                <a:latin typeface="Eras Demi ITC" panose="020B0805030504020804" pitchFamily="34" charset="0"/>
+                <a:ea typeface="+mj-ea"/>
+                <a:cs typeface="Aharoni" panose="02010803020104030203" pitchFamily="2" charset="-79"/>
+              </a:rPr>
+              <a:t>w</a:t>
+            </a:r>
+            <a:r>
+              <a:rPr lang="en-US" sz="2800" b="1" cap="all" spc="300" dirty="0">
+                <a:solidFill>
+                  <a:srgbClr val="FFFFFF"/>
+                </a:solidFill>
+                <a:latin typeface="Eras Demi ITC" panose="020B0805030504020804" pitchFamily="34" charset="0"/>
+                <a:ea typeface="+mj-ea"/>
+                <a:cs typeface="Aharoni" panose="02010803020104030203" pitchFamily="2" charset="-79"/>
+              </a:rPr>
+              <a:t>/ </a:t>
+            </a:r>
+            <a:r>
+              <a:rPr lang="en-US" sz="3200" b="1" cap="all" spc="300" dirty="0" err="1">
+                <a:solidFill>
+                  <a:srgbClr val="FFFFFF"/>
+                </a:solidFill>
+                <a:latin typeface="Eras Demi ITC" panose="020B0805030504020804" pitchFamily="34" charset="0"/>
+                <a:ea typeface="+mj-ea"/>
+                <a:cs typeface="Aharoni" panose="02010803020104030203" pitchFamily="2" charset="-79"/>
+              </a:rPr>
+              <a:t>RacingAI</a:t>
+            </a:r>
+            <a:endParaRPr lang="en-US" sz="2800" b="1" cap="all" spc="300" dirty="0">
+              <a:solidFill>
+                <a:srgbClr val="FFFFFF"/>
+              </a:solidFill>
+              <a:latin typeface="Eras Demi ITC" panose="020B0805030504020804" pitchFamily="34" charset="0"/>
+              <a:ea typeface="+mj-ea"/>
+              <a:cs typeface="Aharoni" panose="02010803020104030203" pitchFamily="2" charset="-79"/>
+            </a:endParaRPr>
           </a:p>
         </p:txBody>
       </p:sp>
@@ -8019,6 +8719,36 @@
           </a:fontRef>
         </p:style>
       </p:cxnSp>
+      <p:pic>
+        <p:nvPicPr>
+          <p:cNvPr id="11" name="image1.png">
+            <a:extLst>
+              <a:ext uri="{FF2B5EF4-FFF2-40B4-BE49-F238E27FC236}">
+                <a16:creationId xmlns:a16="http://schemas.microsoft.com/office/drawing/2014/main" id="{6889CA77-B388-46B6-A62F-CF61FEC70408}"/>
+              </a:ext>
+            </a:extLst>
+          </p:cNvPr>
+          <p:cNvPicPr>
+            <a:picLocks noChangeAspect="1"/>
+          </p:cNvPicPr>
+          <p:nvPr/>
+        </p:nvPicPr>
+        <p:blipFill>
+          <a:blip r:embed="rId5" cstate="print"/>
+          <a:stretch>
+            <a:fillRect/>
+          </a:stretch>
+        </p:blipFill>
+        <p:spPr>
+          <a:xfrm>
+            <a:off x="4727775" y="1549591"/>
+            <a:ext cx="2888166" cy="2888166"/>
+          </a:xfrm>
+          <a:prstGeom prst="rect">
+            <a:avLst/>
+          </a:prstGeom>
+        </p:spPr>
+      </p:pic>
     </p:spTree>
     <p:extLst>
       <p:ext uri="{BB962C8B-B14F-4D97-AF65-F5344CB8AC3E}">
@@ -9051,6 +9781,36 @@
           </a:p>
         </p:txBody>
       </p:sp>
+      <p:pic>
+        <p:nvPicPr>
+          <p:cNvPr id="10" name="image1.png">
+            <a:extLst>
+              <a:ext uri="{FF2B5EF4-FFF2-40B4-BE49-F238E27FC236}">
+                <a16:creationId xmlns:a16="http://schemas.microsoft.com/office/drawing/2014/main" id="{FBEDAD1A-3A3B-4A5D-B8C3-9A07DEED79D0}"/>
+              </a:ext>
+            </a:extLst>
+          </p:cNvPr>
+          <p:cNvPicPr>
+            <a:picLocks noChangeAspect="1"/>
+          </p:cNvPicPr>
+          <p:nvPr/>
+        </p:nvPicPr>
+        <p:blipFill>
+          <a:blip r:embed="rId3" cstate="print"/>
+          <a:stretch>
+            <a:fillRect/>
+          </a:stretch>
+        </p:blipFill>
+        <p:spPr>
+          <a:xfrm>
+            <a:off x="10765085" y="120681"/>
+            <a:ext cx="1307646" cy="1307646"/>
+          </a:xfrm>
+          <a:prstGeom prst="rect">
+            <a:avLst/>
+          </a:prstGeom>
+        </p:spPr>
+      </p:pic>
     </p:spTree>
     <p:extLst>
       <p:ext uri="{BB962C8B-B14F-4D97-AF65-F5344CB8AC3E}">
@@ -9726,6 +10486,36 @@
           </a:p>
         </p:txBody>
       </p:sp>
+      <p:pic>
+        <p:nvPicPr>
+          <p:cNvPr id="11" name="image1.png">
+            <a:extLst>
+              <a:ext uri="{FF2B5EF4-FFF2-40B4-BE49-F238E27FC236}">
+                <a16:creationId xmlns:a16="http://schemas.microsoft.com/office/drawing/2014/main" id="{11C4534D-E7E2-4838-977C-2565789ABA8E}"/>
+              </a:ext>
+            </a:extLst>
+          </p:cNvPr>
+          <p:cNvPicPr>
+            <a:picLocks noChangeAspect="1"/>
+          </p:cNvPicPr>
+          <p:nvPr/>
+        </p:nvPicPr>
+        <p:blipFill>
+          <a:blip r:embed="rId3" cstate="print"/>
+          <a:stretch>
+            <a:fillRect/>
+          </a:stretch>
+        </p:blipFill>
+        <p:spPr>
+          <a:xfrm>
+            <a:off x="10765085" y="120681"/>
+            <a:ext cx="1307646" cy="1307646"/>
+          </a:xfrm>
+          <a:prstGeom prst="rect">
+            <a:avLst/>
+          </a:prstGeom>
+        </p:spPr>
+      </p:pic>
     </p:spTree>
     <p:extLst>
       <p:ext uri="{BB962C8B-B14F-4D97-AF65-F5344CB8AC3E}">
@@ -9897,6 +10687,36 @@
           </a:p>
         </p:txBody>
       </p:sp>
+      <p:pic>
+        <p:nvPicPr>
+          <p:cNvPr id="5" name="image1.png">
+            <a:extLst>
+              <a:ext uri="{FF2B5EF4-FFF2-40B4-BE49-F238E27FC236}">
+                <a16:creationId xmlns:a16="http://schemas.microsoft.com/office/drawing/2014/main" id="{C45F0138-4D5B-42C2-A296-3DD1DC671066}"/>
+              </a:ext>
+            </a:extLst>
+          </p:cNvPr>
+          <p:cNvPicPr>
+            <a:picLocks noChangeAspect="1"/>
+          </p:cNvPicPr>
+          <p:nvPr/>
+        </p:nvPicPr>
+        <p:blipFill>
+          <a:blip r:embed="rId3" cstate="print"/>
+          <a:stretch>
+            <a:fillRect/>
+          </a:stretch>
+        </p:blipFill>
+        <p:spPr>
+          <a:xfrm>
+            <a:off x="10765085" y="120681"/>
+            <a:ext cx="1307646" cy="1307646"/>
+          </a:xfrm>
+          <a:prstGeom prst="rect">
+            <a:avLst/>
+          </a:prstGeom>
+        </p:spPr>
+      </p:pic>
     </p:spTree>
     <p:extLst>
       <p:ext uri="{BB962C8B-B14F-4D97-AF65-F5344CB8AC3E}">
@@ -10156,6 +10976,36 @@
           </a:fontRef>
         </p:style>
       </p:cxnSp>
+      <p:pic>
+        <p:nvPicPr>
+          <p:cNvPr id="10" name="image1.png">
+            <a:extLst>
+              <a:ext uri="{FF2B5EF4-FFF2-40B4-BE49-F238E27FC236}">
+                <a16:creationId xmlns:a16="http://schemas.microsoft.com/office/drawing/2014/main" id="{A9A43169-C474-4B61-A9B5-08CD6698299A}"/>
+              </a:ext>
+            </a:extLst>
+          </p:cNvPr>
+          <p:cNvPicPr>
+            <a:picLocks noChangeAspect="1"/>
+          </p:cNvPicPr>
+          <p:nvPr/>
+        </p:nvPicPr>
+        <p:blipFill>
+          <a:blip r:embed="rId3" cstate="print"/>
+          <a:stretch>
+            <a:fillRect/>
+          </a:stretch>
+        </p:blipFill>
+        <p:spPr>
+          <a:xfrm>
+            <a:off x="10765085" y="120681"/>
+            <a:ext cx="1307646" cy="1307646"/>
+          </a:xfrm>
+          <a:prstGeom prst="rect">
+            <a:avLst/>
+          </a:prstGeom>
+        </p:spPr>
+      </p:pic>
     </p:spTree>
     <p:extLst>
       <p:ext uri="{BB962C8B-B14F-4D97-AF65-F5344CB8AC3E}">
@@ -10520,6 +11370,36 @@
           </p:style>
         </p:cxnSp>
       </p:grpSp>
+      <p:pic>
+        <p:nvPicPr>
+          <p:cNvPr id="12" name="image1.png">
+            <a:extLst>
+              <a:ext uri="{FF2B5EF4-FFF2-40B4-BE49-F238E27FC236}">
+                <a16:creationId xmlns:a16="http://schemas.microsoft.com/office/drawing/2014/main" id="{3C15C656-CF58-4EFA-8E62-20270656D058}"/>
+              </a:ext>
+            </a:extLst>
+          </p:cNvPr>
+          <p:cNvPicPr>
+            <a:picLocks noChangeAspect="1"/>
+          </p:cNvPicPr>
+          <p:nvPr/>
+        </p:nvPicPr>
+        <p:blipFill>
+          <a:blip r:embed="rId3" cstate="print"/>
+          <a:stretch>
+            <a:fillRect/>
+          </a:stretch>
+        </p:blipFill>
+        <p:spPr>
+          <a:xfrm>
+            <a:off x="10765085" y="120681"/>
+            <a:ext cx="1307646" cy="1307646"/>
+          </a:xfrm>
+          <a:prstGeom prst="rect">
+            <a:avLst/>
+          </a:prstGeom>
+        </p:spPr>
+      </p:pic>
     </p:spTree>
     <p:extLst>
       <p:ext uri="{BB962C8B-B14F-4D97-AF65-F5344CB8AC3E}">
@@ -10929,6 +11809,36 @@
           </p:style>
         </p:cxnSp>
       </p:grpSp>
+      <p:pic>
+        <p:nvPicPr>
+          <p:cNvPr id="13" name="image1.png">
+            <a:extLst>
+              <a:ext uri="{FF2B5EF4-FFF2-40B4-BE49-F238E27FC236}">
+                <a16:creationId xmlns:a16="http://schemas.microsoft.com/office/drawing/2014/main" id="{D7870C67-3A67-43B7-ADF4-F56FEDF9BFE1}"/>
+              </a:ext>
+            </a:extLst>
+          </p:cNvPr>
+          <p:cNvPicPr>
+            <a:picLocks noChangeAspect="1"/>
+          </p:cNvPicPr>
+          <p:nvPr/>
+        </p:nvPicPr>
+        <p:blipFill>
+          <a:blip r:embed="rId3" cstate="print"/>
+          <a:stretch>
+            <a:fillRect/>
+          </a:stretch>
+        </p:blipFill>
+        <p:spPr>
+          <a:xfrm>
+            <a:off x="10765085" y="120681"/>
+            <a:ext cx="1307646" cy="1307646"/>
+          </a:xfrm>
+          <a:prstGeom prst="rect">
+            <a:avLst/>
+          </a:prstGeom>
+        </p:spPr>
+      </p:pic>
     </p:spTree>
     <p:extLst>
       <p:ext uri="{BB962C8B-B14F-4D97-AF65-F5344CB8AC3E}">
@@ -12097,6 +13007,36 @@
           </p:txBody>
         </p:sp>
       </p:grpSp>
+      <p:pic>
+        <p:nvPicPr>
+          <p:cNvPr id="19" name="image1.png">
+            <a:extLst>
+              <a:ext uri="{FF2B5EF4-FFF2-40B4-BE49-F238E27FC236}">
+                <a16:creationId xmlns:a16="http://schemas.microsoft.com/office/drawing/2014/main" id="{1ADBE416-BAEF-4D22-88B4-9CB77453026F}"/>
+              </a:ext>
+            </a:extLst>
+          </p:cNvPr>
+          <p:cNvPicPr>
+            <a:picLocks noChangeAspect="1"/>
+          </p:cNvPicPr>
+          <p:nvPr/>
+        </p:nvPicPr>
+        <p:blipFill>
+          <a:blip r:embed="rId3" cstate="print"/>
+          <a:stretch>
+            <a:fillRect/>
+          </a:stretch>
+        </p:blipFill>
+        <p:spPr>
+          <a:xfrm>
+            <a:off x="10765085" y="120681"/>
+            <a:ext cx="1307646" cy="1307646"/>
+          </a:xfrm>
+          <a:prstGeom prst="rect">
+            <a:avLst/>
+          </a:prstGeom>
+        </p:spPr>
+      </p:pic>
     </p:spTree>
     <p:extLst>
       <p:ext uri="{BB962C8B-B14F-4D97-AF65-F5344CB8AC3E}">
@@ -12260,6 +13200,36 @@
           </a:p>
         </p:txBody>
       </p:sp>
+      <p:pic>
+        <p:nvPicPr>
+          <p:cNvPr id="5" name="image1.png">
+            <a:extLst>
+              <a:ext uri="{FF2B5EF4-FFF2-40B4-BE49-F238E27FC236}">
+                <a16:creationId xmlns:a16="http://schemas.microsoft.com/office/drawing/2014/main" id="{15ECE84C-3CD3-47C4-BAAD-AA4C55C84016}"/>
+              </a:ext>
+            </a:extLst>
+          </p:cNvPr>
+          <p:cNvPicPr>
+            <a:picLocks noChangeAspect="1"/>
+          </p:cNvPicPr>
+          <p:nvPr/>
+        </p:nvPicPr>
+        <p:blipFill>
+          <a:blip r:embed="rId4" cstate="print"/>
+          <a:stretch>
+            <a:fillRect/>
+          </a:stretch>
+        </p:blipFill>
+        <p:spPr>
+          <a:xfrm>
+            <a:off x="10765085" y="120681"/>
+            <a:ext cx="1307646" cy="1307646"/>
+          </a:xfrm>
+          <a:prstGeom prst="rect">
+            <a:avLst/>
+          </a:prstGeom>
+        </p:spPr>
+      </p:pic>
     </p:spTree>
     <p:extLst>
       <p:ext uri="{BB962C8B-B14F-4D97-AF65-F5344CB8AC3E}">
@@ -13297,6 +14267,36 @@
           </p:style>
         </p:cxnSp>
       </p:grpSp>
+      <p:pic>
+        <p:nvPicPr>
+          <p:cNvPr id="10" name="image1.png">
+            <a:extLst>
+              <a:ext uri="{FF2B5EF4-FFF2-40B4-BE49-F238E27FC236}">
+                <a16:creationId xmlns:a16="http://schemas.microsoft.com/office/drawing/2014/main" id="{DB04EFEB-B8A6-4CAF-B99F-1D44A4177CD4}"/>
+              </a:ext>
+            </a:extLst>
+          </p:cNvPr>
+          <p:cNvPicPr>
+            <a:picLocks noChangeAspect="1"/>
+          </p:cNvPicPr>
+          <p:nvPr/>
+        </p:nvPicPr>
+        <p:blipFill>
+          <a:blip r:embed="rId3" cstate="print"/>
+          <a:stretch>
+            <a:fillRect/>
+          </a:stretch>
+        </p:blipFill>
+        <p:spPr>
+          <a:xfrm>
+            <a:off x="10765085" y="120681"/>
+            <a:ext cx="1307646" cy="1307646"/>
+          </a:xfrm>
+          <a:prstGeom prst="rect">
+            <a:avLst/>
+          </a:prstGeom>
+        </p:spPr>
+      </p:pic>
     </p:spTree>
     <p:extLst>
       <p:ext uri="{BB962C8B-B14F-4D97-AF65-F5344CB8AC3E}">
@@ -14441,6 +15441,36 @@
           </p:style>
         </p:cxnSp>
       </p:grpSp>
+      <p:pic>
+        <p:nvPicPr>
+          <p:cNvPr id="15" name="image1.png">
+            <a:extLst>
+              <a:ext uri="{FF2B5EF4-FFF2-40B4-BE49-F238E27FC236}">
+                <a16:creationId xmlns:a16="http://schemas.microsoft.com/office/drawing/2014/main" id="{C480DD78-D05C-48B3-9905-205662BE8098}"/>
+              </a:ext>
+            </a:extLst>
+          </p:cNvPr>
+          <p:cNvPicPr>
+            <a:picLocks noChangeAspect="1"/>
+          </p:cNvPicPr>
+          <p:nvPr/>
+        </p:nvPicPr>
+        <p:blipFill>
+          <a:blip r:embed="rId3" cstate="print"/>
+          <a:stretch>
+            <a:fillRect/>
+          </a:stretch>
+        </p:blipFill>
+        <p:spPr>
+          <a:xfrm>
+            <a:off x="10765085" y="120681"/>
+            <a:ext cx="1307646" cy="1307646"/>
+          </a:xfrm>
+          <a:prstGeom prst="rect">
+            <a:avLst/>
+          </a:prstGeom>
+        </p:spPr>
+      </p:pic>
     </p:spTree>
     <p:extLst>
       <p:ext uri="{BB962C8B-B14F-4D97-AF65-F5344CB8AC3E}">
@@ -14510,7 +15540,9 @@
           <a:lstStyle/>
           <a:p>
             <a:r>
-              <a:rPr lang="en-US" dirty="0"/>
+              <a:rPr lang="en-US" dirty="0">
+                <a:latin typeface="Walbaum Display (Body)"/>
+              </a:rPr>
               <a:t>What is it?</a:t>
             </a:r>
           </a:p>
@@ -14550,7 +15582,7 @@
             </a:pPr>
             <a:r>
               <a:rPr lang="en-US" sz="2800" dirty="0"/>
-              <a:t>Reactive</a:t>
+              <a:t> Reactive</a:t>
             </a:r>
           </a:p>
           <a:p>
@@ -14560,7 +15592,7 @@
             </a:pPr>
             <a:r>
               <a:rPr lang="en-US" sz="2800" dirty="0"/>
-              <a:t>Consists of 2 main steps:</a:t>
+              <a:t> Consists of 2 main steps:</a:t>
             </a:r>
           </a:p>
           <a:p>
@@ -14585,6 +15617,36 @@
           </a:p>
         </p:txBody>
       </p:sp>
+      <p:pic>
+        <p:nvPicPr>
+          <p:cNvPr id="4" name="image1.png">
+            <a:extLst>
+              <a:ext uri="{FF2B5EF4-FFF2-40B4-BE49-F238E27FC236}">
+                <a16:creationId xmlns:a16="http://schemas.microsoft.com/office/drawing/2014/main" id="{D7C34D76-116C-4415-9FA3-C5E2F576D9CB}"/>
+              </a:ext>
+            </a:extLst>
+          </p:cNvPr>
+          <p:cNvPicPr>
+            <a:picLocks noChangeAspect="1"/>
+          </p:cNvPicPr>
+          <p:nvPr/>
+        </p:nvPicPr>
+        <p:blipFill>
+          <a:blip r:embed="rId3" cstate="print"/>
+          <a:stretch>
+            <a:fillRect/>
+          </a:stretch>
+        </p:blipFill>
+        <p:spPr>
+          <a:xfrm>
+            <a:off x="10765085" y="120681"/>
+            <a:ext cx="1307646" cy="1307646"/>
+          </a:xfrm>
+          <a:prstGeom prst="rect">
+            <a:avLst/>
+          </a:prstGeom>
+        </p:spPr>
+      </p:pic>
     </p:spTree>
     <p:extLst>
       <p:ext uri="{BB962C8B-B14F-4D97-AF65-F5344CB8AC3E}">
@@ -16543,6 +17605,36 @@
           </p:txBody>
         </p:sp>
       </p:grpSp>
+      <p:pic>
+        <p:nvPicPr>
+          <p:cNvPr id="20" name="image1.png">
+            <a:extLst>
+              <a:ext uri="{FF2B5EF4-FFF2-40B4-BE49-F238E27FC236}">
+                <a16:creationId xmlns:a16="http://schemas.microsoft.com/office/drawing/2014/main" id="{CF199C3C-6211-4914-B8AA-C248748442A0}"/>
+              </a:ext>
+            </a:extLst>
+          </p:cNvPr>
+          <p:cNvPicPr>
+            <a:picLocks noChangeAspect="1"/>
+          </p:cNvPicPr>
+          <p:nvPr/>
+        </p:nvPicPr>
+        <p:blipFill>
+          <a:blip r:embed="rId3" cstate="print"/>
+          <a:stretch>
+            <a:fillRect/>
+          </a:stretch>
+        </p:blipFill>
+        <p:spPr>
+          <a:xfrm>
+            <a:off x="10765085" y="120681"/>
+            <a:ext cx="1307646" cy="1307646"/>
+          </a:xfrm>
+          <a:prstGeom prst="rect">
+            <a:avLst/>
+          </a:prstGeom>
+        </p:spPr>
+      </p:pic>
     </p:spTree>
     <p:extLst>
       <p:ext uri="{BB962C8B-B14F-4D97-AF65-F5344CB8AC3E}">
@@ -17526,6 +18618,36 @@
           </p:style>
         </p:cxnSp>
       </p:grpSp>
+      <p:pic>
+        <p:nvPicPr>
+          <p:cNvPr id="9" name="image1.png">
+            <a:extLst>
+              <a:ext uri="{FF2B5EF4-FFF2-40B4-BE49-F238E27FC236}">
+                <a16:creationId xmlns:a16="http://schemas.microsoft.com/office/drawing/2014/main" id="{220211F7-0939-4F6F-B69A-0EF4D48C8640}"/>
+              </a:ext>
+            </a:extLst>
+          </p:cNvPr>
+          <p:cNvPicPr>
+            <a:picLocks noChangeAspect="1"/>
+          </p:cNvPicPr>
+          <p:nvPr/>
+        </p:nvPicPr>
+        <p:blipFill>
+          <a:blip r:embed="rId3" cstate="print"/>
+          <a:stretch>
+            <a:fillRect/>
+          </a:stretch>
+        </p:blipFill>
+        <p:spPr>
+          <a:xfrm>
+            <a:off x="10765085" y="120681"/>
+            <a:ext cx="1307646" cy="1307646"/>
+          </a:xfrm>
+          <a:prstGeom prst="rect">
+            <a:avLst/>
+          </a:prstGeom>
+        </p:spPr>
+      </p:pic>
     </p:spTree>
     <p:extLst>
       <p:ext uri="{BB962C8B-B14F-4D97-AF65-F5344CB8AC3E}">
@@ -18579,6 +19701,36 @@
           </a:p>
         </p:txBody>
       </p:sp>
+      <p:pic>
+        <p:nvPicPr>
+          <p:cNvPr id="10" name="image1.png">
+            <a:extLst>
+              <a:ext uri="{FF2B5EF4-FFF2-40B4-BE49-F238E27FC236}">
+                <a16:creationId xmlns:a16="http://schemas.microsoft.com/office/drawing/2014/main" id="{7A76708D-D013-488A-8DFD-FC95C5D804E3}"/>
+              </a:ext>
+            </a:extLst>
+          </p:cNvPr>
+          <p:cNvPicPr>
+            <a:picLocks noChangeAspect="1"/>
+          </p:cNvPicPr>
+          <p:nvPr/>
+        </p:nvPicPr>
+        <p:blipFill>
+          <a:blip r:embed="rId3" cstate="print"/>
+          <a:stretch>
+            <a:fillRect/>
+          </a:stretch>
+        </p:blipFill>
+        <p:spPr>
+          <a:xfrm>
+            <a:off x="10765085" y="120681"/>
+            <a:ext cx="1307646" cy="1307646"/>
+          </a:xfrm>
+          <a:prstGeom prst="rect">
+            <a:avLst/>
+          </a:prstGeom>
+        </p:spPr>
+      </p:pic>
     </p:spTree>
     <p:extLst>
       <p:ext uri="{BB962C8B-B14F-4D97-AF65-F5344CB8AC3E}">
@@ -20459,6 +21611,36 @@
           </p:style>
         </p:cxnSp>
       </p:grpSp>
+      <p:pic>
+        <p:nvPicPr>
+          <p:cNvPr id="11" name="image1.png">
+            <a:extLst>
+              <a:ext uri="{FF2B5EF4-FFF2-40B4-BE49-F238E27FC236}">
+                <a16:creationId xmlns:a16="http://schemas.microsoft.com/office/drawing/2014/main" id="{649ECA58-A8D3-4E76-A836-F36A50B2DE1A}"/>
+              </a:ext>
+            </a:extLst>
+          </p:cNvPr>
+          <p:cNvPicPr>
+            <a:picLocks noChangeAspect="1"/>
+          </p:cNvPicPr>
+          <p:nvPr/>
+        </p:nvPicPr>
+        <p:blipFill>
+          <a:blip r:embed="rId3" cstate="print"/>
+          <a:stretch>
+            <a:fillRect/>
+          </a:stretch>
+        </p:blipFill>
+        <p:spPr>
+          <a:xfrm>
+            <a:off x="10765085" y="120681"/>
+            <a:ext cx="1307646" cy="1307646"/>
+          </a:xfrm>
+          <a:prstGeom prst="rect">
+            <a:avLst/>
+          </a:prstGeom>
+        </p:spPr>
+      </p:pic>
     </p:spTree>
     <p:extLst>
       <p:ext uri="{BB962C8B-B14F-4D97-AF65-F5344CB8AC3E}">
@@ -20827,8 +22009,8 @@
             </a:fontRef>
           </p:style>
         </p:cxnSp>
-        <mc:AlternateContent xmlns:mc="http://schemas.openxmlformats.org/markup-compatibility/2006">
-          <mc:Choice xmlns:a14="http://schemas.microsoft.com/office/drawing/2010/main" Requires="a14">
+        <mc:AlternateContent xmlns:mc="http://schemas.openxmlformats.org/markup-compatibility/2006" xmlns:a14="http://schemas.microsoft.com/office/drawing/2010/main">
+          <mc:Choice Requires="a14">
             <p:sp>
               <p:nvSpPr>
                 <p:cNvPr id="32" name="TextBox 31">
@@ -20857,6 +22039,7 @@
                 </a:bodyPr>
                 <a:lstStyle/>
                 <a:p>
+                  <a:pPr/>
                   <a14:m>
                     <m:oMathPara xmlns:m="http://schemas.openxmlformats.org/officeDocument/2006/math">
                       <m:oMathParaPr>
@@ -20878,7 +22061,7 @@
               </p:txBody>
             </p:sp>
           </mc:Choice>
-          <mc:Fallback>
+          <mc:Fallback xmlns="">
             <p:sp>
               <p:nvSpPr>
                 <p:cNvPr id="32" name="TextBox 31">
@@ -20923,8 +22106,8 @@
             </p:sp>
           </mc:Fallback>
         </mc:AlternateContent>
-        <mc:AlternateContent xmlns:mc="http://schemas.openxmlformats.org/markup-compatibility/2006">
-          <mc:Choice xmlns:a14="http://schemas.microsoft.com/office/drawing/2010/main" Requires="a14">
+        <mc:AlternateContent xmlns:mc="http://schemas.openxmlformats.org/markup-compatibility/2006" xmlns:a14="http://schemas.microsoft.com/office/drawing/2010/main">
+          <mc:Choice Requires="a14">
             <p:sp>
               <p:nvSpPr>
                 <p:cNvPr id="34" name="TextBox 33">
@@ -20953,6 +22136,7 @@
                 </a:bodyPr>
                 <a:lstStyle/>
                 <a:p>
+                  <a:pPr/>
                   <a14:m>
                     <m:oMathPara xmlns:m="http://schemas.openxmlformats.org/officeDocument/2006/math">
                       <m:oMathParaPr>
@@ -20974,7 +22158,7 @@
               </p:txBody>
             </p:sp>
           </mc:Choice>
-          <mc:Fallback>
+          <mc:Fallback xmlns="">
             <p:sp>
               <p:nvSpPr>
                 <p:cNvPr id="34" name="TextBox 33">
@@ -21020,6 +22204,36 @@
           </mc:Fallback>
         </mc:AlternateContent>
       </p:grpSp>
+      <p:pic>
+        <p:nvPicPr>
+          <p:cNvPr id="13" name="image1.png">
+            <a:extLst>
+              <a:ext uri="{FF2B5EF4-FFF2-40B4-BE49-F238E27FC236}">
+                <a16:creationId xmlns:a16="http://schemas.microsoft.com/office/drawing/2014/main" id="{C4F705FF-1152-4AE5-8711-44A030147236}"/>
+              </a:ext>
+            </a:extLst>
+          </p:cNvPr>
+          <p:cNvPicPr>
+            <a:picLocks noChangeAspect="1"/>
+          </p:cNvPicPr>
+          <p:nvPr/>
+        </p:nvPicPr>
+        <p:blipFill>
+          <a:blip r:embed="rId5" cstate="print"/>
+          <a:stretch>
+            <a:fillRect/>
+          </a:stretch>
+        </p:blipFill>
+        <p:spPr>
+          <a:xfrm>
+            <a:off x="10765085" y="120681"/>
+            <a:ext cx="1307646" cy="1307646"/>
+          </a:xfrm>
+          <a:prstGeom prst="rect">
+            <a:avLst/>
+          </a:prstGeom>
+        </p:spPr>
+      </p:pic>
     </p:spTree>
     <p:extLst>
       <p:ext uri="{BB962C8B-B14F-4D97-AF65-F5344CB8AC3E}">
@@ -21030,13 +22244,13 @@
   <p:clrMapOvr>
     <a:masterClrMapping/>
   </p:clrMapOvr>
-  <mc:AlternateContent xmlns:mc="http://schemas.openxmlformats.org/markup-compatibility/2006">
-    <mc:Choice xmlns:p14="http://schemas.microsoft.com/office/powerpoint/2010/main" Requires="p14">
+  <mc:AlternateContent xmlns:mc="http://schemas.openxmlformats.org/markup-compatibility/2006" xmlns:p14="http://schemas.microsoft.com/office/powerpoint/2010/main">
+    <mc:Choice Requires="p14">
       <p:transition spd="slow" p14:dur="1500">
         <p:split orient="vert"/>
       </p:transition>
     </mc:Choice>
-    <mc:Fallback>
+    <mc:Fallback xmlns="">
       <p:transition spd="slow">
         <p:split orient="vert"/>
       </p:transition>
@@ -24915,6 +26129,36 @@
           </p:txBody>
         </p:sp>
       </p:grpSp>
+      <p:pic>
+        <p:nvPicPr>
+          <p:cNvPr id="21" name="image1.png">
+            <a:extLst>
+              <a:ext uri="{FF2B5EF4-FFF2-40B4-BE49-F238E27FC236}">
+                <a16:creationId xmlns:a16="http://schemas.microsoft.com/office/drawing/2014/main" id="{5B7310B3-9B10-43E1-BCC4-CD9CC98F158F}"/>
+              </a:ext>
+            </a:extLst>
+          </p:cNvPr>
+          <p:cNvPicPr>
+            <a:picLocks noChangeAspect="1"/>
+          </p:cNvPicPr>
+          <p:nvPr/>
+        </p:nvPicPr>
+        <p:blipFill>
+          <a:blip r:embed="rId3" cstate="print"/>
+          <a:stretch>
+            <a:fillRect/>
+          </a:stretch>
+        </p:blipFill>
+        <p:spPr>
+          <a:xfrm>
+            <a:off x="10765085" y="120681"/>
+            <a:ext cx="1307646" cy="1307646"/>
+          </a:xfrm>
+          <a:prstGeom prst="rect">
+            <a:avLst/>
+          </a:prstGeom>
+        </p:spPr>
+      </p:pic>
     </p:spTree>
     <p:extLst>
       <p:ext uri="{BB962C8B-B14F-4D97-AF65-F5344CB8AC3E}">
@@ -28812,6 +30056,36 @@
           </a:fontRef>
         </p:style>
       </p:cxnSp>
+      <p:pic>
+        <p:nvPicPr>
+          <p:cNvPr id="21" name="image1.png">
+            <a:extLst>
+              <a:ext uri="{FF2B5EF4-FFF2-40B4-BE49-F238E27FC236}">
+                <a16:creationId xmlns:a16="http://schemas.microsoft.com/office/drawing/2014/main" id="{41685D7E-2705-4466-8353-C19A4FAE8187}"/>
+              </a:ext>
+            </a:extLst>
+          </p:cNvPr>
+          <p:cNvPicPr>
+            <a:picLocks noChangeAspect="1"/>
+          </p:cNvPicPr>
+          <p:nvPr/>
+        </p:nvPicPr>
+        <p:blipFill>
+          <a:blip r:embed="rId3" cstate="print"/>
+          <a:stretch>
+            <a:fillRect/>
+          </a:stretch>
+        </p:blipFill>
+        <p:spPr>
+          <a:xfrm>
+            <a:off x="10765085" y="120681"/>
+            <a:ext cx="1307646" cy="1307646"/>
+          </a:xfrm>
+          <a:prstGeom prst="rect">
+            <a:avLst/>
+          </a:prstGeom>
+        </p:spPr>
+      </p:pic>
     </p:spTree>
     <p:extLst>
       <p:ext uri="{BB962C8B-B14F-4D97-AF65-F5344CB8AC3E}">
@@ -32709,6 +33983,36 @@
           </a:fontRef>
         </p:style>
       </p:cxnSp>
+      <p:pic>
+        <p:nvPicPr>
+          <p:cNvPr id="21" name="image1.png">
+            <a:extLst>
+              <a:ext uri="{FF2B5EF4-FFF2-40B4-BE49-F238E27FC236}">
+                <a16:creationId xmlns:a16="http://schemas.microsoft.com/office/drawing/2014/main" id="{077AA63F-BE7A-42E0-801B-CFFC7761602A}"/>
+              </a:ext>
+            </a:extLst>
+          </p:cNvPr>
+          <p:cNvPicPr>
+            <a:picLocks noChangeAspect="1"/>
+          </p:cNvPicPr>
+          <p:nvPr/>
+        </p:nvPicPr>
+        <p:blipFill>
+          <a:blip r:embed="rId3" cstate="print"/>
+          <a:stretch>
+            <a:fillRect/>
+          </a:stretch>
+        </p:blipFill>
+        <p:spPr>
+          <a:xfrm>
+            <a:off x="10765085" y="120681"/>
+            <a:ext cx="1307646" cy="1307646"/>
+          </a:xfrm>
+          <a:prstGeom prst="rect">
+            <a:avLst/>
+          </a:prstGeom>
+        </p:spPr>
+      </p:pic>
     </p:spTree>
     <p:extLst>
       <p:ext uri="{BB962C8B-B14F-4D97-AF65-F5344CB8AC3E}">
@@ -36606,6 +37910,36 @@
           </a:fontRef>
         </p:style>
       </p:cxnSp>
+      <p:pic>
+        <p:nvPicPr>
+          <p:cNvPr id="21" name="image1.png">
+            <a:extLst>
+              <a:ext uri="{FF2B5EF4-FFF2-40B4-BE49-F238E27FC236}">
+                <a16:creationId xmlns:a16="http://schemas.microsoft.com/office/drawing/2014/main" id="{441D587B-D49B-47F7-B815-7D07FD27F3BC}"/>
+              </a:ext>
+            </a:extLst>
+          </p:cNvPr>
+          <p:cNvPicPr>
+            <a:picLocks noChangeAspect="1"/>
+          </p:cNvPicPr>
+          <p:nvPr/>
+        </p:nvPicPr>
+        <p:blipFill>
+          <a:blip r:embed="rId3" cstate="print"/>
+          <a:stretch>
+            <a:fillRect/>
+          </a:stretch>
+        </p:blipFill>
+        <p:spPr>
+          <a:xfrm>
+            <a:off x="10765085" y="120681"/>
+            <a:ext cx="1307646" cy="1307646"/>
+          </a:xfrm>
+          <a:prstGeom prst="rect">
+            <a:avLst/>
+          </a:prstGeom>
+        </p:spPr>
+      </p:pic>
     </p:spTree>
     <p:extLst>
       <p:ext uri="{BB962C8B-B14F-4D97-AF65-F5344CB8AC3E}">
@@ -39885,6 +41219,36 @@
           </p:style>
         </p:cxnSp>
       </p:grpSp>
+      <p:pic>
+        <p:nvPicPr>
+          <p:cNvPr id="10" name="image1.png">
+            <a:extLst>
+              <a:ext uri="{FF2B5EF4-FFF2-40B4-BE49-F238E27FC236}">
+                <a16:creationId xmlns:a16="http://schemas.microsoft.com/office/drawing/2014/main" id="{6F06B6D3-E125-47C1-865F-C4A3E3B0E9C2}"/>
+              </a:ext>
+            </a:extLst>
+          </p:cNvPr>
+          <p:cNvPicPr>
+            <a:picLocks noChangeAspect="1"/>
+          </p:cNvPicPr>
+          <p:nvPr/>
+        </p:nvPicPr>
+        <p:blipFill>
+          <a:blip r:embed="rId3" cstate="print"/>
+          <a:stretch>
+            <a:fillRect/>
+          </a:stretch>
+        </p:blipFill>
+        <p:spPr>
+          <a:xfrm>
+            <a:off x="10765085" y="120681"/>
+            <a:ext cx="1307646" cy="1307646"/>
+          </a:xfrm>
+          <a:prstGeom prst="rect">
+            <a:avLst/>
+          </a:prstGeom>
+        </p:spPr>
+      </p:pic>
     </p:spTree>
     <p:extLst>
       <p:ext uri="{BB962C8B-B14F-4D97-AF65-F5344CB8AC3E}">
@@ -39954,7 +41318,9 @@
           <a:lstStyle/>
           <a:p>
             <a:r>
-              <a:rPr lang="en-US" dirty="0"/>
+              <a:rPr lang="en-US" dirty="0">
+                <a:latin typeface="Walbaum Display (Body)"/>
+              </a:rPr>
               <a:t>Longest Safely Traversable Distance</a:t>
             </a:r>
           </a:p>
@@ -39978,8 +41344,8 @@
         </p:nvSpPr>
         <p:spPr>
           <a:xfrm>
-            <a:off x="1143000" y="3429000"/>
-            <a:ext cx="9905999" cy="652474"/>
+            <a:off x="1302025" y="2299253"/>
+            <a:ext cx="9905999" cy="2632760"/>
           </a:xfrm>
         </p:spPr>
         <p:txBody>
@@ -39988,16 +41354,284 @@
           </a:bodyPr>
           <a:lstStyle/>
           <a:p>
-            <a:pPr marL="0" indent="0" algn="ctr">
+            <a:pPr marL="0" indent="0">
               <a:buNone/>
             </a:pPr>
             <a:r>
               <a:rPr lang="en-US" sz="2800" dirty="0"/>
-              <a:t>Get the LiDAR scans from the sensors</a:t>
+              <a:t>Get the LiDAR scans </a:t>
+            </a:r>
+          </a:p>
+          <a:p>
+            <a:pPr marL="0" indent="0">
+              <a:buNone/>
+            </a:pPr>
+            <a:r>
+              <a:rPr lang="en-US" sz="2800" dirty="0"/>
+              <a:t>from the sensors</a:t>
             </a:r>
           </a:p>
         </p:txBody>
       </p:sp>
+      <p:pic>
+        <p:nvPicPr>
+          <p:cNvPr id="6" name="image1.png">
+            <a:extLst>
+              <a:ext uri="{FF2B5EF4-FFF2-40B4-BE49-F238E27FC236}">
+                <a16:creationId xmlns:a16="http://schemas.microsoft.com/office/drawing/2014/main" id="{41B8CF14-ADE2-447E-9A9B-F45A2439FFA4}"/>
+              </a:ext>
+            </a:extLst>
+          </p:cNvPr>
+          <p:cNvPicPr>
+            <a:picLocks noChangeAspect="1"/>
+          </p:cNvPicPr>
+          <p:nvPr/>
+        </p:nvPicPr>
+        <p:blipFill>
+          <a:blip r:embed="rId3" cstate="print"/>
+          <a:stretch>
+            <a:fillRect/>
+          </a:stretch>
+        </p:blipFill>
+        <p:spPr>
+          <a:xfrm>
+            <a:off x="10765085" y="120681"/>
+            <a:ext cx="1307646" cy="1307646"/>
+          </a:xfrm>
+          <a:prstGeom prst="rect">
+            <a:avLst/>
+          </a:prstGeom>
+        </p:spPr>
+      </p:pic>
+      <p:pic>
+        <p:nvPicPr>
+          <p:cNvPr id="1028" name="Picture 4" descr="TiM150-3010300 | Sick TIM1XX Laser Scanner LiDAR Sensor, 0.05m to 10m Max  Range | RS">
+            <a:extLst>
+              <a:ext uri="{FF2B5EF4-FFF2-40B4-BE49-F238E27FC236}">
+                <a16:creationId xmlns:a16="http://schemas.microsoft.com/office/drawing/2014/main" id="{A5C4F996-C3B6-4C55-898A-EC0C31162397}"/>
+              </a:ext>
+            </a:extLst>
+          </p:cNvPr>
+          <p:cNvPicPr>
+            <a:picLocks noChangeAspect="1" noChangeArrowheads="1"/>
+          </p:cNvPicPr>
+          <p:nvPr/>
+        </p:nvPicPr>
+        <p:blipFill>
+          <a:blip r:embed="rId4">
+            <a:extLst>
+              <a:ext uri="{28A0092B-C50C-407E-A947-70E740481C1C}">
+                <a14:useLocalDpi xmlns:a14="http://schemas.microsoft.com/office/drawing/2010/main" val="0"/>
+              </a:ext>
+            </a:extLst>
+          </a:blip>
+          <a:srcRect/>
+          <a:stretch>
+            <a:fillRect/>
+          </a:stretch>
+        </p:blipFill>
+        <p:spPr bwMode="auto">
+          <a:xfrm>
+            <a:off x="983976" y="3711011"/>
+            <a:ext cx="4354621" cy="2442003"/>
+          </a:xfrm>
+          <a:prstGeom prst="rect">
+            <a:avLst/>
+          </a:prstGeom>
+          <a:noFill/>
+          <a:extLst>
+            <a:ext uri="{909E8E84-426E-40DD-AFC4-6F175D3DCCD1}">
+              <a14:hiddenFill xmlns:a14="http://schemas.microsoft.com/office/drawing/2010/main">
+                <a:solidFill>
+                  <a:srgbClr val="FFFFFF"/>
+                </a:solidFill>
+              </a14:hiddenFill>
+            </a:ext>
+          </a:extLst>
+        </p:spPr>
+      </p:pic>
+      <p:sp>
+        <p:nvSpPr>
+          <p:cNvPr id="2" name="AutoShape 6" descr="2D Polar space of one LIDAR scan | Download Scientific Diagram">
+            <a:extLst>
+              <a:ext uri="{FF2B5EF4-FFF2-40B4-BE49-F238E27FC236}">
+                <a16:creationId xmlns:a16="http://schemas.microsoft.com/office/drawing/2014/main" id="{7CDB2A1D-4DD7-4ACD-9345-B26CDC7A9A27}"/>
+              </a:ext>
+            </a:extLst>
+          </p:cNvPr>
+          <p:cNvSpPr>
+            <a:spLocks noChangeAspect="1" noChangeArrowheads="1"/>
+          </p:cNvSpPr>
+          <p:nvPr/>
+        </p:nvSpPr>
+        <p:spPr bwMode="auto">
+          <a:xfrm>
+            <a:off x="5943600" y="3276600"/>
+            <a:ext cx="304800" cy="304800"/>
+          </a:xfrm>
+          <a:prstGeom prst="rect">
+            <a:avLst/>
+          </a:prstGeom>
+          <a:noFill/>
+          <a:extLst>
+            <a:ext uri="{909E8E84-426E-40DD-AFC4-6F175D3DCCD1}">
+              <a14:hiddenFill xmlns:a14="http://schemas.microsoft.com/office/drawing/2010/main">
+                <a:solidFill>
+                  <a:srgbClr val="FFFFFF"/>
+                </a:solidFill>
+              </a14:hiddenFill>
+            </a:ext>
+          </a:extLst>
+        </p:spPr>
+        <p:txBody>
+          <a:bodyPr vert="horz" wrap="square" lIns="91440" tIns="45720" rIns="91440" bIns="45720" numCol="1" anchor="t" anchorCtr="0" compatLnSpc="1">
+            <a:prstTxWarp prst="textNoShape">
+              <a:avLst/>
+            </a:prstTxWarp>
+          </a:bodyPr>
+          <a:lstStyle/>
+          <a:p>
+            <a:endParaRPr lang="en-IE"/>
+          </a:p>
+        </p:txBody>
+      </p:sp>
+      <p:sp>
+        <p:nvSpPr>
+          <p:cNvPr id="3" name="AutoShape 8" descr="2D Polar space of one LIDAR scan | Download Scientific Diagram">
+            <a:extLst>
+              <a:ext uri="{FF2B5EF4-FFF2-40B4-BE49-F238E27FC236}">
+                <a16:creationId xmlns:a16="http://schemas.microsoft.com/office/drawing/2014/main" id="{4C75E539-5ACF-4C0F-9004-E41210DD820F}"/>
+              </a:ext>
+            </a:extLst>
+          </p:cNvPr>
+          <p:cNvSpPr>
+            <a:spLocks noChangeAspect="1" noChangeArrowheads="1"/>
+          </p:cNvSpPr>
+          <p:nvPr/>
+        </p:nvSpPr>
+        <p:spPr bwMode="auto">
+          <a:xfrm>
+            <a:off x="6096000" y="3429000"/>
+            <a:ext cx="304800" cy="304800"/>
+          </a:xfrm>
+          <a:prstGeom prst="rect">
+            <a:avLst/>
+          </a:prstGeom>
+          <a:noFill/>
+          <a:extLst>
+            <a:ext uri="{909E8E84-426E-40DD-AFC4-6F175D3DCCD1}">
+              <a14:hiddenFill xmlns:a14="http://schemas.microsoft.com/office/drawing/2010/main">
+                <a:solidFill>
+                  <a:srgbClr val="FFFFFF"/>
+                </a:solidFill>
+              </a14:hiddenFill>
+            </a:ext>
+          </a:extLst>
+        </p:spPr>
+        <p:txBody>
+          <a:bodyPr vert="horz" wrap="square" lIns="91440" tIns="45720" rIns="91440" bIns="45720" numCol="1" anchor="t" anchorCtr="0" compatLnSpc="1">
+            <a:prstTxWarp prst="textNoShape">
+              <a:avLst/>
+            </a:prstTxWarp>
+          </a:bodyPr>
+          <a:lstStyle/>
+          <a:p>
+            <a:endParaRPr lang="en-IE"/>
+          </a:p>
+        </p:txBody>
+      </p:sp>
+      <p:sp>
+        <p:nvSpPr>
+          <p:cNvPr id="7" name="AutoShape 10" descr="2D Polar space of one LIDAR scan | Download Scientific Diagram">
+            <a:extLst>
+              <a:ext uri="{FF2B5EF4-FFF2-40B4-BE49-F238E27FC236}">
+                <a16:creationId xmlns:a16="http://schemas.microsoft.com/office/drawing/2014/main" id="{0A1CFC4C-ECC1-4443-B00E-5F5F4CB03531}"/>
+              </a:ext>
+            </a:extLst>
+          </p:cNvPr>
+          <p:cNvSpPr>
+            <a:spLocks noChangeAspect="1" noChangeArrowheads="1"/>
+          </p:cNvSpPr>
+          <p:nvPr/>
+        </p:nvSpPr>
+        <p:spPr bwMode="auto">
+          <a:xfrm>
+            <a:off x="6248400" y="3581400"/>
+            <a:ext cx="304800" cy="304800"/>
+          </a:xfrm>
+          <a:prstGeom prst="rect">
+            <a:avLst/>
+          </a:prstGeom>
+          <a:noFill/>
+          <a:extLst>
+            <a:ext uri="{909E8E84-426E-40DD-AFC4-6F175D3DCCD1}">
+              <a14:hiddenFill xmlns:a14="http://schemas.microsoft.com/office/drawing/2010/main">
+                <a:solidFill>
+                  <a:srgbClr val="FFFFFF"/>
+                </a:solidFill>
+              </a14:hiddenFill>
+            </a:ext>
+          </a:extLst>
+        </p:spPr>
+        <p:txBody>
+          <a:bodyPr vert="horz" wrap="square" lIns="91440" tIns="45720" rIns="91440" bIns="45720" numCol="1" anchor="t" anchorCtr="0" compatLnSpc="1">
+            <a:prstTxWarp prst="textNoShape">
+              <a:avLst/>
+            </a:prstTxWarp>
+          </a:bodyPr>
+          <a:lstStyle/>
+          <a:p>
+            <a:endParaRPr lang="en-IE"/>
+          </a:p>
+        </p:txBody>
+      </p:sp>
+      <p:pic>
+        <p:nvPicPr>
+          <p:cNvPr id="1036" name="Picture 12" descr="Velodyne Lidar Viewer for Unity - Laser Scanning Forum">
+            <a:extLst>
+              <a:ext uri="{FF2B5EF4-FFF2-40B4-BE49-F238E27FC236}">
+                <a16:creationId xmlns:a16="http://schemas.microsoft.com/office/drawing/2014/main" id="{2B302D0B-D210-4A91-8322-90FF91841EE3}"/>
+              </a:ext>
+            </a:extLst>
+          </p:cNvPr>
+          <p:cNvPicPr>
+            <a:picLocks noChangeAspect="1" noChangeArrowheads="1"/>
+          </p:cNvPicPr>
+          <p:nvPr/>
+        </p:nvPicPr>
+        <p:blipFill>
+          <a:blip r:embed="rId5">
+            <a:extLst>
+              <a:ext uri="{28A0092B-C50C-407E-A947-70E740481C1C}">
+                <a14:useLocalDpi xmlns:a14="http://schemas.microsoft.com/office/drawing/2010/main" val="0"/>
+              </a:ext>
+            </a:extLst>
+          </a:blip>
+          <a:srcRect/>
+          <a:stretch>
+            <a:fillRect/>
+          </a:stretch>
+        </p:blipFill>
+        <p:spPr bwMode="auto">
+          <a:xfrm>
+            <a:off x="5382441" y="2522532"/>
+            <a:ext cx="5825583" cy="3019982"/>
+          </a:xfrm>
+          <a:prstGeom prst="rect">
+            <a:avLst/>
+          </a:prstGeom>
+          <a:noFill/>
+          <a:extLst>
+            <a:ext uri="{909E8E84-426E-40DD-AFC4-6F175D3DCCD1}">
+              <a14:hiddenFill xmlns:a14="http://schemas.microsoft.com/office/drawing/2010/main">
+                <a:solidFill>
+                  <a:srgbClr val="FFFFFF"/>
+                </a:solidFill>
+              </a14:hiddenFill>
+            </a:ext>
+          </a:extLst>
+        </p:spPr>
+      </p:pic>
     </p:spTree>
     <p:extLst>
       <p:ext uri="{BB962C8B-B14F-4D97-AF65-F5344CB8AC3E}">
@@ -40612,6 +42246,36 @@
           </a:p>
         </p:txBody>
       </p:sp>
+      <p:pic>
+        <p:nvPicPr>
+          <p:cNvPr id="10" name="image1.png">
+            <a:extLst>
+              <a:ext uri="{FF2B5EF4-FFF2-40B4-BE49-F238E27FC236}">
+                <a16:creationId xmlns:a16="http://schemas.microsoft.com/office/drawing/2014/main" id="{C515D86B-F600-4A9B-910F-D8DDBE29ABC3}"/>
+              </a:ext>
+            </a:extLst>
+          </p:cNvPr>
+          <p:cNvPicPr>
+            <a:picLocks noChangeAspect="1"/>
+          </p:cNvPicPr>
+          <p:nvPr/>
+        </p:nvPicPr>
+        <p:blipFill>
+          <a:blip r:embed="rId3" cstate="print"/>
+          <a:stretch>
+            <a:fillRect/>
+          </a:stretch>
+        </p:blipFill>
+        <p:spPr>
+          <a:xfrm>
+            <a:off x="10765085" y="120681"/>
+            <a:ext cx="1307646" cy="1307646"/>
+          </a:xfrm>
+          <a:prstGeom prst="rect">
+            <a:avLst/>
+          </a:prstGeom>
+        </p:spPr>
+      </p:pic>
     </p:spTree>
     <p:extLst>
       <p:ext uri="{BB962C8B-B14F-4D97-AF65-F5344CB8AC3E}">
@@ -40828,6 +42492,36 @@
           </a:fontRef>
         </p:style>
       </p:cxnSp>
+      <p:pic>
+        <p:nvPicPr>
+          <p:cNvPr id="6" name="image1.png">
+            <a:extLst>
+              <a:ext uri="{FF2B5EF4-FFF2-40B4-BE49-F238E27FC236}">
+                <a16:creationId xmlns:a16="http://schemas.microsoft.com/office/drawing/2014/main" id="{D845B9F3-1C6F-4023-A134-1F53C2F4FDFE}"/>
+              </a:ext>
+            </a:extLst>
+          </p:cNvPr>
+          <p:cNvPicPr>
+            <a:picLocks noChangeAspect="1"/>
+          </p:cNvPicPr>
+          <p:nvPr/>
+        </p:nvPicPr>
+        <p:blipFill>
+          <a:blip r:embed="rId3" cstate="print"/>
+          <a:stretch>
+            <a:fillRect/>
+          </a:stretch>
+        </p:blipFill>
+        <p:spPr>
+          <a:xfrm>
+            <a:off x="10765085" y="120681"/>
+            <a:ext cx="1307646" cy="1307646"/>
+          </a:xfrm>
+          <a:prstGeom prst="rect">
+            <a:avLst/>
+          </a:prstGeom>
+        </p:spPr>
+      </p:pic>
     </p:spTree>
     <p:extLst>
       <p:ext uri="{BB962C8B-B14F-4D97-AF65-F5344CB8AC3E}">
@@ -41095,6 +42789,103 @@
           </a:p>
         </p:txBody>
       </p:sp>
+      <p:sp>
+        <p:nvSpPr>
+          <p:cNvPr id="7" name="TextBox 6">
+            <a:extLst>
+              <a:ext uri="{FF2B5EF4-FFF2-40B4-BE49-F238E27FC236}">
+                <a16:creationId xmlns:a16="http://schemas.microsoft.com/office/drawing/2014/main" id="{D26C2716-C0E1-4038-BB81-3B5E02CD82D6}"/>
+              </a:ext>
+            </a:extLst>
+          </p:cNvPr>
+          <p:cNvSpPr txBox="1"/>
+          <p:nvPr/>
+        </p:nvSpPr>
+        <p:spPr>
+          <a:xfrm>
+            <a:off x="3064565" y="3313908"/>
+            <a:ext cx="6129130" cy="646331"/>
+          </a:xfrm>
+          <a:prstGeom prst="rect">
+            <a:avLst/>
+          </a:prstGeom>
+          <a:noFill/>
+        </p:spPr>
+        <p:txBody>
+          <a:bodyPr wrap="square">
+            <a:spAutoFit/>
+          </a:bodyPr>
+          <a:lstStyle/>
+          <a:p>
+            <a:endParaRPr lang="en-IE" dirty="0"/>
+          </a:p>
+          <a:p>
+            <a:endParaRPr lang="en-IE" dirty="0"/>
+          </a:p>
+        </p:txBody>
+      </p:sp>
+      <p:sp>
+        <p:nvSpPr>
+          <p:cNvPr id="8" name="TextBox 7">
+            <a:extLst>
+              <a:ext uri="{FF2B5EF4-FFF2-40B4-BE49-F238E27FC236}">
+                <a16:creationId xmlns:a16="http://schemas.microsoft.com/office/drawing/2014/main" id="{05AA2BFA-8861-4FDF-8138-0494A37A1D42}"/>
+              </a:ext>
+            </a:extLst>
+          </p:cNvPr>
+          <p:cNvSpPr txBox="1"/>
+          <p:nvPr/>
+        </p:nvSpPr>
+        <p:spPr>
+          <a:xfrm>
+            <a:off x="3064565" y="3313908"/>
+            <a:ext cx="6129130" cy="369332"/>
+          </a:xfrm>
+          <a:prstGeom prst="rect">
+            <a:avLst/>
+          </a:prstGeom>
+          <a:noFill/>
+        </p:spPr>
+        <p:txBody>
+          <a:bodyPr wrap="square">
+            <a:spAutoFit/>
+          </a:bodyPr>
+          <a:lstStyle/>
+          <a:p>
+            <a:endParaRPr lang="en-IE" dirty="0"/>
+          </a:p>
+        </p:txBody>
+      </p:sp>
+      <p:pic>
+        <p:nvPicPr>
+          <p:cNvPr id="9" name="image1.png">
+            <a:extLst>
+              <a:ext uri="{FF2B5EF4-FFF2-40B4-BE49-F238E27FC236}">
+                <a16:creationId xmlns:a16="http://schemas.microsoft.com/office/drawing/2014/main" id="{832F1715-6810-4F7B-9288-7C8768B0661B}"/>
+              </a:ext>
+            </a:extLst>
+          </p:cNvPr>
+          <p:cNvPicPr>
+            <a:picLocks noChangeAspect="1"/>
+          </p:cNvPicPr>
+          <p:nvPr/>
+        </p:nvPicPr>
+        <p:blipFill>
+          <a:blip r:embed="rId3" cstate="print"/>
+          <a:stretch>
+            <a:fillRect/>
+          </a:stretch>
+        </p:blipFill>
+        <p:spPr>
+          <a:xfrm>
+            <a:off x="10765085" y="120681"/>
+            <a:ext cx="1307646" cy="1307646"/>
+          </a:xfrm>
+          <a:prstGeom prst="rect">
+            <a:avLst/>
+          </a:prstGeom>
+        </p:spPr>
+      </p:pic>
     </p:spTree>
     <p:extLst>
       <p:ext uri="{BB962C8B-B14F-4D97-AF65-F5344CB8AC3E}">
@@ -41258,6 +43049,36 @@
           </a:p>
         </p:txBody>
       </p:sp>
+      <p:pic>
+        <p:nvPicPr>
+          <p:cNvPr id="5" name="image1.png">
+            <a:extLst>
+              <a:ext uri="{FF2B5EF4-FFF2-40B4-BE49-F238E27FC236}">
+                <a16:creationId xmlns:a16="http://schemas.microsoft.com/office/drawing/2014/main" id="{C8C2E4D7-07AD-4BB6-BCCC-4AF90C989584}"/>
+              </a:ext>
+            </a:extLst>
+          </p:cNvPr>
+          <p:cNvPicPr>
+            <a:picLocks noChangeAspect="1"/>
+          </p:cNvPicPr>
+          <p:nvPr/>
+        </p:nvPicPr>
+        <p:blipFill>
+          <a:blip r:embed="rId4" cstate="print"/>
+          <a:stretch>
+            <a:fillRect/>
+          </a:stretch>
+        </p:blipFill>
+        <p:spPr>
+          <a:xfrm>
+            <a:off x="10765085" y="120681"/>
+            <a:ext cx="1307646" cy="1307646"/>
+          </a:xfrm>
+          <a:prstGeom prst="rect">
+            <a:avLst/>
+          </a:prstGeom>
+        </p:spPr>
+      </p:pic>
     </p:spTree>
     <p:extLst>
       <p:ext uri="{BB962C8B-B14F-4D97-AF65-F5344CB8AC3E}">
@@ -41487,6 +43308,36 @@
           </a:p>
         </p:txBody>
       </p:sp>
+      <p:pic>
+        <p:nvPicPr>
+          <p:cNvPr id="6" name="image1.png">
+            <a:extLst>
+              <a:ext uri="{FF2B5EF4-FFF2-40B4-BE49-F238E27FC236}">
+                <a16:creationId xmlns:a16="http://schemas.microsoft.com/office/drawing/2014/main" id="{E2781EFA-ED02-4D6C-86BE-DB964EEDF1FF}"/>
+              </a:ext>
+            </a:extLst>
+          </p:cNvPr>
+          <p:cNvPicPr>
+            <a:picLocks noChangeAspect="1"/>
+          </p:cNvPicPr>
+          <p:nvPr/>
+        </p:nvPicPr>
+        <p:blipFill>
+          <a:blip r:embed="rId5" cstate="print"/>
+          <a:stretch>
+            <a:fillRect/>
+          </a:stretch>
+        </p:blipFill>
+        <p:spPr>
+          <a:xfrm>
+            <a:off x="10765085" y="120681"/>
+            <a:ext cx="1307646" cy="1307646"/>
+          </a:xfrm>
+          <a:prstGeom prst="rect">
+            <a:avLst/>
+          </a:prstGeom>
+        </p:spPr>
+      </p:pic>
     </p:spTree>
     <p:extLst>
       <p:ext uri="{BB962C8B-B14F-4D97-AF65-F5344CB8AC3E}">
@@ -41773,6 +43624,36 @@
           </a:p>
         </p:txBody>
       </p:sp>
+      <p:pic>
+        <p:nvPicPr>
+          <p:cNvPr id="10" name="image1.png">
+            <a:extLst>
+              <a:ext uri="{FF2B5EF4-FFF2-40B4-BE49-F238E27FC236}">
+                <a16:creationId xmlns:a16="http://schemas.microsoft.com/office/drawing/2014/main" id="{28A3A51C-F0B5-4B0B-8E38-66A253A96A6E}"/>
+              </a:ext>
+            </a:extLst>
+          </p:cNvPr>
+          <p:cNvPicPr>
+            <a:picLocks noChangeAspect="1"/>
+          </p:cNvPicPr>
+          <p:nvPr/>
+        </p:nvPicPr>
+        <p:blipFill>
+          <a:blip r:embed="rId6" cstate="print"/>
+          <a:stretch>
+            <a:fillRect/>
+          </a:stretch>
+        </p:blipFill>
+        <p:spPr>
+          <a:xfrm>
+            <a:off x="10765085" y="120681"/>
+            <a:ext cx="1307646" cy="1307646"/>
+          </a:xfrm>
+          <a:prstGeom prst="rect">
+            <a:avLst/>
+          </a:prstGeom>
+        </p:spPr>
+      </p:pic>
     </p:spTree>
     <p:extLst>
       <p:ext uri="{BB962C8B-B14F-4D97-AF65-F5344CB8AC3E}">
@@ -42059,6 +43940,36 @@
           </a:p>
         </p:txBody>
       </p:sp>
+      <p:pic>
+        <p:nvPicPr>
+          <p:cNvPr id="11" name="image1.png">
+            <a:extLst>
+              <a:ext uri="{FF2B5EF4-FFF2-40B4-BE49-F238E27FC236}">
+                <a16:creationId xmlns:a16="http://schemas.microsoft.com/office/drawing/2014/main" id="{C8E45E4A-57E9-4CBB-AF44-DBB112B7C5EC}"/>
+              </a:ext>
+            </a:extLst>
+          </p:cNvPr>
+          <p:cNvPicPr>
+            <a:picLocks noChangeAspect="1"/>
+          </p:cNvPicPr>
+          <p:nvPr/>
+        </p:nvPicPr>
+        <p:blipFill>
+          <a:blip r:embed="rId6" cstate="print"/>
+          <a:stretch>
+            <a:fillRect/>
+          </a:stretch>
+        </p:blipFill>
+        <p:spPr>
+          <a:xfrm>
+            <a:off x="10765085" y="120681"/>
+            <a:ext cx="1307646" cy="1307646"/>
+          </a:xfrm>
+          <a:prstGeom prst="rect">
+            <a:avLst/>
+          </a:prstGeom>
+        </p:spPr>
+      </p:pic>
     </p:spTree>
     <p:extLst>
       <p:ext uri="{BB962C8B-B14F-4D97-AF65-F5344CB8AC3E}">
@@ -42288,6 +44199,36 @@
           </a:p>
         </p:txBody>
       </p:sp>
+      <p:pic>
+        <p:nvPicPr>
+          <p:cNvPr id="6" name="image1.png">
+            <a:extLst>
+              <a:ext uri="{FF2B5EF4-FFF2-40B4-BE49-F238E27FC236}">
+                <a16:creationId xmlns:a16="http://schemas.microsoft.com/office/drawing/2014/main" id="{5880B70D-0B51-48ED-AA7F-77ECD102F5CD}"/>
+              </a:ext>
+            </a:extLst>
+          </p:cNvPr>
+          <p:cNvPicPr>
+            <a:picLocks noChangeAspect="1"/>
+          </p:cNvPicPr>
+          <p:nvPr/>
+        </p:nvPicPr>
+        <p:blipFill>
+          <a:blip r:embed="rId5" cstate="print"/>
+          <a:stretch>
+            <a:fillRect/>
+          </a:stretch>
+        </p:blipFill>
+        <p:spPr>
+          <a:xfrm>
+            <a:off x="10765085" y="120681"/>
+            <a:ext cx="1307646" cy="1307646"/>
+          </a:xfrm>
+          <a:prstGeom prst="rect">
+            <a:avLst/>
+          </a:prstGeom>
+        </p:spPr>
+      </p:pic>
     </p:spTree>
     <p:extLst>
       <p:ext uri="{BB962C8B-B14F-4D97-AF65-F5344CB8AC3E}">
@@ -43259,6 +45200,36 @@
           </a:fontRef>
         </p:style>
       </p:cxnSp>
+      <p:pic>
+        <p:nvPicPr>
+          <p:cNvPr id="9" name="image1.png">
+            <a:extLst>
+              <a:ext uri="{FF2B5EF4-FFF2-40B4-BE49-F238E27FC236}">
+                <a16:creationId xmlns:a16="http://schemas.microsoft.com/office/drawing/2014/main" id="{BAEEF750-9FD7-47A0-9AC3-43121B37972F}"/>
+              </a:ext>
+            </a:extLst>
+          </p:cNvPr>
+          <p:cNvPicPr>
+            <a:picLocks noChangeAspect="1"/>
+          </p:cNvPicPr>
+          <p:nvPr/>
+        </p:nvPicPr>
+        <p:blipFill>
+          <a:blip r:embed="rId3" cstate="print"/>
+          <a:stretch>
+            <a:fillRect/>
+          </a:stretch>
+        </p:blipFill>
+        <p:spPr>
+          <a:xfrm>
+            <a:off x="10765085" y="120681"/>
+            <a:ext cx="1307646" cy="1307646"/>
+          </a:xfrm>
+          <a:prstGeom prst="rect">
+            <a:avLst/>
+          </a:prstGeom>
+        </p:spPr>
+      </p:pic>
     </p:spTree>
     <p:extLst>
       <p:ext uri="{BB962C8B-B14F-4D97-AF65-F5344CB8AC3E}">

--- a/Disparity_Extender.pptx
+++ b/Disparity_Extender.pptx
@@ -10,28 +10,28 @@
   <p:sldIdLst>
     <p:sldId id="256" r:id="rId2"/>
     <p:sldId id="265" r:id="rId3"/>
-    <p:sldId id="266" r:id="rId4"/>
-    <p:sldId id="271" r:id="rId5"/>
-    <p:sldId id="272" r:id="rId6"/>
-    <p:sldId id="274" r:id="rId7"/>
-    <p:sldId id="275" r:id="rId8"/>
-    <p:sldId id="277" r:id="rId9"/>
-    <p:sldId id="278" r:id="rId10"/>
-    <p:sldId id="280" r:id="rId11"/>
-    <p:sldId id="281" r:id="rId12"/>
-    <p:sldId id="282" r:id="rId13"/>
-    <p:sldId id="283" r:id="rId14"/>
-    <p:sldId id="284" r:id="rId15"/>
-    <p:sldId id="285" r:id="rId16"/>
-    <p:sldId id="286" r:id="rId17"/>
-    <p:sldId id="287" r:id="rId18"/>
-    <p:sldId id="289" r:id="rId19"/>
-    <p:sldId id="290" r:id="rId20"/>
-    <p:sldId id="292" r:id="rId21"/>
-    <p:sldId id="293" r:id="rId22"/>
-    <p:sldId id="294" r:id="rId23"/>
-    <p:sldId id="297" r:id="rId24"/>
-    <p:sldId id="305" r:id="rId25"/>
+    <p:sldId id="308" r:id="rId4"/>
+    <p:sldId id="307" r:id="rId5"/>
+    <p:sldId id="266" r:id="rId6"/>
+    <p:sldId id="271" r:id="rId7"/>
+    <p:sldId id="277" r:id="rId8"/>
+    <p:sldId id="278" r:id="rId9"/>
+    <p:sldId id="280" r:id="rId10"/>
+    <p:sldId id="281" r:id="rId11"/>
+    <p:sldId id="282" r:id="rId12"/>
+    <p:sldId id="283" r:id="rId13"/>
+    <p:sldId id="284" r:id="rId14"/>
+    <p:sldId id="285" r:id="rId15"/>
+    <p:sldId id="286" r:id="rId16"/>
+    <p:sldId id="287" r:id="rId17"/>
+    <p:sldId id="289" r:id="rId18"/>
+    <p:sldId id="290" r:id="rId19"/>
+    <p:sldId id="292" r:id="rId20"/>
+    <p:sldId id="293" r:id="rId21"/>
+    <p:sldId id="294" r:id="rId22"/>
+    <p:sldId id="297" r:id="rId23"/>
+    <p:sldId id="305" r:id="rId24"/>
+    <p:sldId id="306" r:id="rId25"/>
     <p:sldId id="296" r:id="rId26"/>
     <p:sldId id="298" r:id="rId27"/>
     <p:sldId id="299" r:id="rId28"/>
@@ -858,7 +858,7 @@
           <a:p>
             <a:fld id="{437C1FA7-8412-4D7E-8A60-FB1BCA601FFA}" type="datetimeFigureOut">
               <a:rPr lang="en-US" smtClean="0"/>
-              <a:t>9/7/2022</a:t>
+              <a:t>9/23/2022</a:t>
             </a:fld>
             <a:endParaRPr lang="en-US"/>
           </a:p>
@@ -1286,117 +1286,6 @@
             </a:pPr>
             <a:r>
               <a:rPr lang="en-US" dirty="0"/>
-              <a:t>Mention that our car has physical dimensions and hence just choosing the longest scan doesn’t work</a:t>
-            </a:r>
-          </a:p>
-          <a:p>
-            <a:pPr marL="171450" indent="-171450">
-              <a:buFontTx/>
-              <a:buChar char="-"/>
-            </a:pPr>
-            <a:r>
-              <a:rPr lang="en-US" dirty="0"/>
-              <a:t>Mention this algorithm only depends on the width of the car</a:t>
-            </a:r>
-          </a:p>
-          <a:p>
-            <a:pPr marL="171450" indent="-171450">
-              <a:buFontTx/>
-              <a:buChar char="-"/>
-            </a:pPr>
-            <a:r>
-              <a:rPr lang="en-US" dirty="0"/>
-              <a:t>Onto next slide</a:t>
-            </a:r>
-          </a:p>
-        </p:txBody>
-      </p:sp>
-      <p:sp>
-        <p:nvSpPr>
-          <p:cNvPr id="4" name="Slide Number Placeholder 3"/>
-          <p:cNvSpPr>
-            <a:spLocks noGrp="1"/>
-          </p:cNvSpPr>
-          <p:nvPr>
-            <p:ph type="sldNum" sz="quarter" idx="5"/>
-          </p:nvPr>
-        </p:nvSpPr>
-        <p:spPr/>
-        <p:txBody>
-          <a:bodyPr/>
-          <a:lstStyle/>
-          <a:p>
-            <a:fld id="{B5D8664D-ED04-40AE-922B-31A3174CFE18}" type="slidenum">
-              <a:rPr lang="en-US" smtClean="0"/>
-              <a:t>11</a:t>
-            </a:fld>
-            <a:endParaRPr lang="en-US"/>
-          </a:p>
-        </p:txBody>
-      </p:sp>
-    </p:spTree>
-    <p:extLst>
-      <p:ext uri="{BB962C8B-B14F-4D97-AF65-F5344CB8AC3E}">
-        <p14:creationId xmlns:p14="http://schemas.microsoft.com/office/powerpoint/2010/main" val="894792019"/>
-      </p:ext>
-    </p:extLst>
-  </p:cSld>
-  <p:clrMapOvr>
-    <a:masterClrMapping/>
-  </p:clrMapOvr>
-</p:notes>
-</file>
-
-<file path=ppt/notesSlides/notesSlide11.xml><?xml version="1.0" encoding="utf-8"?>
-<p:notes xmlns:a="http://schemas.openxmlformats.org/drawingml/2006/main" xmlns:r="http://schemas.openxmlformats.org/officeDocument/2006/relationships" xmlns:p="http://schemas.openxmlformats.org/presentationml/2006/main">
-  <p:cSld>
-    <p:spTree>
-      <p:nvGrpSpPr>
-        <p:cNvPr id="1" name=""/>
-        <p:cNvGrpSpPr/>
-        <p:nvPr/>
-      </p:nvGrpSpPr>
-      <p:grpSpPr>
-        <a:xfrm>
-          <a:off x="0" y="0"/>
-          <a:ext cx="0" cy="0"/>
-          <a:chOff x="0" y="0"/>
-          <a:chExt cx="0" cy="0"/>
-        </a:xfrm>
-      </p:grpSpPr>
-      <p:sp>
-        <p:nvSpPr>
-          <p:cNvPr id="2" name="Slide Image Placeholder 1"/>
-          <p:cNvSpPr>
-            <a:spLocks noGrp="1" noRot="1" noChangeAspect="1"/>
-          </p:cNvSpPr>
-          <p:nvPr>
-            <p:ph type="sldImg"/>
-          </p:nvPr>
-        </p:nvSpPr>
-        <p:spPr/>
-      </p:sp>
-      <p:sp>
-        <p:nvSpPr>
-          <p:cNvPr id="3" name="Notes Placeholder 2"/>
-          <p:cNvSpPr>
-            <a:spLocks noGrp="1"/>
-          </p:cNvSpPr>
-          <p:nvPr>
-            <p:ph type="body" idx="1"/>
-          </p:nvPr>
-        </p:nvSpPr>
-        <p:spPr/>
-        <p:txBody>
-          <a:bodyPr/>
-          <a:lstStyle/>
-          <a:p>
-            <a:pPr marL="171450" indent="-171450">
-              <a:buFontTx/>
-              <a:buChar char="-"/>
-            </a:pPr>
-            <a:r>
-              <a:rPr lang="en-US" dirty="0"/>
               <a:t>This is the beginning of an example for finding a disparity</a:t>
             </a:r>
           </a:p>
@@ -1439,7 +1328,7 @@
           <a:p>
             <a:fld id="{B5D8664D-ED04-40AE-922B-31A3174CFE18}" type="slidenum">
               <a:rPr lang="en-US" smtClean="0"/>
-              <a:t>12</a:t>
+              <a:t>11</a:t>
             </a:fld>
             <a:endParaRPr lang="en-US"/>
           </a:p>
@@ -1458,7 +1347,7 @@
 </p:notes>
 </file>
 
-<file path=ppt/notesSlides/notesSlide12.xml><?xml version="1.0" encoding="utf-8"?>
+<file path=ppt/notesSlides/notesSlide11.xml><?xml version="1.0" encoding="utf-8"?>
 <p:notes xmlns:a="http://schemas.openxmlformats.org/drawingml/2006/main" xmlns:r="http://schemas.openxmlformats.org/officeDocument/2006/relationships" xmlns:p="http://schemas.openxmlformats.org/presentationml/2006/main">
   <p:cSld>
     <p:spTree>
@@ -1540,7 +1429,7 @@
           <a:p>
             <a:fld id="{B5D8664D-ED04-40AE-922B-31A3174CFE18}" type="slidenum">
               <a:rPr lang="en-US" smtClean="0"/>
-              <a:t>13</a:t>
+              <a:t>12</a:t>
             </a:fld>
             <a:endParaRPr lang="en-US"/>
           </a:p>
@@ -1559,7 +1448,7 @@
 </p:notes>
 </file>
 
-<file path=ppt/notesSlides/notesSlide13.xml><?xml version="1.0" encoding="utf-8"?>
+<file path=ppt/notesSlides/notesSlide12.xml><?xml version="1.0" encoding="utf-8"?>
 <p:notes xmlns:a="http://schemas.openxmlformats.org/drawingml/2006/main" xmlns:r="http://schemas.openxmlformats.org/officeDocument/2006/relationships" xmlns:p="http://schemas.openxmlformats.org/presentationml/2006/main">
   <p:cSld>
     <p:spTree>
@@ -1641,7 +1530,7 @@
           <a:p>
             <a:fld id="{B5D8664D-ED04-40AE-922B-31A3174CFE18}" type="slidenum">
               <a:rPr lang="en-US" smtClean="0"/>
-              <a:t>14</a:t>
+              <a:t>13</a:t>
             </a:fld>
             <a:endParaRPr lang="en-US"/>
           </a:p>
@@ -1660,7 +1549,7 @@
 </p:notes>
 </file>
 
-<file path=ppt/notesSlides/notesSlide14.xml><?xml version="1.0" encoding="utf-8"?>
+<file path=ppt/notesSlides/notesSlide13.xml><?xml version="1.0" encoding="utf-8"?>
 <p:notes xmlns:a="http://schemas.openxmlformats.org/drawingml/2006/main" xmlns:r="http://schemas.openxmlformats.org/officeDocument/2006/relationships" xmlns:p="http://schemas.openxmlformats.org/presentationml/2006/main">
   <p:cSld>
     <p:spTree>
@@ -1742,7 +1631,7 @@
           <a:p>
             <a:fld id="{B5D8664D-ED04-40AE-922B-31A3174CFE18}" type="slidenum">
               <a:rPr lang="en-US" smtClean="0"/>
-              <a:t>15</a:t>
+              <a:t>14</a:t>
             </a:fld>
             <a:endParaRPr lang="en-US"/>
           </a:p>
@@ -1761,7 +1650,7 @@
 </p:notes>
 </file>
 
-<file path=ppt/notesSlides/notesSlide15.xml><?xml version="1.0" encoding="utf-8"?>
+<file path=ppt/notesSlides/notesSlide14.xml><?xml version="1.0" encoding="utf-8"?>
 <p:notes xmlns:a="http://schemas.openxmlformats.org/drawingml/2006/main" xmlns:r="http://schemas.openxmlformats.org/officeDocument/2006/relationships" xmlns:p="http://schemas.openxmlformats.org/presentationml/2006/main">
   <p:cSld>
     <p:spTree>
@@ -1863,7 +1752,7 @@
           <a:p>
             <a:fld id="{B5D8664D-ED04-40AE-922B-31A3174CFE18}" type="slidenum">
               <a:rPr lang="en-US" smtClean="0"/>
-              <a:t>16</a:t>
+              <a:t>15</a:t>
             </a:fld>
             <a:endParaRPr lang="en-US"/>
           </a:p>
@@ -1882,7 +1771,7 @@
 </p:notes>
 </file>
 
-<file path=ppt/notesSlides/notesSlide16.xml><?xml version="1.0" encoding="utf-8"?>
+<file path=ppt/notesSlides/notesSlide15.xml><?xml version="1.0" encoding="utf-8"?>
 <p:notes xmlns:a="http://schemas.openxmlformats.org/drawingml/2006/main" xmlns:r="http://schemas.openxmlformats.org/officeDocument/2006/relationships" xmlns:p="http://schemas.openxmlformats.org/presentationml/2006/main">
   <p:cSld>
     <p:spTree>
@@ -1970,7 +1859,7 @@
           <a:p>
             <a:fld id="{B5D8664D-ED04-40AE-922B-31A3174CFE18}" type="slidenum">
               <a:rPr lang="en-US" smtClean="0"/>
-              <a:t>17</a:t>
+              <a:t>16</a:t>
             </a:fld>
             <a:endParaRPr lang="en-US"/>
           </a:p>
@@ -1989,7 +1878,7 @@
 </p:notes>
 </file>
 
-<file path=ppt/notesSlides/notesSlide17.xml><?xml version="1.0" encoding="utf-8"?>
+<file path=ppt/notesSlides/notesSlide16.xml><?xml version="1.0" encoding="utf-8"?>
 <p:notes xmlns:a="http://schemas.openxmlformats.org/drawingml/2006/main" xmlns:r="http://schemas.openxmlformats.org/officeDocument/2006/relationships" xmlns:p="http://schemas.openxmlformats.org/presentationml/2006/main">
   <p:cSld>
     <p:spTree>
@@ -2061,6 +1950,94 @@
           <a:p>
             <a:fld id="{B5D8664D-ED04-40AE-922B-31A3174CFE18}" type="slidenum">
               <a:rPr lang="en-US" smtClean="0"/>
+              <a:t>17</a:t>
+            </a:fld>
+            <a:endParaRPr lang="en-US"/>
+          </a:p>
+        </p:txBody>
+      </p:sp>
+    </p:spTree>
+    <p:extLst>
+      <p:ext uri="{BB962C8B-B14F-4D97-AF65-F5344CB8AC3E}">
+        <p14:creationId xmlns:p14="http://schemas.microsoft.com/office/powerpoint/2010/main" val="3013215030"/>
+      </p:ext>
+    </p:extLst>
+  </p:cSld>
+  <p:clrMapOvr>
+    <a:masterClrMapping/>
+  </p:clrMapOvr>
+</p:notes>
+</file>
+
+<file path=ppt/notesSlides/notesSlide17.xml><?xml version="1.0" encoding="utf-8"?>
+<p:notes xmlns:a="http://schemas.openxmlformats.org/drawingml/2006/main" xmlns:r="http://schemas.openxmlformats.org/officeDocument/2006/relationships" xmlns:p="http://schemas.openxmlformats.org/presentationml/2006/main">
+  <p:cSld>
+    <p:spTree>
+      <p:nvGrpSpPr>
+        <p:cNvPr id="1" name=""/>
+        <p:cNvGrpSpPr/>
+        <p:nvPr/>
+      </p:nvGrpSpPr>
+      <p:grpSpPr>
+        <a:xfrm>
+          <a:off x="0" y="0"/>
+          <a:ext cx="0" cy="0"/>
+          <a:chOff x="0" y="0"/>
+          <a:chExt cx="0" cy="0"/>
+        </a:xfrm>
+      </p:grpSpPr>
+      <p:sp>
+        <p:nvSpPr>
+          <p:cNvPr id="2" name="Slide Image Placeholder 1"/>
+          <p:cNvSpPr>
+            <a:spLocks noGrp="1" noRot="1" noChangeAspect="1"/>
+          </p:cNvSpPr>
+          <p:nvPr>
+            <p:ph type="sldImg"/>
+          </p:nvPr>
+        </p:nvSpPr>
+        <p:spPr/>
+      </p:sp>
+      <p:sp>
+        <p:nvSpPr>
+          <p:cNvPr id="3" name="Notes Placeholder 2"/>
+          <p:cNvSpPr>
+            <a:spLocks noGrp="1"/>
+          </p:cNvSpPr>
+          <p:nvPr>
+            <p:ph type="body" idx="1"/>
+          </p:nvPr>
+        </p:nvSpPr>
+        <p:spPr/>
+        <p:txBody>
+          <a:bodyPr/>
+          <a:lstStyle/>
+          <a:p>
+            <a:pPr marL="171450" indent="-171450">
+              <a:buFontTx/>
+              <a:buChar char="-"/>
+            </a:pPr>
+            <a:endParaRPr lang="en-US" dirty="0"/>
+          </a:p>
+        </p:txBody>
+      </p:sp>
+      <p:sp>
+        <p:nvSpPr>
+          <p:cNvPr id="4" name="Slide Number Placeholder 3"/>
+          <p:cNvSpPr>
+            <a:spLocks noGrp="1"/>
+          </p:cNvSpPr>
+          <p:nvPr>
+            <p:ph type="sldNum" sz="quarter" idx="5"/>
+          </p:nvPr>
+        </p:nvSpPr>
+        <p:spPr/>
+        <p:txBody>
+          <a:bodyPr/>
+          <a:lstStyle/>
+          <a:p>
+            <a:fld id="{B5D8664D-ED04-40AE-922B-31A3174CFE18}" type="slidenum">
+              <a:rPr lang="en-US" smtClean="0"/>
               <a:t>18</a:t>
             </a:fld>
             <a:endParaRPr lang="en-US"/>
@@ -2070,7 +2047,7 @@
     </p:spTree>
     <p:extLst>
       <p:ext uri="{BB962C8B-B14F-4D97-AF65-F5344CB8AC3E}">
-        <p14:creationId xmlns:p14="http://schemas.microsoft.com/office/powerpoint/2010/main" val="3013215030"/>
+        <p14:creationId xmlns:p14="http://schemas.microsoft.com/office/powerpoint/2010/main" val="235803318"/>
       </p:ext>
     </p:extLst>
   </p:cSld>
@@ -2158,7 +2135,7 @@
     </p:spTree>
     <p:extLst>
       <p:ext uri="{BB962C8B-B14F-4D97-AF65-F5344CB8AC3E}">
-        <p14:creationId xmlns:p14="http://schemas.microsoft.com/office/powerpoint/2010/main" val="235803318"/>
+        <p14:creationId xmlns:p14="http://schemas.microsoft.com/office/powerpoint/2010/main" val="1705030692"/>
       </p:ext>
     </p:extLst>
   </p:cSld>
@@ -2216,7 +2193,10 @@
               <a:buFontTx/>
               <a:buChar char="-"/>
             </a:pPr>
-            <a:endParaRPr lang="en-US" dirty="0"/>
+            <a:r>
+              <a:rPr lang="en-US" dirty="0"/>
+              <a:t>Explain using this example why we cant just choose a disparity and drive in that direction</a:t>
+            </a:r>
           </a:p>
         </p:txBody>
       </p:sp>
@@ -2246,7 +2226,7 @@
     </p:spTree>
     <p:extLst>
       <p:ext uri="{BB962C8B-B14F-4D97-AF65-F5344CB8AC3E}">
-        <p14:creationId xmlns:p14="http://schemas.microsoft.com/office/powerpoint/2010/main" val="1705030692"/>
+        <p14:creationId xmlns:p14="http://schemas.microsoft.com/office/powerpoint/2010/main" val="325076919"/>
       </p:ext>
     </p:extLst>
   </p:cSld>
@@ -2300,9 +2280,33 @@
           <a:bodyPr/>
           <a:lstStyle/>
           <a:p>
+            <a:pPr marL="171450" indent="-171450">
+              <a:buFontTx/>
+              <a:buChar char="-"/>
+            </a:pPr>
             <a:r>
               <a:rPr lang="en-US" dirty="0"/>
-              <a:t>- This is pretty self explanatory………..</a:t>
+              <a:t>Explain what a reactive method is </a:t>
+            </a:r>
+          </a:p>
+          <a:p>
+            <a:pPr marL="171450" indent="-171450">
+              <a:buFontTx/>
+              <a:buChar char="-"/>
+            </a:pPr>
+            <a:r>
+              <a:rPr lang="en-US" dirty="0"/>
+              <a:t>Mention the two main steps of this algorithm</a:t>
+            </a:r>
+          </a:p>
+          <a:p>
+            <a:pPr marL="171450" indent="-171450">
+              <a:buFontTx/>
+              <a:buChar char="-"/>
+            </a:pPr>
+            <a:r>
+              <a:rPr lang="en-US" dirty="0"/>
+              <a:t>Onto next slide</a:t>
             </a:r>
           </a:p>
         </p:txBody>
@@ -2333,7 +2337,7 @@
     </p:spTree>
     <p:extLst>
       <p:ext uri="{BB962C8B-B14F-4D97-AF65-F5344CB8AC3E}">
-        <p14:creationId xmlns:p14="http://schemas.microsoft.com/office/powerpoint/2010/main" val="2739289406"/>
+        <p14:creationId xmlns:p14="http://schemas.microsoft.com/office/powerpoint/2010/main" val="2675929919"/>
       </p:ext>
     </p:extLst>
   </p:cSld>
@@ -2424,7 +2428,7 @@
     </p:spTree>
     <p:extLst>
       <p:ext uri="{BB962C8B-B14F-4D97-AF65-F5344CB8AC3E}">
-        <p14:creationId xmlns:p14="http://schemas.microsoft.com/office/powerpoint/2010/main" val="325076919"/>
+        <p14:creationId xmlns:p14="http://schemas.microsoft.com/office/powerpoint/2010/main" val="1466937589"/>
       </p:ext>
     </p:extLst>
   </p:cSld>
@@ -2435,97 +2439,6 @@
 </file>
 
 <file path=ppt/notesSlides/notesSlide21.xml><?xml version="1.0" encoding="utf-8"?>
-<p:notes xmlns:a="http://schemas.openxmlformats.org/drawingml/2006/main" xmlns:r="http://schemas.openxmlformats.org/officeDocument/2006/relationships" xmlns:p="http://schemas.openxmlformats.org/presentationml/2006/main">
-  <p:cSld>
-    <p:spTree>
-      <p:nvGrpSpPr>
-        <p:cNvPr id="1" name=""/>
-        <p:cNvGrpSpPr/>
-        <p:nvPr/>
-      </p:nvGrpSpPr>
-      <p:grpSpPr>
-        <a:xfrm>
-          <a:off x="0" y="0"/>
-          <a:ext cx="0" cy="0"/>
-          <a:chOff x="0" y="0"/>
-          <a:chExt cx="0" cy="0"/>
-        </a:xfrm>
-      </p:grpSpPr>
-      <p:sp>
-        <p:nvSpPr>
-          <p:cNvPr id="2" name="Slide Image Placeholder 1"/>
-          <p:cNvSpPr>
-            <a:spLocks noGrp="1" noRot="1" noChangeAspect="1"/>
-          </p:cNvSpPr>
-          <p:nvPr>
-            <p:ph type="sldImg"/>
-          </p:nvPr>
-        </p:nvSpPr>
-        <p:spPr/>
-      </p:sp>
-      <p:sp>
-        <p:nvSpPr>
-          <p:cNvPr id="3" name="Notes Placeholder 2"/>
-          <p:cNvSpPr>
-            <a:spLocks noGrp="1"/>
-          </p:cNvSpPr>
-          <p:nvPr>
-            <p:ph type="body" idx="1"/>
-          </p:nvPr>
-        </p:nvSpPr>
-        <p:spPr/>
-        <p:txBody>
-          <a:bodyPr/>
-          <a:lstStyle/>
-          <a:p>
-            <a:pPr marL="171450" indent="-171450">
-              <a:buFontTx/>
-              <a:buChar char="-"/>
-            </a:pPr>
-            <a:r>
-              <a:rPr lang="en-US" dirty="0"/>
-              <a:t>Explain using this example why we cant just choose a disparity and drive in that direction</a:t>
-            </a:r>
-          </a:p>
-        </p:txBody>
-      </p:sp>
-      <p:sp>
-        <p:nvSpPr>
-          <p:cNvPr id="4" name="Slide Number Placeholder 3"/>
-          <p:cNvSpPr>
-            <a:spLocks noGrp="1"/>
-          </p:cNvSpPr>
-          <p:nvPr>
-            <p:ph type="sldNum" sz="quarter" idx="5"/>
-          </p:nvPr>
-        </p:nvSpPr>
-        <p:spPr/>
-        <p:txBody>
-          <a:bodyPr/>
-          <a:lstStyle/>
-          <a:p>
-            <a:fld id="{B5D8664D-ED04-40AE-922B-31A3174CFE18}" type="slidenum">
-              <a:rPr lang="en-US" smtClean="0"/>
-              <a:t>22</a:t>
-            </a:fld>
-            <a:endParaRPr lang="en-US"/>
-          </a:p>
-        </p:txBody>
-      </p:sp>
-    </p:spTree>
-    <p:extLst>
-      <p:ext uri="{BB962C8B-B14F-4D97-AF65-F5344CB8AC3E}">
-        <p14:creationId xmlns:p14="http://schemas.microsoft.com/office/powerpoint/2010/main" val="1466937589"/>
-      </p:ext>
-    </p:extLst>
-  </p:cSld>
-  <p:clrMapOvr>
-    <a:masterClrMapping/>
-  </p:clrMapOvr>
-</p:notes>
-</file>
-
-<file path=ppt/notesSlides/notesSlide22.xml><?xml version="1.0" encoding="utf-8"?>
 <p:notes xmlns:a="http://schemas.openxmlformats.org/drawingml/2006/main" xmlns:r="http://schemas.openxmlformats.org/officeDocument/2006/relationships" xmlns:p="http://schemas.openxmlformats.org/presentationml/2006/main">
   <p:cSld>
     <p:spTree>
@@ -2627,6 +2540,122 @@
           <a:p>
             <a:fld id="{B5D8664D-ED04-40AE-922B-31A3174CFE18}" type="slidenum">
               <a:rPr lang="en-US" smtClean="0"/>
+              <a:t>22</a:t>
+            </a:fld>
+            <a:endParaRPr lang="en-US"/>
+          </a:p>
+        </p:txBody>
+      </p:sp>
+    </p:spTree>
+    <p:extLst>
+      <p:ext uri="{BB962C8B-B14F-4D97-AF65-F5344CB8AC3E}">
+        <p14:creationId xmlns:p14="http://schemas.microsoft.com/office/powerpoint/2010/main" val="2829326653"/>
+      </p:ext>
+    </p:extLst>
+  </p:cSld>
+  <p:clrMapOvr>
+    <a:masterClrMapping/>
+  </p:clrMapOvr>
+</p:notes>
+</file>
+
+<file path=ppt/notesSlides/notesSlide22.xml><?xml version="1.0" encoding="utf-8"?>
+<p:notes xmlns:a="http://schemas.openxmlformats.org/drawingml/2006/main" xmlns:r="http://schemas.openxmlformats.org/officeDocument/2006/relationships" xmlns:p="http://schemas.openxmlformats.org/presentationml/2006/main">
+  <p:cSld>
+    <p:spTree>
+      <p:nvGrpSpPr>
+        <p:cNvPr id="1" name=""/>
+        <p:cNvGrpSpPr/>
+        <p:nvPr/>
+      </p:nvGrpSpPr>
+      <p:grpSpPr>
+        <a:xfrm>
+          <a:off x="0" y="0"/>
+          <a:ext cx="0" cy="0"/>
+          <a:chOff x="0" y="0"/>
+          <a:chExt cx="0" cy="0"/>
+        </a:xfrm>
+      </p:grpSpPr>
+      <p:sp>
+        <p:nvSpPr>
+          <p:cNvPr id="2" name="Slide Image Placeholder 1"/>
+          <p:cNvSpPr>
+            <a:spLocks noGrp="1" noRot="1" noChangeAspect="1"/>
+          </p:cNvSpPr>
+          <p:nvPr>
+            <p:ph type="sldImg"/>
+          </p:nvPr>
+        </p:nvSpPr>
+        <p:spPr/>
+      </p:sp>
+      <p:sp>
+        <p:nvSpPr>
+          <p:cNvPr id="3" name="Notes Placeholder 2"/>
+          <p:cNvSpPr>
+            <a:spLocks noGrp="1"/>
+          </p:cNvSpPr>
+          <p:nvPr>
+            <p:ph type="body" idx="1"/>
+          </p:nvPr>
+        </p:nvSpPr>
+        <p:spPr/>
+        <p:txBody>
+          <a:bodyPr/>
+          <a:lstStyle/>
+          <a:p>
+            <a:pPr marL="171450" indent="-171450">
+              <a:buFontTx/>
+              <a:buChar char="-"/>
+            </a:pPr>
+            <a:r>
+              <a:rPr lang="en-US" dirty="0"/>
+              <a:t>This is just explaining the covering</a:t>
+            </a:r>
+          </a:p>
+          <a:p>
+            <a:pPr marL="171450" indent="-171450">
+              <a:buFontTx/>
+              <a:buChar char="-"/>
+            </a:pPr>
+            <a:r>
+              <a:rPr lang="en-US" dirty="0"/>
+              <a:t>Ask the audience how they would find the angle, if they knew the red and green lengths</a:t>
+            </a:r>
+          </a:p>
+          <a:p>
+            <a:pPr marL="171450" indent="-171450">
+              <a:buFontTx/>
+              <a:buChar char="-"/>
+            </a:pPr>
+            <a:r>
+              <a:rPr lang="en-US" dirty="0"/>
+              <a:t>Specify that the red is HALF </a:t>
+            </a:r>
+            <a:r>
+              <a:rPr lang="en-US"/>
+              <a:t>the width of the car</a:t>
+            </a:r>
+            <a:endParaRPr lang="en-US" dirty="0"/>
+          </a:p>
+        </p:txBody>
+      </p:sp>
+      <p:sp>
+        <p:nvSpPr>
+          <p:cNvPr id="4" name="Slide Number Placeholder 3"/>
+          <p:cNvSpPr>
+            <a:spLocks noGrp="1"/>
+          </p:cNvSpPr>
+          <p:nvPr>
+            <p:ph type="sldNum" sz="quarter" idx="5"/>
+          </p:nvPr>
+        </p:nvSpPr>
+        <p:spPr/>
+        <p:txBody>
+          <a:bodyPr/>
+          <a:lstStyle/>
+          <a:p>
+            <a:fld id="{B5D8664D-ED04-40AE-922B-31A3174CFE18}" type="slidenum">
+              <a:rPr lang="en-US" smtClean="0"/>
               <a:t>23</a:t>
             </a:fld>
             <a:endParaRPr lang="en-US"/>
@@ -2636,7 +2665,7 @@
     </p:spTree>
     <p:extLst>
       <p:ext uri="{BB962C8B-B14F-4D97-AF65-F5344CB8AC3E}">
-        <p14:creationId xmlns:p14="http://schemas.microsoft.com/office/powerpoint/2010/main" val="2829326653"/>
+        <p14:creationId xmlns:p14="http://schemas.microsoft.com/office/powerpoint/2010/main" val="4057185413"/>
       </p:ext>
     </p:extLst>
   </p:cSld>
@@ -2752,7 +2781,7 @@
     </p:spTree>
     <p:extLst>
       <p:ext uri="{BB962C8B-B14F-4D97-AF65-F5344CB8AC3E}">
-        <p14:creationId xmlns:p14="http://schemas.microsoft.com/office/powerpoint/2010/main" val="4057185413"/>
+        <p14:creationId xmlns:p14="http://schemas.microsoft.com/office/powerpoint/2010/main" val="2702342505"/>
       </p:ext>
     </p:extLst>
   </p:cSld>
@@ -3438,9 +3467,33 @@
           <a:bodyPr/>
           <a:lstStyle/>
           <a:p>
+            <a:pPr marL="171450" indent="-171450">
+              <a:buFontTx/>
+              <a:buChar char="-"/>
+            </a:pPr>
             <a:r>
               <a:rPr lang="en-US" dirty="0"/>
-              <a:t>- Mention that this is an example dataset of LiDAR scans that we have plotted. Negative angles are to the right of the car and positive angles are left of the car</a:t>
+              <a:t>Explain what a reactive method is </a:t>
+            </a:r>
+          </a:p>
+          <a:p>
+            <a:pPr marL="171450" indent="-171450">
+              <a:buFontTx/>
+              <a:buChar char="-"/>
+            </a:pPr>
+            <a:r>
+              <a:rPr lang="en-US" dirty="0"/>
+              <a:t>Mention the two main steps of this algorithm</a:t>
+            </a:r>
+          </a:p>
+          <a:p>
+            <a:pPr marL="171450" indent="-171450">
+              <a:buFontTx/>
+              <a:buChar char="-"/>
+            </a:pPr>
+            <a:r>
+              <a:rPr lang="en-US" dirty="0"/>
+              <a:t>Onto next slide</a:t>
             </a:r>
           </a:p>
         </p:txBody>
@@ -3471,7 +3524,7 @@
     </p:spTree>
     <p:extLst>
       <p:ext uri="{BB962C8B-B14F-4D97-AF65-F5344CB8AC3E}">
-        <p14:creationId xmlns:p14="http://schemas.microsoft.com/office/powerpoint/2010/main" val="1642623297"/>
+        <p14:creationId xmlns:p14="http://schemas.microsoft.com/office/powerpoint/2010/main" val="1244883557"/>
       </p:ext>
     </p:extLst>
   </p:cSld>
@@ -3713,29 +3766,10 @@
           <a:bodyPr/>
           <a:lstStyle/>
           <a:p>
-            <a:pPr marL="171450" indent="-171450">
-              <a:buFontTx/>
-              <a:buChar char="-"/>
-            </a:pPr>
             <a:r>
               <a:rPr lang="en-US" dirty="0"/>
-              <a:t>Slides 5-&gt;7 just has the same data plotted in different ways. Probably mention use cases for the point cloud and boundary plots.</a:t>
+              <a:t>- This is pretty self explanatory………..</a:t>
             </a:r>
-          </a:p>
-          <a:p>
-            <a:pPr marL="171450" indent="-171450">
-              <a:buFontTx/>
-              <a:buChar char="-"/>
-            </a:pPr>
-            <a:r>
-              <a:rPr lang="en-US" dirty="0"/>
-              <a:t>Mention that we will be using the filled plot as it helps with the </a:t>
-            </a:r>
-            <a:r>
-              <a:rPr lang="en-US" dirty="0" err="1"/>
-              <a:t>visualisation</a:t>
-            </a:r>
-            <a:endParaRPr lang="en-US" dirty="0"/>
           </a:p>
         </p:txBody>
       </p:sp>
@@ -3765,7 +3799,7 @@
     </p:spTree>
     <p:extLst>
       <p:ext uri="{BB962C8B-B14F-4D97-AF65-F5344CB8AC3E}">
-        <p14:creationId xmlns:p14="http://schemas.microsoft.com/office/powerpoint/2010/main" val="2977574563"/>
+        <p14:creationId xmlns:p14="http://schemas.microsoft.com/office/powerpoint/2010/main" val="2739289406"/>
       </p:ext>
     </p:extLst>
   </p:cSld>
@@ -3819,7 +3853,10 @@
           <a:bodyPr/>
           <a:lstStyle/>
           <a:p>
-            <a:endParaRPr lang="en-US" dirty="0"/>
+            <a:r>
+              <a:rPr lang="en-US" dirty="0"/>
+              <a:t>- Mention that this is an example dataset of LiDAR scans that we have plotted. Negative angles are to the right of the car and positive angles are left of the car</a:t>
+            </a:r>
           </a:p>
         </p:txBody>
       </p:sp>
@@ -3849,7 +3886,7 @@
     </p:spTree>
     <p:extLst>
       <p:ext uri="{BB962C8B-B14F-4D97-AF65-F5344CB8AC3E}">
-        <p14:creationId xmlns:p14="http://schemas.microsoft.com/office/powerpoint/2010/main" val="4006835481"/>
+        <p14:creationId xmlns:p14="http://schemas.microsoft.com/office/powerpoint/2010/main" val="1642623297"/>
       </p:ext>
     </p:extLst>
   </p:cSld>
@@ -3860,90 +3897,6 @@
 </file>
 
 <file path=ppt/notesSlides/notesSlide6.xml><?xml version="1.0" encoding="utf-8"?>
-<p:notes xmlns:a="http://schemas.openxmlformats.org/drawingml/2006/main" xmlns:r="http://schemas.openxmlformats.org/officeDocument/2006/relationships" xmlns:p="http://schemas.openxmlformats.org/presentationml/2006/main">
-  <p:cSld>
-    <p:spTree>
-      <p:nvGrpSpPr>
-        <p:cNvPr id="1" name=""/>
-        <p:cNvGrpSpPr/>
-        <p:nvPr/>
-      </p:nvGrpSpPr>
-      <p:grpSpPr>
-        <a:xfrm>
-          <a:off x="0" y="0"/>
-          <a:ext cx="0" cy="0"/>
-          <a:chOff x="0" y="0"/>
-          <a:chExt cx="0" cy="0"/>
-        </a:xfrm>
-      </p:grpSpPr>
-      <p:sp>
-        <p:nvSpPr>
-          <p:cNvPr id="2" name="Slide Image Placeholder 1"/>
-          <p:cNvSpPr>
-            <a:spLocks noGrp="1" noRot="1" noChangeAspect="1"/>
-          </p:cNvSpPr>
-          <p:nvPr>
-            <p:ph type="sldImg"/>
-          </p:nvPr>
-        </p:nvSpPr>
-        <p:spPr/>
-      </p:sp>
-      <p:sp>
-        <p:nvSpPr>
-          <p:cNvPr id="3" name="Notes Placeholder 2"/>
-          <p:cNvSpPr>
-            <a:spLocks noGrp="1"/>
-          </p:cNvSpPr>
-          <p:nvPr>
-            <p:ph type="body" idx="1"/>
-          </p:nvPr>
-        </p:nvSpPr>
-        <p:spPr/>
-        <p:txBody>
-          <a:bodyPr/>
-          <a:lstStyle/>
-          <a:p>
-            <a:endParaRPr lang="en-US" dirty="0"/>
-          </a:p>
-        </p:txBody>
-      </p:sp>
-      <p:sp>
-        <p:nvSpPr>
-          <p:cNvPr id="4" name="Slide Number Placeholder 3"/>
-          <p:cNvSpPr>
-            <a:spLocks noGrp="1"/>
-          </p:cNvSpPr>
-          <p:nvPr>
-            <p:ph type="sldNum" sz="quarter" idx="5"/>
-          </p:nvPr>
-        </p:nvSpPr>
-        <p:spPr/>
-        <p:txBody>
-          <a:bodyPr/>
-          <a:lstStyle/>
-          <a:p>
-            <a:fld id="{B5D8664D-ED04-40AE-922B-31A3174CFE18}" type="slidenum">
-              <a:rPr lang="en-US" smtClean="0"/>
-              <a:t>7</a:t>
-            </a:fld>
-            <a:endParaRPr lang="en-US"/>
-          </a:p>
-        </p:txBody>
-      </p:sp>
-    </p:spTree>
-    <p:extLst>
-      <p:ext uri="{BB962C8B-B14F-4D97-AF65-F5344CB8AC3E}">
-        <p14:creationId xmlns:p14="http://schemas.microsoft.com/office/powerpoint/2010/main" val="3668700940"/>
-      </p:ext>
-    </p:extLst>
-  </p:cSld>
-  <p:clrMapOvr>
-    <a:masterClrMapping/>
-  </p:clrMapOvr>
-</p:notes>
-</file>
-
-<file path=ppt/notesSlides/notesSlide7.xml><?xml version="1.0" encoding="utf-8"?>
 <p:notes xmlns:a="http://schemas.openxmlformats.org/drawingml/2006/main" xmlns:r="http://schemas.openxmlformats.org/officeDocument/2006/relationships" xmlns:p="http://schemas.openxmlformats.org/presentationml/2006/main">
   <p:cSld>
     <p:spTree>
@@ -4035,7 +3988,7 @@
           <a:p>
             <a:fld id="{B5D8664D-ED04-40AE-922B-31A3174CFE18}" type="slidenum">
               <a:rPr lang="en-US" smtClean="0"/>
-              <a:t>8</a:t>
+              <a:t>7</a:t>
             </a:fld>
             <a:endParaRPr lang="en-US"/>
           </a:p>
@@ -4054,7 +4007,7 @@
 </p:notes>
 </file>
 
-<file path=ppt/notesSlides/notesSlide8.xml><?xml version="1.0" encoding="utf-8"?>
+<file path=ppt/notesSlides/notesSlide7.xml><?xml version="1.0" encoding="utf-8"?>
 <p:notes xmlns:a="http://schemas.openxmlformats.org/drawingml/2006/main" xmlns:r="http://schemas.openxmlformats.org/officeDocument/2006/relationships" xmlns:p="http://schemas.openxmlformats.org/presentationml/2006/main">
   <p:cSld>
     <p:spTree>
@@ -4136,7 +4089,7 @@
           <a:p>
             <a:fld id="{B5D8664D-ED04-40AE-922B-31A3174CFE18}" type="slidenum">
               <a:rPr lang="en-US" smtClean="0"/>
-              <a:t>9</a:t>
+              <a:t>8</a:t>
             </a:fld>
             <a:endParaRPr lang="en-US"/>
           </a:p>
@@ -4155,7 +4108,7 @@
 </p:notes>
 </file>
 
-<file path=ppt/notesSlides/notesSlide9.xml><?xml version="1.0" encoding="utf-8"?>
+<file path=ppt/notesSlides/notesSlide8.xml><?xml version="1.0" encoding="utf-8"?>
 <p:notes xmlns:a="http://schemas.openxmlformats.org/drawingml/2006/main" xmlns:r="http://schemas.openxmlformats.org/officeDocument/2006/relationships" xmlns:p="http://schemas.openxmlformats.org/presentationml/2006/main">
   <p:cSld>
     <p:spTree>
@@ -4237,6 +4190,117 @@
           <a:p>
             <a:fld id="{B5D8664D-ED04-40AE-922B-31A3174CFE18}" type="slidenum">
               <a:rPr lang="en-US" smtClean="0"/>
+              <a:t>9</a:t>
+            </a:fld>
+            <a:endParaRPr lang="en-US"/>
+          </a:p>
+        </p:txBody>
+      </p:sp>
+    </p:spTree>
+    <p:extLst>
+      <p:ext uri="{BB962C8B-B14F-4D97-AF65-F5344CB8AC3E}">
+        <p14:creationId xmlns:p14="http://schemas.microsoft.com/office/powerpoint/2010/main" val="3647802355"/>
+      </p:ext>
+    </p:extLst>
+  </p:cSld>
+  <p:clrMapOvr>
+    <a:masterClrMapping/>
+  </p:clrMapOvr>
+</p:notes>
+</file>
+
+<file path=ppt/notesSlides/notesSlide9.xml><?xml version="1.0" encoding="utf-8"?>
+<p:notes xmlns:a="http://schemas.openxmlformats.org/drawingml/2006/main" xmlns:r="http://schemas.openxmlformats.org/officeDocument/2006/relationships" xmlns:p="http://schemas.openxmlformats.org/presentationml/2006/main">
+  <p:cSld>
+    <p:spTree>
+      <p:nvGrpSpPr>
+        <p:cNvPr id="1" name=""/>
+        <p:cNvGrpSpPr/>
+        <p:nvPr/>
+      </p:nvGrpSpPr>
+      <p:grpSpPr>
+        <a:xfrm>
+          <a:off x="0" y="0"/>
+          <a:ext cx="0" cy="0"/>
+          <a:chOff x="0" y="0"/>
+          <a:chExt cx="0" cy="0"/>
+        </a:xfrm>
+      </p:grpSpPr>
+      <p:sp>
+        <p:nvSpPr>
+          <p:cNvPr id="2" name="Slide Image Placeholder 1"/>
+          <p:cNvSpPr>
+            <a:spLocks noGrp="1" noRot="1" noChangeAspect="1"/>
+          </p:cNvSpPr>
+          <p:nvPr>
+            <p:ph type="sldImg"/>
+          </p:nvPr>
+        </p:nvSpPr>
+        <p:spPr/>
+      </p:sp>
+      <p:sp>
+        <p:nvSpPr>
+          <p:cNvPr id="3" name="Notes Placeholder 2"/>
+          <p:cNvSpPr>
+            <a:spLocks noGrp="1"/>
+          </p:cNvSpPr>
+          <p:nvPr>
+            <p:ph type="body" idx="1"/>
+          </p:nvPr>
+        </p:nvSpPr>
+        <p:spPr/>
+        <p:txBody>
+          <a:bodyPr/>
+          <a:lstStyle/>
+          <a:p>
+            <a:pPr marL="171450" indent="-171450">
+              <a:buFontTx/>
+              <a:buChar char="-"/>
+            </a:pPr>
+            <a:r>
+              <a:rPr lang="en-US" dirty="0"/>
+              <a:t>Mention that our car has physical dimensions and hence just choosing the longest scan doesn’t work</a:t>
+            </a:r>
+          </a:p>
+          <a:p>
+            <a:pPr marL="171450" indent="-171450">
+              <a:buFontTx/>
+              <a:buChar char="-"/>
+            </a:pPr>
+            <a:r>
+              <a:rPr lang="en-US" dirty="0"/>
+              <a:t>Mention this algorithm only depends on the width of the car</a:t>
+            </a:r>
+          </a:p>
+          <a:p>
+            <a:pPr marL="171450" indent="-171450">
+              <a:buFontTx/>
+              <a:buChar char="-"/>
+            </a:pPr>
+            <a:r>
+              <a:rPr lang="en-US" dirty="0"/>
+              <a:t>Onto next slide</a:t>
+            </a:r>
+          </a:p>
+        </p:txBody>
+      </p:sp>
+      <p:sp>
+        <p:nvSpPr>
+          <p:cNvPr id="4" name="Slide Number Placeholder 3"/>
+          <p:cNvSpPr>
+            <a:spLocks noGrp="1"/>
+          </p:cNvSpPr>
+          <p:nvPr>
+            <p:ph type="sldNum" sz="quarter" idx="5"/>
+          </p:nvPr>
+        </p:nvSpPr>
+        <p:spPr/>
+        <p:txBody>
+          <a:bodyPr/>
+          <a:lstStyle/>
+          <a:p>
+            <a:fld id="{B5D8664D-ED04-40AE-922B-31A3174CFE18}" type="slidenum">
+              <a:rPr lang="en-US" smtClean="0"/>
               <a:t>10</a:t>
             </a:fld>
             <a:endParaRPr lang="en-US"/>
@@ -4246,7 +4310,7 @@
     </p:spTree>
     <p:extLst>
       <p:ext uri="{BB962C8B-B14F-4D97-AF65-F5344CB8AC3E}">
-        <p14:creationId xmlns:p14="http://schemas.microsoft.com/office/powerpoint/2010/main" val="3647802355"/>
+        <p14:creationId xmlns:p14="http://schemas.microsoft.com/office/powerpoint/2010/main" val="894792019"/>
       </p:ext>
     </p:extLst>
   </p:cSld>
@@ -4604,7 +4668,7 @@
           <a:p>
             <a:fld id="{3CADBD16-5BFB-4D9F-9646-C75D1B53BBB6}" type="datetimeFigureOut">
               <a:rPr lang="en-US" smtClean="0"/>
-              <a:t>9/7/2022</a:t>
+              <a:t>9/23/2022</a:t>
             </a:fld>
             <a:endParaRPr lang="en-US"/>
           </a:p>
@@ -4845,7 +4909,7 @@
           <a:p>
             <a:fld id="{3CADBD16-5BFB-4D9F-9646-C75D1B53BBB6}" type="datetimeFigureOut">
               <a:rPr lang="en-US" smtClean="0"/>
-              <a:t>9/7/2022</a:t>
+              <a:t>9/23/2022</a:t>
             </a:fld>
             <a:endParaRPr lang="en-US"/>
           </a:p>
@@ -5053,7 +5117,7 @@
           <a:p>
             <a:fld id="{3CADBD16-5BFB-4D9F-9646-C75D1B53BBB6}" type="datetimeFigureOut">
               <a:rPr lang="en-US" smtClean="0"/>
-              <a:t>9/7/2022</a:t>
+              <a:t>9/23/2022</a:t>
             </a:fld>
             <a:endParaRPr lang="en-US"/>
           </a:p>
@@ -5251,7 +5315,7 @@
           <a:p>
             <a:fld id="{3CADBD16-5BFB-4D9F-9646-C75D1B53BBB6}" type="datetimeFigureOut">
               <a:rPr lang="en-US" smtClean="0"/>
-              <a:t>9/7/2022</a:t>
+              <a:t>9/23/2022</a:t>
             </a:fld>
             <a:endParaRPr lang="en-US"/>
           </a:p>
@@ -5528,7 +5592,7 @@
           <a:p>
             <a:fld id="{3CADBD16-5BFB-4D9F-9646-C75D1B53BBB6}" type="datetimeFigureOut">
               <a:rPr lang="en-US" smtClean="0"/>
-              <a:t>9/7/2022</a:t>
+              <a:t>9/23/2022</a:t>
             </a:fld>
             <a:endParaRPr lang="en-US"/>
           </a:p>
@@ -5793,7 +5857,7 @@
           <a:p>
             <a:fld id="{3CADBD16-5BFB-4D9F-9646-C75D1B53BBB6}" type="datetimeFigureOut">
               <a:rPr lang="en-US" smtClean="0"/>
-              <a:t>9/7/2022</a:t>
+              <a:t>9/23/2022</a:t>
             </a:fld>
             <a:endParaRPr lang="en-US"/>
           </a:p>
@@ -6209,7 +6273,7 @@
           <a:p>
             <a:fld id="{3CADBD16-5BFB-4D9F-9646-C75D1B53BBB6}" type="datetimeFigureOut">
               <a:rPr lang="en-US" smtClean="0"/>
-              <a:t>9/7/2022</a:t>
+              <a:t>9/23/2022</a:t>
             </a:fld>
             <a:endParaRPr lang="en-US"/>
           </a:p>
@@ -6359,7 +6423,7 @@
           <a:p>
             <a:fld id="{3CADBD16-5BFB-4D9F-9646-C75D1B53BBB6}" type="datetimeFigureOut">
               <a:rPr lang="en-US" smtClean="0"/>
-              <a:t>9/7/2022</a:t>
+              <a:t>9/23/2022</a:t>
             </a:fld>
             <a:endParaRPr lang="en-US"/>
           </a:p>
@@ -6472,7 +6536,7 @@
           <a:p>
             <a:fld id="{3CADBD16-5BFB-4D9F-9646-C75D1B53BBB6}" type="datetimeFigureOut">
               <a:rPr lang="en-US" smtClean="0"/>
-              <a:t>9/7/2022</a:t>
+              <a:t>9/23/2022</a:t>
             </a:fld>
             <a:endParaRPr lang="en-US"/>
           </a:p>
@@ -6788,7 +6852,7 @@
           <a:p>
             <a:fld id="{3CADBD16-5BFB-4D9F-9646-C75D1B53BBB6}" type="datetimeFigureOut">
               <a:rPr lang="en-US" smtClean="0"/>
-              <a:t>9/7/2022</a:t>
+              <a:t>9/23/2022</a:t>
             </a:fld>
             <a:endParaRPr lang="en-US"/>
           </a:p>
@@ -7039,7 +7103,7 @@
           <a:p>
             <a:fld id="{3CADBD16-5BFB-4D9F-9646-C75D1B53BBB6}" type="datetimeFigureOut">
               <a:rPr lang="en-US" smtClean="0"/>
-              <a:t>9/7/2022</a:t>
+              <a:t>9/23/2022</a:t>
             </a:fld>
             <a:endParaRPr lang="en-US"/>
           </a:p>
@@ -7548,7 +7612,7 @@
             <a:fld id="{3CADBD16-5BFB-4D9F-9646-C75D1B53BBB6}" type="datetimeFigureOut">
               <a:rPr lang="en-US" smtClean="0"/>
               <a:pPr/>
-              <a:t>9/7/2022</a:t>
+              <a:t>9/23/2022</a:t>
             </a:fld>
             <a:endParaRPr lang="en-US" dirty="0"/>
           </a:p>
@@ -8592,27 +8656,8 @@
                 <a:ea typeface="+mj-ea"/>
                 <a:cs typeface="Aharoni" panose="02010803020104030203" pitchFamily="2" charset="-79"/>
               </a:rPr>
-              <a:t>Reactive </a:t>
+              <a:t>Reactive Methods</a:t>
             </a:r>
-            <a:r>
-              <a:rPr lang="en-US" sz="5400" b="1" cap="all" spc="300" dirty="0" err="1">
-                <a:solidFill>
-                  <a:srgbClr val="FFFFFF"/>
-                </a:solidFill>
-                <a:latin typeface="Eras Demi ITC" panose="020B0805030504020804" pitchFamily="34" charset="0"/>
-                <a:ea typeface="+mj-ea"/>
-                <a:cs typeface="Aharoni" panose="02010803020104030203" pitchFamily="2" charset="-79"/>
-              </a:rPr>
-              <a:t>MethoDs</a:t>
-            </a:r>
-            <a:endParaRPr lang="en-US" sz="5400" b="1" cap="all" spc="300" dirty="0">
-              <a:solidFill>
-                <a:srgbClr val="FFFFFF"/>
-              </a:solidFill>
-              <a:latin typeface="Eras Demi ITC" panose="020B0805030504020804" pitchFamily="34" charset="0"/>
-              <a:ea typeface="+mj-ea"/>
-              <a:cs typeface="Aharoni" panose="02010803020104030203" pitchFamily="2" charset="-79"/>
-            </a:endParaRPr>
           </a:p>
           <a:p>
             <a:pPr algn="ctr">
@@ -8775,1068 +8820,6 @@
 </file>
 
 <file path=ppt/slides/slide10.xml><?xml version="1.0" encoding="utf-8"?>
-<p:sld xmlns:a="http://schemas.openxmlformats.org/drawingml/2006/main" xmlns:r="http://schemas.openxmlformats.org/officeDocument/2006/relationships" xmlns:p="http://schemas.openxmlformats.org/presentationml/2006/main">
-  <p:cSld>
-    <p:spTree>
-      <p:nvGrpSpPr>
-        <p:cNvPr id="1" name=""/>
-        <p:cNvGrpSpPr/>
-        <p:nvPr/>
-      </p:nvGrpSpPr>
-      <p:grpSpPr>
-        <a:xfrm>
-          <a:off x="0" y="0"/>
-          <a:ext cx="0" cy="0"/>
-          <a:chOff x="0" y="0"/>
-          <a:chExt cx="0" cy="0"/>
-        </a:xfrm>
-      </p:grpSpPr>
-      <p:sp>
-        <p:nvSpPr>
-          <p:cNvPr id="7" name="Content Placeholder 2">
-            <a:extLst>
-              <a:ext uri="{FF2B5EF4-FFF2-40B4-BE49-F238E27FC236}">
-                <a16:creationId xmlns:a16="http://schemas.microsoft.com/office/drawing/2014/main" id="{D3E64906-E945-371A-7BFF-AD589E514F74}"/>
-              </a:ext>
-            </a:extLst>
-          </p:cNvPr>
-          <p:cNvSpPr>
-            <a:spLocks noGrp="1"/>
-          </p:cNvSpPr>
-          <p:nvPr>
-            <p:ph idx="1"/>
-          </p:nvPr>
-        </p:nvSpPr>
-        <p:spPr>
-          <a:xfrm>
-            <a:off x="2146863" y="468824"/>
-            <a:ext cx="7898269" cy="652474"/>
-          </a:xfrm>
-        </p:spPr>
-        <p:txBody>
-          <a:bodyPr anchor="ctr" anchorCtr="0">
-            <a:noAutofit/>
-          </a:bodyPr>
-          <a:lstStyle/>
-          <a:p>
-            <a:pPr marL="0" indent="0" algn="ctr">
-              <a:buNone/>
-            </a:pPr>
-            <a:r>
-              <a:rPr lang="en-US" sz="2800" dirty="0"/>
-              <a:t>What happens if we only travel the longest distance?</a:t>
-            </a:r>
-          </a:p>
-        </p:txBody>
-      </p:sp>
-      <p:sp>
-        <p:nvSpPr>
-          <p:cNvPr id="8" name="Title 1">
-            <a:extLst>
-              <a:ext uri="{FF2B5EF4-FFF2-40B4-BE49-F238E27FC236}">
-                <a16:creationId xmlns:a16="http://schemas.microsoft.com/office/drawing/2014/main" id="{06DCD268-CBD9-011B-7DF1-A7282AA6CE71}"/>
-              </a:ext>
-            </a:extLst>
-          </p:cNvPr>
-          <p:cNvSpPr>
-            <a:spLocks noGrp="1"/>
-          </p:cNvSpPr>
-          <p:nvPr>
-            <p:ph type="title"/>
-          </p:nvPr>
-        </p:nvSpPr>
-        <p:spPr>
-          <a:xfrm>
-            <a:off x="5588004" y="6172200"/>
-            <a:ext cx="6603996" cy="685800"/>
-          </a:xfrm>
-        </p:spPr>
-        <p:txBody>
-          <a:bodyPr>
-            <a:normAutofit/>
-          </a:bodyPr>
-          <a:lstStyle/>
-          <a:p>
-            <a:r>
-              <a:rPr lang="en-US" sz="3200" dirty="0"/>
-              <a:t>Longest Safely Traversable Distance</a:t>
-            </a:r>
-          </a:p>
-        </p:txBody>
-      </p:sp>
-      <p:sp>
-        <p:nvSpPr>
-          <p:cNvPr id="11" name="Freeform: Shape 10">
-            <a:extLst>
-              <a:ext uri="{FF2B5EF4-FFF2-40B4-BE49-F238E27FC236}">
-                <a16:creationId xmlns:a16="http://schemas.microsoft.com/office/drawing/2014/main" id="{33C4055E-DDDB-6DB7-6A79-4AC37341359F}"/>
-              </a:ext>
-            </a:extLst>
-          </p:cNvPr>
-          <p:cNvSpPr>
-            <a:spLocks noChangeAspect="1"/>
-          </p:cNvSpPr>
-          <p:nvPr/>
-        </p:nvSpPr>
-        <p:spPr>
-          <a:xfrm>
-            <a:off x="4760689" y="1392420"/>
-            <a:ext cx="918215" cy="4687733"/>
-          </a:xfrm>
-          <a:custGeom>
-            <a:avLst/>
-            <a:gdLst>
-              <a:gd name="connsiteX0" fmla="*/ 174171 w 827314"/>
-              <a:gd name="connsiteY0" fmla="*/ 4223657 h 4223657"/>
-              <a:gd name="connsiteX1" fmla="*/ 174171 w 827314"/>
-              <a:gd name="connsiteY1" fmla="*/ 3439886 h 4223657"/>
-              <a:gd name="connsiteX2" fmla="*/ 203200 w 827314"/>
-              <a:gd name="connsiteY2" fmla="*/ 3280229 h 4223657"/>
-              <a:gd name="connsiteX3" fmla="*/ 246743 w 827314"/>
-              <a:gd name="connsiteY3" fmla="*/ 3193143 h 4223657"/>
-              <a:gd name="connsiteX4" fmla="*/ 290285 w 827314"/>
-              <a:gd name="connsiteY4" fmla="*/ 3091543 h 4223657"/>
-              <a:gd name="connsiteX5" fmla="*/ 348343 w 827314"/>
-              <a:gd name="connsiteY5" fmla="*/ 3018971 h 4223657"/>
-              <a:gd name="connsiteX6" fmla="*/ 406400 w 827314"/>
-              <a:gd name="connsiteY6" fmla="*/ 2931886 h 4223657"/>
-              <a:gd name="connsiteX7" fmla="*/ 508000 w 827314"/>
-              <a:gd name="connsiteY7" fmla="*/ 2801257 h 4223657"/>
-              <a:gd name="connsiteX8" fmla="*/ 696685 w 827314"/>
-              <a:gd name="connsiteY8" fmla="*/ 2554514 h 4223657"/>
-              <a:gd name="connsiteX9" fmla="*/ 769257 w 827314"/>
-              <a:gd name="connsiteY9" fmla="*/ 2380343 h 4223657"/>
-              <a:gd name="connsiteX10" fmla="*/ 827314 w 827314"/>
-              <a:gd name="connsiteY10" fmla="*/ 2148114 h 4223657"/>
-              <a:gd name="connsiteX11" fmla="*/ 812800 w 827314"/>
-              <a:gd name="connsiteY11" fmla="*/ 1901371 h 4223657"/>
-              <a:gd name="connsiteX12" fmla="*/ 798285 w 827314"/>
-              <a:gd name="connsiteY12" fmla="*/ 1843314 h 4223657"/>
-              <a:gd name="connsiteX13" fmla="*/ 682171 w 827314"/>
-              <a:gd name="connsiteY13" fmla="*/ 1640114 h 4223657"/>
-              <a:gd name="connsiteX14" fmla="*/ 537028 w 827314"/>
-              <a:gd name="connsiteY14" fmla="*/ 1480457 h 4223657"/>
-              <a:gd name="connsiteX15" fmla="*/ 304800 w 827314"/>
-              <a:gd name="connsiteY15" fmla="*/ 1306286 h 4223657"/>
-              <a:gd name="connsiteX16" fmla="*/ 145143 w 827314"/>
-              <a:gd name="connsiteY16" fmla="*/ 1088571 h 4223657"/>
-              <a:gd name="connsiteX17" fmla="*/ 87085 w 827314"/>
-              <a:gd name="connsiteY17" fmla="*/ 972457 h 4223657"/>
-              <a:gd name="connsiteX18" fmla="*/ 14514 w 827314"/>
-              <a:gd name="connsiteY18" fmla="*/ 856343 h 4223657"/>
-              <a:gd name="connsiteX19" fmla="*/ 0 w 827314"/>
-              <a:gd name="connsiteY19" fmla="*/ 812800 h 4223657"/>
-              <a:gd name="connsiteX20" fmla="*/ 58057 w 827314"/>
-              <a:gd name="connsiteY20" fmla="*/ 580571 h 4223657"/>
-              <a:gd name="connsiteX21" fmla="*/ 101600 w 827314"/>
-              <a:gd name="connsiteY21" fmla="*/ 537029 h 4223657"/>
-              <a:gd name="connsiteX22" fmla="*/ 188685 w 827314"/>
-              <a:gd name="connsiteY22" fmla="*/ 435429 h 4223657"/>
-              <a:gd name="connsiteX23" fmla="*/ 232228 w 827314"/>
-              <a:gd name="connsiteY23" fmla="*/ 406400 h 4223657"/>
-              <a:gd name="connsiteX24" fmla="*/ 304800 w 827314"/>
-              <a:gd name="connsiteY24" fmla="*/ 333829 h 4223657"/>
-              <a:gd name="connsiteX25" fmla="*/ 493485 w 827314"/>
-              <a:gd name="connsiteY25" fmla="*/ 217714 h 4223657"/>
-              <a:gd name="connsiteX26" fmla="*/ 638628 w 827314"/>
-              <a:gd name="connsiteY26" fmla="*/ 145143 h 4223657"/>
-              <a:gd name="connsiteX27" fmla="*/ 711200 w 827314"/>
-              <a:gd name="connsiteY27" fmla="*/ 87086 h 4223657"/>
-              <a:gd name="connsiteX28" fmla="*/ 827314 w 827314"/>
-              <a:gd name="connsiteY28" fmla="*/ 0 h 4223657"/>
-            </a:gdLst>
-            <a:ahLst/>
-            <a:cxnLst>
-              <a:cxn ang="0">
-                <a:pos x="connsiteX0" y="connsiteY0"/>
-              </a:cxn>
-              <a:cxn ang="0">
-                <a:pos x="connsiteX1" y="connsiteY1"/>
-              </a:cxn>
-              <a:cxn ang="0">
-                <a:pos x="connsiteX2" y="connsiteY2"/>
-              </a:cxn>
-              <a:cxn ang="0">
-                <a:pos x="connsiteX3" y="connsiteY3"/>
-              </a:cxn>
-              <a:cxn ang="0">
-                <a:pos x="connsiteX4" y="connsiteY4"/>
-              </a:cxn>
-              <a:cxn ang="0">
-                <a:pos x="connsiteX5" y="connsiteY5"/>
-              </a:cxn>
-              <a:cxn ang="0">
-                <a:pos x="connsiteX6" y="connsiteY6"/>
-              </a:cxn>
-              <a:cxn ang="0">
-                <a:pos x="connsiteX7" y="connsiteY7"/>
-              </a:cxn>
-              <a:cxn ang="0">
-                <a:pos x="connsiteX8" y="connsiteY8"/>
-              </a:cxn>
-              <a:cxn ang="0">
-                <a:pos x="connsiteX9" y="connsiteY9"/>
-              </a:cxn>
-              <a:cxn ang="0">
-                <a:pos x="connsiteX10" y="connsiteY10"/>
-              </a:cxn>
-              <a:cxn ang="0">
-                <a:pos x="connsiteX11" y="connsiteY11"/>
-              </a:cxn>
-              <a:cxn ang="0">
-                <a:pos x="connsiteX12" y="connsiteY12"/>
-              </a:cxn>
-              <a:cxn ang="0">
-                <a:pos x="connsiteX13" y="connsiteY13"/>
-              </a:cxn>
-              <a:cxn ang="0">
-                <a:pos x="connsiteX14" y="connsiteY14"/>
-              </a:cxn>
-              <a:cxn ang="0">
-                <a:pos x="connsiteX15" y="connsiteY15"/>
-              </a:cxn>
-              <a:cxn ang="0">
-                <a:pos x="connsiteX16" y="connsiteY16"/>
-              </a:cxn>
-              <a:cxn ang="0">
-                <a:pos x="connsiteX17" y="connsiteY17"/>
-              </a:cxn>
-              <a:cxn ang="0">
-                <a:pos x="connsiteX18" y="connsiteY18"/>
-              </a:cxn>
-              <a:cxn ang="0">
-                <a:pos x="connsiteX19" y="connsiteY19"/>
-              </a:cxn>
-              <a:cxn ang="0">
-                <a:pos x="connsiteX20" y="connsiteY20"/>
-              </a:cxn>
-              <a:cxn ang="0">
-                <a:pos x="connsiteX21" y="connsiteY21"/>
-              </a:cxn>
-              <a:cxn ang="0">
-                <a:pos x="connsiteX22" y="connsiteY22"/>
-              </a:cxn>
-              <a:cxn ang="0">
-                <a:pos x="connsiteX23" y="connsiteY23"/>
-              </a:cxn>
-              <a:cxn ang="0">
-                <a:pos x="connsiteX24" y="connsiteY24"/>
-              </a:cxn>
-              <a:cxn ang="0">
-                <a:pos x="connsiteX25" y="connsiteY25"/>
-              </a:cxn>
-              <a:cxn ang="0">
-                <a:pos x="connsiteX26" y="connsiteY26"/>
-              </a:cxn>
-              <a:cxn ang="0">
-                <a:pos x="connsiteX27" y="connsiteY27"/>
-              </a:cxn>
-              <a:cxn ang="0">
-                <a:pos x="connsiteX28" y="connsiteY28"/>
-              </a:cxn>
-            </a:cxnLst>
-            <a:rect l="l" t="t" r="r" b="b"/>
-            <a:pathLst>
-              <a:path w="827314" h="4223657">
-                <a:moveTo>
-                  <a:pt x="174171" y="4223657"/>
-                </a:moveTo>
-                <a:cubicBezTo>
-                  <a:pt x="114150" y="3923546"/>
-                  <a:pt x="149597" y="4127967"/>
-                  <a:pt x="174171" y="3439886"/>
-                </a:cubicBezTo>
-                <a:cubicBezTo>
-                  <a:pt x="174929" y="3418658"/>
-                  <a:pt x="190053" y="3313095"/>
-                  <a:pt x="203200" y="3280229"/>
-                </a:cubicBezTo>
-                <a:cubicBezTo>
-                  <a:pt x="215254" y="3250095"/>
-                  <a:pt x="233143" y="3222611"/>
-                  <a:pt x="246743" y="3193143"/>
-                </a:cubicBezTo>
-                <a:cubicBezTo>
-                  <a:pt x="262183" y="3159689"/>
-                  <a:pt x="271720" y="3123370"/>
-                  <a:pt x="290285" y="3091543"/>
-                </a:cubicBezTo>
-                <a:cubicBezTo>
-                  <a:pt x="305895" y="3064784"/>
-                  <a:pt x="330122" y="3044025"/>
-                  <a:pt x="348343" y="3018971"/>
-                </a:cubicBezTo>
-                <a:cubicBezTo>
-                  <a:pt x="368863" y="2990756"/>
-                  <a:pt x="384066" y="2958688"/>
-                  <a:pt x="406400" y="2931886"/>
-                </a:cubicBezTo>
-                <a:cubicBezTo>
-                  <a:pt x="625486" y="2668980"/>
-                  <a:pt x="395528" y="2951221"/>
-                  <a:pt x="508000" y="2801257"/>
-                </a:cubicBezTo>
-                <a:cubicBezTo>
-                  <a:pt x="570124" y="2718425"/>
-                  <a:pt x="656862" y="2650089"/>
-                  <a:pt x="696685" y="2554514"/>
-                </a:cubicBezTo>
-                <a:cubicBezTo>
-                  <a:pt x="720876" y="2496457"/>
-                  <a:pt x="747763" y="2439451"/>
-                  <a:pt x="769257" y="2380343"/>
-                </a:cubicBezTo>
-                <a:cubicBezTo>
-                  <a:pt x="811923" y="2263011"/>
-                  <a:pt x="809934" y="2252398"/>
-                  <a:pt x="827314" y="2148114"/>
-                </a:cubicBezTo>
-                <a:cubicBezTo>
-                  <a:pt x="822476" y="2065866"/>
-                  <a:pt x="820611" y="1983390"/>
-                  <a:pt x="812800" y="1901371"/>
-                </a:cubicBezTo>
-                <a:cubicBezTo>
-                  <a:pt x="810909" y="1881513"/>
-                  <a:pt x="805102" y="1862061"/>
-                  <a:pt x="798285" y="1843314"/>
-                </a:cubicBezTo>
-                <a:cubicBezTo>
-                  <a:pt x="759891" y="1737729"/>
-                  <a:pt x="751827" y="1732988"/>
-                  <a:pt x="682171" y="1640114"/>
-                </a:cubicBezTo>
-                <a:cubicBezTo>
-                  <a:pt x="641470" y="1585846"/>
-                  <a:pt x="589035" y="1522713"/>
-                  <a:pt x="537028" y="1480457"/>
-                </a:cubicBezTo>
-                <a:cubicBezTo>
-                  <a:pt x="478868" y="1433202"/>
-                  <a:pt x="361792" y="1368028"/>
-                  <a:pt x="304800" y="1306286"/>
-                </a:cubicBezTo>
-                <a:cubicBezTo>
-                  <a:pt x="299919" y="1300998"/>
-                  <a:pt x="153639" y="1105562"/>
-                  <a:pt x="145143" y="1088571"/>
-                </a:cubicBezTo>
-                <a:cubicBezTo>
-                  <a:pt x="125790" y="1049866"/>
-                  <a:pt x="107601" y="1010558"/>
-                  <a:pt x="87085" y="972457"/>
-                </a:cubicBezTo>
-                <a:cubicBezTo>
-                  <a:pt x="62572" y="926933"/>
-                  <a:pt x="41875" y="897384"/>
-                  <a:pt x="14514" y="856343"/>
-                </a:cubicBezTo>
-                <a:cubicBezTo>
-                  <a:pt x="9676" y="841829"/>
-                  <a:pt x="0" y="828099"/>
-                  <a:pt x="0" y="812800"/>
-                </a:cubicBezTo>
-                <a:cubicBezTo>
-                  <a:pt x="0" y="710884"/>
-                  <a:pt x="4613" y="660736"/>
-                  <a:pt x="58057" y="580571"/>
-                </a:cubicBezTo>
-                <a:cubicBezTo>
-                  <a:pt x="69443" y="563492"/>
-                  <a:pt x="88242" y="552614"/>
-                  <a:pt x="101600" y="537029"/>
-                </a:cubicBezTo>
-                <a:cubicBezTo>
-                  <a:pt x="149653" y="480967"/>
-                  <a:pt x="134660" y="480450"/>
-                  <a:pt x="188685" y="435429"/>
-                </a:cubicBezTo>
-                <a:cubicBezTo>
-                  <a:pt x="202086" y="424262"/>
-                  <a:pt x="219100" y="417887"/>
-                  <a:pt x="232228" y="406400"/>
-                </a:cubicBezTo>
-                <a:cubicBezTo>
-                  <a:pt x="257974" y="383872"/>
-                  <a:pt x="277066" y="353859"/>
-                  <a:pt x="304800" y="333829"/>
-                </a:cubicBezTo>
-                <a:cubicBezTo>
-                  <a:pt x="364669" y="290590"/>
-                  <a:pt x="430159" y="255710"/>
-                  <a:pt x="493485" y="217714"/>
-                </a:cubicBezTo>
-                <a:cubicBezTo>
-                  <a:pt x="596058" y="156170"/>
-                  <a:pt x="562909" y="170382"/>
-                  <a:pt x="638628" y="145143"/>
-                </a:cubicBezTo>
-                <a:cubicBezTo>
-                  <a:pt x="662819" y="125791"/>
-                  <a:pt x="686146" y="105307"/>
-                  <a:pt x="711200" y="87086"/>
-                </a:cubicBezTo>
-                <a:cubicBezTo>
-                  <a:pt x="831552" y="-442"/>
-                  <a:pt x="765033" y="62281"/>
-                  <a:pt x="827314" y="0"/>
-                </a:cubicBezTo>
-              </a:path>
-            </a:pathLst>
-          </a:custGeom>
-          <a:noFill/>
-          <a:ln w="28575">
-            <a:solidFill>
-              <a:schemeClr val="tx1"/>
-            </a:solidFill>
-          </a:ln>
-        </p:spPr>
-        <p:style>
-          <a:lnRef idx="2">
-            <a:schemeClr val="accent1">
-              <a:shade val="50000"/>
-            </a:schemeClr>
-          </a:lnRef>
-          <a:fillRef idx="1">
-            <a:schemeClr val="accent1"/>
-          </a:fillRef>
-          <a:effectRef idx="0">
-            <a:schemeClr val="accent1"/>
-          </a:effectRef>
-          <a:fontRef idx="minor">
-            <a:schemeClr val="lt1"/>
-          </a:fontRef>
-        </p:style>
-        <p:txBody>
-          <a:bodyPr rtlCol="0" anchor="ctr"/>
-          <a:lstStyle/>
-          <a:p>
-            <a:pPr algn="ctr"/>
-            <a:endParaRPr lang="en-US">
-              <a:solidFill>
-                <a:schemeClr val="tx1"/>
-              </a:solidFill>
-            </a:endParaRPr>
-          </a:p>
-        </p:txBody>
-      </p:sp>
-      <p:sp>
-        <p:nvSpPr>
-          <p:cNvPr id="12" name="Freeform: Shape 11">
-            <a:extLst>
-              <a:ext uri="{FF2B5EF4-FFF2-40B4-BE49-F238E27FC236}">
-                <a16:creationId xmlns:a16="http://schemas.microsoft.com/office/drawing/2014/main" id="{F6396D48-1F54-154E-2315-038E78D3F8A0}"/>
-              </a:ext>
-            </a:extLst>
-          </p:cNvPr>
-          <p:cNvSpPr>
-            <a:spLocks noChangeAspect="1"/>
-          </p:cNvSpPr>
-          <p:nvPr/>
-        </p:nvSpPr>
-        <p:spPr>
-          <a:xfrm>
-            <a:off x="5882784" y="1626486"/>
-            <a:ext cx="721213" cy="4456756"/>
-          </a:xfrm>
-          <a:custGeom>
-            <a:avLst/>
-            <a:gdLst>
-              <a:gd name="connsiteX0" fmla="*/ 307604 w 671748"/>
-              <a:gd name="connsiteY0" fmla="*/ 0 h 4151086"/>
-              <a:gd name="connsiteX1" fmla="*/ 176976 w 671748"/>
-              <a:gd name="connsiteY1" fmla="*/ 58057 h 4151086"/>
-              <a:gd name="connsiteX2" fmla="*/ 133433 w 671748"/>
-              <a:gd name="connsiteY2" fmla="*/ 87086 h 4151086"/>
-              <a:gd name="connsiteX3" fmla="*/ 46347 w 671748"/>
-              <a:gd name="connsiteY3" fmla="*/ 174172 h 4151086"/>
-              <a:gd name="connsiteX4" fmla="*/ 17318 w 671748"/>
-              <a:gd name="connsiteY4" fmla="*/ 261257 h 4151086"/>
-              <a:gd name="connsiteX5" fmla="*/ 2804 w 671748"/>
-              <a:gd name="connsiteY5" fmla="*/ 304800 h 4151086"/>
-              <a:gd name="connsiteX6" fmla="*/ 60861 w 671748"/>
-              <a:gd name="connsiteY6" fmla="*/ 696686 h 4151086"/>
-              <a:gd name="connsiteX7" fmla="*/ 104404 w 671748"/>
-              <a:gd name="connsiteY7" fmla="*/ 754743 h 4151086"/>
-              <a:gd name="connsiteX8" fmla="*/ 118918 w 671748"/>
-              <a:gd name="connsiteY8" fmla="*/ 798286 h 4151086"/>
-              <a:gd name="connsiteX9" fmla="*/ 293090 w 671748"/>
-              <a:gd name="connsiteY9" fmla="*/ 986972 h 4151086"/>
-              <a:gd name="connsiteX10" fmla="*/ 336633 w 671748"/>
-              <a:gd name="connsiteY10" fmla="*/ 1016000 h 4151086"/>
-              <a:gd name="connsiteX11" fmla="*/ 438233 w 671748"/>
-              <a:gd name="connsiteY11" fmla="*/ 1132114 h 4151086"/>
-              <a:gd name="connsiteX12" fmla="*/ 539833 w 671748"/>
-              <a:gd name="connsiteY12" fmla="*/ 1306286 h 4151086"/>
-              <a:gd name="connsiteX13" fmla="*/ 612404 w 671748"/>
-              <a:gd name="connsiteY13" fmla="*/ 1422400 h 4151086"/>
-              <a:gd name="connsiteX14" fmla="*/ 641433 w 671748"/>
-              <a:gd name="connsiteY14" fmla="*/ 1524000 h 4151086"/>
-              <a:gd name="connsiteX15" fmla="*/ 670461 w 671748"/>
-              <a:gd name="connsiteY15" fmla="*/ 2075543 h 4151086"/>
-              <a:gd name="connsiteX16" fmla="*/ 626918 w 671748"/>
-              <a:gd name="connsiteY16" fmla="*/ 2554514 h 4151086"/>
-              <a:gd name="connsiteX17" fmla="*/ 568861 w 671748"/>
-              <a:gd name="connsiteY17" fmla="*/ 2670629 h 4151086"/>
-              <a:gd name="connsiteX18" fmla="*/ 554347 w 671748"/>
-              <a:gd name="connsiteY18" fmla="*/ 2728686 h 4151086"/>
-              <a:gd name="connsiteX19" fmla="*/ 525318 w 671748"/>
-              <a:gd name="connsiteY19" fmla="*/ 2772229 h 4151086"/>
-              <a:gd name="connsiteX20" fmla="*/ 510804 w 671748"/>
-              <a:gd name="connsiteY20" fmla="*/ 2844800 h 4151086"/>
-              <a:gd name="connsiteX21" fmla="*/ 452747 w 671748"/>
-              <a:gd name="connsiteY21" fmla="*/ 2917372 h 4151086"/>
-              <a:gd name="connsiteX22" fmla="*/ 423718 w 671748"/>
-              <a:gd name="connsiteY22" fmla="*/ 2975429 h 4151086"/>
-              <a:gd name="connsiteX23" fmla="*/ 409204 w 671748"/>
-              <a:gd name="connsiteY23" fmla="*/ 3033486 h 4151086"/>
-              <a:gd name="connsiteX24" fmla="*/ 380176 w 671748"/>
-              <a:gd name="connsiteY24" fmla="*/ 3077029 h 4151086"/>
-              <a:gd name="connsiteX25" fmla="*/ 351147 w 671748"/>
-              <a:gd name="connsiteY25" fmla="*/ 3135086 h 4151086"/>
-              <a:gd name="connsiteX26" fmla="*/ 264061 w 671748"/>
-              <a:gd name="connsiteY26" fmla="*/ 3280229 h 4151086"/>
-              <a:gd name="connsiteX27" fmla="*/ 249547 w 671748"/>
-              <a:gd name="connsiteY27" fmla="*/ 3338286 h 4151086"/>
-              <a:gd name="connsiteX28" fmla="*/ 176976 w 671748"/>
-              <a:gd name="connsiteY28" fmla="*/ 3512457 h 4151086"/>
-              <a:gd name="connsiteX29" fmla="*/ 147947 w 671748"/>
-              <a:gd name="connsiteY29" fmla="*/ 3614057 h 4151086"/>
-              <a:gd name="connsiteX30" fmla="*/ 104404 w 671748"/>
-              <a:gd name="connsiteY30" fmla="*/ 3744686 h 4151086"/>
-              <a:gd name="connsiteX31" fmla="*/ 75376 w 671748"/>
-              <a:gd name="connsiteY31" fmla="*/ 3875314 h 4151086"/>
-              <a:gd name="connsiteX32" fmla="*/ 60861 w 671748"/>
-              <a:gd name="connsiteY32" fmla="*/ 3962400 h 4151086"/>
-              <a:gd name="connsiteX33" fmla="*/ 60861 w 671748"/>
-              <a:gd name="connsiteY33" fmla="*/ 4151086 h 4151086"/>
-            </a:gdLst>
-            <a:ahLst/>
-            <a:cxnLst>
-              <a:cxn ang="0">
-                <a:pos x="connsiteX0" y="connsiteY0"/>
-              </a:cxn>
-              <a:cxn ang="0">
-                <a:pos x="connsiteX1" y="connsiteY1"/>
-              </a:cxn>
-              <a:cxn ang="0">
-                <a:pos x="connsiteX2" y="connsiteY2"/>
-              </a:cxn>
-              <a:cxn ang="0">
-                <a:pos x="connsiteX3" y="connsiteY3"/>
-              </a:cxn>
-              <a:cxn ang="0">
-                <a:pos x="connsiteX4" y="connsiteY4"/>
-              </a:cxn>
-              <a:cxn ang="0">
-                <a:pos x="connsiteX5" y="connsiteY5"/>
-              </a:cxn>
-              <a:cxn ang="0">
-                <a:pos x="connsiteX6" y="connsiteY6"/>
-              </a:cxn>
-              <a:cxn ang="0">
-                <a:pos x="connsiteX7" y="connsiteY7"/>
-              </a:cxn>
-              <a:cxn ang="0">
-                <a:pos x="connsiteX8" y="connsiteY8"/>
-              </a:cxn>
-              <a:cxn ang="0">
-                <a:pos x="connsiteX9" y="connsiteY9"/>
-              </a:cxn>
-              <a:cxn ang="0">
-                <a:pos x="connsiteX10" y="connsiteY10"/>
-              </a:cxn>
-              <a:cxn ang="0">
-                <a:pos x="connsiteX11" y="connsiteY11"/>
-              </a:cxn>
-              <a:cxn ang="0">
-                <a:pos x="connsiteX12" y="connsiteY12"/>
-              </a:cxn>
-              <a:cxn ang="0">
-                <a:pos x="connsiteX13" y="connsiteY13"/>
-              </a:cxn>
-              <a:cxn ang="0">
-                <a:pos x="connsiteX14" y="connsiteY14"/>
-              </a:cxn>
-              <a:cxn ang="0">
-                <a:pos x="connsiteX15" y="connsiteY15"/>
-              </a:cxn>
-              <a:cxn ang="0">
-                <a:pos x="connsiteX16" y="connsiteY16"/>
-              </a:cxn>
-              <a:cxn ang="0">
-                <a:pos x="connsiteX17" y="connsiteY17"/>
-              </a:cxn>
-              <a:cxn ang="0">
-                <a:pos x="connsiteX18" y="connsiteY18"/>
-              </a:cxn>
-              <a:cxn ang="0">
-                <a:pos x="connsiteX19" y="connsiteY19"/>
-              </a:cxn>
-              <a:cxn ang="0">
-                <a:pos x="connsiteX20" y="connsiteY20"/>
-              </a:cxn>
-              <a:cxn ang="0">
-                <a:pos x="connsiteX21" y="connsiteY21"/>
-              </a:cxn>
-              <a:cxn ang="0">
-                <a:pos x="connsiteX22" y="connsiteY22"/>
-              </a:cxn>
-              <a:cxn ang="0">
-                <a:pos x="connsiteX23" y="connsiteY23"/>
-              </a:cxn>
-              <a:cxn ang="0">
-                <a:pos x="connsiteX24" y="connsiteY24"/>
-              </a:cxn>
-              <a:cxn ang="0">
-                <a:pos x="connsiteX25" y="connsiteY25"/>
-              </a:cxn>
-              <a:cxn ang="0">
-                <a:pos x="connsiteX26" y="connsiteY26"/>
-              </a:cxn>
-              <a:cxn ang="0">
-                <a:pos x="connsiteX27" y="connsiteY27"/>
-              </a:cxn>
-              <a:cxn ang="0">
-                <a:pos x="connsiteX28" y="connsiteY28"/>
-              </a:cxn>
-              <a:cxn ang="0">
-                <a:pos x="connsiteX29" y="connsiteY29"/>
-              </a:cxn>
-              <a:cxn ang="0">
-                <a:pos x="connsiteX30" y="connsiteY30"/>
-              </a:cxn>
-              <a:cxn ang="0">
-                <a:pos x="connsiteX31" y="connsiteY31"/>
-              </a:cxn>
-              <a:cxn ang="0">
-                <a:pos x="connsiteX32" y="connsiteY32"/>
-              </a:cxn>
-              <a:cxn ang="0">
-                <a:pos x="connsiteX33" y="connsiteY33"/>
-              </a:cxn>
-            </a:cxnLst>
-            <a:rect l="l" t="t" r="r" b="b"/>
-            <a:pathLst>
-              <a:path w="671748" h="4151086">
-                <a:moveTo>
-                  <a:pt x="307604" y="0"/>
-                </a:moveTo>
-                <a:cubicBezTo>
-                  <a:pt x="255772" y="20733"/>
-                  <a:pt x="224431" y="30940"/>
-                  <a:pt x="176976" y="58057"/>
-                </a:cubicBezTo>
-                <a:cubicBezTo>
-                  <a:pt x="161830" y="66712"/>
-                  <a:pt x="146471" y="75497"/>
-                  <a:pt x="133433" y="87086"/>
-                </a:cubicBezTo>
-                <a:cubicBezTo>
-                  <a:pt x="102750" y="114360"/>
-                  <a:pt x="46347" y="174172"/>
-                  <a:pt x="46347" y="174172"/>
-                </a:cubicBezTo>
-                <a:lnTo>
-                  <a:pt x="17318" y="261257"/>
-                </a:lnTo>
-                <a:lnTo>
-                  <a:pt x="2804" y="304800"/>
-                </a:lnTo>
-                <a:cubicBezTo>
-                  <a:pt x="15579" y="585847"/>
-                  <a:pt x="-36701" y="550344"/>
-                  <a:pt x="60861" y="696686"/>
-                </a:cubicBezTo>
-                <a:cubicBezTo>
-                  <a:pt x="74279" y="716814"/>
-                  <a:pt x="89890" y="735391"/>
-                  <a:pt x="104404" y="754743"/>
-                </a:cubicBezTo>
-                <a:cubicBezTo>
-                  <a:pt x="109242" y="769257"/>
-                  <a:pt x="112076" y="784602"/>
-                  <a:pt x="118918" y="798286"/>
-                </a:cubicBezTo>
-                <a:cubicBezTo>
-                  <a:pt x="150744" y="861938"/>
-                  <a:pt x="273507" y="973917"/>
-                  <a:pt x="293090" y="986972"/>
-                </a:cubicBezTo>
-                <a:cubicBezTo>
-                  <a:pt x="307604" y="996648"/>
-                  <a:pt x="323232" y="1004833"/>
-                  <a:pt x="336633" y="1016000"/>
-                </a:cubicBezTo>
-                <a:cubicBezTo>
-                  <a:pt x="371104" y="1044726"/>
-                  <a:pt x="414104" y="1098937"/>
-                  <a:pt x="438233" y="1132114"/>
-                </a:cubicBezTo>
-                <a:cubicBezTo>
-                  <a:pt x="531324" y="1260114"/>
-                  <a:pt x="464844" y="1175056"/>
-                  <a:pt x="539833" y="1306286"/>
-                </a:cubicBezTo>
-                <a:cubicBezTo>
-                  <a:pt x="562478" y="1345915"/>
-                  <a:pt x="612404" y="1422400"/>
-                  <a:pt x="612404" y="1422400"/>
-                </a:cubicBezTo>
-                <a:cubicBezTo>
-                  <a:pt x="622080" y="1456267"/>
-                  <a:pt x="636452" y="1489132"/>
-                  <a:pt x="641433" y="1524000"/>
-                </a:cubicBezTo>
-                <a:cubicBezTo>
-                  <a:pt x="654841" y="1617856"/>
-                  <a:pt x="669183" y="2044873"/>
-                  <a:pt x="670461" y="2075543"/>
-                </a:cubicBezTo>
-                <a:cubicBezTo>
-                  <a:pt x="662938" y="2278665"/>
-                  <a:pt x="695383" y="2394763"/>
-                  <a:pt x="626918" y="2554514"/>
-                </a:cubicBezTo>
-                <a:cubicBezTo>
-                  <a:pt x="609872" y="2594289"/>
-                  <a:pt x="588213" y="2631924"/>
-                  <a:pt x="568861" y="2670629"/>
-                </a:cubicBezTo>
-                <a:cubicBezTo>
-                  <a:pt x="564023" y="2689981"/>
-                  <a:pt x="562205" y="2710351"/>
-                  <a:pt x="554347" y="2728686"/>
-                </a:cubicBezTo>
-                <a:cubicBezTo>
-                  <a:pt x="547475" y="2744720"/>
-                  <a:pt x="531443" y="2755896"/>
-                  <a:pt x="525318" y="2772229"/>
-                </a:cubicBezTo>
-                <a:cubicBezTo>
-                  <a:pt x="516656" y="2795328"/>
-                  <a:pt x="521836" y="2822735"/>
-                  <a:pt x="510804" y="2844800"/>
-                </a:cubicBezTo>
-                <a:cubicBezTo>
-                  <a:pt x="496950" y="2872509"/>
-                  <a:pt x="469931" y="2891596"/>
-                  <a:pt x="452747" y="2917372"/>
-                </a:cubicBezTo>
-                <a:cubicBezTo>
-                  <a:pt x="440745" y="2935375"/>
-                  <a:pt x="433394" y="2956077"/>
-                  <a:pt x="423718" y="2975429"/>
-                </a:cubicBezTo>
-                <a:cubicBezTo>
-                  <a:pt x="418880" y="2994781"/>
-                  <a:pt x="417062" y="3015151"/>
-                  <a:pt x="409204" y="3033486"/>
-                </a:cubicBezTo>
-                <a:cubicBezTo>
-                  <a:pt x="402333" y="3049520"/>
-                  <a:pt x="388831" y="3061883"/>
-                  <a:pt x="380176" y="3077029"/>
-                </a:cubicBezTo>
-                <a:cubicBezTo>
-                  <a:pt x="369441" y="3095815"/>
-                  <a:pt x="361882" y="3116300"/>
-                  <a:pt x="351147" y="3135086"/>
-                </a:cubicBezTo>
-                <a:cubicBezTo>
-                  <a:pt x="323154" y="3184073"/>
-                  <a:pt x="264061" y="3280229"/>
-                  <a:pt x="264061" y="3280229"/>
-                </a:cubicBezTo>
-                <a:cubicBezTo>
-                  <a:pt x="259223" y="3299581"/>
-                  <a:pt x="256551" y="3319608"/>
-                  <a:pt x="249547" y="3338286"/>
-                </a:cubicBezTo>
-                <a:cubicBezTo>
-                  <a:pt x="227463" y="3397177"/>
-                  <a:pt x="194255" y="3451982"/>
-                  <a:pt x="176976" y="3512457"/>
-                </a:cubicBezTo>
-                <a:cubicBezTo>
-                  <a:pt x="167300" y="3546324"/>
-                  <a:pt x="158453" y="3580438"/>
-                  <a:pt x="147947" y="3614057"/>
-                </a:cubicBezTo>
-                <a:cubicBezTo>
-                  <a:pt x="134257" y="3657866"/>
-                  <a:pt x="115536" y="3700158"/>
-                  <a:pt x="104404" y="3744686"/>
-                </a:cubicBezTo>
-                <a:cubicBezTo>
-                  <a:pt x="88872" y="3806814"/>
-                  <a:pt x="87661" y="3807746"/>
-                  <a:pt x="75376" y="3875314"/>
-                </a:cubicBezTo>
-                <a:cubicBezTo>
-                  <a:pt x="70111" y="3904268"/>
-                  <a:pt x="62408" y="3933012"/>
-                  <a:pt x="60861" y="3962400"/>
-                </a:cubicBezTo>
-                <a:cubicBezTo>
-                  <a:pt x="57555" y="4025208"/>
-                  <a:pt x="60861" y="4088191"/>
-                  <a:pt x="60861" y="4151086"/>
-                </a:cubicBezTo>
-              </a:path>
-            </a:pathLst>
-          </a:custGeom>
-          <a:noFill/>
-          <a:ln w="28575">
-            <a:solidFill>
-              <a:schemeClr val="tx1"/>
-            </a:solidFill>
-          </a:ln>
-        </p:spPr>
-        <p:style>
-          <a:lnRef idx="2">
-            <a:schemeClr val="accent1">
-              <a:shade val="50000"/>
-            </a:schemeClr>
-          </a:lnRef>
-          <a:fillRef idx="1">
-            <a:schemeClr val="accent1"/>
-          </a:fillRef>
-          <a:effectRef idx="0">
-            <a:schemeClr val="accent1"/>
-          </a:effectRef>
-          <a:fontRef idx="minor">
-            <a:schemeClr val="lt1"/>
-          </a:fontRef>
-        </p:style>
-        <p:txBody>
-          <a:bodyPr rtlCol="0" anchor="ctr"/>
-          <a:lstStyle/>
-          <a:p>
-            <a:pPr algn="ctr"/>
-            <a:endParaRPr lang="en-US">
-              <a:solidFill>
-                <a:schemeClr val="tx1"/>
-              </a:solidFill>
-            </a:endParaRPr>
-          </a:p>
-        </p:txBody>
-      </p:sp>
-      <p:cxnSp>
-        <p:nvCxnSpPr>
-          <p:cNvPr id="18" name="Straight Arrow Connector 17">
-            <a:extLst>
-              <a:ext uri="{FF2B5EF4-FFF2-40B4-BE49-F238E27FC236}">
-                <a16:creationId xmlns:a16="http://schemas.microsoft.com/office/drawing/2014/main" id="{55D55C86-0A4E-AFDC-2AB9-15CD88609AD8}"/>
-              </a:ext>
-            </a:extLst>
-          </p:cNvPr>
-          <p:cNvCxnSpPr>
-            <a:cxnSpLocks/>
-            <a:stCxn id="9" idx="0"/>
-          </p:cNvCxnSpPr>
-          <p:nvPr/>
-        </p:nvCxnSpPr>
-        <p:spPr>
-          <a:xfrm flipH="1" flipV="1">
-            <a:off x="5759786" y="1392420"/>
-            <a:ext cx="77454" cy="2544352"/>
-          </a:xfrm>
-          <a:prstGeom prst="straightConnector1">
-            <a:avLst/>
-          </a:prstGeom>
-          <a:ln w="22225">
-            <a:solidFill>
-              <a:srgbClr val="B3DE69"/>
-            </a:solidFill>
-            <a:tailEnd type="triangle"/>
-          </a:ln>
-        </p:spPr>
-        <p:style>
-          <a:lnRef idx="1">
-            <a:schemeClr val="accent1"/>
-          </a:lnRef>
-          <a:fillRef idx="0">
-            <a:schemeClr val="accent1"/>
-          </a:fillRef>
-          <a:effectRef idx="0">
-            <a:schemeClr val="accent1"/>
-          </a:effectRef>
-          <a:fontRef idx="minor">
-            <a:schemeClr val="tx1"/>
-          </a:fontRef>
-        </p:style>
-      </p:cxnSp>
-      <p:sp>
-        <p:nvSpPr>
-          <p:cNvPr id="9" name="Rectangle 8">
-            <a:extLst>
-              <a:ext uri="{FF2B5EF4-FFF2-40B4-BE49-F238E27FC236}">
-                <a16:creationId xmlns:a16="http://schemas.microsoft.com/office/drawing/2014/main" id="{44322274-8573-B003-F01B-81679487DA86}"/>
-              </a:ext>
-            </a:extLst>
-          </p:cNvPr>
-          <p:cNvSpPr/>
-          <p:nvPr/>
-        </p:nvSpPr>
-        <p:spPr>
-          <a:xfrm rot="310231">
-            <a:off x="5637095" y="3935491"/>
-            <a:ext cx="343564" cy="629439"/>
-          </a:xfrm>
-          <a:prstGeom prst="rect">
-            <a:avLst/>
-          </a:prstGeom>
-          <a:solidFill>
-            <a:srgbClr val="8BD1C5"/>
-          </a:solidFill>
-          <a:ln>
-            <a:solidFill>
-              <a:srgbClr val="8BD1C5"/>
-            </a:solidFill>
-          </a:ln>
-        </p:spPr>
-        <p:style>
-          <a:lnRef idx="2">
-            <a:schemeClr val="accent1">
-              <a:shade val="50000"/>
-            </a:schemeClr>
-          </a:lnRef>
-          <a:fillRef idx="1">
-            <a:schemeClr val="accent1"/>
-          </a:fillRef>
-          <a:effectRef idx="0">
-            <a:schemeClr val="accent1"/>
-          </a:effectRef>
-          <a:fontRef idx="minor">
-            <a:schemeClr val="lt1"/>
-          </a:fontRef>
-        </p:style>
-        <p:txBody>
-          <a:bodyPr rtlCol="0" anchor="ctr"/>
-          <a:lstStyle/>
-          <a:p>
-            <a:pPr algn="ctr"/>
-            <a:endParaRPr lang="en-US"/>
-          </a:p>
-        </p:txBody>
-      </p:sp>
-      <p:sp>
-        <p:nvSpPr>
-          <p:cNvPr id="4" name="Circle: Hollow 3">
-            <a:extLst>
-              <a:ext uri="{FF2B5EF4-FFF2-40B4-BE49-F238E27FC236}">
-                <a16:creationId xmlns:a16="http://schemas.microsoft.com/office/drawing/2014/main" id="{3F2C48E3-9D3F-7DA0-0B3F-D2121B65329D}"/>
-              </a:ext>
-            </a:extLst>
-          </p:cNvPr>
-          <p:cNvSpPr/>
-          <p:nvPr/>
-        </p:nvSpPr>
-        <p:spPr>
-          <a:xfrm>
-            <a:off x="5562600" y="3819897"/>
-            <a:ext cx="197186" cy="202786"/>
-          </a:xfrm>
-          <a:prstGeom prst="donut">
-            <a:avLst>
-              <a:gd name="adj" fmla="val 5662"/>
-            </a:avLst>
-          </a:prstGeom>
-          <a:solidFill>
-            <a:srgbClr val="FF0000"/>
-          </a:solidFill>
-          <a:ln>
-            <a:solidFill>
-              <a:srgbClr val="FF0000"/>
-            </a:solidFill>
-          </a:ln>
-        </p:spPr>
-        <p:style>
-          <a:lnRef idx="2">
-            <a:schemeClr val="accent1">
-              <a:shade val="50000"/>
-            </a:schemeClr>
-          </a:lnRef>
-          <a:fillRef idx="1">
-            <a:schemeClr val="accent1"/>
-          </a:fillRef>
-          <a:effectRef idx="0">
-            <a:schemeClr val="accent1"/>
-          </a:effectRef>
-          <a:fontRef idx="minor">
-            <a:schemeClr val="lt1"/>
-          </a:fontRef>
-        </p:style>
-        <p:txBody>
-          <a:bodyPr rtlCol="0" anchor="ctr"/>
-          <a:lstStyle/>
-          <a:p>
-            <a:pPr algn="ctr"/>
-            <a:endParaRPr lang="en-US">
-              <a:solidFill>
-                <a:schemeClr val="tx1"/>
-              </a:solidFill>
-            </a:endParaRPr>
-          </a:p>
-        </p:txBody>
-      </p:sp>
-      <p:pic>
-        <p:nvPicPr>
-          <p:cNvPr id="10" name="image1.png">
-            <a:extLst>
-              <a:ext uri="{FF2B5EF4-FFF2-40B4-BE49-F238E27FC236}">
-                <a16:creationId xmlns:a16="http://schemas.microsoft.com/office/drawing/2014/main" id="{FBEDAD1A-3A3B-4A5D-B8C3-9A07DEED79D0}"/>
-              </a:ext>
-            </a:extLst>
-          </p:cNvPr>
-          <p:cNvPicPr>
-            <a:picLocks noChangeAspect="1"/>
-          </p:cNvPicPr>
-          <p:nvPr/>
-        </p:nvPicPr>
-        <p:blipFill>
-          <a:blip r:embed="rId3" cstate="print"/>
-          <a:stretch>
-            <a:fillRect/>
-          </a:stretch>
-        </p:blipFill>
-        <p:spPr>
-          <a:xfrm>
-            <a:off x="10765085" y="120681"/>
-            <a:ext cx="1307646" cy="1307646"/>
-          </a:xfrm>
-          <a:prstGeom prst="rect">
-            <a:avLst/>
-          </a:prstGeom>
-        </p:spPr>
-      </p:pic>
-    </p:spTree>
-    <p:extLst>
-      <p:ext uri="{BB962C8B-B14F-4D97-AF65-F5344CB8AC3E}">
-        <p14:creationId xmlns:p14="http://schemas.microsoft.com/office/powerpoint/2010/main" val="1024625433"/>
-      </p:ext>
-    </p:extLst>
-  </p:cSld>
-  <p:clrMapOvr>
-    <a:masterClrMapping/>
-  </p:clrMapOvr>
-  <mc:AlternateContent xmlns:mc="http://schemas.openxmlformats.org/markup-compatibility/2006" xmlns:p159="http://schemas.microsoft.com/office/powerpoint/2015/09/main">
-    <mc:Choice Requires="p159">
-      <p:transition xmlns:p14="http://schemas.microsoft.com/office/powerpoint/2010/main" spd="slow" p14:dur="2000">
-        <p159:morph option="byObject"/>
-      </p:transition>
-    </mc:Choice>
-    <mc:Fallback xmlns="">
-      <p:transition spd="slow">
-        <p:fade/>
-      </p:transition>
-    </mc:Fallback>
-  </mc:AlternateContent>
-</p:sld>
-</file>
-
-<file path=ppt/slides/slide11.xml><?xml version="1.0" encoding="utf-8"?>
 <p:sld xmlns:a="http://schemas.openxmlformats.org/drawingml/2006/main" xmlns:r="http://schemas.openxmlformats.org/officeDocument/2006/relationships" xmlns:p="http://schemas.openxmlformats.org/presentationml/2006/main">
   <p:cSld>
     <p:spTree>
@@ -10541,7 +9524,7 @@
 </p:sld>
 </file>
 
-<file path=ppt/slides/slide12.xml><?xml version="1.0" encoding="utf-8"?>
+<file path=ppt/slides/slide11.xml><?xml version="1.0" encoding="utf-8"?>
 <p:sld xmlns:a="http://schemas.openxmlformats.org/drawingml/2006/main" xmlns:r="http://schemas.openxmlformats.org/officeDocument/2006/relationships" xmlns:p="http://schemas.openxmlformats.org/presentationml/2006/main">
   <p:cSld>
     <p:spTree>
@@ -10742,7 +9725,7 @@
 </p:sld>
 </file>
 
-<file path=ppt/slides/slide13.xml><?xml version="1.0" encoding="utf-8"?>
+<file path=ppt/slides/slide12.xml><?xml version="1.0" encoding="utf-8"?>
 <p:sld xmlns:a="http://schemas.openxmlformats.org/drawingml/2006/main" xmlns:r="http://schemas.openxmlformats.org/officeDocument/2006/relationships" xmlns:p="http://schemas.openxmlformats.org/presentationml/2006/main">
   <p:cSld>
     <p:spTree>
@@ -11031,7 +10014,7 @@
 </p:sld>
 </file>
 
-<file path=ppt/slides/slide14.xml><?xml version="1.0" encoding="utf-8"?>
+<file path=ppt/slides/slide13.xml><?xml version="1.0" encoding="utf-8"?>
 <p:sld xmlns:a="http://schemas.openxmlformats.org/drawingml/2006/main" xmlns:r="http://schemas.openxmlformats.org/officeDocument/2006/relationships" xmlns:p="http://schemas.openxmlformats.org/presentationml/2006/main">
   <p:cSld>
     <p:spTree>
@@ -11425,7 +10408,7 @@
 </p:sld>
 </file>
 
-<file path=ppt/slides/slide15.xml><?xml version="1.0" encoding="utf-8"?>
+<file path=ppt/slides/slide14.xml><?xml version="1.0" encoding="utf-8"?>
 <p:sld xmlns:a="http://schemas.openxmlformats.org/drawingml/2006/main" xmlns:r="http://schemas.openxmlformats.org/officeDocument/2006/relationships" xmlns:p="http://schemas.openxmlformats.org/presentationml/2006/main">
   <p:cSld>
     <p:spTree>
@@ -11855,7 +10838,7 @@
 </p:sld>
 </file>
 
-<file path=ppt/slides/slide16.xml><?xml version="1.0" encoding="utf-8"?>
+<file path=ppt/slides/slide15.xml><?xml version="1.0" encoding="utf-8"?>
 <p:sld xmlns:a="http://schemas.openxmlformats.org/drawingml/2006/main" xmlns:r="http://schemas.openxmlformats.org/officeDocument/2006/relationships" xmlns:p="http://schemas.openxmlformats.org/presentationml/2006/main">
   <p:cSld>
     <p:spTree>
@@ -13053,7 +12036,7 @@
 </p:sld>
 </file>
 
-<file path=ppt/slides/slide17.xml><?xml version="1.0" encoding="utf-8"?>
+<file path=ppt/slides/slide16.xml><?xml version="1.0" encoding="utf-8"?>
 <p:sld xmlns:a="http://schemas.openxmlformats.org/drawingml/2006/main" xmlns:r="http://schemas.openxmlformats.org/officeDocument/2006/relationships" xmlns:p="http://schemas.openxmlformats.org/presentationml/2006/main">
   <p:cSld>
     <p:spTree>
@@ -13255,7 +12238,7 @@
 </p:sld>
 </file>
 
-<file path=ppt/slides/slide18.xml><?xml version="1.0" encoding="utf-8"?>
+<file path=ppt/slides/slide17.xml><?xml version="1.0" encoding="utf-8"?>
 <p:sld xmlns:a="http://schemas.openxmlformats.org/drawingml/2006/main" xmlns:r="http://schemas.openxmlformats.org/officeDocument/2006/relationships" xmlns:p="http://schemas.openxmlformats.org/presentationml/2006/main">
   <p:cSld>
     <p:spTree>
@@ -14322,7 +13305,7 @@
 </p:sld>
 </file>
 
-<file path=ppt/slides/slide19.xml><?xml version="1.0" encoding="utf-8"?>
+<file path=ppt/slides/slide18.xml><?xml version="1.0" encoding="utf-8"?>
 <p:sld xmlns:a="http://schemas.openxmlformats.org/drawingml/2006/main" xmlns:r="http://schemas.openxmlformats.org/officeDocument/2006/relationships" xmlns:p="http://schemas.openxmlformats.org/presentationml/2006/main">
   <p:cSld>
     <p:spTree>
@@ -15496,183 +14479,7 @@
 </p:sld>
 </file>
 
-<file path=ppt/slides/slide2.xml><?xml version="1.0" encoding="utf-8"?>
-<p:sld xmlns:a="http://schemas.openxmlformats.org/drawingml/2006/main" xmlns:r="http://schemas.openxmlformats.org/officeDocument/2006/relationships" xmlns:p="http://schemas.openxmlformats.org/presentationml/2006/main">
-  <p:cSld>
-    <p:spTree>
-      <p:nvGrpSpPr>
-        <p:cNvPr id="1" name=""/>
-        <p:cNvGrpSpPr/>
-        <p:nvPr/>
-      </p:nvGrpSpPr>
-      <p:grpSpPr>
-        <a:xfrm>
-          <a:off x="0" y="0"/>
-          <a:ext cx="0" cy="0"/>
-          <a:chOff x="0" y="0"/>
-          <a:chExt cx="0" cy="0"/>
-        </a:xfrm>
-      </p:grpSpPr>
-      <p:sp>
-        <p:nvSpPr>
-          <p:cNvPr id="6" name="Title 1">
-            <a:extLst>
-              <a:ext uri="{FF2B5EF4-FFF2-40B4-BE49-F238E27FC236}">
-                <a16:creationId xmlns:a16="http://schemas.microsoft.com/office/drawing/2014/main" id="{9A43FE2A-7AEE-F437-FBFE-42F52B79A130}"/>
-              </a:ext>
-            </a:extLst>
-          </p:cNvPr>
-          <p:cNvSpPr>
-            <a:spLocks noGrp="1"/>
-          </p:cNvSpPr>
-          <p:nvPr>
-            <p:ph type="title"/>
-          </p:nvPr>
-        </p:nvSpPr>
-        <p:spPr>
-          <a:xfrm>
-            <a:off x="1143000" y="872935"/>
-            <a:ext cx="9905999" cy="1360898"/>
-          </a:xfrm>
-        </p:spPr>
-        <p:txBody>
-          <a:bodyPr/>
-          <a:lstStyle/>
-          <a:p>
-            <a:r>
-              <a:rPr lang="en-US" dirty="0">
-                <a:latin typeface="Walbaum Display (Body)"/>
-              </a:rPr>
-              <a:t>What is it?</a:t>
-            </a:r>
-          </a:p>
-        </p:txBody>
-      </p:sp>
-      <p:sp>
-        <p:nvSpPr>
-          <p:cNvPr id="7" name="Content Placeholder 2">
-            <a:extLst>
-              <a:ext uri="{FF2B5EF4-FFF2-40B4-BE49-F238E27FC236}">
-                <a16:creationId xmlns:a16="http://schemas.microsoft.com/office/drawing/2014/main" id="{6D911064-6362-6552-0006-21B080E77CFE}"/>
-              </a:ext>
-            </a:extLst>
-          </p:cNvPr>
-          <p:cNvSpPr>
-            <a:spLocks noGrp="1"/>
-          </p:cNvSpPr>
-          <p:nvPr>
-            <p:ph idx="1"/>
-          </p:nvPr>
-        </p:nvSpPr>
-        <p:spPr>
-          <a:xfrm>
-            <a:off x="1143000" y="2332026"/>
-            <a:ext cx="9905999" cy="3567118"/>
-          </a:xfrm>
-        </p:spPr>
-        <p:txBody>
-          <a:bodyPr>
-            <a:normAutofit/>
-          </a:bodyPr>
-          <a:lstStyle/>
-          <a:p>
-            <a:pPr>
-              <a:buFont typeface="Wingdings" panose="05000000000000000000" pitchFamily="2" charset="2"/>
-              <a:buChar char="Ø"/>
-            </a:pPr>
-            <a:r>
-              <a:rPr lang="en-US" sz="2800" dirty="0"/>
-              <a:t> Reactive</a:t>
-            </a:r>
-          </a:p>
-          <a:p>
-            <a:pPr>
-              <a:buFont typeface="Wingdings" panose="05000000000000000000" pitchFamily="2" charset="2"/>
-              <a:buChar char="Ø"/>
-            </a:pPr>
-            <a:r>
-              <a:rPr lang="en-US" sz="2800" dirty="0"/>
-              <a:t> Consists of 2 main steps:</a:t>
-            </a:r>
-          </a:p>
-          <a:p>
-            <a:pPr marL="514350" lvl="1" indent="-285750">
-              <a:buFont typeface="Arial" panose="020B0604020202020204" pitchFamily="34" charset="0"/>
-              <a:buChar char="•"/>
-            </a:pPr>
-            <a:r>
-              <a:rPr lang="en-US" sz="2400" i="0" dirty="0"/>
-              <a:t>Find the longest safely traversable distance</a:t>
-            </a:r>
-          </a:p>
-          <a:p>
-            <a:pPr marL="514350" lvl="1" indent="-285750">
-              <a:buFont typeface="Arial" panose="020B0604020202020204" pitchFamily="34" charset="0"/>
-              <a:buChar char="•"/>
-            </a:pPr>
-            <a:r>
-              <a:rPr lang="en-US" sz="2400" i="0" dirty="0"/>
-              <a:t>Follow that line</a:t>
-            </a:r>
-          </a:p>
-        </p:txBody>
-      </p:sp>
-      <p:pic>
-        <p:nvPicPr>
-          <p:cNvPr id="4" name="image1.png">
-            <a:extLst>
-              <a:ext uri="{FF2B5EF4-FFF2-40B4-BE49-F238E27FC236}">
-                <a16:creationId xmlns:a16="http://schemas.microsoft.com/office/drawing/2014/main" id="{D7C34D76-116C-4415-9FA3-C5E2F576D9CB}"/>
-              </a:ext>
-            </a:extLst>
-          </p:cNvPr>
-          <p:cNvPicPr>
-            <a:picLocks noChangeAspect="1"/>
-          </p:cNvPicPr>
-          <p:nvPr/>
-        </p:nvPicPr>
-        <p:blipFill>
-          <a:blip r:embed="rId3" cstate="print"/>
-          <a:stretch>
-            <a:fillRect/>
-          </a:stretch>
-        </p:blipFill>
-        <p:spPr>
-          <a:xfrm>
-            <a:off x="10765085" y="120681"/>
-            <a:ext cx="1307646" cy="1307646"/>
-          </a:xfrm>
-          <a:prstGeom prst="rect">
-            <a:avLst/>
-          </a:prstGeom>
-        </p:spPr>
-      </p:pic>
-    </p:spTree>
-    <p:extLst>
-      <p:ext uri="{BB962C8B-B14F-4D97-AF65-F5344CB8AC3E}">
-        <p14:creationId xmlns:p14="http://schemas.microsoft.com/office/powerpoint/2010/main" val="1002892313"/>
-      </p:ext>
-    </p:extLst>
-  </p:cSld>
-  <p:clrMapOvr>
-    <a:masterClrMapping/>
-  </p:clrMapOvr>
-  <mc:AlternateContent xmlns:mc="http://schemas.openxmlformats.org/markup-compatibility/2006" xmlns:p159="http://schemas.microsoft.com/office/powerpoint/2015/09/main">
-    <mc:Choice Requires="p159">
-      <p:transition xmlns:p14="http://schemas.microsoft.com/office/powerpoint/2010/main" spd="slow" p14:dur="2000">
-        <p159:morph option="byObject"/>
-      </p:transition>
-    </mc:Choice>
-    <mc:Fallback xmlns="">
-      <p:transition spd="slow">
-        <p:fade/>
-      </p:transition>
-    </mc:Fallback>
-  </mc:AlternateContent>
-</p:sld>
-</file>
-
-<file path=ppt/slides/slide20.xml><?xml version="1.0" encoding="utf-8"?>
+<file path=ppt/slides/slide19.xml><?xml version="1.0" encoding="utf-8"?>
 <p:sld xmlns:a="http://schemas.openxmlformats.org/drawingml/2006/main" xmlns:r="http://schemas.openxmlformats.org/officeDocument/2006/relationships" xmlns:p="http://schemas.openxmlformats.org/presentationml/2006/main">
   <p:cSld>
     <p:spTree>
@@ -17651,7 +16458,183 @@
 </p:sld>
 </file>
 
-<file path=ppt/slides/slide21.xml><?xml version="1.0" encoding="utf-8"?>
+<file path=ppt/slides/slide2.xml><?xml version="1.0" encoding="utf-8"?>
+<p:sld xmlns:a="http://schemas.openxmlformats.org/drawingml/2006/main" xmlns:r="http://schemas.openxmlformats.org/officeDocument/2006/relationships" xmlns:p="http://schemas.openxmlformats.org/presentationml/2006/main">
+  <p:cSld>
+    <p:spTree>
+      <p:nvGrpSpPr>
+        <p:cNvPr id="1" name=""/>
+        <p:cNvGrpSpPr/>
+        <p:nvPr/>
+      </p:nvGrpSpPr>
+      <p:grpSpPr>
+        <a:xfrm>
+          <a:off x="0" y="0"/>
+          <a:ext cx="0" cy="0"/>
+          <a:chOff x="0" y="0"/>
+          <a:chExt cx="0" cy="0"/>
+        </a:xfrm>
+      </p:grpSpPr>
+      <p:sp>
+        <p:nvSpPr>
+          <p:cNvPr id="6" name="Title 1">
+            <a:extLst>
+              <a:ext uri="{FF2B5EF4-FFF2-40B4-BE49-F238E27FC236}">
+                <a16:creationId xmlns:a16="http://schemas.microsoft.com/office/drawing/2014/main" id="{9A43FE2A-7AEE-F437-FBFE-42F52B79A130}"/>
+              </a:ext>
+            </a:extLst>
+          </p:cNvPr>
+          <p:cNvSpPr>
+            <a:spLocks noGrp="1"/>
+          </p:cNvSpPr>
+          <p:nvPr>
+            <p:ph type="title"/>
+          </p:nvPr>
+        </p:nvSpPr>
+        <p:spPr>
+          <a:xfrm>
+            <a:off x="1143000" y="872935"/>
+            <a:ext cx="9905999" cy="1360898"/>
+          </a:xfrm>
+        </p:spPr>
+        <p:txBody>
+          <a:bodyPr/>
+          <a:lstStyle/>
+          <a:p>
+            <a:r>
+              <a:rPr lang="en-US" dirty="0">
+                <a:latin typeface="Walbaum Display (Body)"/>
+              </a:rPr>
+              <a:t>What is it?</a:t>
+            </a:r>
+          </a:p>
+        </p:txBody>
+      </p:sp>
+      <p:sp>
+        <p:nvSpPr>
+          <p:cNvPr id="7" name="Content Placeholder 2">
+            <a:extLst>
+              <a:ext uri="{FF2B5EF4-FFF2-40B4-BE49-F238E27FC236}">
+                <a16:creationId xmlns:a16="http://schemas.microsoft.com/office/drawing/2014/main" id="{6D911064-6362-6552-0006-21B080E77CFE}"/>
+              </a:ext>
+            </a:extLst>
+          </p:cNvPr>
+          <p:cNvSpPr>
+            <a:spLocks noGrp="1"/>
+          </p:cNvSpPr>
+          <p:nvPr>
+            <p:ph idx="1"/>
+          </p:nvPr>
+        </p:nvSpPr>
+        <p:spPr>
+          <a:xfrm>
+            <a:off x="1143000" y="2332026"/>
+            <a:ext cx="9905999" cy="3567118"/>
+          </a:xfrm>
+        </p:spPr>
+        <p:txBody>
+          <a:bodyPr>
+            <a:normAutofit/>
+          </a:bodyPr>
+          <a:lstStyle/>
+          <a:p>
+            <a:pPr>
+              <a:buFont typeface="Wingdings" panose="05000000000000000000" pitchFamily="2" charset="2"/>
+              <a:buChar char="Ø"/>
+            </a:pPr>
+            <a:r>
+              <a:rPr lang="en-US" sz="2800" dirty="0"/>
+              <a:t> Reactive</a:t>
+            </a:r>
+          </a:p>
+          <a:p>
+            <a:pPr>
+              <a:buFont typeface="Wingdings" panose="05000000000000000000" pitchFamily="2" charset="2"/>
+              <a:buChar char="Ø"/>
+            </a:pPr>
+            <a:r>
+              <a:rPr lang="en-US" sz="2800" dirty="0"/>
+              <a:t> Consists of 2 main steps:</a:t>
+            </a:r>
+          </a:p>
+          <a:p>
+            <a:pPr marL="514350" lvl="1" indent="-285750">
+              <a:buFont typeface="Arial" panose="020B0604020202020204" pitchFamily="34" charset="0"/>
+              <a:buChar char="•"/>
+            </a:pPr>
+            <a:r>
+              <a:rPr lang="en-US" sz="2400" i="0" dirty="0"/>
+              <a:t>Find the longest safely traversable distance</a:t>
+            </a:r>
+          </a:p>
+          <a:p>
+            <a:pPr marL="514350" lvl="1" indent="-285750">
+              <a:buFont typeface="Arial" panose="020B0604020202020204" pitchFamily="34" charset="0"/>
+              <a:buChar char="•"/>
+            </a:pPr>
+            <a:r>
+              <a:rPr lang="en-US" sz="2400" i="0" dirty="0"/>
+              <a:t>Follow that line</a:t>
+            </a:r>
+          </a:p>
+        </p:txBody>
+      </p:sp>
+      <p:pic>
+        <p:nvPicPr>
+          <p:cNvPr id="4" name="image1.png">
+            <a:extLst>
+              <a:ext uri="{FF2B5EF4-FFF2-40B4-BE49-F238E27FC236}">
+                <a16:creationId xmlns:a16="http://schemas.microsoft.com/office/drawing/2014/main" id="{D7C34D76-116C-4415-9FA3-C5E2F576D9CB}"/>
+              </a:ext>
+            </a:extLst>
+          </p:cNvPr>
+          <p:cNvPicPr>
+            <a:picLocks noChangeAspect="1"/>
+          </p:cNvPicPr>
+          <p:nvPr/>
+        </p:nvPicPr>
+        <p:blipFill>
+          <a:blip r:embed="rId3" cstate="print"/>
+          <a:stretch>
+            <a:fillRect/>
+          </a:stretch>
+        </p:blipFill>
+        <p:spPr>
+          <a:xfrm>
+            <a:off x="10765085" y="120681"/>
+            <a:ext cx="1307646" cy="1307646"/>
+          </a:xfrm>
+          <a:prstGeom prst="rect">
+            <a:avLst/>
+          </a:prstGeom>
+        </p:spPr>
+      </p:pic>
+    </p:spTree>
+    <p:extLst>
+      <p:ext uri="{BB962C8B-B14F-4D97-AF65-F5344CB8AC3E}">
+        <p14:creationId xmlns:p14="http://schemas.microsoft.com/office/powerpoint/2010/main" val="1002892313"/>
+      </p:ext>
+    </p:extLst>
+  </p:cSld>
+  <p:clrMapOvr>
+    <a:masterClrMapping/>
+  </p:clrMapOvr>
+  <mc:AlternateContent xmlns:mc="http://schemas.openxmlformats.org/markup-compatibility/2006" xmlns:p159="http://schemas.microsoft.com/office/powerpoint/2015/09/main">
+    <mc:Choice Requires="p159">
+      <p:transition xmlns:p14="http://schemas.microsoft.com/office/powerpoint/2010/main" spd="slow" p14:dur="2000">
+        <p159:morph option="byObject"/>
+      </p:transition>
+    </mc:Choice>
+    <mc:Fallback xmlns="">
+      <p:transition spd="slow">
+        <p:fade/>
+      </p:transition>
+    </mc:Fallback>
+  </mc:AlternateContent>
+</p:sld>
+</file>
+
+<file path=ppt/slides/slide20.xml><?xml version="1.0" encoding="utf-8"?>
 <p:sld xmlns:a="http://schemas.openxmlformats.org/drawingml/2006/main" xmlns:r="http://schemas.openxmlformats.org/officeDocument/2006/relationships" xmlns:p="http://schemas.openxmlformats.org/presentationml/2006/main">
   <p:cSld>
     <p:spTree>
@@ -18673,7 +17656,7 @@
 </p:sld>
 </file>
 
-<file path=ppt/slides/slide22.xml><?xml version="1.0" encoding="utf-8"?>
+<file path=ppt/slides/slide21.xml><?xml version="1.0" encoding="utf-8"?>
 <p:sld xmlns:a="http://schemas.openxmlformats.org/drawingml/2006/main" xmlns:r="http://schemas.openxmlformats.org/officeDocument/2006/relationships" xmlns:p="http://schemas.openxmlformats.org/presentationml/2006/main">
   <p:cSld>
     <p:spTree>
@@ -19747,7 +18730,7 @@
 </p:sld>
 </file>
 
-<file path=ppt/slides/slide23.xml><?xml version="1.0" encoding="utf-8"?>
+<file path=ppt/slides/slide22.xml><?xml version="1.0" encoding="utf-8"?>
 <p:sld xmlns:a="http://schemas.openxmlformats.org/drawingml/2006/main" xmlns:r="http://schemas.openxmlformats.org/officeDocument/2006/relationships" xmlns:p="http://schemas.openxmlformats.org/presentationml/2006/main">
   <p:cSld>
     <p:spTree>
@@ -21660,6 +20643,273 @@
     <mc:Fallback xmlns="">
       <p:transition spd="med">
         <p:fade/>
+      </p:transition>
+    </mc:Fallback>
+  </mc:AlternateContent>
+</p:sld>
+</file>
+
+<file path=ppt/slides/slide23.xml><?xml version="1.0" encoding="utf-8"?>
+<p:sld xmlns:a="http://schemas.openxmlformats.org/drawingml/2006/main" xmlns:r="http://schemas.openxmlformats.org/officeDocument/2006/relationships" xmlns:p="http://schemas.openxmlformats.org/presentationml/2006/main">
+  <p:cSld>
+    <p:spTree>
+      <p:nvGrpSpPr>
+        <p:cNvPr id="1" name=""/>
+        <p:cNvGrpSpPr/>
+        <p:nvPr/>
+      </p:nvGrpSpPr>
+      <p:grpSpPr>
+        <a:xfrm>
+          <a:off x="0" y="0"/>
+          <a:ext cx="0" cy="0"/>
+          <a:chOff x="0" y="0"/>
+          <a:chExt cx="0" cy="0"/>
+        </a:xfrm>
+      </p:grpSpPr>
+      <p:sp>
+        <p:nvSpPr>
+          <p:cNvPr id="7" name="Content Placeholder 2">
+            <a:extLst>
+              <a:ext uri="{FF2B5EF4-FFF2-40B4-BE49-F238E27FC236}">
+                <a16:creationId xmlns:a16="http://schemas.microsoft.com/office/drawing/2014/main" id="{D3E64906-E945-371A-7BFF-AD589E514F74}"/>
+              </a:ext>
+            </a:extLst>
+          </p:cNvPr>
+          <p:cNvSpPr>
+            <a:spLocks noGrp="1"/>
+          </p:cNvSpPr>
+          <p:nvPr>
+            <p:ph idx="1"/>
+          </p:nvPr>
+        </p:nvSpPr>
+        <p:spPr>
+          <a:xfrm>
+            <a:off x="2146863" y="468824"/>
+            <a:ext cx="7898269" cy="652474"/>
+          </a:xfrm>
+        </p:spPr>
+        <p:txBody>
+          <a:bodyPr anchor="ctr" anchorCtr="0">
+            <a:noAutofit/>
+          </a:bodyPr>
+          <a:lstStyle/>
+          <a:p>
+            <a:pPr marL="0" indent="0" algn="ctr">
+              <a:buNone/>
+            </a:pPr>
+            <a:r>
+              <a:rPr lang="en-US" sz="2800" dirty="0"/>
+              <a:t>Extending the disparity</a:t>
+            </a:r>
+          </a:p>
+        </p:txBody>
+      </p:sp>
+      <p:sp>
+        <p:nvSpPr>
+          <p:cNvPr id="8" name="Title 1">
+            <a:extLst>
+              <a:ext uri="{FF2B5EF4-FFF2-40B4-BE49-F238E27FC236}">
+                <a16:creationId xmlns:a16="http://schemas.microsoft.com/office/drawing/2014/main" id="{06DCD268-CBD9-011B-7DF1-A7282AA6CE71}"/>
+              </a:ext>
+            </a:extLst>
+          </p:cNvPr>
+          <p:cNvSpPr>
+            <a:spLocks noGrp="1"/>
+          </p:cNvSpPr>
+          <p:nvPr>
+            <p:ph type="title"/>
+          </p:nvPr>
+        </p:nvSpPr>
+        <p:spPr>
+          <a:xfrm>
+            <a:off x="5588004" y="6172200"/>
+            <a:ext cx="6603996" cy="685800"/>
+          </a:xfrm>
+        </p:spPr>
+        <p:txBody>
+          <a:bodyPr>
+            <a:normAutofit/>
+          </a:bodyPr>
+          <a:lstStyle/>
+          <a:p>
+            <a:r>
+              <a:rPr lang="en-US" sz="3200" dirty="0"/>
+              <a:t>Longest Safely Traversable Distance</a:t>
+            </a:r>
+          </a:p>
+        </p:txBody>
+      </p:sp>
+      <p:grpSp>
+        <p:nvGrpSpPr>
+          <p:cNvPr id="35" name="Group 34">
+            <a:extLst>
+              <a:ext uri="{FF2B5EF4-FFF2-40B4-BE49-F238E27FC236}">
+                <a16:creationId xmlns:a16="http://schemas.microsoft.com/office/drawing/2014/main" id="{FE712D00-47BA-2073-933E-DC8B1A4D56DB}"/>
+              </a:ext>
+            </a:extLst>
+          </p:cNvPr>
+          <p:cNvGrpSpPr/>
+          <p:nvPr/>
+        </p:nvGrpSpPr>
+        <p:grpSpPr>
+          <a:xfrm>
+            <a:off x="4677358" y="1422237"/>
+            <a:ext cx="1821292" cy="4449024"/>
+            <a:chOff x="4373809" y="1422237"/>
+            <a:chExt cx="1821292" cy="4449024"/>
+          </a:xfrm>
+        </p:grpSpPr>
+        <p:sp>
+          <p:nvSpPr>
+            <p:cNvPr id="16" name="Rectangle 15">
+              <a:extLst>
+                <a:ext uri="{FF2B5EF4-FFF2-40B4-BE49-F238E27FC236}">
+                  <a16:creationId xmlns:a16="http://schemas.microsoft.com/office/drawing/2014/main" id="{5C70D7B4-370E-33AF-F40B-96D47081C32F}"/>
+                </a:ext>
+              </a:extLst>
+            </p:cNvPr>
+            <p:cNvSpPr>
+              <a:spLocks noChangeAspect="1"/>
+            </p:cNvSpPr>
+            <p:nvPr/>
+          </p:nvSpPr>
+          <p:spPr>
+            <a:xfrm>
+              <a:off x="4980906" y="3646749"/>
+              <a:ext cx="1214195" cy="2224512"/>
+            </a:xfrm>
+            <a:prstGeom prst="rect">
+              <a:avLst/>
+            </a:prstGeom>
+            <a:solidFill>
+              <a:srgbClr val="8BD1C5"/>
+            </a:solidFill>
+            <a:ln>
+              <a:solidFill>
+                <a:srgbClr val="8BD1C5"/>
+              </a:solidFill>
+            </a:ln>
+          </p:spPr>
+          <p:style>
+            <a:lnRef idx="2">
+              <a:schemeClr val="accent1">
+                <a:shade val="50000"/>
+              </a:schemeClr>
+            </a:lnRef>
+            <a:fillRef idx="1">
+              <a:schemeClr val="accent1"/>
+            </a:fillRef>
+            <a:effectRef idx="0">
+              <a:schemeClr val="accent1"/>
+            </a:effectRef>
+            <a:fontRef idx="minor">
+              <a:schemeClr val="lt1"/>
+            </a:fontRef>
+          </p:style>
+          <p:txBody>
+            <a:bodyPr rtlCol="0" anchor="ctr"/>
+            <a:lstStyle/>
+            <a:p>
+              <a:pPr algn="ctr"/>
+              <a:endParaRPr lang="en-US"/>
+            </a:p>
+          </p:txBody>
+        </p:sp>
+        <p:cxnSp>
+          <p:nvCxnSpPr>
+            <p:cNvPr id="14" name="Straight Arrow Connector 13">
+              <a:extLst>
+                <a:ext uri="{FF2B5EF4-FFF2-40B4-BE49-F238E27FC236}">
+                  <a16:creationId xmlns:a16="http://schemas.microsoft.com/office/drawing/2014/main" id="{68B6CFFB-42F1-E63D-F164-E3B84857154C}"/>
+                </a:ext>
+              </a:extLst>
+            </p:cNvPr>
+            <p:cNvCxnSpPr>
+              <a:cxnSpLocks/>
+              <a:stCxn id="16" idx="0"/>
+            </p:cNvCxnSpPr>
+            <p:nvPr/>
+          </p:nvCxnSpPr>
+          <p:spPr>
+            <a:xfrm flipH="1" flipV="1">
+              <a:off x="4373809" y="1422237"/>
+              <a:ext cx="1214195" cy="2224512"/>
+            </a:xfrm>
+            <a:prstGeom prst="straightConnector1">
+              <a:avLst/>
+            </a:prstGeom>
+            <a:ln w="22225">
+              <a:solidFill>
+                <a:srgbClr val="B3DE69"/>
+              </a:solidFill>
+              <a:tailEnd type="triangle"/>
+            </a:ln>
+          </p:spPr>
+          <p:style>
+            <a:lnRef idx="1">
+              <a:schemeClr val="accent1"/>
+            </a:lnRef>
+            <a:fillRef idx="0">
+              <a:schemeClr val="accent1"/>
+            </a:fillRef>
+            <a:effectRef idx="0">
+              <a:schemeClr val="accent1"/>
+            </a:effectRef>
+            <a:fontRef idx="minor">
+              <a:schemeClr val="tx1"/>
+            </a:fontRef>
+          </p:style>
+        </p:cxnSp>
+      </p:grpSp>
+      <p:pic>
+        <p:nvPicPr>
+          <p:cNvPr id="13" name="image1.png">
+            <a:extLst>
+              <a:ext uri="{FF2B5EF4-FFF2-40B4-BE49-F238E27FC236}">
+                <a16:creationId xmlns:a16="http://schemas.microsoft.com/office/drawing/2014/main" id="{C4F705FF-1152-4AE5-8711-44A030147236}"/>
+              </a:ext>
+            </a:extLst>
+          </p:cNvPr>
+          <p:cNvPicPr>
+            <a:picLocks noChangeAspect="1"/>
+          </p:cNvPicPr>
+          <p:nvPr/>
+        </p:nvPicPr>
+        <p:blipFill>
+          <a:blip r:embed="rId3" cstate="print"/>
+          <a:stretch>
+            <a:fillRect/>
+          </a:stretch>
+        </p:blipFill>
+        <p:spPr>
+          <a:xfrm>
+            <a:off x="10765085" y="120681"/>
+            <a:ext cx="1307646" cy="1307646"/>
+          </a:xfrm>
+          <a:prstGeom prst="rect">
+            <a:avLst/>
+          </a:prstGeom>
+        </p:spPr>
+      </p:pic>
+    </p:spTree>
+    <p:extLst>
+      <p:ext uri="{BB962C8B-B14F-4D97-AF65-F5344CB8AC3E}">
+        <p14:creationId xmlns:p14="http://schemas.microsoft.com/office/powerpoint/2010/main" val="1170728716"/>
+      </p:ext>
+    </p:extLst>
+  </p:cSld>
+  <p:clrMapOvr>
+    <a:masterClrMapping/>
+  </p:clrMapOvr>
+  <mc:AlternateContent xmlns:mc="http://schemas.openxmlformats.org/markup-compatibility/2006" xmlns:p14="http://schemas.microsoft.com/office/powerpoint/2010/main">
+    <mc:Choice Requires="p14">
+      <p:transition spd="slow" p14:dur="1500">
+        <p:split orient="vert"/>
+      </p:transition>
+    </mc:Choice>
+    <mc:Fallback xmlns="">
+      <p:transition spd="slow">
+        <p:split orient="vert"/>
       </p:transition>
     </mc:Fallback>
   </mc:AlternateContent>
@@ -22237,7 +21487,7 @@
     </p:spTree>
     <p:extLst>
       <p:ext uri="{BB962C8B-B14F-4D97-AF65-F5344CB8AC3E}">
-        <p14:creationId xmlns:p14="http://schemas.microsoft.com/office/powerpoint/2010/main" val="1170728716"/>
+        <p14:creationId xmlns:p14="http://schemas.microsoft.com/office/powerpoint/2010/main" val="3021033679"/>
       </p:ext>
     </p:extLst>
   </p:cSld>
@@ -41293,10 +40543,10 @@
       </p:grpSpPr>
       <p:sp>
         <p:nvSpPr>
-          <p:cNvPr id="4" name="Title 1">
+          <p:cNvPr id="6" name="Title 1">
             <a:extLst>
               <a:ext uri="{FF2B5EF4-FFF2-40B4-BE49-F238E27FC236}">
-                <a16:creationId xmlns:a16="http://schemas.microsoft.com/office/drawing/2014/main" id="{1EB72470-1A7A-963E-80FC-4024C0C89D90}"/>
+                <a16:creationId xmlns:a16="http://schemas.microsoft.com/office/drawing/2014/main" id="{9A43FE2A-7AEE-F437-FBFE-42F52B79A130}"/>
               </a:ext>
             </a:extLst>
           </p:cNvPr>
@@ -41321,64 +40571,17 @@
               <a:rPr lang="en-US" dirty="0">
                 <a:latin typeface="Walbaum Display (Body)"/>
               </a:rPr>
-              <a:t>Longest Safely Traversable Distance</a:t>
-            </a:r>
-          </a:p>
-        </p:txBody>
-      </p:sp>
-      <p:sp>
-        <p:nvSpPr>
-          <p:cNvPr id="5" name="Content Placeholder 2">
-            <a:extLst>
-              <a:ext uri="{FF2B5EF4-FFF2-40B4-BE49-F238E27FC236}">
-                <a16:creationId xmlns:a16="http://schemas.microsoft.com/office/drawing/2014/main" id="{E6E111C7-A4DE-ABB0-668E-F0925C428E91}"/>
-              </a:ext>
-            </a:extLst>
-          </p:cNvPr>
-          <p:cNvSpPr>
-            <a:spLocks noGrp="1"/>
-          </p:cNvSpPr>
-          <p:nvPr>
-            <p:ph idx="1"/>
-          </p:nvPr>
-        </p:nvSpPr>
-        <p:spPr>
-          <a:xfrm>
-            <a:off x="1302025" y="2299253"/>
-            <a:ext cx="9905999" cy="2632760"/>
-          </a:xfrm>
-        </p:spPr>
-        <p:txBody>
-          <a:bodyPr>
-            <a:normAutofit/>
-          </a:bodyPr>
-          <a:lstStyle/>
-          <a:p>
-            <a:pPr marL="0" indent="0">
-              <a:buNone/>
-            </a:pPr>
-            <a:r>
-              <a:rPr lang="en-US" sz="2800" dirty="0"/>
-              <a:t>Get the LiDAR scans </a:t>
-            </a:r>
-          </a:p>
-          <a:p>
-            <a:pPr marL="0" indent="0">
-              <a:buNone/>
-            </a:pPr>
-            <a:r>
-              <a:rPr lang="en-US" sz="2800" dirty="0"/>
-              <a:t>from the sensors</a:t>
+              <a:t>What is it?</a:t>
             </a:r>
           </a:p>
         </p:txBody>
       </p:sp>
       <p:pic>
         <p:nvPicPr>
-          <p:cNvPr id="6" name="image1.png">
+          <p:cNvPr id="4" name="image1.png">
             <a:extLst>
               <a:ext uri="{FF2B5EF4-FFF2-40B4-BE49-F238E27FC236}">
-                <a16:creationId xmlns:a16="http://schemas.microsoft.com/office/drawing/2014/main" id="{41B8CF14-ADE2-447E-9A9B-F45A2439FFA4}"/>
+                <a16:creationId xmlns:a16="http://schemas.microsoft.com/office/drawing/2014/main" id="{D7C34D76-116C-4415-9FA3-C5E2F576D9CB}"/>
               </a:ext>
             </a:extLst>
           </p:cNvPr>
@@ -41403,252 +40606,223 @@
           </a:prstGeom>
         </p:spPr>
       </p:pic>
-      <p:pic>
-        <p:nvPicPr>
-          <p:cNvPr id="1028" name="Picture 4" descr="TiM150-3010300 | Sick TIM1XX Laser Scanner LiDAR Sensor, 0.05m to 10m Max  Range | RS">
+      <p:grpSp>
+        <p:nvGrpSpPr>
+          <p:cNvPr id="9" name="Group 8">
             <a:extLst>
               <a:ext uri="{FF2B5EF4-FFF2-40B4-BE49-F238E27FC236}">
-                <a16:creationId xmlns:a16="http://schemas.microsoft.com/office/drawing/2014/main" id="{A5C4F996-C3B6-4C55-898A-EC0C31162397}"/>
+                <a16:creationId xmlns:a16="http://schemas.microsoft.com/office/drawing/2014/main" id="{DC1C6519-7BCF-20D7-2952-9B0B726A0144}"/>
               </a:ext>
             </a:extLst>
           </p:cNvPr>
-          <p:cNvPicPr>
-            <a:picLocks noChangeAspect="1" noChangeArrowheads="1"/>
-          </p:cNvPicPr>
+          <p:cNvGrpSpPr/>
           <p:nvPr/>
-        </p:nvPicPr>
-        <p:blipFill>
-          <a:blip r:embed="rId4">
-            <a:extLst>
-              <a:ext uri="{28A0092B-C50C-407E-A947-70E740481C1C}">
-                <a14:useLocalDpi xmlns:a14="http://schemas.microsoft.com/office/drawing/2010/main" val="0"/>
-              </a:ext>
-            </a:extLst>
-          </a:blip>
-          <a:srcRect/>
-          <a:stretch>
-            <a:fillRect/>
-          </a:stretch>
-        </p:blipFill>
-        <p:spPr bwMode="auto">
+        </p:nvGrpSpPr>
+        <p:grpSpPr>
           <a:xfrm>
-            <a:off x="983976" y="3711011"/>
-            <a:ext cx="4354621" cy="2442003"/>
+            <a:off x="4454688" y="2524650"/>
+            <a:ext cx="3282624" cy="1808700"/>
+            <a:chOff x="4454688" y="2524650"/>
+            <a:chExt cx="3282624" cy="1808700"/>
           </a:xfrm>
-          <a:prstGeom prst="rect">
-            <a:avLst/>
-          </a:prstGeom>
-          <a:noFill/>
-          <a:extLst>
-            <a:ext uri="{909E8E84-426E-40DD-AFC4-6F175D3DCCD1}">
-              <a14:hiddenFill xmlns:a14="http://schemas.microsoft.com/office/drawing/2010/main">
-                <a:solidFill>
-                  <a:srgbClr val="FFFFFF"/>
-                </a:solidFill>
-              </a14:hiddenFill>
-            </a:ext>
-          </a:extLst>
-        </p:spPr>
-      </p:pic>
-      <p:sp>
-        <p:nvSpPr>
-          <p:cNvPr id="2" name="AutoShape 6" descr="2D Polar space of one LIDAR scan | Download Scientific Diagram">
-            <a:extLst>
-              <a:ext uri="{FF2B5EF4-FFF2-40B4-BE49-F238E27FC236}">
-                <a16:creationId xmlns:a16="http://schemas.microsoft.com/office/drawing/2014/main" id="{7CDB2A1D-4DD7-4ACD-9345-B26CDC7A9A27}"/>
-              </a:ext>
-            </a:extLst>
-          </p:cNvPr>
-          <p:cNvSpPr>
-            <a:spLocks noChangeAspect="1" noChangeArrowheads="1"/>
-          </p:cNvSpPr>
-          <p:nvPr/>
-        </p:nvSpPr>
-        <p:spPr bwMode="auto">
-          <a:xfrm>
-            <a:off x="5943600" y="3276600"/>
-            <a:ext cx="304800" cy="304800"/>
-          </a:xfrm>
-          <a:prstGeom prst="rect">
-            <a:avLst/>
-          </a:prstGeom>
-          <a:noFill/>
-          <a:extLst>
-            <a:ext uri="{909E8E84-426E-40DD-AFC4-6F175D3DCCD1}">
-              <a14:hiddenFill xmlns:a14="http://schemas.microsoft.com/office/drawing/2010/main">
-                <a:solidFill>
-                  <a:srgbClr val="FFFFFF"/>
-                </a:solidFill>
-              </a14:hiddenFill>
-            </a:ext>
-          </a:extLst>
-        </p:spPr>
-        <p:txBody>
-          <a:bodyPr vert="horz" wrap="square" lIns="91440" tIns="45720" rIns="91440" bIns="45720" numCol="1" anchor="t" anchorCtr="0" compatLnSpc="1">
-            <a:prstTxWarp prst="textNoShape">
+        </p:grpSpPr>
+        <p:sp>
+          <p:nvSpPr>
+            <p:cNvPr id="5" name="Rectangle 4">
+              <a:extLst>
+                <a:ext uri="{FF2B5EF4-FFF2-40B4-BE49-F238E27FC236}">
+                  <a16:creationId xmlns:a16="http://schemas.microsoft.com/office/drawing/2014/main" id="{F9D52F34-44BA-4407-F680-1C01614092DA}"/>
+                </a:ext>
+              </a:extLst>
+            </p:cNvPr>
+            <p:cNvSpPr/>
+            <p:nvPr/>
+          </p:nvSpPr>
+          <p:spPr>
+            <a:xfrm>
+              <a:off x="4454688" y="2524650"/>
+              <a:ext cx="3282624" cy="1808700"/>
+            </a:xfrm>
+            <a:prstGeom prst="rect">
               <a:avLst/>
-            </a:prstTxWarp>
-          </a:bodyPr>
-          <a:lstStyle/>
-          <a:p>
-            <a:endParaRPr lang="en-IE"/>
-          </a:p>
-        </p:txBody>
-      </p:sp>
-      <p:sp>
-        <p:nvSpPr>
-          <p:cNvPr id="3" name="AutoShape 8" descr="2D Polar space of one LIDAR scan | Download Scientific Diagram">
-            <a:extLst>
-              <a:ext uri="{FF2B5EF4-FFF2-40B4-BE49-F238E27FC236}">
-                <a16:creationId xmlns:a16="http://schemas.microsoft.com/office/drawing/2014/main" id="{4C75E539-5ACF-4C0F-9004-E41210DD820F}"/>
-              </a:ext>
-            </a:extLst>
-          </p:cNvPr>
-          <p:cNvSpPr>
-            <a:spLocks noChangeAspect="1" noChangeArrowheads="1"/>
-          </p:cNvSpPr>
-          <p:nvPr/>
-        </p:nvSpPr>
-        <p:spPr bwMode="auto">
-          <a:xfrm>
-            <a:off x="6096000" y="3429000"/>
-            <a:ext cx="304800" cy="304800"/>
-          </a:xfrm>
-          <a:prstGeom prst="rect">
-            <a:avLst/>
-          </a:prstGeom>
-          <a:noFill/>
-          <a:extLst>
-            <a:ext uri="{909E8E84-426E-40DD-AFC4-6F175D3DCCD1}">
-              <a14:hiddenFill xmlns:a14="http://schemas.microsoft.com/office/drawing/2010/main">
-                <a:solidFill>
-                  <a:srgbClr val="FFFFFF"/>
-                </a:solidFill>
-              </a14:hiddenFill>
-            </a:ext>
-          </a:extLst>
-        </p:spPr>
-        <p:txBody>
-          <a:bodyPr vert="horz" wrap="square" lIns="91440" tIns="45720" rIns="91440" bIns="45720" numCol="1" anchor="t" anchorCtr="0" compatLnSpc="1">
-            <a:prstTxWarp prst="textNoShape">
-              <a:avLst/>
-            </a:prstTxWarp>
-          </a:bodyPr>
-          <a:lstStyle/>
-          <a:p>
-            <a:endParaRPr lang="en-IE"/>
-          </a:p>
-        </p:txBody>
-      </p:sp>
-      <p:sp>
-        <p:nvSpPr>
-          <p:cNvPr id="7" name="AutoShape 10" descr="2D Polar space of one LIDAR scan | Download Scientific Diagram">
-            <a:extLst>
-              <a:ext uri="{FF2B5EF4-FFF2-40B4-BE49-F238E27FC236}">
-                <a16:creationId xmlns:a16="http://schemas.microsoft.com/office/drawing/2014/main" id="{0A1CFC4C-ECC1-4443-B00E-5F5F4CB03531}"/>
-              </a:ext>
-            </a:extLst>
-          </p:cNvPr>
-          <p:cNvSpPr>
-            <a:spLocks noChangeAspect="1" noChangeArrowheads="1"/>
-          </p:cNvSpPr>
-          <p:nvPr/>
-        </p:nvSpPr>
-        <p:spPr bwMode="auto">
-          <a:xfrm>
-            <a:off x="6248400" y="3581400"/>
-            <a:ext cx="304800" cy="304800"/>
-          </a:xfrm>
-          <a:prstGeom prst="rect">
-            <a:avLst/>
-          </a:prstGeom>
-          <a:noFill/>
-          <a:extLst>
-            <a:ext uri="{909E8E84-426E-40DD-AFC4-6F175D3DCCD1}">
-              <a14:hiddenFill xmlns:a14="http://schemas.microsoft.com/office/drawing/2010/main">
-                <a:solidFill>
-                  <a:srgbClr val="FFFFFF"/>
-                </a:solidFill>
-              </a14:hiddenFill>
-            </a:ext>
-          </a:extLst>
-        </p:spPr>
-        <p:txBody>
-          <a:bodyPr vert="horz" wrap="square" lIns="91440" tIns="45720" rIns="91440" bIns="45720" numCol="1" anchor="t" anchorCtr="0" compatLnSpc="1">
-            <a:prstTxWarp prst="textNoShape">
-              <a:avLst/>
-            </a:prstTxWarp>
-          </a:bodyPr>
-          <a:lstStyle/>
-          <a:p>
-            <a:endParaRPr lang="en-IE"/>
-          </a:p>
-        </p:txBody>
-      </p:sp>
-      <p:pic>
-        <p:nvPicPr>
-          <p:cNvPr id="1036" name="Picture 12" descr="Velodyne Lidar Viewer for Unity - Laser Scanning Forum">
-            <a:extLst>
-              <a:ext uri="{FF2B5EF4-FFF2-40B4-BE49-F238E27FC236}">
-                <a16:creationId xmlns:a16="http://schemas.microsoft.com/office/drawing/2014/main" id="{2B302D0B-D210-4A91-8322-90FF91841EE3}"/>
-              </a:ext>
-            </a:extLst>
-          </p:cNvPr>
-          <p:cNvPicPr>
-            <a:picLocks noChangeAspect="1" noChangeArrowheads="1"/>
-          </p:cNvPicPr>
-          <p:nvPr/>
-        </p:nvPicPr>
-        <p:blipFill>
-          <a:blip r:embed="rId5">
-            <a:extLst>
-              <a:ext uri="{28A0092B-C50C-407E-A947-70E740481C1C}">
-                <a14:useLocalDpi xmlns:a14="http://schemas.microsoft.com/office/drawing/2010/main" val="0"/>
-              </a:ext>
-            </a:extLst>
-          </a:blip>
-          <a:srcRect/>
-          <a:stretch>
-            <a:fillRect/>
-          </a:stretch>
-        </p:blipFill>
-        <p:spPr bwMode="auto">
-          <a:xfrm>
-            <a:off x="5382441" y="2522532"/>
-            <a:ext cx="5825583" cy="3019982"/>
-          </a:xfrm>
-          <a:prstGeom prst="rect">
-            <a:avLst/>
-          </a:prstGeom>
-          <a:noFill/>
-          <a:extLst>
-            <a:ext uri="{909E8E84-426E-40DD-AFC4-6F175D3DCCD1}">
-              <a14:hiddenFill xmlns:a14="http://schemas.microsoft.com/office/drawing/2010/main">
-                <a:solidFill>
-                  <a:srgbClr val="FFFFFF"/>
-                </a:solidFill>
-              </a14:hiddenFill>
-            </a:ext>
-          </a:extLst>
-        </p:spPr>
-      </p:pic>
+            </a:prstGeom>
+            <a:solidFill>
+              <a:srgbClr val="8BD1C5"/>
+            </a:solidFill>
+          </p:spPr>
+          <p:style>
+            <a:lnRef idx="2">
+              <a:schemeClr val="accent1">
+                <a:shade val="50000"/>
+              </a:schemeClr>
+            </a:lnRef>
+            <a:fillRef idx="1">
+              <a:schemeClr val="accent1"/>
+            </a:fillRef>
+            <a:effectRef idx="0">
+              <a:schemeClr val="accent1"/>
+            </a:effectRef>
+            <a:fontRef idx="minor">
+              <a:schemeClr val="lt1"/>
+            </a:fontRef>
+          </p:style>
+          <p:txBody>
+            <a:bodyPr rtlCol="0" anchor="ctr"/>
+            <a:lstStyle/>
+            <a:p>
+              <a:pPr algn="ctr"/>
+              <a:endParaRPr lang="en-US" dirty="0"/>
+            </a:p>
+          </p:txBody>
+        </p:sp>
+        <mc:AlternateContent xmlns:mc="http://schemas.openxmlformats.org/markup-compatibility/2006">
+          <mc:Choice xmlns:a14="http://schemas.microsoft.com/office/drawing/2010/main" Requires="a14">
+            <p:sp>
+              <p:nvSpPr>
+                <p:cNvPr id="8" name="TextBox 7">
+                  <a:extLst>
+                    <a:ext uri="{FF2B5EF4-FFF2-40B4-BE49-F238E27FC236}">
+                      <a16:creationId xmlns:a16="http://schemas.microsoft.com/office/drawing/2014/main" id="{EA7BEF49-46FD-C6BE-4B37-E76628D0B103}"/>
+                    </a:ext>
+                  </a:extLst>
+                </p:cNvPr>
+                <p:cNvSpPr txBox="1"/>
+                <p:nvPr/>
+              </p:nvSpPr>
+              <p:spPr>
+                <a:xfrm>
+                  <a:off x="5437774" y="3075057"/>
+                  <a:ext cx="1316450" cy="707886"/>
+                </a:xfrm>
+                <a:prstGeom prst="rect">
+                  <a:avLst/>
+                </a:prstGeom>
+                <a:noFill/>
+              </p:spPr>
+              <p:txBody>
+                <a:bodyPr wrap="none" rtlCol="0">
+                  <a:spAutoFit/>
+                </a:bodyPr>
+                <a:lstStyle/>
+                <a:p>
+                  <a:pPr/>
+                  <a14:m>
+                    <m:oMathPara xmlns:m="http://schemas.openxmlformats.org/officeDocument/2006/math">
+                      <m:oMathParaPr>
+                        <m:jc m:val="centerGroup"/>
+                      </m:oMathParaPr>
+                      <m:oMath xmlns:m="http://schemas.openxmlformats.org/officeDocument/2006/math">
+                        <m:r>
+                          <a:rPr lang="en-US" sz="4000" b="0" i="1" smtClean="0">
+                            <a:solidFill>
+                              <a:schemeClr val="bg1"/>
+                            </a:solidFill>
+                            <a:latin typeface="Cambria Math" panose="02040503050406030204" pitchFamily="18" charset="0"/>
+                          </a:rPr>
+                          <m:t>𝑓</m:t>
+                        </m:r>
+                        <m:r>
+                          <a:rPr lang="en-US" sz="4000" b="0" i="1" smtClean="0">
+                            <a:solidFill>
+                              <a:schemeClr val="bg1"/>
+                            </a:solidFill>
+                            <a:latin typeface="Cambria Math" panose="02040503050406030204" pitchFamily="18" charset="0"/>
+                          </a:rPr>
+                          <m:t>(</m:t>
+                        </m:r>
+                        <m:r>
+                          <a:rPr lang="en-US" sz="4000" b="0" i="1" smtClean="0">
+                            <a:solidFill>
+                              <a:schemeClr val="bg1"/>
+                            </a:solidFill>
+                            <a:latin typeface="Cambria Math" panose="02040503050406030204" pitchFamily="18" charset="0"/>
+                          </a:rPr>
+                          <m:t>𝑥</m:t>
+                        </m:r>
+                        <m:r>
+                          <a:rPr lang="en-US" sz="4000" b="0" i="1" smtClean="0">
+                            <a:solidFill>
+                              <a:schemeClr val="bg1"/>
+                            </a:solidFill>
+                            <a:latin typeface="Cambria Math" panose="02040503050406030204" pitchFamily="18" charset="0"/>
+                          </a:rPr>
+                          <m:t>)</m:t>
+                        </m:r>
+                      </m:oMath>
+                    </m:oMathPara>
+                  </a14:m>
+                  <a:endParaRPr lang="en-US" sz="4000" dirty="0">
+                    <a:solidFill>
+                      <a:schemeClr val="bg1"/>
+                    </a:solidFill>
+                  </a:endParaRPr>
+                </a:p>
+              </p:txBody>
+            </p:sp>
+          </mc:Choice>
+          <mc:Fallback>
+            <p:sp>
+              <p:nvSpPr>
+                <p:cNvPr id="8" name="TextBox 7">
+                  <a:extLst>
+                    <a:ext uri="{FF2B5EF4-FFF2-40B4-BE49-F238E27FC236}">
+                      <a16:creationId xmlns:a16="http://schemas.microsoft.com/office/drawing/2014/main" id="{EA7BEF49-46FD-C6BE-4B37-E76628D0B103}"/>
+                    </a:ext>
+                  </a:extLst>
+                </p:cNvPr>
+                <p:cNvSpPr txBox="1">
+                  <a:spLocks noRot="1" noChangeAspect="1" noMove="1" noResize="1" noEditPoints="1" noAdjustHandles="1" noChangeArrowheads="1" noChangeShapeType="1" noTextEdit="1"/>
+                </p:cNvSpPr>
+                <p:nvPr/>
+              </p:nvSpPr>
+              <p:spPr>
+                <a:xfrm>
+                  <a:off x="5437774" y="3075057"/>
+                  <a:ext cx="1316450" cy="707886"/>
+                </a:xfrm>
+                <a:prstGeom prst="rect">
+                  <a:avLst/>
+                </a:prstGeom>
+                <a:blipFill>
+                  <a:blip r:embed="rId4"/>
+                  <a:stretch>
+                    <a:fillRect/>
+                  </a:stretch>
+                </a:blipFill>
+              </p:spPr>
+              <p:txBody>
+                <a:bodyPr/>
+                <a:lstStyle/>
+                <a:p>
+                  <a:r>
+                    <a:rPr lang="en-US">
+                      <a:noFill/>
+                    </a:rPr>
+                    <a:t> </a:t>
+                  </a:r>
+                </a:p>
+              </p:txBody>
+            </p:sp>
+          </mc:Fallback>
+        </mc:AlternateContent>
+      </p:grpSp>
     </p:spTree>
     <p:extLst>
       <p:ext uri="{BB962C8B-B14F-4D97-AF65-F5344CB8AC3E}">
-        <p14:creationId xmlns:p14="http://schemas.microsoft.com/office/powerpoint/2010/main" val="1370521046"/>
+        <p14:creationId xmlns:p14="http://schemas.microsoft.com/office/powerpoint/2010/main" val="561638611"/>
       </p:ext>
     </p:extLst>
   </p:cSld>
   <p:clrMapOvr>
     <a:masterClrMapping/>
   </p:clrMapOvr>
-  <mc:AlternateContent xmlns:mc="http://schemas.openxmlformats.org/markup-compatibility/2006" xmlns:p159="http://schemas.microsoft.com/office/powerpoint/2015/09/main">
-    <mc:Choice Requires="p159">
+  <mc:AlternateContent xmlns:mc="http://schemas.openxmlformats.org/markup-compatibility/2006">
+    <mc:Choice xmlns:p159="http://schemas.microsoft.com/office/powerpoint/2015/09/main" Requires="p159">
       <p:transition xmlns:p14="http://schemas.microsoft.com/office/powerpoint/2010/main" spd="slow" p14:dur="2000">
         <p159:morph option="byObject"/>
       </p:transition>
     </mc:Choice>
-    <mc:Fallback xmlns="">
+    <mc:Fallback>
       <p:transition spd="slow">
         <p:fade/>
       </p:transition>
@@ -42921,6 +42095,989 @@
       </p:grpSpPr>
       <p:sp>
         <p:nvSpPr>
+          <p:cNvPr id="6" name="Title 1">
+            <a:extLst>
+              <a:ext uri="{FF2B5EF4-FFF2-40B4-BE49-F238E27FC236}">
+                <a16:creationId xmlns:a16="http://schemas.microsoft.com/office/drawing/2014/main" id="{9A43FE2A-7AEE-F437-FBFE-42F52B79A130}"/>
+              </a:ext>
+            </a:extLst>
+          </p:cNvPr>
+          <p:cNvSpPr>
+            <a:spLocks noGrp="1"/>
+          </p:cNvSpPr>
+          <p:nvPr>
+            <p:ph type="title"/>
+          </p:nvPr>
+        </p:nvSpPr>
+        <p:spPr>
+          <a:xfrm>
+            <a:off x="1143000" y="872935"/>
+            <a:ext cx="9905999" cy="1360898"/>
+          </a:xfrm>
+        </p:spPr>
+        <p:txBody>
+          <a:bodyPr/>
+          <a:lstStyle/>
+          <a:p>
+            <a:r>
+              <a:rPr lang="en-US" dirty="0">
+                <a:latin typeface="Walbaum Display (Body)"/>
+              </a:rPr>
+              <a:t>What is it?</a:t>
+            </a:r>
+          </a:p>
+        </p:txBody>
+      </p:sp>
+      <p:pic>
+        <p:nvPicPr>
+          <p:cNvPr id="4" name="image1.png">
+            <a:extLst>
+              <a:ext uri="{FF2B5EF4-FFF2-40B4-BE49-F238E27FC236}">
+                <a16:creationId xmlns:a16="http://schemas.microsoft.com/office/drawing/2014/main" id="{D7C34D76-116C-4415-9FA3-C5E2F576D9CB}"/>
+              </a:ext>
+            </a:extLst>
+          </p:cNvPr>
+          <p:cNvPicPr>
+            <a:picLocks noChangeAspect="1"/>
+          </p:cNvPicPr>
+          <p:nvPr/>
+        </p:nvPicPr>
+        <p:blipFill>
+          <a:blip r:embed="rId3" cstate="print"/>
+          <a:stretch>
+            <a:fillRect/>
+          </a:stretch>
+        </p:blipFill>
+        <p:spPr>
+          <a:xfrm>
+            <a:off x="10765085" y="120681"/>
+            <a:ext cx="1307646" cy="1307646"/>
+          </a:xfrm>
+          <a:prstGeom prst="rect">
+            <a:avLst/>
+          </a:prstGeom>
+        </p:spPr>
+      </p:pic>
+      <p:grpSp>
+        <p:nvGrpSpPr>
+          <p:cNvPr id="9" name="Group 8">
+            <a:extLst>
+              <a:ext uri="{FF2B5EF4-FFF2-40B4-BE49-F238E27FC236}">
+                <a16:creationId xmlns:a16="http://schemas.microsoft.com/office/drawing/2014/main" id="{DC1C6519-7BCF-20D7-2952-9B0B726A0144}"/>
+              </a:ext>
+            </a:extLst>
+          </p:cNvPr>
+          <p:cNvGrpSpPr/>
+          <p:nvPr/>
+        </p:nvGrpSpPr>
+        <p:grpSpPr>
+          <a:xfrm>
+            <a:off x="4454688" y="2524650"/>
+            <a:ext cx="3282624" cy="1808700"/>
+            <a:chOff x="4454688" y="2524650"/>
+            <a:chExt cx="3282624" cy="1808700"/>
+          </a:xfrm>
+        </p:grpSpPr>
+        <p:sp>
+          <p:nvSpPr>
+            <p:cNvPr id="5" name="Rectangle 4">
+              <a:extLst>
+                <a:ext uri="{FF2B5EF4-FFF2-40B4-BE49-F238E27FC236}">
+                  <a16:creationId xmlns:a16="http://schemas.microsoft.com/office/drawing/2014/main" id="{F9D52F34-44BA-4407-F680-1C01614092DA}"/>
+                </a:ext>
+              </a:extLst>
+            </p:cNvPr>
+            <p:cNvSpPr/>
+            <p:nvPr/>
+          </p:nvSpPr>
+          <p:spPr>
+            <a:xfrm>
+              <a:off x="4454688" y="2524650"/>
+              <a:ext cx="3282624" cy="1808700"/>
+            </a:xfrm>
+            <a:prstGeom prst="rect">
+              <a:avLst/>
+            </a:prstGeom>
+            <a:solidFill>
+              <a:srgbClr val="8BD1C5"/>
+            </a:solidFill>
+          </p:spPr>
+          <p:style>
+            <a:lnRef idx="2">
+              <a:schemeClr val="accent1">
+                <a:shade val="50000"/>
+              </a:schemeClr>
+            </a:lnRef>
+            <a:fillRef idx="1">
+              <a:schemeClr val="accent1"/>
+            </a:fillRef>
+            <a:effectRef idx="0">
+              <a:schemeClr val="accent1"/>
+            </a:effectRef>
+            <a:fontRef idx="minor">
+              <a:schemeClr val="lt1"/>
+            </a:fontRef>
+          </p:style>
+          <p:txBody>
+            <a:bodyPr rtlCol="0" anchor="ctr"/>
+            <a:lstStyle/>
+            <a:p>
+              <a:pPr algn="ctr"/>
+              <a:endParaRPr lang="en-US" dirty="0"/>
+            </a:p>
+          </p:txBody>
+        </p:sp>
+        <mc:AlternateContent xmlns:mc="http://schemas.openxmlformats.org/markup-compatibility/2006">
+          <mc:Choice xmlns:a14="http://schemas.microsoft.com/office/drawing/2010/main" Requires="a14">
+            <p:sp>
+              <p:nvSpPr>
+                <p:cNvPr id="8" name="TextBox 7">
+                  <a:extLst>
+                    <a:ext uri="{FF2B5EF4-FFF2-40B4-BE49-F238E27FC236}">
+                      <a16:creationId xmlns:a16="http://schemas.microsoft.com/office/drawing/2014/main" id="{EA7BEF49-46FD-C6BE-4B37-E76628D0B103}"/>
+                    </a:ext>
+                  </a:extLst>
+                </p:cNvPr>
+                <p:cNvSpPr txBox="1"/>
+                <p:nvPr/>
+              </p:nvSpPr>
+              <p:spPr>
+                <a:xfrm>
+                  <a:off x="5437774" y="3075057"/>
+                  <a:ext cx="1316450" cy="707886"/>
+                </a:xfrm>
+                <a:prstGeom prst="rect">
+                  <a:avLst/>
+                </a:prstGeom>
+                <a:noFill/>
+              </p:spPr>
+              <p:txBody>
+                <a:bodyPr wrap="none" rtlCol="0">
+                  <a:spAutoFit/>
+                </a:bodyPr>
+                <a:lstStyle/>
+                <a:p>
+                  <a14:m>
+                    <m:oMathPara xmlns:m="http://schemas.openxmlformats.org/officeDocument/2006/math">
+                      <m:oMathParaPr>
+                        <m:jc m:val="centerGroup"/>
+                      </m:oMathParaPr>
+                      <m:oMath xmlns:m="http://schemas.openxmlformats.org/officeDocument/2006/math">
+                        <m:r>
+                          <a:rPr lang="en-US" sz="4000" b="0" i="1" smtClean="0">
+                            <a:solidFill>
+                              <a:schemeClr val="bg1"/>
+                            </a:solidFill>
+                            <a:latin typeface="Cambria Math" panose="02040503050406030204" pitchFamily="18" charset="0"/>
+                          </a:rPr>
+                          <m:t>𝑓</m:t>
+                        </m:r>
+                        <m:r>
+                          <a:rPr lang="en-US" sz="4000" b="0" i="1" smtClean="0">
+                            <a:solidFill>
+                              <a:schemeClr val="bg1"/>
+                            </a:solidFill>
+                            <a:latin typeface="Cambria Math" panose="02040503050406030204" pitchFamily="18" charset="0"/>
+                          </a:rPr>
+                          <m:t>(</m:t>
+                        </m:r>
+                        <m:r>
+                          <a:rPr lang="en-US" sz="4000" b="0" i="1" smtClean="0">
+                            <a:solidFill>
+                              <a:schemeClr val="bg1"/>
+                            </a:solidFill>
+                            <a:latin typeface="Cambria Math" panose="02040503050406030204" pitchFamily="18" charset="0"/>
+                          </a:rPr>
+                          <m:t>𝑥</m:t>
+                        </m:r>
+                        <m:r>
+                          <a:rPr lang="en-US" sz="4000" b="0" i="1" smtClean="0">
+                            <a:solidFill>
+                              <a:schemeClr val="bg1"/>
+                            </a:solidFill>
+                            <a:latin typeface="Cambria Math" panose="02040503050406030204" pitchFamily="18" charset="0"/>
+                          </a:rPr>
+                          <m:t>)</m:t>
+                        </m:r>
+                      </m:oMath>
+                    </m:oMathPara>
+                  </a14:m>
+                  <a:endParaRPr lang="en-US" sz="4000" dirty="0">
+                    <a:solidFill>
+                      <a:schemeClr val="bg1"/>
+                    </a:solidFill>
+                  </a:endParaRPr>
+                </a:p>
+              </p:txBody>
+            </p:sp>
+          </mc:Choice>
+          <mc:Fallback>
+            <p:sp>
+              <p:nvSpPr>
+                <p:cNvPr id="8" name="TextBox 7">
+                  <a:extLst>
+                    <a:ext uri="{FF2B5EF4-FFF2-40B4-BE49-F238E27FC236}">
+                      <a16:creationId xmlns:a16="http://schemas.microsoft.com/office/drawing/2014/main" id="{EA7BEF49-46FD-C6BE-4B37-E76628D0B103}"/>
+                    </a:ext>
+                  </a:extLst>
+                </p:cNvPr>
+                <p:cNvSpPr txBox="1">
+                  <a:spLocks noRot="1" noChangeAspect="1" noMove="1" noResize="1" noEditPoints="1" noAdjustHandles="1" noChangeArrowheads="1" noChangeShapeType="1" noTextEdit="1"/>
+                </p:cNvSpPr>
+                <p:nvPr/>
+              </p:nvSpPr>
+              <p:spPr>
+                <a:xfrm>
+                  <a:off x="5437774" y="3075057"/>
+                  <a:ext cx="1316450" cy="707886"/>
+                </a:xfrm>
+                <a:prstGeom prst="rect">
+                  <a:avLst/>
+                </a:prstGeom>
+                <a:blipFill>
+                  <a:blip r:embed="rId4"/>
+                  <a:stretch>
+                    <a:fillRect/>
+                  </a:stretch>
+                </a:blipFill>
+              </p:spPr>
+              <p:txBody>
+                <a:bodyPr/>
+                <a:lstStyle/>
+                <a:p>
+                  <a:r>
+                    <a:rPr lang="en-US">
+                      <a:noFill/>
+                    </a:rPr>
+                    <a:t> </a:t>
+                  </a:r>
+                </a:p>
+              </p:txBody>
+            </p:sp>
+          </mc:Fallback>
+        </mc:AlternateContent>
+      </p:grpSp>
+      <mc:AlternateContent xmlns:mc="http://schemas.openxmlformats.org/markup-compatibility/2006">
+        <mc:Choice xmlns:a14="http://schemas.microsoft.com/office/drawing/2010/main" Requires="a14">
+          <p:sp>
+            <p:nvSpPr>
+              <p:cNvPr id="10" name="TextBox 9">
+                <a:extLst>
+                  <a:ext uri="{FF2B5EF4-FFF2-40B4-BE49-F238E27FC236}">
+                    <a16:creationId xmlns:a16="http://schemas.microsoft.com/office/drawing/2014/main" id="{CF1DB53B-5B96-EC55-F919-C55C45ED5E18}"/>
+                  </a:ext>
+                </a:extLst>
+              </p:cNvPr>
+              <p:cNvSpPr txBox="1"/>
+              <p:nvPr/>
+            </p:nvSpPr>
+            <p:spPr>
+              <a:xfrm>
+                <a:off x="2133600" y="3075057"/>
+                <a:ext cx="949234" cy="707886"/>
+              </a:xfrm>
+              <a:prstGeom prst="rect">
+                <a:avLst/>
+              </a:prstGeom>
+              <a:noFill/>
+            </p:spPr>
+            <p:txBody>
+              <a:bodyPr wrap="square" rtlCol="0">
+                <a:spAutoFit/>
+              </a:bodyPr>
+              <a:lstStyle/>
+              <a:p>
+                <a14:m>
+                  <m:oMathPara xmlns:m="http://schemas.openxmlformats.org/officeDocument/2006/math">
+                    <m:oMathParaPr>
+                      <m:jc m:val="centerGroup"/>
+                    </m:oMathParaPr>
+                    <m:oMath xmlns:m="http://schemas.openxmlformats.org/officeDocument/2006/math">
+                      <m:r>
+                        <a:rPr lang="en-US" sz="4000" b="0" i="1" smtClean="0">
+                          <a:latin typeface="Cambria Math" panose="02040503050406030204" pitchFamily="18" charset="0"/>
+                        </a:rPr>
+                        <m:t>𝐿</m:t>
+                      </m:r>
+                    </m:oMath>
+                  </m:oMathPara>
+                </a14:m>
+                <a:endParaRPr lang="en-US" sz="4000" dirty="0"/>
+              </a:p>
+            </p:txBody>
+          </p:sp>
+        </mc:Choice>
+        <mc:Fallback>
+          <p:sp>
+            <p:nvSpPr>
+              <p:cNvPr id="10" name="TextBox 9">
+                <a:extLst>
+                  <a:ext uri="{FF2B5EF4-FFF2-40B4-BE49-F238E27FC236}">
+                    <a16:creationId xmlns:a16="http://schemas.microsoft.com/office/drawing/2014/main" id="{CF1DB53B-5B96-EC55-F919-C55C45ED5E18}"/>
+                  </a:ext>
+                </a:extLst>
+              </p:cNvPr>
+              <p:cNvSpPr txBox="1">
+                <a:spLocks noRot="1" noChangeAspect="1" noMove="1" noResize="1" noEditPoints="1" noAdjustHandles="1" noChangeArrowheads="1" noChangeShapeType="1" noTextEdit="1"/>
+              </p:cNvSpPr>
+              <p:nvPr/>
+            </p:nvSpPr>
+            <p:spPr>
+              <a:xfrm>
+                <a:off x="2133600" y="3075057"/>
+                <a:ext cx="949234" cy="707886"/>
+              </a:xfrm>
+              <a:prstGeom prst="rect">
+                <a:avLst/>
+              </a:prstGeom>
+              <a:blipFill>
+                <a:blip r:embed="rId5"/>
+                <a:stretch>
+                  <a:fillRect/>
+                </a:stretch>
+              </a:blipFill>
+            </p:spPr>
+            <p:txBody>
+              <a:bodyPr/>
+              <a:lstStyle/>
+              <a:p>
+                <a:r>
+                  <a:rPr lang="en-US">
+                    <a:noFill/>
+                  </a:rPr>
+                  <a:t> </a:t>
+                </a:r>
+              </a:p>
+            </p:txBody>
+          </p:sp>
+        </mc:Fallback>
+      </mc:AlternateContent>
+      <p:cxnSp>
+        <p:nvCxnSpPr>
+          <p:cNvPr id="12" name="Straight Arrow Connector 11">
+            <a:extLst>
+              <a:ext uri="{FF2B5EF4-FFF2-40B4-BE49-F238E27FC236}">
+                <a16:creationId xmlns:a16="http://schemas.microsoft.com/office/drawing/2014/main" id="{51C96D50-3A0F-25C1-E99F-8744E1F29CE1}"/>
+              </a:ext>
+            </a:extLst>
+          </p:cNvPr>
+          <p:cNvCxnSpPr>
+            <a:cxnSpLocks/>
+            <a:endCxn id="5" idx="1"/>
+          </p:cNvCxnSpPr>
+          <p:nvPr/>
+        </p:nvCxnSpPr>
+        <p:spPr>
+          <a:xfrm>
+            <a:off x="2838994" y="3429000"/>
+            <a:ext cx="1615694" cy="0"/>
+          </a:xfrm>
+          <a:prstGeom prst="straightConnector1">
+            <a:avLst/>
+          </a:prstGeom>
+          <a:ln w="57150">
+            <a:solidFill>
+              <a:srgbClr val="F8B044"/>
+            </a:solidFill>
+            <a:tailEnd type="triangle"/>
+          </a:ln>
+        </p:spPr>
+        <p:style>
+          <a:lnRef idx="1">
+            <a:schemeClr val="accent1"/>
+          </a:lnRef>
+          <a:fillRef idx="0">
+            <a:schemeClr val="accent1"/>
+          </a:fillRef>
+          <a:effectRef idx="0">
+            <a:schemeClr val="accent1"/>
+          </a:effectRef>
+          <a:fontRef idx="minor">
+            <a:schemeClr val="tx1"/>
+          </a:fontRef>
+        </p:style>
+      </p:cxnSp>
+      <p:cxnSp>
+        <p:nvCxnSpPr>
+          <p:cNvPr id="14" name="Straight Arrow Connector 13">
+            <a:extLst>
+              <a:ext uri="{FF2B5EF4-FFF2-40B4-BE49-F238E27FC236}">
+                <a16:creationId xmlns:a16="http://schemas.microsoft.com/office/drawing/2014/main" id="{1C396955-F509-DF42-B94C-3744778D5C0C}"/>
+              </a:ext>
+            </a:extLst>
+          </p:cNvPr>
+          <p:cNvCxnSpPr>
+            <a:cxnSpLocks/>
+          </p:cNvCxnSpPr>
+          <p:nvPr/>
+        </p:nvCxnSpPr>
+        <p:spPr>
+          <a:xfrm>
+            <a:off x="7689684" y="3429000"/>
+            <a:ext cx="1615694" cy="0"/>
+          </a:xfrm>
+          <a:prstGeom prst="straightConnector1">
+            <a:avLst/>
+          </a:prstGeom>
+          <a:ln w="57150">
+            <a:solidFill>
+              <a:srgbClr val="F8B044"/>
+            </a:solidFill>
+            <a:tailEnd type="triangle"/>
+          </a:ln>
+        </p:spPr>
+        <p:style>
+          <a:lnRef idx="1">
+            <a:schemeClr val="accent1"/>
+          </a:lnRef>
+          <a:fillRef idx="0">
+            <a:schemeClr val="accent1"/>
+          </a:fillRef>
+          <a:effectRef idx="0">
+            <a:schemeClr val="accent1"/>
+          </a:effectRef>
+          <a:fontRef idx="minor">
+            <a:schemeClr val="tx1"/>
+          </a:fontRef>
+        </p:style>
+      </p:cxnSp>
+      <mc:AlternateContent xmlns:mc="http://schemas.openxmlformats.org/markup-compatibility/2006">
+        <mc:Choice xmlns:a14="http://schemas.microsoft.com/office/drawing/2010/main" Requires="a14">
+          <p:sp>
+            <p:nvSpPr>
+              <p:cNvPr id="15" name="TextBox 14">
+                <a:extLst>
+                  <a:ext uri="{FF2B5EF4-FFF2-40B4-BE49-F238E27FC236}">
+                    <a16:creationId xmlns:a16="http://schemas.microsoft.com/office/drawing/2014/main" id="{A7F9A0FB-0F11-161A-30F4-A70404823C87}"/>
+                  </a:ext>
+                </a:extLst>
+              </p:cNvPr>
+              <p:cNvSpPr txBox="1"/>
+              <p:nvPr/>
+            </p:nvSpPr>
+            <p:spPr>
+              <a:xfrm>
+                <a:off x="9109165" y="3048930"/>
+                <a:ext cx="1532709" cy="707886"/>
+              </a:xfrm>
+              <a:prstGeom prst="rect">
+                <a:avLst/>
+              </a:prstGeom>
+              <a:noFill/>
+            </p:spPr>
+            <p:txBody>
+              <a:bodyPr wrap="square" rtlCol="0">
+                <a:spAutoFit/>
+              </a:bodyPr>
+              <a:lstStyle/>
+              <a:p>
+                <a14:m>
+                  <m:oMathPara xmlns:m="http://schemas.openxmlformats.org/officeDocument/2006/math">
+                    <m:oMathParaPr>
+                      <m:jc m:val="centerGroup"/>
+                    </m:oMathParaPr>
+                    <m:oMath xmlns:m="http://schemas.openxmlformats.org/officeDocument/2006/math">
+                      <m:r>
+                        <a:rPr lang="en-US" sz="4000" b="0" i="1" smtClean="0">
+                          <a:latin typeface="Cambria Math" panose="02040503050406030204" pitchFamily="18" charset="0"/>
+                        </a:rPr>
+                        <m:t>{</m:t>
+                      </m:r>
+                      <m:r>
+                        <a:rPr lang="en-US" sz="4000" b="0" i="1" smtClean="0">
+                          <a:latin typeface="Cambria Math" panose="02040503050406030204" pitchFamily="18" charset="0"/>
+                        </a:rPr>
+                        <m:t>𝜃</m:t>
+                      </m:r>
+                      <m:r>
+                        <a:rPr lang="en-US" sz="4000" b="0" i="1" smtClean="0">
+                          <a:latin typeface="Cambria Math" panose="02040503050406030204" pitchFamily="18" charset="0"/>
+                        </a:rPr>
+                        <m:t>, </m:t>
+                      </m:r>
+                      <m:r>
+                        <a:rPr lang="en-US" sz="4000" b="0" i="1" smtClean="0">
+                          <a:latin typeface="Cambria Math" panose="02040503050406030204" pitchFamily="18" charset="0"/>
+                        </a:rPr>
+                        <m:t>𝑠</m:t>
+                      </m:r>
+                      <m:r>
+                        <a:rPr lang="en-US" sz="4000" b="0" i="1" smtClean="0">
+                          <a:latin typeface="Cambria Math" panose="02040503050406030204" pitchFamily="18" charset="0"/>
+                        </a:rPr>
+                        <m:t>}</m:t>
+                      </m:r>
+                    </m:oMath>
+                  </m:oMathPara>
+                </a14:m>
+                <a:endParaRPr lang="en-US" sz="4000" dirty="0"/>
+              </a:p>
+            </p:txBody>
+          </p:sp>
+        </mc:Choice>
+        <mc:Fallback>
+          <p:sp>
+            <p:nvSpPr>
+              <p:cNvPr id="15" name="TextBox 14">
+                <a:extLst>
+                  <a:ext uri="{FF2B5EF4-FFF2-40B4-BE49-F238E27FC236}">
+                    <a16:creationId xmlns:a16="http://schemas.microsoft.com/office/drawing/2014/main" id="{A7F9A0FB-0F11-161A-30F4-A70404823C87}"/>
+                  </a:ext>
+                </a:extLst>
+              </p:cNvPr>
+              <p:cNvSpPr txBox="1">
+                <a:spLocks noRot="1" noChangeAspect="1" noMove="1" noResize="1" noEditPoints="1" noAdjustHandles="1" noChangeArrowheads="1" noChangeShapeType="1" noTextEdit="1"/>
+              </p:cNvSpPr>
+              <p:nvPr/>
+            </p:nvSpPr>
+            <p:spPr>
+              <a:xfrm>
+                <a:off x="9109165" y="3048930"/>
+                <a:ext cx="1532709" cy="707886"/>
+              </a:xfrm>
+              <a:prstGeom prst="rect">
+                <a:avLst/>
+              </a:prstGeom>
+              <a:blipFill>
+                <a:blip r:embed="rId6"/>
+                <a:stretch>
+                  <a:fillRect/>
+                </a:stretch>
+              </a:blipFill>
+            </p:spPr>
+            <p:txBody>
+              <a:bodyPr/>
+              <a:lstStyle/>
+              <a:p>
+                <a:r>
+                  <a:rPr lang="en-US">
+                    <a:noFill/>
+                  </a:rPr>
+                  <a:t> </a:t>
+                </a:r>
+              </a:p>
+            </p:txBody>
+          </p:sp>
+        </mc:Fallback>
+      </mc:AlternateContent>
+    </p:spTree>
+    <p:extLst>
+      <p:ext uri="{BB962C8B-B14F-4D97-AF65-F5344CB8AC3E}">
+        <p14:creationId xmlns:p14="http://schemas.microsoft.com/office/powerpoint/2010/main" val="1021786130"/>
+      </p:ext>
+    </p:extLst>
+  </p:cSld>
+  <p:clrMapOvr>
+    <a:masterClrMapping/>
+  </p:clrMapOvr>
+  <p:transition spd="slow">
+    <p:wipe dir="r"/>
+  </p:transition>
+</p:sld>
+</file>
+
+<file path=ppt/slides/slide5.xml><?xml version="1.0" encoding="utf-8"?>
+<p:sld xmlns:a="http://schemas.openxmlformats.org/drawingml/2006/main" xmlns:r="http://schemas.openxmlformats.org/officeDocument/2006/relationships" xmlns:p="http://schemas.openxmlformats.org/presentationml/2006/main">
+  <p:cSld>
+    <p:spTree>
+      <p:nvGrpSpPr>
+        <p:cNvPr id="1" name=""/>
+        <p:cNvGrpSpPr/>
+        <p:nvPr/>
+      </p:nvGrpSpPr>
+      <p:grpSpPr>
+        <a:xfrm>
+          <a:off x="0" y="0"/>
+          <a:ext cx="0" cy="0"/>
+          <a:chOff x="0" y="0"/>
+          <a:chExt cx="0" cy="0"/>
+        </a:xfrm>
+      </p:grpSpPr>
+      <p:sp>
+        <p:nvSpPr>
+          <p:cNvPr id="4" name="Title 1">
+            <a:extLst>
+              <a:ext uri="{FF2B5EF4-FFF2-40B4-BE49-F238E27FC236}">
+                <a16:creationId xmlns:a16="http://schemas.microsoft.com/office/drawing/2014/main" id="{1EB72470-1A7A-963E-80FC-4024C0C89D90}"/>
+              </a:ext>
+            </a:extLst>
+          </p:cNvPr>
+          <p:cNvSpPr>
+            <a:spLocks noGrp="1"/>
+          </p:cNvSpPr>
+          <p:nvPr>
+            <p:ph type="title"/>
+          </p:nvPr>
+        </p:nvSpPr>
+        <p:spPr>
+          <a:xfrm>
+            <a:off x="1143000" y="872935"/>
+            <a:ext cx="9905999" cy="1360898"/>
+          </a:xfrm>
+        </p:spPr>
+        <p:txBody>
+          <a:bodyPr/>
+          <a:lstStyle/>
+          <a:p>
+            <a:r>
+              <a:rPr lang="en-US" dirty="0">
+                <a:latin typeface="Walbaum Display (Body)"/>
+              </a:rPr>
+              <a:t>Longest Safely Traversable Distance</a:t>
+            </a:r>
+          </a:p>
+        </p:txBody>
+      </p:sp>
+      <p:sp>
+        <p:nvSpPr>
+          <p:cNvPr id="5" name="Content Placeholder 2">
+            <a:extLst>
+              <a:ext uri="{FF2B5EF4-FFF2-40B4-BE49-F238E27FC236}">
+                <a16:creationId xmlns:a16="http://schemas.microsoft.com/office/drawing/2014/main" id="{E6E111C7-A4DE-ABB0-668E-F0925C428E91}"/>
+              </a:ext>
+            </a:extLst>
+          </p:cNvPr>
+          <p:cNvSpPr>
+            <a:spLocks noGrp="1"/>
+          </p:cNvSpPr>
+          <p:nvPr>
+            <p:ph idx="1"/>
+          </p:nvPr>
+        </p:nvSpPr>
+        <p:spPr>
+          <a:xfrm>
+            <a:off x="1302025" y="2299253"/>
+            <a:ext cx="9905999" cy="2632760"/>
+          </a:xfrm>
+        </p:spPr>
+        <p:txBody>
+          <a:bodyPr>
+            <a:normAutofit/>
+          </a:bodyPr>
+          <a:lstStyle/>
+          <a:p>
+            <a:pPr marL="0" indent="0">
+              <a:buNone/>
+            </a:pPr>
+            <a:r>
+              <a:rPr lang="en-US" sz="2800" dirty="0"/>
+              <a:t>Get the LiDAR scans </a:t>
+            </a:r>
+          </a:p>
+          <a:p>
+            <a:pPr marL="0" indent="0">
+              <a:buNone/>
+            </a:pPr>
+            <a:r>
+              <a:rPr lang="en-US" sz="2800" dirty="0"/>
+              <a:t>from the sensors</a:t>
+            </a:r>
+          </a:p>
+        </p:txBody>
+      </p:sp>
+      <p:pic>
+        <p:nvPicPr>
+          <p:cNvPr id="6" name="image1.png">
+            <a:extLst>
+              <a:ext uri="{FF2B5EF4-FFF2-40B4-BE49-F238E27FC236}">
+                <a16:creationId xmlns:a16="http://schemas.microsoft.com/office/drawing/2014/main" id="{41B8CF14-ADE2-447E-9A9B-F45A2439FFA4}"/>
+              </a:ext>
+            </a:extLst>
+          </p:cNvPr>
+          <p:cNvPicPr>
+            <a:picLocks noChangeAspect="1"/>
+          </p:cNvPicPr>
+          <p:nvPr/>
+        </p:nvPicPr>
+        <p:blipFill>
+          <a:blip r:embed="rId3" cstate="print"/>
+          <a:stretch>
+            <a:fillRect/>
+          </a:stretch>
+        </p:blipFill>
+        <p:spPr>
+          <a:xfrm>
+            <a:off x="10765085" y="120681"/>
+            <a:ext cx="1307646" cy="1307646"/>
+          </a:xfrm>
+          <a:prstGeom prst="rect">
+            <a:avLst/>
+          </a:prstGeom>
+        </p:spPr>
+      </p:pic>
+      <p:pic>
+        <p:nvPicPr>
+          <p:cNvPr id="1028" name="Picture 4" descr="TiM150-3010300 | Sick TIM1XX Laser Scanner LiDAR Sensor, 0.05m to 10m Max  Range | RS">
+            <a:extLst>
+              <a:ext uri="{FF2B5EF4-FFF2-40B4-BE49-F238E27FC236}">
+                <a16:creationId xmlns:a16="http://schemas.microsoft.com/office/drawing/2014/main" id="{A5C4F996-C3B6-4C55-898A-EC0C31162397}"/>
+              </a:ext>
+            </a:extLst>
+          </p:cNvPr>
+          <p:cNvPicPr>
+            <a:picLocks noChangeAspect="1" noChangeArrowheads="1"/>
+          </p:cNvPicPr>
+          <p:nvPr/>
+        </p:nvPicPr>
+        <p:blipFill>
+          <a:blip r:embed="rId4">
+            <a:extLst>
+              <a:ext uri="{28A0092B-C50C-407E-A947-70E740481C1C}">
+                <a14:useLocalDpi xmlns:a14="http://schemas.microsoft.com/office/drawing/2010/main" val="0"/>
+              </a:ext>
+            </a:extLst>
+          </a:blip>
+          <a:srcRect/>
+          <a:stretch>
+            <a:fillRect/>
+          </a:stretch>
+        </p:blipFill>
+        <p:spPr bwMode="auto">
+          <a:xfrm>
+            <a:off x="983976" y="3711011"/>
+            <a:ext cx="4354621" cy="2442003"/>
+          </a:xfrm>
+          <a:prstGeom prst="rect">
+            <a:avLst/>
+          </a:prstGeom>
+          <a:noFill/>
+          <a:extLst>
+            <a:ext uri="{909E8E84-426E-40DD-AFC4-6F175D3DCCD1}">
+              <a14:hiddenFill xmlns:a14="http://schemas.microsoft.com/office/drawing/2010/main">
+                <a:solidFill>
+                  <a:srgbClr val="FFFFFF"/>
+                </a:solidFill>
+              </a14:hiddenFill>
+            </a:ext>
+          </a:extLst>
+        </p:spPr>
+      </p:pic>
+      <p:sp>
+        <p:nvSpPr>
+          <p:cNvPr id="2" name="AutoShape 6" descr="2D Polar space of one LIDAR scan | Download Scientific Diagram">
+            <a:extLst>
+              <a:ext uri="{FF2B5EF4-FFF2-40B4-BE49-F238E27FC236}">
+                <a16:creationId xmlns:a16="http://schemas.microsoft.com/office/drawing/2014/main" id="{7CDB2A1D-4DD7-4ACD-9345-B26CDC7A9A27}"/>
+              </a:ext>
+            </a:extLst>
+          </p:cNvPr>
+          <p:cNvSpPr>
+            <a:spLocks noChangeAspect="1" noChangeArrowheads="1"/>
+          </p:cNvSpPr>
+          <p:nvPr/>
+        </p:nvSpPr>
+        <p:spPr bwMode="auto">
+          <a:xfrm>
+            <a:off x="5943600" y="3276600"/>
+            <a:ext cx="304800" cy="304800"/>
+          </a:xfrm>
+          <a:prstGeom prst="rect">
+            <a:avLst/>
+          </a:prstGeom>
+          <a:noFill/>
+          <a:extLst>
+            <a:ext uri="{909E8E84-426E-40DD-AFC4-6F175D3DCCD1}">
+              <a14:hiddenFill xmlns:a14="http://schemas.microsoft.com/office/drawing/2010/main">
+                <a:solidFill>
+                  <a:srgbClr val="FFFFFF"/>
+                </a:solidFill>
+              </a14:hiddenFill>
+            </a:ext>
+          </a:extLst>
+        </p:spPr>
+        <p:txBody>
+          <a:bodyPr vert="horz" wrap="square" lIns="91440" tIns="45720" rIns="91440" bIns="45720" numCol="1" anchor="t" anchorCtr="0" compatLnSpc="1">
+            <a:prstTxWarp prst="textNoShape">
+              <a:avLst/>
+            </a:prstTxWarp>
+          </a:bodyPr>
+          <a:lstStyle/>
+          <a:p>
+            <a:endParaRPr lang="en-IE"/>
+          </a:p>
+        </p:txBody>
+      </p:sp>
+      <p:sp>
+        <p:nvSpPr>
+          <p:cNvPr id="3" name="AutoShape 8" descr="2D Polar space of one LIDAR scan | Download Scientific Diagram">
+            <a:extLst>
+              <a:ext uri="{FF2B5EF4-FFF2-40B4-BE49-F238E27FC236}">
+                <a16:creationId xmlns:a16="http://schemas.microsoft.com/office/drawing/2014/main" id="{4C75E539-5ACF-4C0F-9004-E41210DD820F}"/>
+              </a:ext>
+            </a:extLst>
+          </p:cNvPr>
+          <p:cNvSpPr>
+            <a:spLocks noChangeAspect="1" noChangeArrowheads="1"/>
+          </p:cNvSpPr>
+          <p:nvPr/>
+        </p:nvSpPr>
+        <p:spPr bwMode="auto">
+          <a:xfrm>
+            <a:off x="6096000" y="3429000"/>
+            <a:ext cx="304800" cy="304800"/>
+          </a:xfrm>
+          <a:prstGeom prst="rect">
+            <a:avLst/>
+          </a:prstGeom>
+          <a:noFill/>
+          <a:extLst>
+            <a:ext uri="{909E8E84-426E-40DD-AFC4-6F175D3DCCD1}">
+              <a14:hiddenFill xmlns:a14="http://schemas.microsoft.com/office/drawing/2010/main">
+                <a:solidFill>
+                  <a:srgbClr val="FFFFFF"/>
+                </a:solidFill>
+              </a14:hiddenFill>
+            </a:ext>
+          </a:extLst>
+        </p:spPr>
+        <p:txBody>
+          <a:bodyPr vert="horz" wrap="square" lIns="91440" tIns="45720" rIns="91440" bIns="45720" numCol="1" anchor="t" anchorCtr="0" compatLnSpc="1">
+            <a:prstTxWarp prst="textNoShape">
+              <a:avLst/>
+            </a:prstTxWarp>
+          </a:bodyPr>
+          <a:lstStyle/>
+          <a:p>
+            <a:endParaRPr lang="en-IE"/>
+          </a:p>
+        </p:txBody>
+      </p:sp>
+      <p:sp>
+        <p:nvSpPr>
+          <p:cNvPr id="7" name="AutoShape 10" descr="2D Polar space of one LIDAR scan | Download Scientific Diagram">
+            <a:extLst>
+              <a:ext uri="{FF2B5EF4-FFF2-40B4-BE49-F238E27FC236}">
+                <a16:creationId xmlns:a16="http://schemas.microsoft.com/office/drawing/2014/main" id="{0A1CFC4C-ECC1-4443-B00E-5F5F4CB03531}"/>
+              </a:ext>
+            </a:extLst>
+          </p:cNvPr>
+          <p:cNvSpPr>
+            <a:spLocks noChangeAspect="1" noChangeArrowheads="1"/>
+          </p:cNvSpPr>
+          <p:nvPr/>
+        </p:nvSpPr>
+        <p:spPr bwMode="auto">
+          <a:xfrm>
+            <a:off x="6248400" y="3581400"/>
+            <a:ext cx="304800" cy="304800"/>
+          </a:xfrm>
+          <a:prstGeom prst="rect">
+            <a:avLst/>
+          </a:prstGeom>
+          <a:noFill/>
+          <a:extLst>
+            <a:ext uri="{909E8E84-426E-40DD-AFC4-6F175D3DCCD1}">
+              <a14:hiddenFill xmlns:a14="http://schemas.microsoft.com/office/drawing/2010/main">
+                <a:solidFill>
+                  <a:srgbClr val="FFFFFF"/>
+                </a:solidFill>
+              </a14:hiddenFill>
+            </a:ext>
+          </a:extLst>
+        </p:spPr>
+        <p:txBody>
+          <a:bodyPr vert="horz" wrap="square" lIns="91440" tIns="45720" rIns="91440" bIns="45720" numCol="1" anchor="t" anchorCtr="0" compatLnSpc="1">
+            <a:prstTxWarp prst="textNoShape">
+              <a:avLst/>
+            </a:prstTxWarp>
+          </a:bodyPr>
+          <a:lstStyle/>
+          <a:p>
+            <a:endParaRPr lang="en-IE"/>
+          </a:p>
+        </p:txBody>
+      </p:sp>
+      <p:pic>
+        <p:nvPicPr>
+          <p:cNvPr id="1036" name="Picture 12" descr="Velodyne Lidar Viewer for Unity - Laser Scanning Forum">
+            <a:extLst>
+              <a:ext uri="{FF2B5EF4-FFF2-40B4-BE49-F238E27FC236}">
+                <a16:creationId xmlns:a16="http://schemas.microsoft.com/office/drawing/2014/main" id="{2B302D0B-D210-4A91-8322-90FF91841EE3}"/>
+              </a:ext>
+            </a:extLst>
+          </p:cNvPr>
+          <p:cNvPicPr>
+            <a:picLocks noChangeAspect="1" noChangeArrowheads="1"/>
+          </p:cNvPicPr>
+          <p:nvPr/>
+        </p:nvPicPr>
+        <p:blipFill>
+          <a:blip r:embed="rId5">
+            <a:extLst>
+              <a:ext uri="{28A0092B-C50C-407E-A947-70E740481C1C}">
+                <a14:useLocalDpi xmlns:a14="http://schemas.microsoft.com/office/drawing/2010/main" val="0"/>
+              </a:ext>
+            </a:extLst>
+          </a:blip>
+          <a:srcRect/>
+          <a:stretch>
+            <a:fillRect/>
+          </a:stretch>
+        </p:blipFill>
+        <p:spPr bwMode="auto">
+          <a:xfrm>
+            <a:off x="5382441" y="2522532"/>
+            <a:ext cx="5825583" cy="3019982"/>
+          </a:xfrm>
+          <a:prstGeom prst="rect">
+            <a:avLst/>
+          </a:prstGeom>
+          <a:noFill/>
+          <a:extLst>
+            <a:ext uri="{909E8E84-426E-40DD-AFC4-6F175D3DCCD1}">
+              <a14:hiddenFill xmlns:a14="http://schemas.microsoft.com/office/drawing/2010/main">
+                <a:solidFill>
+                  <a:srgbClr val="FFFFFF"/>
+                </a:solidFill>
+              </a14:hiddenFill>
+            </a:ext>
+          </a:extLst>
+        </p:spPr>
+      </p:pic>
+    </p:spTree>
+    <p:extLst>
+      <p:ext uri="{BB962C8B-B14F-4D97-AF65-F5344CB8AC3E}">
+        <p14:creationId xmlns:p14="http://schemas.microsoft.com/office/powerpoint/2010/main" val="1370521046"/>
+      </p:ext>
+    </p:extLst>
+  </p:cSld>
+  <p:clrMapOvr>
+    <a:masterClrMapping/>
+  </p:clrMapOvr>
+  <mc:AlternateContent xmlns:mc="http://schemas.openxmlformats.org/markup-compatibility/2006" xmlns:p159="http://schemas.microsoft.com/office/powerpoint/2015/09/main">
+    <mc:Choice Requires="p159">
+      <p:transition xmlns:p14="http://schemas.microsoft.com/office/powerpoint/2010/main" spd="slow" p14:dur="2000">
+        <p159:morph option="byObject"/>
+      </p:transition>
+    </mc:Choice>
+    <mc:Fallback xmlns="">
+      <p:transition spd="slow">
+        <p:fade/>
+      </p:transition>
+    </mc:Fallback>
+  </mc:AlternateContent>
+</p:sld>
+</file>
+
+<file path=ppt/slides/slide6.xml><?xml version="1.0" encoding="utf-8"?>
+<p:sld xmlns:a="http://schemas.openxmlformats.org/drawingml/2006/main" xmlns:r="http://schemas.openxmlformats.org/officeDocument/2006/relationships" xmlns:p="http://schemas.openxmlformats.org/presentationml/2006/main">
+  <p:cSld>
+    <p:spTree>
+      <p:nvGrpSpPr>
+        <p:cNvPr id="1" name=""/>
+        <p:cNvGrpSpPr/>
+        <p:nvPr/>
+      </p:nvGrpSpPr>
+      <p:grpSpPr>
+        <a:xfrm>
+          <a:off x="0" y="0"/>
+          <a:ext cx="0" cy="0"/>
+          <a:chOff x="0" y="0"/>
+          <a:chExt cx="0" cy="0"/>
+        </a:xfrm>
+      </p:grpSpPr>
+      <p:sp>
+        <p:nvSpPr>
           <p:cNvPr id="7" name="Content Placeholder 2">
             <a:extLst>
               <a:ext uri="{FF2B5EF4-FFF2-40B4-BE49-F238E27FC236}">
@@ -43104,898 +43261,7 @@
 </p:sld>
 </file>
 
-<file path=ppt/slides/slide5.xml><?xml version="1.0" encoding="utf-8"?>
-<p:sld xmlns:a="http://schemas.openxmlformats.org/drawingml/2006/main" xmlns:r="http://schemas.openxmlformats.org/officeDocument/2006/relationships" xmlns:p="http://schemas.openxmlformats.org/presentationml/2006/main">
-  <p:cSld>
-    <p:spTree>
-      <p:nvGrpSpPr>
-        <p:cNvPr id="1" name=""/>
-        <p:cNvGrpSpPr/>
-        <p:nvPr/>
-      </p:nvGrpSpPr>
-      <p:grpSpPr>
-        <a:xfrm>
-          <a:off x="0" y="0"/>
-          <a:ext cx="0" cy="0"/>
-          <a:chOff x="0" y="0"/>
-          <a:chExt cx="0" cy="0"/>
-        </a:xfrm>
-      </p:grpSpPr>
-      <p:sp>
-        <p:nvSpPr>
-          <p:cNvPr id="7" name="Content Placeholder 2">
-            <a:extLst>
-              <a:ext uri="{FF2B5EF4-FFF2-40B4-BE49-F238E27FC236}">
-                <a16:creationId xmlns:a16="http://schemas.microsoft.com/office/drawing/2014/main" id="{D3E64906-E945-371A-7BFF-AD589E514F74}"/>
-              </a:ext>
-            </a:extLst>
-          </p:cNvPr>
-          <p:cNvSpPr>
-            <a:spLocks noGrp="1"/>
-          </p:cNvSpPr>
-          <p:nvPr>
-            <p:ph idx="1"/>
-          </p:nvPr>
-        </p:nvSpPr>
-        <p:spPr>
-          <a:xfrm>
-            <a:off x="3054348" y="472406"/>
-            <a:ext cx="6083301" cy="652474"/>
-          </a:xfrm>
-        </p:spPr>
-        <p:txBody>
-          <a:bodyPr>
-            <a:normAutofit/>
-          </a:bodyPr>
-          <a:lstStyle/>
-          <a:p>
-            <a:pPr marL="0" indent="0" algn="ctr">
-              <a:buNone/>
-            </a:pPr>
-            <a:r>
-              <a:rPr lang="en-US" sz="2800" dirty="0"/>
-              <a:t>Get the LiDAR scans from the sensors</a:t>
-            </a:r>
-          </a:p>
-        </p:txBody>
-      </p:sp>
-      <p:sp>
-        <p:nvSpPr>
-          <p:cNvPr id="8" name="Title 1">
-            <a:extLst>
-              <a:ext uri="{FF2B5EF4-FFF2-40B4-BE49-F238E27FC236}">
-                <a16:creationId xmlns:a16="http://schemas.microsoft.com/office/drawing/2014/main" id="{06DCD268-CBD9-011B-7DF1-A7282AA6CE71}"/>
-              </a:ext>
-            </a:extLst>
-          </p:cNvPr>
-          <p:cNvSpPr>
-            <a:spLocks noGrp="1"/>
-          </p:cNvSpPr>
-          <p:nvPr>
-            <p:ph type="title"/>
-          </p:nvPr>
-        </p:nvSpPr>
-        <p:spPr>
-          <a:xfrm>
-            <a:off x="5588004" y="6172200"/>
-            <a:ext cx="6603996" cy="685800"/>
-          </a:xfrm>
-        </p:spPr>
-        <p:txBody>
-          <a:bodyPr>
-            <a:normAutofit/>
-          </a:bodyPr>
-          <a:lstStyle/>
-          <a:p>
-            <a:r>
-              <a:rPr lang="en-US" sz="3200" dirty="0"/>
-              <a:t>Longest Safely Traversable Distance</a:t>
-            </a:r>
-          </a:p>
-        </p:txBody>
-      </p:sp>
-      <p:sp>
-        <p:nvSpPr>
-          <p:cNvPr id="11" name="Rectangle 10">
-            <a:extLst>
-              <a:ext uri="{FF2B5EF4-FFF2-40B4-BE49-F238E27FC236}">
-                <a16:creationId xmlns:a16="http://schemas.microsoft.com/office/drawing/2014/main" id="{96B7C902-B562-3661-4CC6-CD635A1930CD}"/>
-              </a:ext>
-            </a:extLst>
-          </p:cNvPr>
-          <p:cNvSpPr>
-            <a:spLocks noChangeAspect="1"/>
-          </p:cNvSpPr>
-          <p:nvPr/>
-        </p:nvSpPr>
-        <p:spPr>
-          <a:xfrm>
-            <a:off x="-1" y="2986319"/>
-            <a:ext cx="4247843" cy="3185881"/>
-          </a:xfrm>
-          <a:prstGeom prst="rect">
-            <a:avLst/>
-          </a:prstGeom>
-          <a:blipFill>
-            <a:blip r:embed="rId3"/>
-            <a:stretch>
-              <a:fillRect/>
-            </a:stretch>
-          </a:blipFill>
-          <a:ln>
-            <a:noFill/>
-          </a:ln>
-        </p:spPr>
-        <p:style>
-          <a:lnRef idx="2">
-            <a:schemeClr val="accent1">
-              <a:shade val="50000"/>
-            </a:schemeClr>
-          </a:lnRef>
-          <a:fillRef idx="1">
-            <a:schemeClr val="accent1"/>
-          </a:fillRef>
-          <a:effectRef idx="0">
-            <a:schemeClr val="accent1"/>
-          </a:effectRef>
-          <a:fontRef idx="minor">
-            <a:schemeClr val="lt1"/>
-          </a:fontRef>
-        </p:style>
-        <p:txBody>
-          <a:bodyPr wrap="none" rtlCol="0" anchor="ctr"/>
-          <a:lstStyle/>
-          <a:p>
-            <a:pPr algn="ctr"/>
-            <a:endParaRPr lang="en-US"/>
-          </a:p>
-        </p:txBody>
-      </p:sp>
-      <p:sp>
-        <p:nvSpPr>
-          <p:cNvPr id="10" name="Rectangle 9">
-            <a:extLst>
-              <a:ext uri="{FF2B5EF4-FFF2-40B4-BE49-F238E27FC236}">
-                <a16:creationId xmlns:a16="http://schemas.microsoft.com/office/drawing/2014/main" id="{6CBE8207-E37C-1309-8CB0-6FA998D4F011}"/>
-              </a:ext>
-            </a:extLst>
-          </p:cNvPr>
-          <p:cNvSpPr>
-            <a:spLocks noChangeAspect="1"/>
-          </p:cNvSpPr>
-          <p:nvPr/>
-        </p:nvSpPr>
-        <p:spPr>
-          <a:xfrm>
-            <a:off x="3169918" y="1234440"/>
-            <a:ext cx="5852160" cy="4389119"/>
-          </a:xfrm>
-          <a:prstGeom prst="rect">
-            <a:avLst/>
-          </a:prstGeom>
-          <a:blipFill>
-            <a:blip r:embed="rId4"/>
-            <a:stretch>
-              <a:fillRect/>
-            </a:stretch>
-          </a:blipFill>
-          <a:ln>
-            <a:noFill/>
-          </a:ln>
-        </p:spPr>
-        <p:style>
-          <a:lnRef idx="2">
-            <a:schemeClr val="accent1">
-              <a:shade val="50000"/>
-            </a:schemeClr>
-          </a:lnRef>
-          <a:fillRef idx="1">
-            <a:schemeClr val="accent1"/>
-          </a:fillRef>
-          <a:effectRef idx="0">
-            <a:schemeClr val="accent1"/>
-          </a:effectRef>
-          <a:fontRef idx="minor">
-            <a:schemeClr val="lt1"/>
-          </a:fontRef>
-        </p:style>
-        <p:txBody>
-          <a:bodyPr rtlCol="0" anchor="ctr"/>
-          <a:lstStyle/>
-          <a:p>
-            <a:pPr algn="ctr"/>
-            <a:endParaRPr lang="en-US"/>
-          </a:p>
-        </p:txBody>
-      </p:sp>
-      <p:pic>
-        <p:nvPicPr>
-          <p:cNvPr id="6" name="image1.png">
-            <a:extLst>
-              <a:ext uri="{FF2B5EF4-FFF2-40B4-BE49-F238E27FC236}">
-                <a16:creationId xmlns:a16="http://schemas.microsoft.com/office/drawing/2014/main" id="{E2781EFA-ED02-4D6C-86BE-DB964EEDF1FF}"/>
-              </a:ext>
-            </a:extLst>
-          </p:cNvPr>
-          <p:cNvPicPr>
-            <a:picLocks noChangeAspect="1"/>
-          </p:cNvPicPr>
-          <p:nvPr/>
-        </p:nvPicPr>
-        <p:blipFill>
-          <a:blip r:embed="rId5" cstate="print"/>
-          <a:stretch>
-            <a:fillRect/>
-          </a:stretch>
-        </p:blipFill>
-        <p:spPr>
-          <a:xfrm>
-            <a:off x="10765085" y="120681"/>
-            <a:ext cx="1307646" cy="1307646"/>
-          </a:xfrm>
-          <a:prstGeom prst="rect">
-            <a:avLst/>
-          </a:prstGeom>
-        </p:spPr>
-      </p:pic>
-    </p:spTree>
-    <p:extLst>
-      <p:ext uri="{BB962C8B-B14F-4D97-AF65-F5344CB8AC3E}">
-        <p14:creationId xmlns:p14="http://schemas.microsoft.com/office/powerpoint/2010/main" val="2727132659"/>
-      </p:ext>
-    </p:extLst>
-  </p:cSld>
-  <p:clrMapOvr>
-    <a:masterClrMapping/>
-  </p:clrMapOvr>
-  <mc:AlternateContent xmlns:mc="http://schemas.openxmlformats.org/markup-compatibility/2006" xmlns:p159="http://schemas.microsoft.com/office/powerpoint/2015/09/main">
-    <mc:Choice Requires="p159">
-      <p:transition xmlns:p14="http://schemas.microsoft.com/office/powerpoint/2010/main" spd="slow" p14:dur="2000">
-        <p159:morph option="byObject"/>
-      </p:transition>
-    </mc:Choice>
-    <mc:Fallback xmlns="">
-      <p:transition spd="slow">
-        <p:fade/>
-      </p:transition>
-    </mc:Fallback>
-  </mc:AlternateContent>
-</p:sld>
-</file>
-
-<file path=ppt/slides/slide6.xml><?xml version="1.0" encoding="utf-8"?>
-<p:sld xmlns:a="http://schemas.openxmlformats.org/drawingml/2006/main" xmlns:r="http://schemas.openxmlformats.org/officeDocument/2006/relationships" xmlns:p="http://schemas.openxmlformats.org/presentationml/2006/main">
-  <p:cSld>
-    <p:spTree>
-      <p:nvGrpSpPr>
-        <p:cNvPr id="1" name=""/>
-        <p:cNvGrpSpPr/>
-        <p:nvPr/>
-      </p:nvGrpSpPr>
-      <p:grpSpPr>
-        <a:xfrm>
-          <a:off x="0" y="0"/>
-          <a:ext cx="0" cy="0"/>
-          <a:chOff x="0" y="0"/>
-          <a:chExt cx="0" cy="0"/>
-        </a:xfrm>
-      </p:grpSpPr>
-      <p:sp>
-        <p:nvSpPr>
-          <p:cNvPr id="7" name="Content Placeholder 2">
-            <a:extLst>
-              <a:ext uri="{FF2B5EF4-FFF2-40B4-BE49-F238E27FC236}">
-                <a16:creationId xmlns:a16="http://schemas.microsoft.com/office/drawing/2014/main" id="{D3E64906-E945-371A-7BFF-AD589E514F74}"/>
-              </a:ext>
-            </a:extLst>
-          </p:cNvPr>
-          <p:cNvSpPr>
-            <a:spLocks noGrp="1"/>
-          </p:cNvSpPr>
-          <p:nvPr>
-            <p:ph idx="1"/>
-          </p:nvPr>
-        </p:nvSpPr>
-        <p:spPr>
-          <a:xfrm>
-            <a:off x="3054348" y="472406"/>
-            <a:ext cx="6083301" cy="652474"/>
-          </a:xfrm>
-        </p:spPr>
-        <p:txBody>
-          <a:bodyPr>
-            <a:normAutofit/>
-          </a:bodyPr>
-          <a:lstStyle/>
-          <a:p>
-            <a:pPr marL="0" indent="0" algn="ctr">
-              <a:buNone/>
-            </a:pPr>
-            <a:r>
-              <a:rPr lang="en-US" sz="2800" dirty="0"/>
-              <a:t>Get the LiDAR scans from the sensors</a:t>
-            </a:r>
-          </a:p>
-        </p:txBody>
-      </p:sp>
-      <p:sp>
-        <p:nvSpPr>
-          <p:cNvPr id="8" name="Title 1">
-            <a:extLst>
-              <a:ext uri="{FF2B5EF4-FFF2-40B4-BE49-F238E27FC236}">
-                <a16:creationId xmlns:a16="http://schemas.microsoft.com/office/drawing/2014/main" id="{06DCD268-CBD9-011B-7DF1-A7282AA6CE71}"/>
-              </a:ext>
-            </a:extLst>
-          </p:cNvPr>
-          <p:cNvSpPr>
-            <a:spLocks noGrp="1"/>
-          </p:cNvSpPr>
-          <p:nvPr>
-            <p:ph type="title"/>
-          </p:nvPr>
-        </p:nvSpPr>
-        <p:spPr>
-          <a:xfrm>
-            <a:off x="5588004" y="6172200"/>
-            <a:ext cx="6603996" cy="685800"/>
-          </a:xfrm>
-        </p:spPr>
-        <p:txBody>
-          <a:bodyPr>
-            <a:normAutofit/>
-          </a:bodyPr>
-          <a:lstStyle/>
-          <a:p>
-            <a:r>
-              <a:rPr lang="en-US" sz="3200" dirty="0"/>
-              <a:t>Longest Safely Traversable Distance</a:t>
-            </a:r>
-          </a:p>
-        </p:txBody>
-      </p:sp>
-      <p:sp>
-        <p:nvSpPr>
-          <p:cNvPr id="11" name="Rectangle 10">
-            <a:extLst>
-              <a:ext uri="{FF2B5EF4-FFF2-40B4-BE49-F238E27FC236}">
-                <a16:creationId xmlns:a16="http://schemas.microsoft.com/office/drawing/2014/main" id="{36303077-0900-E53A-4FAB-5A6DE939B045}"/>
-              </a:ext>
-            </a:extLst>
-          </p:cNvPr>
-          <p:cNvSpPr>
-            <a:spLocks noChangeAspect="1"/>
-          </p:cNvSpPr>
-          <p:nvPr/>
-        </p:nvSpPr>
-        <p:spPr>
-          <a:xfrm>
-            <a:off x="-1" y="2986319"/>
-            <a:ext cx="4247843" cy="3185881"/>
-          </a:xfrm>
-          <a:prstGeom prst="rect">
-            <a:avLst/>
-          </a:prstGeom>
-          <a:blipFill>
-            <a:blip r:embed="rId3"/>
-            <a:stretch>
-              <a:fillRect/>
-            </a:stretch>
-          </a:blipFill>
-          <a:ln>
-            <a:noFill/>
-          </a:ln>
-        </p:spPr>
-        <p:style>
-          <a:lnRef idx="2">
-            <a:schemeClr val="accent1">
-              <a:shade val="50000"/>
-            </a:schemeClr>
-          </a:lnRef>
-          <a:fillRef idx="1">
-            <a:schemeClr val="accent1"/>
-          </a:fillRef>
-          <a:effectRef idx="0">
-            <a:schemeClr val="accent1"/>
-          </a:effectRef>
-          <a:fontRef idx="minor">
-            <a:schemeClr val="lt1"/>
-          </a:fontRef>
-        </p:style>
-        <p:txBody>
-          <a:bodyPr wrap="none" rtlCol="0" anchor="ctr"/>
-          <a:lstStyle/>
-          <a:p>
-            <a:pPr algn="ctr"/>
-            <a:endParaRPr lang="en-US"/>
-          </a:p>
-        </p:txBody>
-      </p:sp>
-      <p:sp>
-        <p:nvSpPr>
-          <p:cNvPr id="12" name="Rectangle 11">
-            <a:extLst>
-              <a:ext uri="{FF2B5EF4-FFF2-40B4-BE49-F238E27FC236}">
-                <a16:creationId xmlns:a16="http://schemas.microsoft.com/office/drawing/2014/main" id="{078CE8F4-1659-6310-F9D3-B6966F96BCA2}"/>
-              </a:ext>
-            </a:extLst>
-          </p:cNvPr>
-          <p:cNvSpPr>
-            <a:spLocks noChangeAspect="1"/>
-          </p:cNvSpPr>
-          <p:nvPr/>
-        </p:nvSpPr>
-        <p:spPr>
-          <a:xfrm>
-            <a:off x="3972078" y="2986317"/>
-            <a:ext cx="4247844" cy="3185882"/>
-          </a:xfrm>
-          <a:prstGeom prst="rect">
-            <a:avLst/>
-          </a:prstGeom>
-          <a:blipFill>
-            <a:blip r:embed="rId4"/>
-            <a:stretch>
-              <a:fillRect/>
-            </a:stretch>
-          </a:blipFill>
-          <a:ln>
-            <a:noFill/>
-          </a:ln>
-        </p:spPr>
-        <p:style>
-          <a:lnRef idx="2">
-            <a:schemeClr val="accent1">
-              <a:shade val="50000"/>
-            </a:schemeClr>
-          </a:lnRef>
-          <a:fillRef idx="1">
-            <a:schemeClr val="accent1"/>
-          </a:fillRef>
-          <a:effectRef idx="0">
-            <a:schemeClr val="accent1"/>
-          </a:effectRef>
-          <a:fontRef idx="minor">
-            <a:schemeClr val="lt1"/>
-          </a:fontRef>
-        </p:style>
-        <p:txBody>
-          <a:bodyPr rtlCol="0" anchor="ctr"/>
-          <a:lstStyle/>
-          <a:p>
-            <a:pPr algn="ctr"/>
-            <a:endParaRPr lang="en-US"/>
-          </a:p>
-        </p:txBody>
-      </p:sp>
-      <p:sp>
-        <p:nvSpPr>
-          <p:cNvPr id="9" name="Rectangle 8">
-            <a:extLst>
-              <a:ext uri="{FF2B5EF4-FFF2-40B4-BE49-F238E27FC236}">
-                <a16:creationId xmlns:a16="http://schemas.microsoft.com/office/drawing/2014/main" id="{5923BD1D-BBFD-D874-B873-406141D4D7B3}"/>
-              </a:ext>
-            </a:extLst>
-          </p:cNvPr>
-          <p:cNvSpPr>
-            <a:spLocks noChangeAspect="1"/>
-          </p:cNvSpPr>
-          <p:nvPr/>
-        </p:nvSpPr>
-        <p:spPr>
-          <a:xfrm>
-            <a:off x="3169918" y="1234440"/>
-            <a:ext cx="5852160" cy="4389119"/>
-          </a:xfrm>
-          <a:prstGeom prst="rect">
-            <a:avLst/>
-          </a:prstGeom>
-          <a:blipFill>
-            <a:blip r:embed="rId5"/>
-            <a:stretch>
-              <a:fillRect/>
-            </a:stretch>
-          </a:blipFill>
-          <a:ln>
-            <a:noFill/>
-          </a:ln>
-        </p:spPr>
-        <p:style>
-          <a:lnRef idx="2">
-            <a:schemeClr val="accent1">
-              <a:shade val="50000"/>
-            </a:schemeClr>
-          </a:lnRef>
-          <a:fillRef idx="1">
-            <a:schemeClr val="accent1"/>
-          </a:fillRef>
-          <a:effectRef idx="0">
-            <a:schemeClr val="accent1"/>
-          </a:effectRef>
-          <a:fontRef idx="minor">
-            <a:schemeClr val="lt1"/>
-          </a:fontRef>
-        </p:style>
-        <p:txBody>
-          <a:bodyPr rtlCol="0" anchor="ctr"/>
-          <a:lstStyle/>
-          <a:p>
-            <a:pPr algn="ctr"/>
-            <a:endParaRPr lang="en-US"/>
-          </a:p>
-        </p:txBody>
-      </p:sp>
-      <p:pic>
-        <p:nvPicPr>
-          <p:cNvPr id="10" name="image1.png">
-            <a:extLst>
-              <a:ext uri="{FF2B5EF4-FFF2-40B4-BE49-F238E27FC236}">
-                <a16:creationId xmlns:a16="http://schemas.microsoft.com/office/drawing/2014/main" id="{28A3A51C-F0B5-4B0B-8E38-66A253A96A6E}"/>
-              </a:ext>
-            </a:extLst>
-          </p:cNvPr>
-          <p:cNvPicPr>
-            <a:picLocks noChangeAspect="1"/>
-          </p:cNvPicPr>
-          <p:nvPr/>
-        </p:nvPicPr>
-        <p:blipFill>
-          <a:blip r:embed="rId6" cstate="print"/>
-          <a:stretch>
-            <a:fillRect/>
-          </a:stretch>
-        </p:blipFill>
-        <p:spPr>
-          <a:xfrm>
-            <a:off x="10765085" y="120681"/>
-            <a:ext cx="1307646" cy="1307646"/>
-          </a:xfrm>
-          <a:prstGeom prst="rect">
-            <a:avLst/>
-          </a:prstGeom>
-        </p:spPr>
-      </p:pic>
-    </p:spTree>
-    <p:extLst>
-      <p:ext uri="{BB962C8B-B14F-4D97-AF65-F5344CB8AC3E}">
-        <p14:creationId xmlns:p14="http://schemas.microsoft.com/office/powerpoint/2010/main" val="3817967037"/>
-      </p:ext>
-    </p:extLst>
-  </p:cSld>
-  <p:clrMapOvr>
-    <a:masterClrMapping/>
-  </p:clrMapOvr>
-  <mc:AlternateContent xmlns:mc="http://schemas.openxmlformats.org/markup-compatibility/2006" xmlns:p159="http://schemas.microsoft.com/office/powerpoint/2015/09/main">
-    <mc:Choice Requires="p159">
-      <p:transition xmlns:p14="http://schemas.microsoft.com/office/powerpoint/2010/main" spd="slow" p14:dur="2000">
-        <p159:morph option="byObject"/>
-      </p:transition>
-    </mc:Choice>
-    <mc:Fallback xmlns="">
-      <p:transition spd="slow">
-        <p:fade/>
-      </p:transition>
-    </mc:Fallback>
-  </mc:AlternateContent>
-</p:sld>
-</file>
-
 <file path=ppt/slides/slide7.xml><?xml version="1.0" encoding="utf-8"?>
-<p:sld xmlns:a="http://schemas.openxmlformats.org/drawingml/2006/main" xmlns:r="http://schemas.openxmlformats.org/officeDocument/2006/relationships" xmlns:p="http://schemas.openxmlformats.org/presentationml/2006/main">
-  <p:cSld>
-    <p:spTree>
-      <p:nvGrpSpPr>
-        <p:cNvPr id="1" name=""/>
-        <p:cNvGrpSpPr/>
-        <p:nvPr/>
-      </p:nvGrpSpPr>
-      <p:grpSpPr>
-        <a:xfrm>
-          <a:off x="0" y="0"/>
-          <a:ext cx="0" cy="0"/>
-          <a:chOff x="0" y="0"/>
-          <a:chExt cx="0" cy="0"/>
-        </a:xfrm>
-      </p:grpSpPr>
-      <p:sp>
-        <p:nvSpPr>
-          <p:cNvPr id="7" name="Content Placeholder 2">
-            <a:extLst>
-              <a:ext uri="{FF2B5EF4-FFF2-40B4-BE49-F238E27FC236}">
-                <a16:creationId xmlns:a16="http://schemas.microsoft.com/office/drawing/2014/main" id="{D3E64906-E945-371A-7BFF-AD589E514F74}"/>
-              </a:ext>
-            </a:extLst>
-          </p:cNvPr>
-          <p:cNvSpPr>
-            <a:spLocks noGrp="1"/>
-          </p:cNvSpPr>
-          <p:nvPr>
-            <p:ph idx="1"/>
-          </p:nvPr>
-        </p:nvSpPr>
-        <p:spPr>
-          <a:xfrm>
-            <a:off x="3054348" y="472406"/>
-            <a:ext cx="6083301" cy="652474"/>
-          </a:xfrm>
-        </p:spPr>
-        <p:txBody>
-          <a:bodyPr anchor="ctr" anchorCtr="0">
-            <a:normAutofit/>
-          </a:bodyPr>
-          <a:lstStyle/>
-          <a:p>
-            <a:pPr marL="0" indent="0" algn="ctr">
-              <a:buNone/>
-            </a:pPr>
-            <a:r>
-              <a:rPr lang="en-US" sz="2800" dirty="0"/>
-              <a:t>Get the LiDAR scans from the sensors</a:t>
-            </a:r>
-          </a:p>
-        </p:txBody>
-      </p:sp>
-      <p:sp>
-        <p:nvSpPr>
-          <p:cNvPr id="8" name="Title 1">
-            <a:extLst>
-              <a:ext uri="{FF2B5EF4-FFF2-40B4-BE49-F238E27FC236}">
-                <a16:creationId xmlns:a16="http://schemas.microsoft.com/office/drawing/2014/main" id="{06DCD268-CBD9-011B-7DF1-A7282AA6CE71}"/>
-              </a:ext>
-            </a:extLst>
-          </p:cNvPr>
-          <p:cNvSpPr>
-            <a:spLocks noGrp="1"/>
-          </p:cNvSpPr>
-          <p:nvPr>
-            <p:ph type="title"/>
-          </p:nvPr>
-        </p:nvSpPr>
-        <p:spPr>
-          <a:xfrm>
-            <a:off x="5588004" y="6172200"/>
-            <a:ext cx="6603996" cy="685800"/>
-          </a:xfrm>
-        </p:spPr>
-        <p:txBody>
-          <a:bodyPr>
-            <a:normAutofit/>
-          </a:bodyPr>
-          <a:lstStyle/>
-          <a:p>
-            <a:r>
-              <a:rPr lang="en-US" sz="3200" dirty="0"/>
-              <a:t>Longest Safely Traversable Distance</a:t>
-            </a:r>
-          </a:p>
-        </p:txBody>
-      </p:sp>
-      <p:sp>
-        <p:nvSpPr>
-          <p:cNvPr id="2" name="Rectangle 1">
-            <a:extLst>
-              <a:ext uri="{FF2B5EF4-FFF2-40B4-BE49-F238E27FC236}">
-                <a16:creationId xmlns:a16="http://schemas.microsoft.com/office/drawing/2014/main" id="{7E2537FE-9582-BFD8-EF82-15A528E9F0CF}"/>
-              </a:ext>
-            </a:extLst>
-          </p:cNvPr>
-          <p:cNvSpPr>
-            <a:spLocks noChangeAspect="1"/>
-          </p:cNvSpPr>
-          <p:nvPr/>
-        </p:nvSpPr>
-        <p:spPr>
-          <a:xfrm>
-            <a:off x="-1" y="2986319"/>
-            <a:ext cx="4247843" cy="3185881"/>
-          </a:xfrm>
-          <a:prstGeom prst="rect">
-            <a:avLst/>
-          </a:prstGeom>
-          <a:blipFill>
-            <a:blip r:embed="rId3"/>
-            <a:stretch>
-              <a:fillRect/>
-            </a:stretch>
-          </a:blipFill>
-          <a:ln>
-            <a:noFill/>
-          </a:ln>
-        </p:spPr>
-        <p:style>
-          <a:lnRef idx="2">
-            <a:schemeClr val="accent1">
-              <a:shade val="50000"/>
-            </a:schemeClr>
-          </a:lnRef>
-          <a:fillRef idx="1">
-            <a:schemeClr val="accent1"/>
-          </a:fillRef>
-          <a:effectRef idx="0">
-            <a:schemeClr val="accent1"/>
-          </a:effectRef>
-          <a:fontRef idx="minor">
-            <a:schemeClr val="lt1"/>
-          </a:fontRef>
-        </p:style>
-        <p:txBody>
-          <a:bodyPr wrap="none" rtlCol="0" anchor="ctr"/>
-          <a:lstStyle/>
-          <a:p>
-            <a:pPr algn="ctr"/>
-            <a:endParaRPr lang="en-US"/>
-          </a:p>
-        </p:txBody>
-      </p:sp>
-      <p:sp>
-        <p:nvSpPr>
-          <p:cNvPr id="10" name="Rectangle 9">
-            <a:extLst>
-              <a:ext uri="{FF2B5EF4-FFF2-40B4-BE49-F238E27FC236}">
-                <a16:creationId xmlns:a16="http://schemas.microsoft.com/office/drawing/2014/main" id="{6CBE8207-E37C-1309-8CB0-6FA998D4F011}"/>
-              </a:ext>
-            </a:extLst>
-          </p:cNvPr>
-          <p:cNvSpPr>
-            <a:spLocks noChangeAspect="1"/>
-          </p:cNvSpPr>
-          <p:nvPr/>
-        </p:nvSpPr>
-        <p:spPr>
-          <a:xfrm>
-            <a:off x="3972078" y="2986317"/>
-            <a:ext cx="4247844" cy="3185882"/>
-          </a:xfrm>
-          <a:prstGeom prst="rect">
-            <a:avLst/>
-          </a:prstGeom>
-          <a:blipFill>
-            <a:blip r:embed="rId4"/>
-            <a:stretch>
-              <a:fillRect/>
-            </a:stretch>
-          </a:blipFill>
-          <a:ln>
-            <a:noFill/>
-          </a:ln>
-        </p:spPr>
-        <p:style>
-          <a:lnRef idx="2">
-            <a:schemeClr val="accent1">
-              <a:shade val="50000"/>
-            </a:schemeClr>
-          </a:lnRef>
-          <a:fillRef idx="1">
-            <a:schemeClr val="accent1"/>
-          </a:fillRef>
-          <a:effectRef idx="0">
-            <a:schemeClr val="accent1"/>
-          </a:effectRef>
-          <a:fontRef idx="minor">
-            <a:schemeClr val="lt1"/>
-          </a:fontRef>
-        </p:style>
-        <p:txBody>
-          <a:bodyPr rtlCol="0" anchor="ctr"/>
-          <a:lstStyle/>
-          <a:p>
-            <a:pPr algn="ctr"/>
-            <a:endParaRPr lang="en-US"/>
-          </a:p>
-        </p:txBody>
-      </p:sp>
-      <p:sp>
-        <p:nvSpPr>
-          <p:cNvPr id="9" name="Rectangle 8">
-            <a:extLst>
-              <a:ext uri="{FF2B5EF4-FFF2-40B4-BE49-F238E27FC236}">
-                <a16:creationId xmlns:a16="http://schemas.microsoft.com/office/drawing/2014/main" id="{5923BD1D-BBFD-D874-B873-406141D4D7B3}"/>
-              </a:ext>
-            </a:extLst>
-          </p:cNvPr>
-          <p:cNvSpPr>
-            <a:spLocks noChangeAspect="1"/>
-          </p:cNvSpPr>
-          <p:nvPr/>
-        </p:nvSpPr>
-        <p:spPr>
-          <a:xfrm>
-            <a:off x="7944156" y="2986318"/>
-            <a:ext cx="4247844" cy="3185882"/>
-          </a:xfrm>
-          <a:prstGeom prst="rect">
-            <a:avLst/>
-          </a:prstGeom>
-          <a:blipFill>
-            <a:blip r:embed="rId5"/>
-            <a:stretch>
-              <a:fillRect/>
-            </a:stretch>
-          </a:blipFill>
-          <a:ln>
-            <a:noFill/>
-          </a:ln>
-        </p:spPr>
-        <p:style>
-          <a:lnRef idx="2">
-            <a:schemeClr val="accent1">
-              <a:shade val="50000"/>
-            </a:schemeClr>
-          </a:lnRef>
-          <a:fillRef idx="1">
-            <a:schemeClr val="accent1"/>
-          </a:fillRef>
-          <a:effectRef idx="0">
-            <a:schemeClr val="accent1"/>
-          </a:effectRef>
-          <a:fontRef idx="minor">
-            <a:schemeClr val="lt1"/>
-          </a:fontRef>
-        </p:style>
-        <p:txBody>
-          <a:bodyPr rtlCol="0" anchor="ctr"/>
-          <a:lstStyle/>
-          <a:p>
-            <a:pPr algn="ctr"/>
-            <a:endParaRPr lang="en-US" dirty="0"/>
-          </a:p>
-        </p:txBody>
-      </p:sp>
-      <p:pic>
-        <p:nvPicPr>
-          <p:cNvPr id="11" name="image1.png">
-            <a:extLst>
-              <a:ext uri="{FF2B5EF4-FFF2-40B4-BE49-F238E27FC236}">
-                <a16:creationId xmlns:a16="http://schemas.microsoft.com/office/drawing/2014/main" id="{C8E45E4A-57E9-4CBB-AF44-DBB112B7C5EC}"/>
-              </a:ext>
-            </a:extLst>
-          </p:cNvPr>
-          <p:cNvPicPr>
-            <a:picLocks noChangeAspect="1"/>
-          </p:cNvPicPr>
-          <p:nvPr/>
-        </p:nvPicPr>
-        <p:blipFill>
-          <a:blip r:embed="rId6" cstate="print"/>
-          <a:stretch>
-            <a:fillRect/>
-          </a:stretch>
-        </p:blipFill>
-        <p:spPr>
-          <a:xfrm>
-            <a:off x="10765085" y="120681"/>
-            <a:ext cx="1307646" cy="1307646"/>
-          </a:xfrm>
-          <a:prstGeom prst="rect">
-            <a:avLst/>
-          </a:prstGeom>
-        </p:spPr>
-      </p:pic>
-    </p:spTree>
-    <p:extLst>
-      <p:ext uri="{BB962C8B-B14F-4D97-AF65-F5344CB8AC3E}">
-        <p14:creationId xmlns:p14="http://schemas.microsoft.com/office/powerpoint/2010/main" val="2441755793"/>
-      </p:ext>
-    </p:extLst>
-  </p:cSld>
-  <p:clrMapOvr>
-    <a:masterClrMapping/>
-  </p:clrMapOvr>
-  <mc:AlternateContent xmlns:mc="http://schemas.openxmlformats.org/markup-compatibility/2006" xmlns:p159="http://schemas.microsoft.com/office/powerpoint/2015/09/main">
-    <mc:Choice Requires="p159">
-      <p:transition xmlns:p14="http://schemas.microsoft.com/office/powerpoint/2010/main" spd="slow" p14:dur="2000">
-        <p159:morph option="byObject"/>
-      </p:transition>
-    </mc:Choice>
-    <mc:Fallback xmlns="">
-      <p:transition spd="slow">
-        <p:fade/>
-      </p:transition>
-    </mc:Fallback>
-  </mc:AlternateContent>
-</p:sld>
-</file>
-
-<file path=ppt/slides/slide8.xml><?xml version="1.0" encoding="utf-8"?>
 <p:sld xmlns:a="http://schemas.openxmlformats.org/drawingml/2006/main" xmlns:r="http://schemas.openxmlformats.org/officeDocument/2006/relationships" xmlns:p="http://schemas.openxmlformats.org/presentationml/2006/main">
   <p:cSld>
     <p:spTree>
@@ -44254,7 +43520,7 @@
 </p:sld>
 </file>
 
-<file path=ppt/slides/slide9.xml><?xml version="1.0" encoding="utf-8"?>
+<file path=ppt/slides/slide8.xml><?xml version="1.0" encoding="utf-8"?>
 <p:sld xmlns:a="http://schemas.openxmlformats.org/drawingml/2006/main" xmlns:r="http://schemas.openxmlformats.org/officeDocument/2006/relationships" xmlns:p="http://schemas.openxmlformats.org/presentationml/2006/main">
   <p:cSld>
     <p:spTree>
@@ -45255,6 +44521,1068 @@
 </p:sld>
 </file>
 
+<file path=ppt/slides/slide9.xml><?xml version="1.0" encoding="utf-8"?>
+<p:sld xmlns:a="http://schemas.openxmlformats.org/drawingml/2006/main" xmlns:r="http://schemas.openxmlformats.org/officeDocument/2006/relationships" xmlns:p="http://schemas.openxmlformats.org/presentationml/2006/main">
+  <p:cSld>
+    <p:spTree>
+      <p:nvGrpSpPr>
+        <p:cNvPr id="1" name=""/>
+        <p:cNvGrpSpPr/>
+        <p:nvPr/>
+      </p:nvGrpSpPr>
+      <p:grpSpPr>
+        <a:xfrm>
+          <a:off x="0" y="0"/>
+          <a:ext cx="0" cy="0"/>
+          <a:chOff x="0" y="0"/>
+          <a:chExt cx="0" cy="0"/>
+        </a:xfrm>
+      </p:grpSpPr>
+      <p:sp>
+        <p:nvSpPr>
+          <p:cNvPr id="7" name="Content Placeholder 2">
+            <a:extLst>
+              <a:ext uri="{FF2B5EF4-FFF2-40B4-BE49-F238E27FC236}">
+                <a16:creationId xmlns:a16="http://schemas.microsoft.com/office/drawing/2014/main" id="{D3E64906-E945-371A-7BFF-AD589E514F74}"/>
+              </a:ext>
+            </a:extLst>
+          </p:cNvPr>
+          <p:cNvSpPr>
+            <a:spLocks noGrp="1"/>
+          </p:cNvSpPr>
+          <p:nvPr>
+            <p:ph idx="1"/>
+          </p:nvPr>
+        </p:nvSpPr>
+        <p:spPr>
+          <a:xfrm>
+            <a:off x="2146863" y="468824"/>
+            <a:ext cx="7898269" cy="652474"/>
+          </a:xfrm>
+        </p:spPr>
+        <p:txBody>
+          <a:bodyPr anchor="ctr" anchorCtr="0">
+            <a:noAutofit/>
+          </a:bodyPr>
+          <a:lstStyle/>
+          <a:p>
+            <a:pPr marL="0" indent="0" algn="ctr">
+              <a:buNone/>
+            </a:pPr>
+            <a:r>
+              <a:rPr lang="en-US" sz="2800" dirty="0"/>
+              <a:t>What happens if we only travel the longest distance?</a:t>
+            </a:r>
+          </a:p>
+        </p:txBody>
+      </p:sp>
+      <p:sp>
+        <p:nvSpPr>
+          <p:cNvPr id="8" name="Title 1">
+            <a:extLst>
+              <a:ext uri="{FF2B5EF4-FFF2-40B4-BE49-F238E27FC236}">
+                <a16:creationId xmlns:a16="http://schemas.microsoft.com/office/drawing/2014/main" id="{06DCD268-CBD9-011B-7DF1-A7282AA6CE71}"/>
+              </a:ext>
+            </a:extLst>
+          </p:cNvPr>
+          <p:cNvSpPr>
+            <a:spLocks noGrp="1"/>
+          </p:cNvSpPr>
+          <p:nvPr>
+            <p:ph type="title"/>
+          </p:nvPr>
+        </p:nvSpPr>
+        <p:spPr>
+          <a:xfrm>
+            <a:off x="5588004" y="6172200"/>
+            <a:ext cx="6603996" cy="685800"/>
+          </a:xfrm>
+        </p:spPr>
+        <p:txBody>
+          <a:bodyPr>
+            <a:normAutofit/>
+          </a:bodyPr>
+          <a:lstStyle/>
+          <a:p>
+            <a:r>
+              <a:rPr lang="en-US" sz="3200" dirty="0"/>
+              <a:t>Longest Safely Traversable Distance</a:t>
+            </a:r>
+          </a:p>
+        </p:txBody>
+      </p:sp>
+      <p:sp>
+        <p:nvSpPr>
+          <p:cNvPr id="11" name="Freeform: Shape 10">
+            <a:extLst>
+              <a:ext uri="{FF2B5EF4-FFF2-40B4-BE49-F238E27FC236}">
+                <a16:creationId xmlns:a16="http://schemas.microsoft.com/office/drawing/2014/main" id="{33C4055E-DDDB-6DB7-6A79-4AC37341359F}"/>
+              </a:ext>
+            </a:extLst>
+          </p:cNvPr>
+          <p:cNvSpPr>
+            <a:spLocks noChangeAspect="1"/>
+          </p:cNvSpPr>
+          <p:nvPr/>
+        </p:nvSpPr>
+        <p:spPr>
+          <a:xfrm>
+            <a:off x="4760689" y="1392420"/>
+            <a:ext cx="918215" cy="4687733"/>
+          </a:xfrm>
+          <a:custGeom>
+            <a:avLst/>
+            <a:gdLst>
+              <a:gd name="connsiteX0" fmla="*/ 174171 w 827314"/>
+              <a:gd name="connsiteY0" fmla="*/ 4223657 h 4223657"/>
+              <a:gd name="connsiteX1" fmla="*/ 174171 w 827314"/>
+              <a:gd name="connsiteY1" fmla="*/ 3439886 h 4223657"/>
+              <a:gd name="connsiteX2" fmla="*/ 203200 w 827314"/>
+              <a:gd name="connsiteY2" fmla="*/ 3280229 h 4223657"/>
+              <a:gd name="connsiteX3" fmla="*/ 246743 w 827314"/>
+              <a:gd name="connsiteY3" fmla="*/ 3193143 h 4223657"/>
+              <a:gd name="connsiteX4" fmla="*/ 290285 w 827314"/>
+              <a:gd name="connsiteY4" fmla="*/ 3091543 h 4223657"/>
+              <a:gd name="connsiteX5" fmla="*/ 348343 w 827314"/>
+              <a:gd name="connsiteY5" fmla="*/ 3018971 h 4223657"/>
+              <a:gd name="connsiteX6" fmla="*/ 406400 w 827314"/>
+              <a:gd name="connsiteY6" fmla="*/ 2931886 h 4223657"/>
+              <a:gd name="connsiteX7" fmla="*/ 508000 w 827314"/>
+              <a:gd name="connsiteY7" fmla="*/ 2801257 h 4223657"/>
+              <a:gd name="connsiteX8" fmla="*/ 696685 w 827314"/>
+              <a:gd name="connsiteY8" fmla="*/ 2554514 h 4223657"/>
+              <a:gd name="connsiteX9" fmla="*/ 769257 w 827314"/>
+              <a:gd name="connsiteY9" fmla="*/ 2380343 h 4223657"/>
+              <a:gd name="connsiteX10" fmla="*/ 827314 w 827314"/>
+              <a:gd name="connsiteY10" fmla="*/ 2148114 h 4223657"/>
+              <a:gd name="connsiteX11" fmla="*/ 812800 w 827314"/>
+              <a:gd name="connsiteY11" fmla="*/ 1901371 h 4223657"/>
+              <a:gd name="connsiteX12" fmla="*/ 798285 w 827314"/>
+              <a:gd name="connsiteY12" fmla="*/ 1843314 h 4223657"/>
+              <a:gd name="connsiteX13" fmla="*/ 682171 w 827314"/>
+              <a:gd name="connsiteY13" fmla="*/ 1640114 h 4223657"/>
+              <a:gd name="connsiteX14" fmla="*/ 537028 w 827314"/>
+              <a:gd name="connsiteY14" fmla="*/ 1480457 h 4223657"/>
+              <a:gd name="connsiteX15" fmla="*/ 304800 w 827314"/>
+              <a:gd name="connsiteY15" fmla="*/ 1306286 h 4223657"/>
+              <a:gd name="connsiteX16" fmla="*/ 145143 w 827314"/>
+              <a:gd name="connsiteY16" fmla="*/ 1088571 h 4223657"/>
+              <a:gd name="connsiteX17" fmla="*/ 87085 w 827314"/>
+              <a:gd name="connsiteY17" fmla="*/ 972457 h 4223657"/>
+              <a:gd name="connsiteX18" fmla="*/ 14514 w 827314"/>
+              <a:gd name="connsiteY18" fmla="*/ 856343 h 4223657"/>
+              <a:gd name="connsiteX19" fmla="*/ 0 w 827314"/>
+              <a:gd name="connsiteY19" fmla="*/ 812800 h 4223657"/>
+              <a:gd name="connsiteX20" fmla="*/ 58057 w 827314"/>
+              <a:gd name="connsiteY20" fmla="*/ 580571 h 4223657"/>
+              <a:gd name="connsiteX21" fmla="*/ 101600 w 827314"/>
+              <a:gd name="connsiteY21" fmla="*/ 537029 h 4223657"/>
+              <a:gd name="connsiteX22" fmla="*/ 188685 w 827314"/>
+              <a:gd name="connsiteY22" fmla="*/ 435429 h 4223657"/>
+              <a:gd name="connsiteX23" fmla="*/ 232228 w 827314"/>
+              <a:gd name="connsiteY23" fmla="*/ 406400 h 4223657"/>
+              <a:gd name="connsiteX24" fmla="*/ 304800 w 827314"/>
+              <a:gd name="connsiteY24" fmla="*/ 333829 h 4223657"/>
+              <a:gd name="connsiteX25" fmla="*/ 493485 w 827314"/>
+              <a:gd name="connsiteY25" fmla="*/ 217714 h 4223657"/>
+              <a:gd name="connsiteX26" fmla="*/ 638628 w 827314"/>
+              <a:gd name="connsiteY26" fmla="*/ 145143 h 4223657"/>
+              <a:gd name="connsiteX27" fmla="*/ 711200 w 827314"/>
+              <a:gd name="connsiteY27" fmla="*/ 87086 h 4223657"/>
+              <a:gd name="connsiteX28" fmla="*/ 827314 w 827314"/>
+              <a:gd name="connsiteY28" fmla="*/ 0 h 4223657"/>
+            </a:gdLst>
+            <a:ahLst/>
+            <a:cxnLst>
+              <a:cxn ang="0">
+                <a:pos x="connsiteX0" y="connsiteY0"/>
+              </a:cxn>
+              <a:cxn ang="0">
+                <a:pos x="connsiteX1" y="connsiteY1"/>
+              </a:cxn>
+              <a:cxn ang="0">
+                <a:pos x="connsiteX2" y="connsiteY2"/>
+              </a:cxn>
+              <a:cxn ang="0">
+                <a:pos x="connsiteX3" y="connsiteY3"/>
+              </a:cxn>
+              <a:cxn ang="0">
+                <a:pos x="connsiteX4" y="connsiteY4"/>
+              </a:cxn>
+              <a:cxn ang="0">
+                <a:pos x="connsiteX5" y="connsiteY5"/>
+              </a:cxn>
+              <a:cxn ang="0">
+                <a:pos x="connsiteX6" y="connsiteY6"/>
+              </a:cxn>
+              <a:cxn ang="0">
+                <a:pos x="connsiteX7" y="connsiteY7"/>
+              </a:cxn>
+              <a:cxn ang="0">
+                <a:pos x="connsiteX8" y="connsiteY8"/>
+              </a:cxn>
+              <a:cxn ang="0">
+                <a:pos x="connsiteX9" y="connsiteY9"/>
+              </a:cxn>
+              <a:cxn ang="0">
+                <a:pos x="connsiteX10" y="connsiteY10"/>
+              </a:cxn>
+              <a:cxn ang="0">
+                <a:pos x="connsiteX11" y="connsiteY11"/>
+              </a:cxn>
+              <a:cxn ang="0">
+                <a:pos x="connsiteX12" y="connsiteY12"/>
+              </a:cxn>
+              <a:cxn ang="0">
+                <a:pos x="connsiteX13" y="connsiteY13"/>
+              </a:cxn>
+              <a:cxn ang="0">
+                <a:pos x="connsiteX14" y="connsiteY14"/>
+              </a:cxn>
+              <a:cxn ang="0">
+                <a:pos x="connsiteX15" y="connsiteY15"/>
+              </a:cxn>
+              <a:cxn ang="0">
+                <a:pos x="connsiteX16" y="connsiteY16"/>
+              </a:cxn>
+              <a:cxn ang="0">
+                <a:pos x="connsiteX17" y="connsiteY17"/>
+              </a:cxn>
+              <a:cxn ang="0">
+                <a:pos x="connsiteX18" y="connsiteY18"/>
+              </a:cxn>
+              <a:cxn ang="0">
+                <a:pos x="connsiteX19" y="connsiteY19"/>
+              </a:cxn>
+              <a:cxn ang="0">
+                <a:pos x="connsiteX20" y="connsiteY20"/>
+              </a:cxn>
+              <a:cxn ang="0">
+                <a:pos x="connsiteX21" y="connsiteY21"/>
+              </a:cxn>
+              <a:cxn ang="0">
+                <a:pos x="connsiteX22" y="connsiteY22"/>
+              </a:cxn>
+              <a:cxn ang="0">
+                <a:pos x="connsiteX23" y="connsiteY23"/>
+              </a:cxn>
+              <a:cxn ang="0">
+                <a:pos x="connsiteX24" y="connsiteY24"/>
+              </a:cxn>
+              <a:cxn ang="0">
+                <a:pos x="connsiteX25" y="connsiteY25"/>
+              </a:cxn>
+              <a:cxn ang="0">
+                <a:pos x="connsiteX26" y="connsiteY26"/>
+              </a:cxn>
+              <a:cxn ang="0">
+                <a:pos x="connsiteX27" y="connsiteY27"/>
+              </a:cxn>
+              <a:cxn ang="0">
+                <a:pos x="connsiteX28" y="connsiteY28"/>
+              </a:cxn>
+            </a:cxnLst>
+            <a:rect l="l" t="t" r="r" b="b"/>
+            <a:pathLst>
+              <a:path w="827314" h="4223657">
+                <a:moveTo>
+                  <a:pt x="174171" y="4223657"/>
+                </a:moveTo>
+                <a:cubicBezTo>
+                  <a:pt x="114150" y="3923546"/>
+                  <a:pt x="149597" y="4127967"/>
+                  <a:pt x="174171" y="3439886"/>
+                </a:cubicBezTo>
+                <a:cubicBezTo>
+                  <a:pt x="174929" y="3418658"/>
+                  <a:pt x="190053" y="3313095"/>
+                  <a:pt x="203200" y="3280229"/>
+                </a:cubicBezTo>
+                <a:cubicBezTo>
+                  <a:pt x="215254" y="3250095"/>
+                  <a:pt x="233143" y="3222611"/>
+                  <a:pt x="246743" y="3193143"/>
+                </a:cubicBezTo>
+                <a:cubicBezTo>
+                  <a:pt x="262183" y="3159689"/>
+                  <a:pt x="271720" y="3123370"/>
+                  <a:pt x="290285" y="3091543"/>
+                </a:cubicBezTo>
+                <a:cubicBezTo>
+                  <a:pt x="305895" y="3064784"/>
+                  <a:pt x="330122" y="3044025"/>
+                  <a:pt x="348343" y="3018971"/>
+                </a:cubicBezTo>
+                <a:cubicBezTo>
+                  <a:pt x="368863" y="2990756"/>
+                  <a:pt x="384066" y="2958688"/>
+                  <a:pt x="406400" y="2931886"/>
+                </a:cubicBezTo>
+                <a:cubicBezTo>
+                  <a:pt x="625486" y="2668980"/>
+                  <a:pt x="395528" y="2951221"/>
+                  <a:pt x="508000" y="2801257"/>
+                </a:cubicBezTo>
+                <a:cubicBezTo>
+                  <a:pt x="570124" y="2718425"/>
+                  <a:pt x="656862" y="2650089"/>
+                  <a:pt x="696685" y="2554514"/>
+                </a:cubicBezTo>
+                <a:cubicBezTo>
+                  <a:pt x="720876" y="2496457"/>
+                  <a:pt x="747763" y="2439451"/>
+                  <a:pt x="769257" y="2380343"/>
+                </a:cubicBezTo>
+                <a:cubicBezTo>
+                  <a:pt x="811923" y="2263011"/>
+                  <a:pt x="809934" y="2252398"/>
+                  <a:pt x="827314" y="2148114"/>
+                </a:cubicBezTo>
+                <a:cubicBezTo>
+                  <a:pt x="822476" y="2065866"/>
+                  <a:pt x="820611" y="1983390"/>
+                  <a:pt x="812800" y="1901371"/>
+                </a:cubicBezTo>
+                <a:cubicBezTo>
+                  <a:pt x="810909" y="1881513"/>
+                  <a:pt x="805102" y="1862061"/>
+                  <a:pt x="798285" y="1843314"/>
+                </a:cubicBezTo>
+                <a:cubicBezTo>
+                  <a:pt x="759891" y="1737729"/>
+                  <a:pt x="751827" y="1732988"/>
+                  <a:pt x="682171" y="1640114"/>
+                </a:cubicBezTo>
+                <a:cubicBezTo>
+                  <a:pt x="641470" y="1585846"/>
+                  <a:pt x="589035" y="1522713"/>
+                  <a:pt x="537028" y="1480457"/>
+                </a:cubicBezTo>
+                <a:cubicBezTo>
+                  <a:pt x="478868" y="1433202"/>
+                  <a:pt x="361792" y="1368028"/>
+                  <a:pt x="304800" y="1306286"/>
+                </a:cubicBezTo>
+                <a:cubicBezTo>
+                  <a:pt x="299919" y="1300998"/>
+                  <a:pt x="153639" y="1105562"/>
+                  <a:pt x="145143" y="1088571"/>
+                </a:cubicBezTo>
+                <a:cubicBezTo>
+                  <a:pt x="125790" y="1049866"/>
+                  <a:pt x="107601" y="1010558"/>
+                  <a:pt x="87085" y="972457"/>
+                </a:cubicBezTo>
+                <a:cubicBezTo>
+                  <a:pt x="62572" y="926933"/>
+                  <a:pt x="41875" y="897384"/>
+                  <a:pt x="14514" y="856343"/>
+                </a:cubicBezTo>
+                <a:cubicBezTo>
+                  <a:pt x="9676" y="841829"/>
+                  <a:pt x="0" y="828099"/>
+                  <a:pt x="0" y="812800"/>
+                </a:cubicBezTo>
+                <a:cubicBezTo>
+                  <a:pt x="0" y="710884"/>
+                  <a:pt x="4613" y="660736"/>
+                  <a:pt x="58057" y="580571"/>
+                </a:cubicBezTo>
+                <a:cubicBezTo>
+                  <a:pt x="69443" y="563492"/>
+                  <a:pt x="88242" y="552614"/>
+                  <a:pt x="101600" y="537029"/>
+                </a:cubicBezTo>
+                <a:cubicBezTo>
+                  <a:pt x="149653" y="480967"/>
+                  <a:pt x="134660" y="480450"/>
+                  <a:pt x="188685" y="435429"/>
+                </a:cubicBezTo>
+                <a:cubicBezTo>
+                  <a:pt x="202086" y="424262"/>
+                  <a:pt x="219100" y="417887"/>
+                  <a:pt x="232228" y="406400"/>
+                </a:cubicBezTo>
+                <a:cubicBezTo>
+                  <a:pt x="257974" y="383872"/>
+                  <a:pt x="277066" y="353859"/>
+                  <a:pt x="304800" y="333829"/>
+                </a:cubicBezTo>
+                <a:cubicBezTo>
+                  <a:pt x="364669" y="290590"/>
+                  <a:pt x="430159" y="255710"/>
+                  <a:pt x="493485" y="217714"/>
+                </a:cubicBezTo>
+                <a:cubicBezTo>
+                  <a:pt x="596058" y="156170"/>
+                  <a:pt x="562909" y="170382"/>
+                  <a:pt x="638628" y="145143"/>
+                </a:cubicBezTo>
+                <a:cubicBezTo>
+                  <a:pt x="662819" y="125791"/>
+                  <a:pt x="686146" y="105307"/>
+                  <a:pt x="711200" y="87086"/>
+                </a:cubicBezTo>
+                <a:cubicBezTo>
+                  <a:pt x="831552" y="-442"/>
+                  <a:pt x="765033" y="62281"/>
+                  <a:pt x="827314" y="0"/>
+                </a:cubicBezTo>
+              </a:path>
+            </a:pathLst>
+          </a:custGeom>
+          <a:noFill/>
+          <a:ln w="28575">
+            <a:solidFill>
+              <a:schemeClr val="tx1"/>
+            </a:solidFill>
+          </a:ln>
+        </p:spPr>
+        <p:style>
+          <a:lnRef idx="2">
+            <a:schemeClr val="accent1">
+              <a:shade val="50000"/>
+            </a:schemeClr>
+          </a:lnRef>
+          <a:fillRef idx="1">
+            <a:schemeClr val="accent1"/>
+          </a:fillRef>
+          <a:effectRef idx="0">
+            <a:schemeClr val="accent1"/>
+          </a:effectRef>
+          <a:fontRef idx="minor">
+            <a:schemeClr val="lt1"/>
+          </a:fontRef>
+        </p:style>
+        <p:txBody>
+          <a:bodyPr rtlCol="0" anchor="ctr"/>
+          <a:lstStyle/>
+          <a:p>
+            <a:pPr algn="ctr"/>
+            <a:endParaRPr lang="en-US">
+              <a:solidFill>
+                <a:schemeClr val="tx1"/>
+              </a:solidFill>
+            </a:endParaRPr>
+          </a:p>
+        </p:txBody>
+      </p:sp>
+      <p:sp>
+        <p:nvSpPr>
+          <p:cNvPr id="12" name="Freeform: Shape 11">
+            <a:extLst>
+              <a:ext uri="{FF2B5EF4-FFF2-40B4-BE49-F238E27FC236}">
+                <a16:creationId xmlns:a16="http://schemas.microsoft.com/office/drawing/2014/main" id="{F6396D48-1F54-154E-2315-038E78D3F8A0}"/>
+              </a:ext>
+            </a:extLst>
+          </p:cNvPr>
+          <p:cNvSpPr>
+            <a:spLocks noChangeAspect="1"/>
+          </p:cNvSpPr>
+          <p:nvPr/>
+        </p:nvSpPr>
+        <p:spPr>
+          <a:xfrm>
+            <a:off x="5882784" y="1626486"/>
+            <a:ext cx="721213" cy="4456756"/>
+          </a:xfrm>
+          <a:custGeom>
+            <a:avLst/>
+            <a:gdLst>
+              <a:gd name="connsiteX0" fmla="*/ 307604 w 671748"/>
+              <a:gd name="connsiteY0" fmla="*/ 0 h 4151086"/>
+              <a:gd name="connsiteX1" fmla="*/ 176976 w 671748"/>
+              <a:gd name="connsiteY1" fmla="*/ 58057 h 4151086"/>
+              <a:gd name="connsiteX2" fmla="*/ 133433 w 671748"/>
+              <a:gd name="connsiteY2" fmla="*/ 87086 h 4151086"/>
+              <a:gd name="connsiteX3" fmla="*/ 46347 w 671748"/>
+              <a:gd name="connsiteY3" fmla="*/ 174172 h 4151086"/>
+              <a:gd name="connsiteX4" fmla="*/ 17318 w 671748"/>
+              <a:gd name="connsiteY4" fmla="*/ 261257 h 4151086"/>
+              <a:gd name="connsiteX5" fmla="*/ 2804 w 671748"/>
+              <a:gd name="connsiteY5" fmla="*/ 304800 h 4151086"/>
+              <a:gd name="connsiteX6" fmla="*/ 60861 w 671748"/>
+              <a:gd name="connsiteY6" fmla="*/ 696686 h 4151086"/>
+              <a:gd name="connsiteX7" fmla="*/ 104404 w 671748"/>
+              <a:gd name="connsiteY7" fmla="*/ 754743 h 4151086"/>
+              <a:gd name="connsiteX8" fmla="*/ 118918 w 671748"/>
+              <a:gd name="connsiteY8" fmla="*/ 798286 h 4151086"/>
+              <a:gd name="connsiteX9" fmla="*/ 293090 w 671748"/>
+              <a:gd name="connsiteY9" fmla="*/ 986972 h 4151086"/>
+              <a:gd name="connsiteX10" fmla="*/ 336633 w 671748"/>
+              <a:gd name="connsiteY10" fmla="*/ 1016000 h 4151086"/>
+              <a:gd name="connsiteX11" fmla="*/ 438233 w 671748"/>
+              <a:gd name="connsiteY11" fmla="*/ 1132114 h 4151086"/>
+              <a:gd name="connsiteX12" fmla="*/ 539833 w 671748"/>
+              <a:gd name="connsiteY12" fmla="*/ 1306286 h 4151086"/>
+              <a:gd name="connsiteX13" fmla="*/ 612404 w 671748"/>
+              <a:gd name="connsiteY13" fmla="*/ 1422400 h 4151086"/>
+              <a:gd name="connsiteX14" fmla="*/ 641433 w 671748"/>
+              <a:gd name="connsiteY14" fmla="*/ 1524000 h 4151086"/>
+              <a:gd name="connsiteX15" fmla="*/ 670461 w 671748"/>
+              <a:gd name="connsiteY15" fmla="*/ 2075543 h 4151086"/>
+              <a:gd name="connsiteX16" fmla="*/ 626918 w 671748"/>
+              <a:gd name="connsiteY16" fmla="*/ 2554514 h 4151086"/>
+              <a:gd name="connsiteX17" fmla="*/ 568861 w 671748"/>
+              <a:gd name="connsiteY17" fmla="*/ 2670629 h 4151086"/>
+              <a:gd name="connsiteX18" fmla="*/ 554347 w 671748"/>
+              <a:gd name="connsiteY18" fmla="*/ 2728686 h 4151086"/>
+              <a:gd name="connsiteX19" fmla="*/ 525318 w 671748"/>
+              <a:gd name="connsiteY19" fmla="*/ 2772229 h 4151086"/>
+              <a:gd name="connsiteX20" fmla="*/ 510804 w 671748"/>
+              <a:gd name="connsiteY20" fmla="*/ 2844800 h 4151086"/>
+              <a:gd name="connsiteX21" fmla="*/ 452747 w 671748"/>
+              <a:gd name="connsiteY21" fmla="*/ 2917372 h 4151086"/>
+              <a:gd name="connsiteX22" fmla="*/ 423718 w 671748"/>
+              <a:gd name="connsiteY22" fmla="*/ 2975429 h 4151086"/>
+              <a:gd name="connsiteX23" fmla="*/ 409204 w 671748"/>
+              <a:gd name="connsiteY23" fmla="*/ 3033486 h 4151086"/>
+              <a:gd name="connsiteX24" fmla="*/ 380176 w 671748"/>
+              <a:gd name="connsiteY24" fmla="*/ 3077029 h 4151086"/>
+              <a:gd name="connsiteX25" fmla="*/ 351147 w 671748"/>
+              <a:gd name="connsiteY25" fmla="*/ 3135086 h 4151086"/>
+              <a:gd name="connsiteX26" fmla="*/ 264061 w 671748"/>
+              <a:gd name="connsiteY26" fmla="*/ 3280229 h 4151086"/>
+              <a:gd name="connsiteX27" fmla="*/ 249547 w 671748"/>
+              <a:gd name="connsiteY27" fmla="*/ 3338286 h 4151086"/>
+              <a:gd name="connsiteX28" fmla="*/ 176976 w 671748"/>
+              <a:gd name="connsiteY28" fmla="*/ 3512457 h 4151086"/>
+              <a:gd name="connsiteX29" fmla="*/ 147947 w 671748"/>
+              <a:gd name="connsiteY29" fmla="*/ 3614057 h 4151086"/>
+              <a:gd name="connsiteX30" fmla="*/ 104404 w 671748"/>
+              <a:gd name="connsiteY30" fmla="*/ 3744686 h 4151086"/>
+              <a:gd name="connsiteX31" fmla="*/ 75376 w 671748"/>
+              <a:gd name="connsiteY31" fmla="*/ 3875314 h 4151086"/>
+              <a:gd name="connsiteX32" fmla="*/ 60861 w 671748"/>
+              <a:gd name="connsiteY32" fmla="*/ 3962400 h 4151086"/>
+              <a:gd name="connsiteX33" fmla="*/ 60861 w 671748"/>
+              <a:gd name="connsiteY33" fmla="*/ 4151086 h 4151086"/>
+            </a:gdLst>
+            <a:ahLst/>
+            <a:cxnLst>
+              <a:cxn ang="0">
+                <a:pos x="connsiteX0" y="connsiteY0"/>
+              </a:cxn>
+              <a:cxn ang="0">
+                <a:pos x="connsiteX1" y="connsiteY1"/>
+              </a:cxn>
+              <a:cxn ang="0">
+                <a:pos x="connsiteX2" y="connsiteY2"/>
+              </a:cxn>
+              <a:cxn ang="0">
+                <a:pos x="connsiteX3" y="connsiteY3"/>
+              </a:cxn>
+              <a:cxn ang="0">
+                <a:pos x="connsiteX4" y="connsiteY4"/>
+              </a:cxn>
+              <a:cxn ang="0">
+                <a:pos x="connsiteX5" y="connsiteY5"/>
+              </a:cxn>
+              <a:cxn ang="0">
+                <a:pos x="connsiteX6" y="connsiteY6"/>
+              </a:cxn>
+              <a:cxn ang="0">
+                <a:pos x="connsiteX7" y="connsiteY7"/>
+              </a:cxn>
+              <a:cxn ang="0">
+                <a:pos x="connsiteX8" y="connsiteY8"/>
+              </a:cxn>
+              <a:cxn ang="0">
+                <a:pos x="connsiteX9" y="connsiteY9"/>
+              </a:cxn>
+              <a:cxn ang="0">
+                <a:pos x="connsiteX10" y="connsiteY10"/>
+              </a:cxn>
+              <a:cxn ang="0">
+                <a:pos x="connsiteX11" y="connsiteY11"/>
+              </a:cxn>
+              <a:cxn ang="0">
+                <a:pos x="connsiteX12" y="connsiteY12"/>
+              </a:cxn>
+              <a:cxn ang="0">
+                <a:pos x="connsiteX13" y="connsiteY13"/>
+              </a:cxn>
+              <a:cxn ang="0">
+                <a:pos x="connsiteX14" y="connsiteY14"/>
+              </a:cxn>
+              <a:cxn ang="0">
+                <a:pos x="connsiteX15" y="connsiteY15"/>
+              </a:cxn>
+              <a:cxn ang="0">
+                <a:pos x="connsiteX16" y="connsiteY16"/>
+              </a:cxn>
+              <a:cxn ang="0">
+                <a:pos x="connsiteX17" y="connsiteY17"/>
+              </a:cxn>
+              <a:cxn ang="0">
+                <a:pos x="connsiteX18" y="connsiteY18"/>
+              </a:cxn>
+              <a:cxn ang="0">
+                <a:pos x="connsiteX19" y="connsiteY19"/>
+              </a:cxn>
+              <a:cxn ang="0">
+                <a:pos x="connsiteX20" y="connsiteY20"/>
+              </a:cxn>
+              <a:cxn ang="0">
+                <a:pos x="connsiteX21" y="connsiteY21"/>
+              </a:cxn>
+              <a:cxn ang="0">
+                <a:pos x="connsiteX22" y="connsiteY22"/>
+              </a:cxn>
+              <a:cxn ang="0">
+                <a:pos x="connsiteX23" y="connsiteY23"/>
+              </a:cxn>
+              <a:cxn ang="0">
+                <a:pos x="connsiteX24" y="connsiteY24"/>
+              </a:cxn>
+              <a:cxn ang="0">
+                <a:pos x="connsiteX25" y="connsiteY25"/>
+              </a:cxn>
+              <a:cxn ang="0">
+                <a:pos x="connsiteX26" y="connsiteY26"/>
+              </a:cxn>
+              <a:cxn ang="0">
+                <a:pos x="connsiteX27" y="connsiteY27"/>
+              </a:cxn>
+              <a:cxn ang="0">
+                <a:pos x="connsiteX28" y="connsiteY28"/>
+              </a:cxn>
+              <a:cxn ang="0">
+                <a:pos x="connsiteX29" y="connsiteY29"/>
+              </a:cxn>
+              <a:cxn ang="0">
+                <a:pos x="connsiteX30" y="connsiteY30"/>
+              </a:cxn>
+              <a:cxn ang="0">
+                <a:pos x="connsiteX31" y="connsiteY31"/>
+              </a:cxn>
+              <a:cxn ang="0">
+                <a:pos x="connsiteX32" y="connsiteY32"/>
+              </a:cxn>
+              <a:cxn ang="0">
+                <a:pos x="connsiteX33" y="connsiteY33"/>
+              </a:cxn>
+            </a:cxnLst>
+            <a:rect l="l" t="t" r="r" b="b"/>
+            <a:pathLst>
+              <a:path w="671748" h="4151086">
+                <a:moveTo>
+                  <a:pt x="307604" y="0"/>
+                </a:moveTo>
+                <a:cubicBezTo>
+                  <a:pt x="255772" y="20733"/>
+                  <a:pt x="224431" y="30940"/>
+                  <a:pt x="176976" y="58057"/>
+                </a:cubicBezTo>
+                <a:cubicBezTo>
+                  <a:pt x="161830" y="66712"/>
+                  <a:pt x="146471" y="75497"/>
+                  <a:pt x="133433" y="87086"/>
+                </a:cubicBezTo>
+                <a:cubicBezTo>
+                  <a:pt x="102750" y="114360"/>
+                  <a:pt x="46347" y="174172"/>
+                  <a:pt x="46347" y="174172"/>
+                </a:cubicBezTo>
+                <a:lnTo>
+                  <a:pt x="17318" y="261257"/>
+                </a:lnTo>
+                <a:lnTo>
+                  <a:pt x="2804" y="304800"/>
+                </a:lnTo>
+                <a:cubicBezTo>
+                  <a:pt x="15579" y="585847"/>
+                  <a:pt x="-36701" y="550344"/>
+                  <a:pt x="60861" y="696686"/>
+                </a:cubicBezTo>
+                <a:cubicBezTo>
+                  <a:pt x="74279" y="716814"/>
+                  <a:pt x="89890" y="735391"/>
+                  <a:pt x="104404" y="754743"/>
+                </a:cubicBezTo>
+                <a:cubicBezTo>
+                  <a:pt x="109242" y="769257"/>
+                  <a:pt x="112076" y="784602"/>
+                  <a:pt x="118918" y="798286"/>
+                </a:cubicBezTo>
+                <a:cubicBezTo>
+                  <a:pt x="150744" y="861938"/>
+                  <a:pt x="273507" y="973917"/>
+                  <a:pt x="293090" y="986972"/>
+                </a:cubicBezTo>
+                <a:cubicBezTo>
+                  <a:pt x="307604" y="996648"/>
+                  <a:pt x="323232" y="1004833"/>
+                  <a:pt x="336633" y="1016000"/>
+                </a:cubicBezTo>
+                <a:cubicBezTo>
+                  <a:pt x="371104" y="1044726"/>
+                  <a:pt x="414104" y="1098937"/>
+                  <a:pt x="438233" y="1132114"/>
+                </a:cubicBezTo>
+                <a:cubicBezTo>
+                  <a:pt x="531324" y="1260114"/>
+                  <a:pt x="464844" y="1175056"/>
+                  <a:pt x="539833" y="1306286"/>
+                </a:cubicBezTo>
+                <a:cubicBezTo>
+                  <a:pt x="562478" y="1345915"/>
+                  <a:pt x="612404" y="1422400"/>
+                  <a:pt x="612404" y="1422400"/>
+                </a:cubicBezTo>
+                <a:cubicBezTo>
+                  <a:pt x="622080" y="1456267"/>
+                  <a:pt x="636452" y="1489132"/>
+                  <a:pt x="641433" y="1524000"/>
+                </a:cubicBezTo>
+                <a:cubicBezTo>
+                  <a:pt x="654841" y="1617856"/>
+                  <a:pt x="669183" y="2044873"/>
+                  <a:pt x="670461" y="2075543"/>
+                </a:cubicBezTo>
+                <a:cubicBezTo>
+                  <a:pt x="662938" y="2278665"/>
+                  <a:pt x="695383" y="2394763"/>
+                  <a:pt x="626918" y="2554514"/>
+                </a:cubicBezTo>
+                <a:cubicBezTo>
+                  <a:pt x="609872" y="2594289"/>
+                  <a:pt x="588213" y="2631924"/>
+                  <a:pt x="568861" y="2670629"/>
+                </a:cubicBezTo>
+                <a:cubicBezTo>
+                  <a:pt x="564023" y="2689981"/>
+                  <a:pt x="562205" y="2710351"/>
+                  <a:pt x="554347" y="2728686"/>
+                </a:cubicBezTo>
+                <a:cubicBezTo>
+                  <a:pt x="547475" y="2744720"/>
+                  <a:pt x="531443" y="2755896"/>
+                  <a:pt x="525318" y="2772229"/>
+                </a:cubicBezTo>
+                <a:cubicBezTo>
+                  <a:pt x="516656" y="2795328"/>
+                  <a:pt x="521836" y="2822735"/>
+                  <a:pt x="510804" y="2844800"/>
+                </a:cubicBezTo>
+                <a:cubicBezTo>
+                  <a:pt x="496950" y="2872509"/>
+                  <a:pt x="469931" y="2891596"/>
+                  <a:pt x="452747" y="2917372"/>
+                </a:cubicBezTo>
+                <a:cubicBezTo>
+                  <a:pt x="440745" y="2935375"/>
+                  <a:pt x="433394" y="2956077"/>
+                  <a:pt x="423718" y="2975429"/>
+                </a:cubicBezTo>
+                <a:cubicBezTo>
+                  <a:pt x="418880" y="2994781"/>
+                  <a:pt x="417062" y="3015151"/>
+                  <a:pt x="409204" y="3033486"/>
+                </a:cubicBezTo>
+                <a:cubicBezTo>
+                  <a:pt x="402333" y="3049520"/>
+                  <a:pt x="388831" y="3061883"/>
+                  <a:pt x="380176" y="3077029"/>
+                </a:cubicBezTo>
+                <a:cubicBezTo>
+                  <a:pt x="369441" y="3095815"/>
+                  <a:pt x="361882" y="3116300"/>
+                  <a:pt x="351147" y="3135086"/>
+                </a:cubicBezTo>
+                <a:cubicBezTo>
+                  <a:pt x="323154" y="3184073"/>
+                  <a:pt x="264061" y="3280229"/>
+                  <a:pt x="264061" y="3280229"/>
+                </a:cubicBezTo>
+                <a:cubicBezTo>
+                  <a:pt x="259223" y="3299581"/>
+                  <a:pt x="256551" y="3319608"/>
+                  <a:pt x="249547" y="3338286"/>
+                </a:cubicBezTo>
+                <a:cubicBezTo>
+                  <a:pt x="227463" y="3397177"/>
+                  <a:pt x="194255" y="3451982"/>
+                  <a:pt x="176976" y="3512457"/>
+                </a:cubicBezTo>
+                <a:cubicBezTo>
+                  <a:pt x="167300" y="3546324"/>
+                  <a:pt x="158453" y="3580438"/>
+                  <a:pt x="147947" y="3614057"/>
+                </a:cubicBezTo>
+                <a:cubicBezTo>
+                  <a:pt x="134257" y="3657866"/>
+                  <a:pt x="115536" y="3700158"/>
+                  <a:pt x="104404" y="3744686"/>
+                </a:cubicBezTo>
+                <a:cubicBezTo>
+                  <a:pt x="88872" y="3806814"/>
+                  <a:pt x="87661" y="3807746"/>
+                  <a:pt x="75376" y="3875314"/>
+                </a:cubicBezTo>
+                <a:cubicBezTo>
+                  <a:pt x="70111" y="3904268"/>
+                  <a:pt x="62408" y="3933012"/>
+                  <a:pt x="60861" y="3962400"/>
+                </a:cubicBezTo>
+                <a:cubicBezTo>
+                  <a:pt x="57555" y="4025208"/>
+                  <a:pt x="60861" y="4088191"/>
+                  <a:pt x="60861" y="4151086"/>
+                </a:cubicBezTo>
+              </a:path>
+            </a:pathLst>
+          </a:custGeom>
+          <a:noFill/>
+          <a:ln w="28575">
+            <a:solidFill>
+              <a:schemeClr val="tx1"/>
+            </a:solidFill>
+          </a:ln>
+        </p:spPr>
+        <p:style>
+          <a:lnRef idx="2">
+            <a:schemeClr val="accent1">
+              <a:shade val="50000"/>
+            </a:schemeClr>
+          </a:lnRef>
+          <a:fillRef idx="1">
+            <a:schemeClr val="accent1"/>
+          </a:fillRef>
+          <a:effectRef idx="0">
+            <a:schemeClr val="accent1"/>
+          </a:effectRef>
+          <a:fontRef idx="minor">
+            <a:schemeClr val="lt1"/>
+          </a:fontRef>
+        </p:style>
+        <p:txBody>
+          <a:bodyPr rtlCol="0" anchor="ctr"/>
+          <a:lstStyle/>
+          <a:p>
+            <a:pPr algn="ctr"/>
+            <a:endParaRPr lang="en-US">
+              <a:solidFill>
+                <a:schemeClr val="tx1"/>
+              </a:solidFill>
+            </a:endParaRPr>
+          </a:p>
+        </p:txBody>
+      </p:sp>
+      <p:cxnSp>
+        <p:nvCxnSpPr>
+          <p:cNvPr id="18" name="Straight Arrow Connector 17">
+            <a:extLst>
+              <a:ext uri="{FF2B5EF4-FFF2-40B4-BE49-F238E27FC236}">
+                <a16:creationId xmlns:a16="http://schemas.microsoft.com/office/drawing/2014/main" id="{55D55C86-0A4E-AFDC-2AB9-15CD88609AD8}"/>
+              </a:ext>
+            </a:extLst>
+          </p:cNvPr>
+          <p:cNvCxnSpPr>
+            <a:cxnSpLocks/>
+            <a:stCxn id="9" idx="0"/>
+          </p:cNvCxnSpPr>
+          <p:nvPr/>
+        </p:nvCxnSpPr>
+        <p:spPr>
+          <a:xfrm flipH="1" flipV="1">
+            <a:off x="5759786" y="1392420"/>
+            <a:ext cx="77454" cy="2544352"/>
+          </a:xfrm>
+          <a:prstGeom prst="straightConnector1">
+            <a:avLst/>
+          </a:prstGeom>
+          <a:ln w="22225">
+            <a:solidFill>
+              <a:srgbClr val="B3DE69"/>
+            </a:solidFill>
+            <a:tailEnd type="triangle"/>
+          </a:ln>
+        </p:spPr>
+        <p:style>
+          <a:lnRef idx="1">
+            <a:schemeClr val="accent1"/>
+          </a:lnRef>
+          <a:fillRef idx="0">
+            <a:schemeClr val="accent1"/>
+          </a:fillRef>
+          <a:effectRef idx="0">
+            <a:schemeClr val="accent1"/>
+          </a:effectRef>
+          <a:fontRef idx="minor">
+            <a:schemeClr val="tx1"/>
+          </a:fontRef>
+        </p:style>
+      </p:cxnSp>
+      <p:sp>
+        <p:nvSpPr>
+          <p:cNvPr id="9" name="Rectangle 8">
+            <a:extLst>
+              <a:ext uri="{FF2B5EF4-FFF2-40B4-BE49-F238E27FC236}">
+                <a16:creationId xmlns:a16="http://schemas.microsoft.com/office/drawing/2014/main" id="{44322274-8573-B003-F01B-81679487DA86}"/>
+              </a:ext>
+            </a:extLst>
+          </p:cNvPr>
+          <p:cNvSpPr/>
+          <p:nvPr/>
+        </p:nvSpPr>
+        <p:spPr>
+          <a:xfrm rot="310231">
+            <a:off x="5637095" y="3935491"/>
+            <a:ext cx="343564" cy="629439"/>
+          </a:xfrm>
+          <a:prstGeom prst="rect">
+            <a:avLst/>
+          </a:prstGeom>
+          <a:solidFill>
+            <a:srgbClr val="8BD1C5"/>
+          </a:solidFill>
+          <a:ln>
+            <a:solidFill>
+              <a:srgbClr val="8BD1C5"/>
+            </a:solidFill>
+          </a:ln>
+        </p:spPr>
+        <p:style>
+          <a:lnRef idx="2">
+            <a:schemeClr val="accent1">
+              <a:shade val="50000"/>
+            </a:schemeClr>
+          </a:lnRef>
+          <a:fillRef idx="1">
+            <a:schemeClr val="accent1"/>
+          </a:fillRef>
+          <a:effectRef idx="0">
+            <a:schemeClr val="accent1"/>
+          </a:effectRef>
+          <a:fontRef idx="minor">
+            <a:schemeClr val="lt1"/>
+          </a:fontRef>
+        </p:style>
+        <p:txBody>
+          <a:bodyPr rtlCol="0" anchor="ctr"/>
+          <a:lstStyle/>
+          <a:p>
+            <a:pPr algn="ctr"/>
+            <a:endParaRPr lang="en-US"/>
+          </a:p>
+        </p:txBody>
+      </p:sp>
+      <p:sp>
+        <p:nvSpPr>
+          <p:cNvPr id="4" name="Circle: Hollow 3">
+            <a:extLst>
+              <a:ext uri="{FF2B5EF4-FFF2-40B4-BE49-F238E27FC236}">
+                <a16:creationId xmlns:a16="http://schemas.microsoft.com/office/drawing/2014/main" id="{3F2C48E3-9D3F-7DA0-0B3F-D2121B65329D}"/>
+              </a:ext>
+            </a:extLst>
+          </p:cNvPr>
+          <p:cNvSpPr/>
+          <p:nvPr/>
+        </p:nvSpPr>
+        <p:spPr>
+          <a:xfrm>
+            <a:off x="5562600" y="3819897"/>
+            <a:ext cx="197186" cy="202786"/>
+          </a:xfrm>
+          <a:prstGeom prst="donut">
+            <a:avLst>
+              <a:gd name="adj" fmla="val 5662"/>
+            </a:avLst>
+          </a:prstGeom>
+          <a:solidFill>
+            <a:srgbClr val="FF0000"/>
+          </a:solidFill>
+          <a:ln>
+            <a:solidFill>
+              <a:srgbClr val="FF0000"/>
+            </a:solidFill>
+          </a:ln>
+        </p:spPr>
+        <p:style>
+          <a:lnRef idx="2">
+            <a:schemeClr val="accent1">
+              <a:shade val="50000"/>
+            </a:schemeClr>
+          </a:lnRef>
+          <a:fillRef idx="1">
+            <a:schemeClr val="accent1"/>
+          </a:fillRef>
+          <a:effectRef idx="0">
+            <a:schemeClr val="accent1"/>
+          </a:effectRef>
+          <a:fontRef idx="minor">
+            <a:schemeClr val="lt1"/>
+          </a:fontRef>
+        </p:style>
+        <p:txBody>
+          <a:bodyPr rtlCol="0" anchor="ctr"/>
+          <a:lstStyle/>
+          <a:p>
+            <a:pPr algn="ctr"/>
+            <a:endParaRPr lang="en-US">
+              <a:solidFill>
+                <a:schemeClr val="tx1"/>
+              </a:solidFill>
+            </a:endParaRPr>
+          </a:p>
+        </p:txBody>
+      </p:sp>
+      <p:pic>
+        <p:nvPicPr>
+          <p:cNvPr id="10" name="image1.png">
+            <a:extLst>
+              <a:ext uri="{FF2B5EF4-FFF2-40B4-BE49-F238E27FC236}">
+                <a16:creationId xmlns:a16="http://schemas.microsoft.com/office/drawing/2014/main" id="{FBEDAD1A-3A3B-4A5D-B8C3-9A07DEED79D0}"/>
+              </a:ext>
+            </a:extLst>
+          </p:cNvPr>
+          <p:cNvPicPr>
+            <a:picLocks noChangeAspect="1"/>
+          </p:cNvPicPr>
+          <p:nvPr/>
+        </p:nvPicPr>
+        <p:blipFill>
+          <a:blip r:embed="rId3" cstate="print"/>
+          <a:stretch>
+            <a:fillRect/>
+          </a:stretch>
+        </p:blipFill>
+        <p:spPr>
+          <a:xfrm>
+            <a:off x="10765085" y="120681"/>
+            <a:ext cx="1307646" cy="1307646"/>
+          </a:xfrm>
+          <a:prstGeom prst="rect">
+            <a:avLst/>
+          </a:prstGeom>
+        </p:spPr>
+      </p:pic>
+    </p:spTree>
+    <p:extLst>
+      <p:ext uri="{BB962C8B-B14F-4D97-AF65-F5344CB8AC3E}">
+        <p14:creationId xmlns:p14="http://schemas.microsoft.com/office/powerpoint/2010/main" val="1024625433"/>
+      </p:ext>
+    </p:extLst>
+  </p:cSld>
+  <p:clrMapOvr>
+    <a:masterClrMapping/>
+  </p:clrMapOvr>
+  <mc:AlternateContent xmlns:mc="http://schemas.openxmlformats.org/markup-compatibility/2006" xmlns:p159="http://schemas.microsoft.com/office/powerpoint/2015/09/main">
+    <mc:Choice Requires="p159">
+      <p:transition xmlns:p14="http://schemas.microsoft.com/office/powerpoint/2010/main" spd="slow" p14:dur="2000">
+        <p159:morph option="byObject"/>
+      </p:transition>
+    </mc:Choice>
+    <mc:Fallback xmlns="">
+      <p:transition spd="slow">
+        <p:fade/>
+      </p:transition>
+    </mc:Fallback>
+  </mc:AlternateContent>
+</p:sld>
+</file>
+
 <file path=ppt/theme/theme1.xml><?xml version="1.0" encoding="utf-8"?>
 <a:theme xmlns:a="http://schemas.openxmlformats.org/drawingml/2006/main" name="RegattaVTI">
   <a:themeElements>

--- a/Disparity_Extender.pptx
+++ b/Disparity_Extender.pptx
@@ -5,41 +5,44 @@
     <p:sldMasterId id="2147483966" r:id="rId1"/>
   </p:sldMasterIdLst>
   <p:notesMasterIdLst>
-    <p:notesMasterId r:id="rId34"/>
+    <p:notesMasterId r:id="rId37"/>
   </p:notesMasterIdLst>
   <p:sldIdLst>
     <p:sldId id="256" r:id="rId2"/>
-    <p:sldId id="265" r:id="rId3"/>
-    <p:sldId id="308" r:id="rId4"/>
-    <p:sldId id="307" r:id="rId5"/>
-    <p:sldId id="266" r:id="rId6"/>
-    <p:sldId id="271" r:id="rId7"/>
-    <p:sldId id="277" r:id="rId8"/>
-    <p:sldId id="278" r:id="rId9"/>
-    <p:sldId id="280" r:id="rId10"/>
-    <p:sldId id="281" r:id="rId11"/>
-    <p:sldId id="282" r:id="rId12"/>
-    <p:sldId id="283" r:id="rId13"/>
-    <p:sldId id="284" r:id="rId14"/>
-    <p:sldId id="285" r:id="rId15"/>
-    <p:sldId id="286" r:id="rId16"/>
-    <p:sldId id="287" r:id="rId17"/>
-    <p:sldId id="289" r:id="rId18"/>
-    <p:sldId id="290" r:id="rId19"/>
-    <p:sldId id="292" r:id="rId20"/>
-    <p:sldId id="293" r:id="rId21"/>
-    <p:sldId id="294" r:id="rId22"/>
-    <p:sldId id="297" r:id="rId23"/>
-    <p:sldId id="305" r:id="rId24"/>
-    <p:sldId id="306" r:id="rId25"/>
-    <p:sldId id="296" r:id="rId26"/>
-    <p:sldId id="298" r:id="rId27"/>
-    <p:sldId id="299" r:id="rId28"/>
-    <p:sldId id="300" r:id="rId29"/>
-    <p:sldId id="301" r:id="rId30"/>
-    <p:sldId id="302" r:id="rId31"/>
-    <p:sldId id="303" r:id="rId32"/>
-    <p:sldId id="304" r:id="rId33"/>
+    <p:sldId id="311" r:id="rId3"/>
+    <p:sldId id="265" r:id="rId4"/>
+    <p:sldId id="308" r:id="rId5"/>
+    <p:sldId id="307" r:id="rId6"/>
+    <p:sldId id="266" r:id="rId7"/>
+    <p:sldId id="271" r:id="rId8"/>
+    <p:sldId id="277" r:id="rId9"/>
+    <p:sldId id="278" r:id="rId10"/>
+    <p:sldId id="280" r:id="rId11"/>
+    <p:sldId id="281" r:id="rId12"/>
+    <p:sldId id="282" r:id="rId13"/>
+    <p:sldId id="283" r:id="rId14"/>
+    <p:sldId id="284" r:id="rId15"/>
+    <p:sldId id="285" r:id="rId16"/>
+    <p:sldId id="286" r:id="rId17"/>
+    <p:sldId id="287" r:id="rId18"/>
+    <p:sldId id="289" r:id="rId19"/>
+    <p:sldId id="290" r:id="rId20"/>
+    <p:sldId id="292" r:id="rId21"/>
+    <p:sldId id="293" r:id="rId22"/>
+    <p:sldId id="294" r:id="rId23"/>
+    <p:sldId id="297" r:id="rId24"/>
+    <p:sldId id="305" r:id="rId25"/>
+    <p:sldId id="306" r:id="rId26"/>
+    <p:sldId id="296" r:id="rId27"/>
+    <p:sldId id="298" r:id="rId28"/>
+    <p:sldId id="299" r:id="rId29"/>
+    <p:sldId id="300" r:id="rId30"/>
+    <p:sldId id="301" r:id="rId31"/>
+    <p:sldId id="302" r:id="rId32"/>
+    <p:sldId id="303" r:id="rId33"/>
+    <p:sldId id="304" r:id="rId34"/>
+    <p:sldId id="310" r:id="rId35"/>
+    <p:sldId id="309" r:id="rId36"/>
   </p:sldIdLst>
   <p:sldSz cx="12192000" cy="6858000"/>
   <p:notesSz cx="6858000" cy="9144000"/>
@@ -139,6 +142,53 @@
     </a:lvl9pPr>
   </p:defaultTextStyle>
   <p:extLst>
+    <p:ext uri="{521415D9-36F7-43E2-AB2F-B90AF26B5E84}">
+      <p14:sectionLst xmlns:p14="http://schemas.microsoft.com/office/powerpoint/2010/main">
+        <p14:section name="Default Section" id="{3B4DB2B0-9EC2-4A71-99ED-96CD04DC43B6}">
+          <p14:sldIdLst>
+            <p14:sldId id="256"/>
+          </p14:sldIdLst>
+        </p14:section>
+        <p14:section name="Untitled Section" id="{80941CA4-436B-4614-921A-8947D97FF757}">
+          <p14:sldIdLst>
+            <p14:sldId id="311"/>
+            <p14:sldId id="265"/>
+            <p14:sldId id="308"/>
+            <p14:sldId id="307"/>
+            <p14:sldId id="266"/>
+            <p14:sldId id="271"/>
+            <p14:sldId id="277"/>
+            <p14:sldId id="278"/>
+            <p14:sldId id="280"/>
+            <p14:sldId id="281"/>
+            <p14:sldId id="282"/>
+            <p14:sldId id="283"/>
+            <p14:sldId id="284"/>
+            <p14:sldId id="285"/>
+            <p14:sldId id="286"/>
+            <p14:sldId id="287"/>
+            <p14:sldId id="289"/>
+            <p14:sldId id="290"/>
+            <p14:sldId id="292"/>
+            <p14:sldId id="293"/>
+            <p14:sldId id="294"/>
+            <p14:sldId id="297"/>
+            <p14:sldId id="305"/>
+            <p14:sldId id="306"/>
+            <p14:sldId id="296"/>
+            <p14:sldId id="298"/>
+            <p14:sldId id="299"/>
+            <p14:sldId id="300"/>
+            <p14:sldId id="301"/>
+            <p14:sldId id="302"/>
+            <p14:sldId id="303"/>
+            <p14:sldId id="304"/>
+            <p14:sldId id="310"/>
+            <p14:sldId id="309"/>
+          </p14:sldIdLst>
+        </p14:section>
+      </p14:sectionLst>
+    </p:ext>
     <p:ext uri="{EFAFB233-063F-42B5-8137-9DF3F51BA10A}">
       <p15:sldGuideLst xmlns:p15="http://schemas.microsoft.com/office/powerpoint/2012/main"/>
     </p:ext>
@@ -149,7 +199,7 @@
 <file path=ppt/revisionInfo.xml><?xml version="1.0" encoding="utf-8"?>
 <p1510:revInfo xmlns:a="http://schemas.openxmlformats.org/drawingml/2006/main" xmlns:r="http://schemas.openxmlformats.org/officeDocument/2006/relationships" xmlns:p1510="http://schemas.microsoft.com/office/powerpoint/2015/10/main">
   <p1510:revLst>
-    <p1510:client id="{B4725615-FE2F-4FE9-88E4-581A505FE6A6}" v="63" dt="2022-09-07T17:38:56.238"/>
+    <p1510:client id="{B4725615-FE2F-4FE9-88E4-581A505FE6A6}" v="65" dt="2022-09-23T17:07:07.897"/>
   </p1510:revLst>
 </p1510:revInfo>
 </file>
@@ -158,8 +208,8 @@
 <pc:chgInfo xmlns:a="http://schemas.openxmlformats.org/drawingml/2006/main" xmlns:r="http://schemas.openxmlformats.org/officeDocument/2006/relationships" xmlns:ac="http://schemas.microsoft.com/office/drawing/2013/main/command" xmlns:pc="http://schemas.microsoft.com/office/powerpoint/2013/main/command">
   <pc:docChgLst>
     <pc:chgData name="Emran Moustafa" userId="a12b55cfb681f5cf" providerId="LiveId" clId="{B4725615-FE2F-4FE9-88E4-581A505FE6A6}"/>
-    <pc:docChg chg="undo custSel modSld">
-      <pc:chgData name="Emran Moustafa" userId="a12b55cfb681f5cf" providerId="LiveId" clId="{B4725615-FE2F-4FE9-88E4-581A505FE6A6}" dt="2022-09-07T17:40:02.380" v="333" actId="2711"/>
+    <pc:docChg chg="undo custSel addSld modSld sldOrd addSection">
+      <pc:chgData name="Emran Moustafa" userId="a12b55cfb681f5cf" providerId="LiveId" clId="{B4725615-FE2F-4FE9-88E4-581A505FE6A6}" dt="2022-09-23T17:07:24.451" v="935" actId="20577"/>
       <pc:docMkLst>
         <pc:docMk/>
       </pc:docMkLst>
@@ -771,6 +821,114 @@
           </ac:picMkLst>
         </pc:picChg>
       </pc:sldChg>
+      <pc:sldChg chg="ord">
+        <pc:chgData name="Emran Moustafa" userId="a12b55cfb681f5cf" providerId="LiveId" clId="{B4725615-FE2F-4FE9-88E4-581A505FE6A6}" dt="2022-09-23T17:07:03.235" v="878" actId="20578"/>
+        <pc:sldMkLst>
+          <pc:docMk/>
+          <pc:sldMk cId="3021033679" sldId="306"/>
+        </pc:sldMkLst>
+      </pc:sldChg>
+      <pc:sldChg chg="addSp modSp new mod setBg">
+        <pc:chgData name="Emran Moustafa" userId="a12b55cfb681f5cf" providerId="LiveId" clId="{B4725615-FE2F-4FE9-88E4-581A505FE6A6}" dt="2022-09-23T17:06:57.457" v="875" actId="20577"/>
+        <pc:sldMkLst>
+          <pc:docMk/>
+          <pc:sldMk cId="799821829" sldId="309"/>
+        </pc:sldMkLst>
+        <pc:spChg chg="mod">
+          <ac:chgData name="Emran Moustafa" userId="a12b55cfb681f5cf" providerId="LiveId" clId="{B4725615-FE2F-4FE9-88E4-581A505FE6A6}" dt="2022-09-23T17:03:17.391" v="629" actId="26606"/>
+          <ac:spMkLst>
+            <pc:docMk/>
+            <pc:sldMk cId="799821829" sldId="309"/>
+            <ac:spMk id="2" creationId="{64E9B10D-23D4-4147-B023-B6810B374EE2}"/>
+          </ac:spMkLst>
+        </pc:spChg>
+        <pc:spChg chg="mod">
+          <ac:chgData name="Emran Moustafa" userId="a12b55cfb681f5cf" providerId="LiveId" clId="{B4725615-FE2F-4FE9-88E4-581A505FE6A6}" dt="2022-09-23T17:06:57.457" v="875" actId="20577"/>
+          <ac:spMkLst>
+            <pc:docMk/>
+            <pc:sldMk cId="799821829" sldId="309"/>
+            <ac:spMk id="3" creationId="{84542AEB-6C0E-4144-94CD-5FBFFFAD6123}"/>
+          </ac:spMkLst>
+        </pc:spChg>
+        <pc:spChg chg="add">
+          <ac:chgData name="Emran Moustafa" userId="a12b55cfb681f5cf" providerId="LiveId" clId="{B4725615-FE2F-4FE9-88E4-581A505FE6A6}" dt="2022-09-23T17:03:17.391" v="629" actId="26606"/>
+          <ac:spMkLst>
+            <pc:docMk/>
+            <pc:sldMk cId="799821829" sldId="309"/>
+            <ac:spMk id="9" creationId="{327AB4C5-0719-4E35-87CD-199EB59E3EE5}"/>
+          </ac:spMkLst>
+        </pc:spChg>
+        <pc:spChg chg="add">
+          <ac:chgData name="Emran Moustafa" userId="a12b55cfb681f5cf" providerId="LiveId" clId="{B4725615-FE2F-4FE9-88E4-581A505FE6A6}" dt="2022-09-23T17:03:17.391" v="629" actId="26606"/>
+          <ac:spMkLst>
+            <pc:docMk/>
+            <pc:sldMk cId="799821829" sldId="309"/>
+            <ac:spMk id="11" creationId="{3F51EE1E-6258-4F09-963A-853315C6FBC0}"/>
+          </ac:spMkLst>
+        </pc:spChg>
+        <pc:picChg chg="add mod">
+          <ac:chgData name="Emran Moustafa" userId="a12b55cfb681f5cf" providerId="LiveId" clId="{B4725615-FE2F-4FE9-88E4-581A505FE6A6}" dt="2022-09-23T17:04:57.238" v="821" actId="1076"/>
+          <ac:picMkLst>
+            <pc:docMk/>
+            <pc:sldMk cId="799821829" sldId="309"/>
+            <ac:picMk id="4" creationId="{93987A6D-CCAD-4D0A-BAF5-AE1F73F8290B}"/>
+          </ac:picMkLst>
+        </pc:picChg>
+        <pc:cxnChg chg="add">
+          <ac:chgData name="Emran Moustafa" userId="a12b55cfb681f5cf" providerId="LiveId" clId="{B4725615-FE2F-4FE9-88E4-581A505FE6A6}" dt="2022-09-23T17:03:17.391" v="629" actId="26606"/>
+          <ac:cxnSpMkLst>
+            <pc:docMk/>
+            <pc:sldMk cId="799821829" sldId="309"/>
+            <ac:cxnSpMk id="13" creationId="{7FA07B03-7E5B-4F33-A494-D72BC5BEB0BF}"/>
+          </ac:cxnSpMkLst>
+        </pc:cxnChg>
+      </pc:sldChg>
+      <pc:sldChg chg="addSp delSp modSp new mod ord modNotesTx">
+        <pc:chgData name="Emran Moustafa" userId="a12b55cfb681f5cf" providerId="LiveId" clId="{B4725615-FE2F-4FE9-88E4-581A505FE6A6}" dt="2022-09-23T17:02:42.202" v="589" actId="1076"/>
+        <pc:sldMkLst>
+          <pc:docMk/>
+          <pc:sldMk cId="3809342877" sldId="310"/>
+        </pc:sldMkLst>
+        <pc:spChg chg="mod">
+          <ac:chgData name="Emran Moustafa" userId="a12b55cfb681f5cf" providerId="LiveId" clId="{B4725615-FE2F-4FE9-88E4-581A505FE6A6}" dt="2022-09-23T17:01:19.228" v="422" actId="20577"/>
+          <ac:spMkLst>
+            <pc:docMk/>
+            <pc:sldMk cId="3809342877" sldId="310"/>
+            <ac:spMk id="2" creationId="{3A948A77-44FA-4049-A332-E6F9683ADA6A}"/>
+          </ac:spMkLst>
+        </pc:spChg>
+        <pc:spChg chg="add del mod">
+          <ac:chgData name="Emran Moustafa" userId="a12b55cfb681f5cf" providerId="LiveId" clId="{B4725615-FE2F-4FE9-88E4-581A505FE6A6}" dt="2022-09-23T17:02:42.202" v="589" actId="1076"/>
+          <ac:spMkLst>
+            <pc:docMk/>
+            <pc:sldMk cId="3809342877" sldId="310"/>
+            <ac:spMk id="3" creationId="{73A310A8-6985-4841-AF69-4C156689C8B2}"/>
+          </ac:spMkLst>
+        </pc:spChg>
+      </pc:sldChg>
+      <pc:sldChg chg="modSp new mod">
+        <pc:chgData name="Emran Moustafa" userId="a12b55cfb681f5cf" providerId="LiveId" clId="{B4725615-FE2F-4FE9-88E4-581A505FE6A6}" dt="2022-09-23T17:07:24.451" v="935" actId="20577"/>
+        <pc:sldMkLst>
+          <pc:docMk/>
+          <pc:sldMk cId="1210460911" sldId="311"/>
+        </pc:sldMkLst>
+        <pc:spChg chg="mod">
+          <ac:chgData name="Emran Moustafa" userId="a12b55cfb681f5cf" providerId="LiveId" clId="{B4725615-FE2F-4FE9-88E4-581A505FE6A6}" dt="2022-09-23T17:06:08.916" v="854" actId="20577"/>
+          <ac:spMkLst>
+            <pc:docMk/>
+            <pc:sldMk cId="1210460911" sldId="311"/>
+            <ac:spMk id="2" creationId="{0D93E8D2-6E82-4BC0-8C00-69D5DD0199F7}"/>
+          </ac:spMkLst>
+        </pc:spChg>
+        <pc:spChg chg="mod">
+          <ac:chgData name="Emran Moustafa" userId="a12b55cfb681f5cf" providerId="LiveId" clId="{B4725615-FE2F-4FE9-88E4-581A505FE6A6}" dt="2022-09-23T17:07:24.451" v="935" actId="20577"/>
+          <ac:spMkLst>
+            <pc:docMk/>
+            <pc:sldMk cId="1210460911" sldId="311"/>
+            <ac:spMk id="3" creationId="{E374F42E-48B2-4ACD-A60F-BF0B62A16650}"/>
+          </ac:spMkLst>
+        </pc:spChg>
+      </pc:sldChg>
     </pc:docChg>
   </pc:docChgLst>
 </pc:chgInfo>
@@ -1217,7 +1375,7 @@
           <a:p>
             <a:fld id="{B5D8664D-ED04-40AE-922B-31A3174CFE18}" type="slidenum">
               <a:rPr lang="en-US" smtClean="0"/>
-              <a:t>2</a:t>
+              <a:t>3</a:t>
             </a:fld>
             <a:endParaRPr lang="en-US"/>
           </a:p>
@@ -1328,7 +1486,7 @@
           <a:p>
             <a:fld id="{B5D8664D-ED04-40AE-922B-31A3174CFE18}" type="slidenum">
               <a:rPr lang="en-US" smtClean="0"/>
-              <a:t>11</a:t>
+              <a:t>12</a:t>
             </a:fld>
             <a:endParaRPr lang="en-US"/>
           </a:p>
@@ -1429,7 +1587,7 @@
           <a:p>
             <a:fld id="{B5D8664D-ED04-40AE-922B-31A3174CFE18}" type="slidenum">
               <a:rPr lang="en-US" smtClean="0"/>
-              <a:t>12</a:t>
+              <a:t>13</a:t>
             </a:fld>
             <a:endParaRPr lang="en-US"/>
           </a:p>
@@ -1530,7 +1688,7 @@
           <a:p>
             <a:fld id="{B5D8664D-ED04-40AE-922B-31A3174CFE18}" type="slidenum">
               <a:rPr lang="en-US" smtClean="0"/>
-              <a:t>13</a:t>
+              <a:t>14</a:t>
             </a:fld>
             <a:endParaRPr lang="en-US"/>
           </a:p>
@@ -1631,7 +1789,7 @@
           <a:p>
             <a:fld id="{B5D8664D-ED04-40AE-922B-31A3174CFE18}" type="slidenum">
               <a:rPr lang="en-US" smtClean="0"/>
-              <a:t>14</a:t>
+              <a:t>15</a:t>
             </a:fld>
             <a:endParaRPr lang="en-US"/>
           </a:p>
@@ -1752,7 +1910,7 @@
           <a:p>
             <a:fld id="{B5D8664D-ED04-40AE-922B-31A3174CFE18}" type="slidenum">
               <a:rPr lang="en-US" smtClean="0"/>
-              <a:t>15</a:t>
+              <a:t>16</a:t>
             </a:fld>
             <a:endParaRPr lang="en-US"/>
           </a:p>
@@ -1859,7 +2017,7 @@
           <a:p>
             <a:fld id="{B5D8664D-ED04-40AE-922B-31A3174CFE18}" type="slidenum">
               <a:rPr lang="en-US" smtClean="0"/>
-              <a:t>16</a:t>
+              <a:t>17</a:t>
             </a:fld>
             <a:endParaRPr lang="en-US"/>
           </a:p>
@@ -1950,7 +2108,7 @@
           <a:p>
             <a:fld id="{B5D8664D-ED04-40AE-922B-31A3174CFE18}" type="slidenum">
               <a:rPr lang="en-US" smtClean="0"/>
-              <a:t>17</a:t>
+              <a:t>18</a:t>
             </a:fld>
             <a:endParaRPr lang="en-US"/>
           </a:p>
@@ -2038,7 +2196,7 @@
           <a:p>
             <a:fld id="{B5D8664D-ED04-40AE-922B-31A3174CFE18}" type="slidenum">
               <a:rPr lang="en-US" smtClean="0"/>
-              <a:t>18</a:t>
+              <a:t>19</a:t>
             </a:fld>
             <a:endParaRPr lang="en-US"/>
           </a:p>
@@ -2126,7 +2284,7 @@
           <a:p>
             <a:fld id="{B5D8664D-ED04-40AE-922B-31A3174CFE18}" type="slidenum">
               <a:rPr lang="en-US" smtClean="0"/>
-              <a:t>19</a:t>
+              <a:t>20</a:t>
             </a:fld>
             <a:endParaRPr lang="en-US"/>
           </a:p>
@@ -2217,7 +2375,7 @@
           <a:p>
             <a:fld id="{B5D8664D-ED04-40AE-922B-31A3174CFE18}" type="slidenum">
               <a:rPr lang="en-US" smtClean="0"/>
-              <a:t>20</a:t>
+              <a:t>21</a:t>
             </a:fld>
             <a:endParaRPr lang="en-US"/>
           </a:p>
@@ -2328,7 +2486,7 @@
           <a:p>
             <a:fld id="{B5D8664D-ED04-40AE-922B-31A3174CFE18}" type="slidenum">
               <a:rPr lang="en-US" smtClean="0"/>
-              <a:t>3</a:t>
+              <a:t>4</a:t>
             </a:fld>
             <a:endParaRPr lang="en-US"/>
           </a:p>
@@ -2419,7 +2577,7 @@
           <a:p>
             <a:fld id="{B5D8664D-ED04-40AE-922B-31A3174CFE18}" type="slidenum">
               <a:rPr lang="en-US" smtClean="0"/>
-              <a:t>21</a:t>
+              <a:t>22</a:t>
             </a:fld>
             <a:endParaRPr lang="en-US"/>
           </a:p>
@@ -2540,7 +2698,7 @@
           <a:p>
             <a:fld id="{B5D8664D-ED04-40AE-922B-31A3174CFE18}" type="slidenum">
               <a:rPr lang="en-US" smtClean="0"/>
-              <a:t>22</a:t>
+              <a:t>23</a:t>
             </a:fld>
             <a:endParaRPr lang="en-US"/>
           </a:p>
@@ -2656,7 +2814,7 @@
           <a:p>
             <a:fld id="{B5D8664D-ED04-40AE-922B-31A3174CFE18}" type="slidenum">
               <a:rPr lang="en-US" smtClean="0"/>
-              <a:t>23</a:t>
+              <a:t>24</a:t>
             </a:fld>
             <a:endParaRPr lang="en-US"/>
           </a:p>
@@ -2772,7 +2930,7 @@
           <a:p>
             <a:fld id="{B5D8664D-ED04-40AE-922B-31A3174CFE18}" type="slidenum">
               <a:rPr lang="en-US" smtClean="0"/>
-              <a:t>24</a:t>
+              <a:t>25</a:t>
             </a:fld>
             <a:endParaRPr lang="en-US"/>
           </a:p>
@@ -2893,7 +3051,7 @@
           <a:p>
             <a:fld id="{B5D8664D-ED04-40AE-922B-31A3174CFE18}" type="slidenum">
               <a:rPr lang="en-US" smtClean="0"/>
-              <a:t>25</a:t>
+              <a:t>26</a:t>
             </a:fld>
             <a:endParaRPr lang="en-US"/>
           </a:p>
@@ -2994,7 +3152,7 @@
           <a:p>
             <a:fld id="{B5D8664D-ED04-40AE-922B-31A3174CFE18}" type="slidenum">
               <a:rPr lang="en-US" smtClean="0"/>
-              <a:t>26</a:t>
+              <a:t>27</a:t>
             </a:fld>
             <a:endParaRPr lang="en-US"/>
           </a:p>
@@ -3105,7 +3263,7 @@
           <a:p>
             <a:fld id="{B5D8664D-ED04-40AE-922B-31A3174CFE18}" type="slidenum">
               <a:rPr lang="en-US" smtClean="0"/>
-              <a:t>27</a:t>
+              <a:t>28</a:t>
             </a:fld>
             <a:endParaRPr lang="en-US"/>
           </a:p>
@@ -3204,7 +3362,7 @@
           <a:p>
             <a:fld id="{B5D8664D-ED04-40AE-922B-31A3174CFE18}" type="slidenum">
               <a:rPr lang="en-US" smtClean="0"/>
-              <a:t>28</a:t>
+              <a:t>29</a:t>
             </a:fld>
             <a:endParaRPr lang="en-US"/>
           </a:p>
@@ -3303,7 +3461,7 @@
           <a:p>
             <a:fld id="{B5D8664D-ED04-40AE-922B-31A3174CFE18}" type="slidenum">
               <a:rPr lang="en-US" smtClean="0"/>
-              <a:t>29</a:t>
+              <a:t>30</a:t>
             </a:fld>
             <a:endParaRPr lang="en-US"/>
           </a:p>
@@ -3404,7 +3562,7 @@
           <a:p>
             <a:fld id="{B5D8664D-ED04-40AE-922B-31A3174CFE18}" type="slidenum">
               <a:rPr lang="en-US" smtClean="0"/>
-              <a:t>30</a:t>
+              <a:t>31</a:t>
             </a:fld>
             <a:endParaRPr lang="en-US"/>
           </a:p>
@@ -3515,7 +3673,7 @@
           <a:p>
             <a:fld id="{B5D8664D-ED04-40AE-922B-31A3174CFE18}" type="slidenum">
               <a:rPr lang="en-US" smtClean="0"/>
-              <a:t>4</a:t>
+              <a:t>5</a:t>
             </a:fld>
             <a:endParaRPr lang="en-US"/>
           </a:p>
@@ -3616,7 +3774,7 @@
           <a:p>
             <a:fld id="{B5D8664D-ED04-40AE-922B-31A3174CFE18}" type="slidenum">
               <a:rPr lang="en-US" smtClean="0"/>
-              <a:t>31</a:t>
+              <a:t>32</a:t>
             </a:fld>
             <a:endParaRPr lang="en-US"/>
           </a:p>
@@ -3703,7 +3861,7 @@
           <a:p>
             <a:fld id="{B5D8664D-ED04-40AE-922B-31A3174CFE18}" type="slidenum">
               <a:rPr lang="en-US" smtClean="0"/>
-              <a:t>32</a:t>
+              <a:t>33</a:t>
             </a:fld>
             <a:endParaRPr lang="en-US"/>
           </a:p>
@@ -3713,6 +3871,105 @@
     <p:extLst>
       <p:ext uri="{BB962C8B-B14F-4D97-AF65-F5344CB8AC3E}">
         <p14:creationId xmlns:p14="http://schemas.microsoft.com/office/powerpoint/2010/main" val="1818733369"/>
+      </p:ext>
+    </p:extLst>
+  </p:cSld>
+  <p:clrMapOvr>
+    <a:masterClrMapping/>
+  </p:clrMapOvr>
+</p:notes>
+</file>
+
+<file path=ppt/notesSlides/notesSlide32.xml><?xml version="1.0" encoding="utf-8"?>
+<p:notes xmlns:a="http://schemas.openxmlformats.org/drawingml/2006/main" xmlns:r="http://schemas.openxmlformats.org/officeDocument/2006/relationships" xmlns:p="http://schemas.openxmlformats.org/presentationml/2006/main">
+  <p:cSld>
+    <p:spTree>
+      <p:nvGrpSpPr>
+        <p:cNvPr id="1" name=""/>
+        <p:cNvGrpSpPr/>
+        <p:nvPr/>
+      </p:nvGrpSpPr>
+      <p:grpSpPr>
+        <a:xfrm>
+          <a:off x="0" y="0"/>
+          <a:ext cx="0" cy="0"/>
+          <a:chOff x="0" y="0"/>
+          <a:chExt cx="0" cy="0"/>
+        </a:xfrm>
+      </p:grpSpPr>
+      <p:sp>
+        <p:nvSpPr>
+          <p:cNvPr id="2" name="Slide Image Placeholder 1"/>
+          <p:cNvSpPr>
+            <a:spLocks noGrp="1" noRot="1" noChangeAspect="1"/>
+          </p:cNvSpPr>
+          <p:nvPr>
+            <p:ph type="sldImg"/>
+          </p:nvPr>
+        </p:nvSpPr>
+        <p:spPr/>
+      </p:sp>
+      <p:sp>
+        <p:nvSpPr>
+          <p:cNvPr id="3" name="Notes Placeholder 2"/>
+          <p:cNvSpPr>
+            <a:spLocks noGrp="1"/>
+          </p:cNvSpPr>
+          <p:nvPr>
+            <p:ph type="body" idx="1"/>
+          </p:nvPr>
+        </p:nvSpPr>
+        <p:spPr/>
+        <p:txBody>
+          <a:bodyPr/>
+          <a:lstStyle/>
+          <a:p>
+            <a:r>
+              <a:rPr lang="en-IE" dirty="0"/>
+              <a:t>Virtual comp in November</a:t>
+            </a:r>
+          </a:p>
+          <a:p>
+            <a:r>
+              <a:rPr lang="en-IE" dirty="0"/>
+              <a:t>Physical Comp in March</a:t>
+            </a:r>
+          </a:p>
+          <a:p>
+            <a:r>
+              <a:rPr lang="en-IE" dirty="0"/>
+              <a:t>Make teams with your friends</a:t>
+            </a:r>
+          </a:p>
+        </p:txBody>
+      </p:sp>
+      <p:sp>
+        <p:nvSpPr>
+          <p:cNvPr id="4" name="Slide Number Placeholder 3"/>
+          <p:cNvSpPr>
+            <a:spLocks noGrp="1"/>
+          </p:cNvSpPr>
+          <p:nvPr>
+            <p:ph type="sldNum" sz="quarter" idx="5"/>
+          </p:nvPr>
+        </p:nvSpPr>
+        <p:spPr/>
+        <p:txBody>
+          <a:bodyPr/>
+          <a:lstStyle/>
+          <a:p>
+            <a:fld id="{B5D8664D-ED04-40AE-922B-31A3174CFE18}" type="slidenum">
+              <a:rPr lang="en-US" smtClean="0"/>
+              <a:t>34</a:t>
+            </a:fld>
+            <a:endParaRPr lang="en-US"/>
+          </a:p>
+        </p:txBody>
+      </p:sp>
+    </p:spTree>
+    <p:extLst>
+      <p:ext uri="{BB962C8B-B14F-4D97-AF65-F5344CB8AC3E}">
+        <p14:creationId xmlns:p14="http://schemas.microsoft.com/office/powerpoint/2010/main" val="2168536804"/>
       </p:ext>
     </p:extLst>
   </p:cSld>
@@ -3790,7 +4047,7 @@
           <a:p>
             <a:fld id="{B5D8664D-ED04-40AE-922B-31A3174CFE18}" type="slidenum">
               <a:rPr lang="en-US" smtClean="0"/>
-              <a:t>5</a:t>
+              <a:t>6</a:t>
             </a:fld>
             <a:endParaRPr lang="en-US"/>
           </a:p>
@@ -3877,7 +4134,7 @@
           <a:p>
             <a:fld id="{B5D8664D-ED04-40AE-922B-31A3174CFE18}" type="slidenum">
               <a:rPr lang="en-US" smtClean="0"/>
-              <a:t>6</a:t>
+              <a:t>7</a:t>
             </a:fld>
             <a:endParaRPr lang="en-US"/>
           </a:p>
@@ -3988,7 +4245,7 @@
           <a:p>
             <a:fld id="{B5D8664D-ED04-40AE-922B-31A3174CFE18}" type="slidenum">
               <a:rPr lang="en-US" smtClean="0"/>
-              <a:t>7</a:t>
+              <a:t>8</a:t>
             </a:fld>
             <a:endParaRPr lang="en-US"/>
           </a:p>
@@ -4089,7 +4346,7 @@
           <a:p>
             <a:fld id="{B5D8664D-ED04-40AE-922B-31A3174CFE18}" type="slidenum">
               <a:rPr lang="en-US" smtClean="0"/>
-              <a:t>8</a:t>
+              <a:t>9</a:t>
             </a:fld>
             <a:endParaRPr lang="en-US"/>
           </a:p>
@@ -4190,7 +4447,7 @@
           <a:p>
             <a:fld id="{B5D8664D-ED04-40AE-922B-31A3174CFE18}" type="slidenum">
               <a:rPr lang="en-US" smtClean="0"/>
-              <a:t>9</a:t>
+              <a:t>10</a:t>
             </a:fld>
             <a:endParaRPr lang="en-US"/>
           </a:p>
@@ -4301,7 +4558,7 @@
           <a:p>
             <a:fld id="{B5D8664D-ED04-40AE-922B-31A3174CFE18}" type="slidenum">
               <a:rPr lang="en-US" smtClean="0"/>
-              <a:t>10</a:t>
+              <a:t>11</a:t>
             </a:fld>
             <a:endParaRPr lang="en-US"/>
           </a:p>
@@ -8911,6 +9168,1068 @@
       </p:sp>
       <p:sp>
         <p:nvSpPr>
+          <p:cNvPr id="11" name="Freeform: Shape 10">
+            <a:extLst>
+              <a:ext uri="{FF2B5EF4-FFF2-40B4-BE49-F238E27FC236}">
+                <a16:creationId xmlns:a16="http://schemas.microsoft.com/office/drawing/2014/main" id="{33C4055E-DDDB-6DB7-6A79-4AC37341359F}"/>
+              </a:ext>
+            </a:extLst>
+          </p:cNvPr>
+          <p:cNvSpPr>
+            <a:spLocks noChangeAspect="1"/>
+          </p:cNvSpPr>
+          <p:nvPr/>
+        </p:nvSpPr>
+        <p:spPr>
+          <a:xfrm>
+            <a:off x="4760689" y="1392420"/>
+            <a:ext cx="918215" cy="4687733"/>
+          </a:xfrm>
+          <a:custGeom>
+            <a:avLst/>
+            <a:gdLst>
+              <a:gd name="connsiteX0" fmla="*/ 174171 w 827314"/>
+              <a:gd name="connsiteY0" fmla="*/ 4223657 h 4223657"/>
+              <a:gd name="connsiteX1" fmla="*/ 174171 w 827314"/>
+              <a:gd name="connsiteY1" fmla="*/ 3439886 h 4223657"/>
+              <a:gd name="connsiteX2" fmla="*/ 203200 w 827314"/>
+              <a:gd name="connsiteY2" fmla="*/ 3280229 h 4223657"/>
+              <a:gd name="connsiteX3" fmla="*/ 246743 w 827314"/>
+              <a:gd name="connsiteY3" fmla="*/ 3193143 h 4223657"/>
+              <a:gd name="connsiteX4" fmla="*/ 290285 w 827314"/>
+              <a:gd name="connsiteY4" fmla="*/ 3091543 h 4223657"/>
+              <a:gd name="connsiteX5" fmla="*/ 348343 w 827314"/>
+              <a:gd name="connsiteY5" fmla="*/ 3018971 h 4223657"/>
+              <a:gd name="connsiteX6" fmla="*/ 406400 w 827314"/>
+              <a:gd name="connsiteY6" fmla="*/ 2931886 h 4223657"/>
+              <a:gd name="connsiteX7" fmla="*/ 508000 w 827314"/>
+              <a:gd name="connsiteY7" fmla="*/ 2801257 h 4223657"/>
+              <a:gd name="connsiteX8" fmla="*/ 696685 w 827314"/>
+              <a:gd name="connsiteY8" fmla="*/ 2554514 h 4223657"/>
+              <a:gd name="connsiteX9" fmla="*/ 769257 w 827314"/>
+              <a:gd name="connsiteY9" fmla="*/ 2380343 h 4223657"/>
+              <a:gd name="connsiteX10" fmla="*/ 827314 w 827314"/>
+              <a:gd name="connsiteY10" fmla="*/ 2148114 h 4223657"/>
+              <a:gd name="connsiteX11" fmla="*/ 812800 w 827314"/>
+              <a:gd name="connsiteY11" fmla="*/ 1901371 h 4223657"/>
+              <a:gd name="connsiteX12" fmla="*/ 798285 w 827314"/>
+              <a:gd name="connsiteY12" fmla="*/ 1843314 h 4223657"/>
+              <a:gd name="connsiteX13" fmla="*/ 682171 w 827314"/>
+              <a:gd name="connsiteY13" fmla="*/ 1640114 h 4223657"/>
+              <a:gd name="connsiteX14" fmla="*/ 537028 w 827314"/>
+              <a:gd name="connsiteY14" fmla="*/ 1480457 h 4223657"/>
+              <a:gd name="connsiteX15" fmla="*/ 304800 w 827314"/>
+              <a:gd name="connsiteY15" fmla="*/ 1306286 h 4223657"/>
+              <a:gd name="connsiteX16" fmla="*/ 145143 w 827314"/>
+              <a:gd name="connsiteY16" fmla="*/ 1088571 h 4223657"/>
+              <a:gd name="connsiteX17" fmla="*/ 87085 w 827314"/>
+              <a:gd name="connsiteY17" fmla="*/ 972457 h 4223657"/>
+              <a:gd name="connsiteX18" fmla="*/ 14514 w 827314"/>
+              <a:gd name="connsiteY18" fmla="*/ 856343 h 4223657"/>
+              <a:gd name="connsiteX19" fmla="*/ 0 w 827314"/>
+              <a:gd name="connsiteY19" fmla="*/ 812800 h 4223657"/>
+              <a:gd name="connsiteX20" fmla="*/ 58057 w 827314"/>
+              <a:gd name="connsiteY20" fmla="*/ 580571 h 4223657"/>
+              <a:gd name="connsiteX21" fmla="*/ 101600 w 827314"/>
+              <a:gd name="connsiteY21" fmla="*/ 537029 h 4223657"/>
+              <a:gd name="connsiteX22" fmla="*/ 188685 w 827314"/>
+              <a:gd name="connsiteY22" fmla="*/ 435429 h 4223657"/>
+              <a:gd name="connsiteX23" fmla="*/ 232228 w 827314"/>
+              <a:gd name="connsiteY23" fmla="*/ 406400 h 4223657"/>
+              <a:gd name="connsiteX24" fmla="*/ 304800 w 827314"/>
+              <a:gd name="connsiteY24" fmla="*/ 333829 h 4223657"/>
+              <a:gd name="connsiteX25" fmla="*/ 493485 w 827314"/>
+              <a:gd name="connsiteY25" fmla="*/ 217714 h 4223657"/>
+              <a:gd name="connsiteX26" fmla="*/ 638628 w 827314"/>
+              <a:gd name="connsiteY26" fmla="*/ 145143 h 4223657"/>
+              <a:gd name="connsiteX27" fmla="*/ 711200 w 827314"/>
+              <a:gd name="connsiteY27" fmla="*/ 87086 h 4223657"/>
+              <a:gd name="connsiteX28" fmla="*/ 827314 w 827314"/>
+              <a:gd name="connsiteY28" fmla="*/ 0 h 4223657"/>
+            </a:gdLst>
+            <a:ahLst/>
+            <a:cxnLst>
+              <a:cxn ang="0">
+                <a:pos x="connsiteX0" y="connsiteY0"/>
+              </a:cxn>
+              <a:cxn ang="0">
+                <a:pos x="connsiteX1" y="connsiteY1"/>
+              </a:cxn>
+              <a:cxn ang="0">
+                <a:pos x="connsiteX2" y="connsiteY2"/>
+              </a:cxn>
+              <a:cxn ang="0">
+                <a:pos x="connsiteX3" y="connsiteY3"/>
+              </a:cxn>
+              <a:cxn ang="0">
+                <a:pos x="connsiteX4" y="connsiteY4"/>
+              </a:cxn>
+              <a:cxn ang="0">
+                <a:pos x="connsiteX5" y="connsiteY5"/>
+              </a:cxn>
+              <a:cxn ang="0">
+                <a:pos x="connsiteX6" y="connsiteY6"/>
+              </a:cxn>
+              <a:cxn ang="0">
+                <a:pos x="connsiteX7" y="connsiteY7"/>
+              </a:cxn>
+              <a:cxn ang="0">
+                <a:pos x="connsiteX8" y="connsiteY8"/>
+              </a:cxn>
+              <a:cxn ang="0">
+                <a:pos x="connsiteX9" y="connsiteY9"/>
+              </a:cxn>
+              <a:cxn ang="0">
+                <a:pos x="connsiteX10" y="connsiteY10"/>
+              </a:cxn>
+              <a:cxn ang="0">
+                <a:pos x="connsiteX11" y="connsiteY11"/>
+              </a:cxn>
+              <a:cxn ang="0">
+                <a:pos x="connsiteX12" y="connsiteY12"/>
+              </a:cxn>
+              <a:cxn ang="0">
+                <a:pos x="connsiteX13" y="connsiteY13"/>
+              </a:cxn>
+              <a:cxn ang="0">
+                <a:pos x="connsiteX14" y="connsiteY14"/>
+              </a:cxn>
+              <a:cxn ang="0">
+                <a:pos x="connsiteX15" y="connsiteY15"/>
+              </a:cxn>
+              <a:cxn ang="0">
+                <a:pos x="connsiteX16" y="connsiteY16"/>
+              </a:cxn>
+              <a:cxn ang="0">
+                <a:pos x="connsiteX17" y="connsiteY17"/>
+              </a:cxn>
+              <a:cxn ang="0">
+                <a:pos x="connsiteX18" y="connsiteY18"/>
+              </a:cxn>
+              <a:cxn ang="0">
+                <a:pos x="connsiteX19" y="connsiteY19"/>
+              </a:cxn>
+              <a:cxn ang="0">
+                <a:pos x="connsiteX20" y="connsiteY20"/>
+              </a:cxn>
+              <a:cxn ang="0">
+                <a:pos x="connsiteX21" y="connsiteY21"/>
+              </a:cxn>
+              <a:cxn ang="0">
+                <a:pos x="connsiteX22" y="connsiteY22"/>
+              </a:cxn>
+              <a:cxn ang="0">
+                <a:pos x="connsiteX23" y="connsiteY23"/>
+              </a:cxn>
+              <a:cxn ang="0">
+                <a:pos x="connsiteX24" y="connsiteY24"/>
+              </a:cxn>
+              <a:cxn ang="0">
+                <a:pos x="connsiteX25" y="connsiteY25"/>
+              </a:cxn>
+              <a:cxn ang="0">
+                <a:pos x="connsiteX26" y="connsiteY26"/>
+              </a:cxn>
+              <a:cxn ang="0">
+                <a:pos x="connsiteX27" y="connsiteY27"/>
+              </a:cxn>
+              <a:cxn ang="0">
+                <a:pos x="connsiteX28" y="connsiteY28"/>
+              </a:cxn>
+            </a:cxnLst>
+            <a:rect l="l" t="t" r="r" b="b"/>
+            <a:pathLst>
+              <a:path w="827314" h="4223657">
+                <a:moveTo>
+                  <a:pt x="174171" y="4223657"/>
+                </a:moveTo>
+                <a:cubicBezTo>
+                  <a:pt x="114150" y="3923546"/>
+                  <a:pt x="149597" y="4127967"/>
+                  <a:pt x="174171" y="3439886"/>
+                </a:cubicBezTo>
+                <a:cubicBezTo>
+                  <a:pt x="174929" y="3418658"/>
+                  <a:pt x="190053" y="3313095"/>
+                  <a:pt x="203200" y="3280229"/>
+                </a:cubicBezTo>
+                <a:cubicBezTo>
+                  <a:pt x="215254" y="3250095"/>
+                  <a:pt x="233143" y="3222611"/>
+                  <a:pt x="246743" y="3193143"/>
+                </a:cubicBezTo>
+                <a:cubicBezTo>
+                  <a:pt x="262183" y="3159689"/>
+                  <a:pt x="271720" y="3123370"/>
+                  <a:pt x="290285" y="3091543"/>
+                </a:cubicBezTo>
+                <a:cubicBezTo>
+                  <a:pt x="305895" y="3064784"/>
+                  <a:pt x="330122" y="3044025"/>
+                  <a:pt x="348343" y="3018971"/>
+                </a:cubicBezTo>
+                <a:cubicBezTo>
+                  <a:pt x="368863" y="2990756"/>
+                  <a:pt x="384066" y="2958688"/>
+                  <a:pt x="406400" y="2931886"/>
+                </a:cubicBezTo>
+                <a:cubicBezTo>
+                  <a:pt x="625486" y="2668980"/>
+                  <a:pt x="395528" y="2951221"/>
+                  <a:pt x="508000" y="2801257"/>
+                </a:cubicBezTo>
+                <a:cubicBezTo>
+                  <a:pt x="570124" y="2718425"/>
+                  <a:pt x="656862" y="2650089"/>
+                  <a:pt x="696685" y="2554514"/>
+                </a:cubicBezTo>
+                <a:cubicBezTo>
+                  <a:pt x="720876" y="2496457"/>
+                  <a:pt x="747763" y="2439451"/>
+                  <a:pt x="769257" y="2380343"/>
+                </a:cubicBezTo>
+                <a:cubicBezTo>
+                  <a:pt x="811923" y="2263011"/>
+                  <a:pt x="809934" y="2252398"/>
+                  <a:pt x="827314" y="2148114"/>
+                </a:cubicBezTo>
+                <a:cubicBezTo>
+                  <a:pt x="822476" y="2065866"/>
+                  <a:pt x="820611" y="1983390"/>
+                  <a:pt x="812800" y="1901371"/>
+                </a:cubicBezTo>
+                <a:cubicBezTo>
+                  <a:pt x="810909" y="1881513"/>
+                  <a:pt x="805102" y="1862061"/>
+                  <a:pt x="798285" y="1843314"/>
+                </a:cubicBezTo>
+                <a:cubicBezTo>
+                  <a:pt x="759891" y="1737729"/>
+                  <a:pt x="751827" y="1732988"/>
+                  <a:pt x="682171" y="1640114"/>
+                </a:cubicBezTo>
+                <a:cubicBezTo>
+                  <a:pt x="641470" y="1585846"/>
+                  <a:pt x="589035" y="1522713"/>
+                  <a:pt x="537028" y="1480457"/>
+                </a:cubicBezTo>
+                <a:cubicBezTo>
+                  <a:pt x="478868" y="1433202"/>
+                  <a:pt x="361792" y="1368028"/>
+                  <a:pt x="304800" y="1306286"/>
+                </a:cubicBezTo>
+                <a:cubicBezTo>
+                  <a:pt x="299919" y="1300998"/>
+                  <a:pt x="153639" y="1105562"/>
+                  <a:pt x="145143" y="1088571"/>
+                </a:cubicBezTo>
+                <a:cubicBezTo>
+                  <a:pt x="125790" y="1049866"/>
+                  <a:pt x="107601" y="1010558"/>
+                  <a:pt x="87085" y="972457"/>
+                </a:cubicBezTo>
+                <a:cubicBezTo>
+                  <a:pt x="62572" y="926933"/>
+                  <a:pt x="41875" y="897384"/>
+                  <a:pt x="14514" y="856343"/>
+                </a:cubicBezTo>
+                <a:cubicBezTo>
+                  <a:pt x="9676" y="841829"/>
+                  <a:pt x="0" y="828099"/>
+                  <a:pt x="0" y="812800"/>
+                </a:cubicBezTo>
+                <a:cubicBezTo>
+                  <a:pt x="0" y="710884"/>
+                  <a:pt x="4613" y="660736"/>
+                  <a:pt x="58057" y="580571"/>
+                </a:cubicBezTo>
+                <a:cubicBezTo>
+                  <a:pt x="69443" y="563492"/>
+                  <a:pt x="88242" y="552614"/>
+                  <a:pt x="101600" y="537029"/>
+                </a:cubicBezTo>
+                <a:cubicBezTo>
+                  <a:pt x="149653" y="480967"/>
+                  <a:pt x="134660" y="480450"/>
+                  <a:pt x="188685" y="435429"/>
+                </a:cubicBezTo>
+                <a:cubicBezTo>
+                  <a:pt x="202086" y="424262"/>
+                  <a:pt x="219100" y="417887"/>
+                  <a:pt x="232228" y="406400"/>
+                </a:cubicBezTo>
+                <a:cubicBezTo>
+                  <a:pt x="257974" y="383872"/>
+                  <a:pt x="277066" y="353859"/>
+                  <a:pt x="304800" y="333829"/>
+                </a:cubicBezTo>
+                <a:cubicBezTo>
+                  <a:pt x="364669" y="290590"/>
+                  <a:pt x="430159" y="255710"/>
+                  <a:pt x="493485" y="217714"/>
+                </a:cubicBezTo>
+                <a:cubicBezTo>
+                  <a:pt x="596058" y="156170"/>
+                  <a:pt x="562909" y="170382"/>
+                  <a:pt x="638628" y="145143"/>
+                </a:cubicBezTo>
+                <a:cubicBezTo>
+                  <a:pt x="662819" y="125791"/>
+                  <a:pt x="686146" y="105307"/>
+                  <a:pt x="711200" y="87086"/>
+                </a:cubicBezTo>
+                <a:cubicBezTo>
+                  <a:pt x="831552" y="-442"/>
+                  <a:pt x="765033" y="62281"/>
+                  <a:pt x="827314" y="0"/>
+                </a:cubicBezTo>
+              </a:path>
+            </a:pathLst>
+          </a:custGeom>
+          <a:noFill/>
+          <a:ln w="28575">
+            <a:solidFill>
+              <a:schemeClr val="tx1"/>
+            </a:solidFill>
+          </a:ln>
+        </p:spPr>
+        <p:style>
+          <a:lnRef idx="2">
+            <a:schemeClr val="accent1">
+              <a:shade val="50000"/>
+            </a:schemeClr>
+          </a:lnRef>
+          <a:fillRef idx="1">
+            <a:schemeClr val="accent1"/>
+          </a:fillRef>
+          <a:effectRef idx="0">
+            <a:schemeClr val="accent1"/>
+          </a:effectRef>
+          <a:fontRef idx="minor">
+            <a:schemeClr val="lt1"/>
+          </a:fontRef>
+        </p:style>
+        <p:txBody>
+          <a:bodyPr rtlCol="0" anchor="ctr"/>
+          <a:lstStyle/>
+          <a:p>
+            <a:pPr algn="ctr"/>
+            <a:endParaRPr lang="en-US">
+              <a:solidFill>
+                <a:schemeClr val="tx1"/>
+              </a:solidFill>
+            </a:endParaRPr>
+          </a:p>
+        </p:txBody>
+      </p:sp>
+      <p:sp>
+        <p:nvSpPr>
+          <p:cNvPr id="12" name="Freeform: Shape 11">
+            <a:extLst>
+              <a:ext uri="{FF2B5EF4-FFF2-40B4-BE49-F238E27FC236}">
+                <a16:creationId xmlns:a16="http://schemas.microsoft.com/office/drawing/2014/main" id="{F6396D48-1F54-154E-2315-038E78D3F8A0}"/>
+              </a:ext>
+            </a:extLst>
+          </p:cNvPr>
+          <p:cNvSpPr>
+            <a:spLocks noChangeAspect="1"/>
+          </p:cNvSpPr>
+          <p:nvPr/>
+        </p:nvSpPr>
+        <p:spPr>
+          <a:xfrm>
+            <a:off x="5882784" y="1626486"/>
+            <a:ext cx="721213" cy="4456756"/>
+          </a:xfrm>
+          <a:custGeom>
+            <a:avLst/>
+            <a:gdLst>
+              <a:gd name="connsiteX0" fmla="*/ 307604 w 671748"/>
+              <a:gd name="connsiteY0" fmla="*/ 0 h 4151086"/>
+              <a:gd name="connsiteX1" fmla="*/ 176976 w 671748"/>
+              <a:gd name="connsiteY1" fmla="*/ 58057 h 4151086"/>
+              <a:gd name="connsiteX2" fmla="*/ 133433 w 671748"/>
+              <a:gd name="connsiteY2" fmla="*/ 87086 h 4151086"/>
+              <a:gd name="connsiteX3" fmla="*/ 46347 w 671748"/>
+              <a:gd name="connsiteY3" fmla="*/ 174172 h 4151086"/>
+              <a:gd name="connsiteX4" fmla="*/ 17318 w 671748"/>
+              <a:gd name="connsiteY4" fmla="*/ 261257 h 4151086"/>
+              <a:gd name="connsiteX5" fmla="*/ 2804 w 671748"/>
+              <a:gd name="connsiteY5" fmla="*/ 304800 h 4151086"/>
+              <a:gd name="connsiteX6" fmla="*/ 60861 w 671748"/>
+              <a:gd name="connsiteY6" fmla="*/ 696686 h 4151086"/>
+              <a:gd name="connsiteX7" fmla="*/ 104404 w 671748"/>
+              <a:gd name="connsiteY7" fmla="*/ 754743 h 4151086"/>
+              <a:gd name="connsiteX8" fmla="*/ 118918 w 671748"/>
+              <a:gd name="connsiteY8" fmla="*/ 798286 h 4151086"/>
+              <a:gd name="connsiteX9" fmla="*/ 293090 w 671748"/>
+              <a:gd name="connsiteY9" fmla="*/ 986972 h 4151086"/>
+              <a:gd name="connsiteX10" fmla="*/ 336633 w 671748"/>
+              <a:gd name="connsiteY10" fmla="*/ 1016000 h 4151086"/>
+              <a:gd name="connsiteX11" fmla="*/ 438233 w 671748"/>
+              <a:gd name="connsiteY11" fmla="*/ 1132114 h 4151086"/>
+              <a:gd name="connsiteX12" fmla="*/ 539833 w 671748"/>
+              <a:gd name="connsiteY12" fmla="*/ 1306286 h 4151086"/>
+              <a:gd name="connsiteX13" fmla="*/ 612404 w 671748"/>
+              <a:gd name="connsiteY13" fmla="*/ 1422400 h 4151086"/>
+              <a:gd name="connsiteX14" fmla="*/ 641433 w 671748"/>
+              <a:gd name="connsiteY14" fmla="*/ 1524000 h 4151086"/>
+              <a:gd name="connsiteX15" fmla="*/ 670461 w 671748"/>
+              <a:gd name="connsiteY15" fmla="*/ 2075543 h 4151086"/>
+              <a:gd name="connsiteX16" fmla="*/ 626918 w 671748"/>
+              <a:gd name="connsiteY16" fmla="*/ 2554514 h 4151086"/>
+              <a:gd name="connsiteX17" fmla="*/ 568861 w 671748"/>
+              <a:gd name="connsiteY17" fmla="*/ 2670629 h 4151086"/>
+              <a:gd name="connsiteX18" fmla="*/ 554347 w 671748"/>
+              <a:gd name="connsiteY18" fmla="*/ 2728686 h 4151086"/>
+              <a:gd name="connsiteX19" fmla="*/ 525318 w 671748"/>
+              <a:gd name="connsiteY19" fmla="*/ 2772229 h 4151086"/>
+              <a:gd name="connsiteX20" fmla="*/ 510804 w 671748"/>
+              <a:gd name="connsiteY20" fmla="*/ 2844800 h 4151086"/>
+              <a:gd name="connsiteX21" fmla="*/ 452747 w 671748"/>
+              <a:gd name="connsiteY21" fmla="*/ 2917372 h 4151086"/>
+              <a:gd name="connsiteX22" fmla="*/ 423718 w 671748"/>
+              <a:gd name="connsiteY22" fmla="*/ 2975429 h 4151086"/>
+              <a:gd name="connsiteX23" fmla="*/ 409204 w 671748"/>
+              <a:gd name="connsiteY23" fmla="*/ 3033486 h 4151086"/>
+              <a:gd name="connsiteX24" fmla="*/ 380176 w 671748"/>
+              <a:gd name="connsiteY24" fmla="*/ 3077029 h 4151086"/>
+              <a:gd name="connsiteX25" fmla="*/ 351147 w 671748"/>
+              <a:gd name="connsiteY25" fmla="*/ 3135086 h 4151086"/>
+              <a:gd name="connsiteX26" fmla="*/ 264061 w 671748"/>
+              <a:gd name="connsiteY26" fmla="*/ 3280229 h 4151086"/>
+              <a:gd name="connsiteX27" fmla="*/ 249547 w 671748"/>
+              <a:gd name="connsiteY27" fmla="*/ 3338286 h 4151086"/>
+              <a:gd name="connsiteX28" fmla="*/ 176976 w 671748"/>
+              <a:gd name="connsiteY28" fmla="*/ 3512457 h 4151086"/>
+              <a:gd name="connsiteX29" fmla="*/ 147947 w 671748"/>
+              <a:gd name="connsiteY29" fmla="*/ 3614057 h 4151086"/>
+              <a:gd name="connsiteX30" fmla="*/ 104404 w 671748"/>
+              <a:gd name="connsiteY30" fmla="*/ 3744686 h 4151086"/>
+              <a:gd name="connsiteX31" fmla="*/ 75376 w 671748"/>
+              <a:gd name="connsiteY31" fmla="*/ 3875314 h 4151086"/>
+              <a:gd name="connsiteX32" fmla="*/ 60861 w 671748"/>
+              <a:gd name="connsiteY32" fmla="*/ 3962400 h 4151086"/>
+              <a:gd name="connsiteX33" fmla="*/ 60861 w 671748"/>
+              <a:gd name="connsiteY33" fmla="*/ 4151086 h 4151086"/>
+            </a:gdLst>
+            <a:ahLst/>
+            <a:cxnLst>
+              <a:cxn ang="0">
+                <a:pos x="connsiteX0" y="connsiteY0"/>
+              </a:cxn>
+              <a:cxn ang="0">
+                <a:pos x="connsiteX1" y="connsiteY1"/>
+              </a:cxn>
+              <a:cxn ang="0">
+                <a:pos x="connsiteX2" y="connsiteY2"/>
+              </a:cxn>
+              <a:cxn ang="0">
+                <a:pos x="connsiteX3" y="connsiteY3"/>
+              </a:cxn>
+              <a:cxn ang="0">
+                <a:pos x="connsiteX4" y="connsiteY4"/>
+              </a:cxn>
+              <a:cxn ang="0">
+                <a:pos x="connsiteX5" y="connsiteY5"/>
+              </a:cxn>
+              <a:cxn ang="0">
+                <a:pos x="connsiteX6" y="connsiteY6"/>
+              </a:cxn>
+              <a:cxn ang="0">
+                <a:pos x="connsiteX7" y="connsiteY7"/>
+              </a:cxn>
+              <a:cxn ang="0">
+                <a:pos x="connsiteX8" y="connsiteY8"/>
+              </a:cxn>
+              <a:cxn ang="0">
+                <a:pos x="connsiteX9" y="connsiteY9"/>
+              </a:cxn>
+              <a:cxn ang="0">
+                <a:pos x="connsiteX10" y="connsiteY10"/>
+              </a:cxn>
+              <a:cxn ang="0">
+                <a:pos x="connsiteX11" y="connsiteY11"/>
+              </a:cxn>
+              <a:cxn ang="0">
+                <a:pos x="connsiteX12" y="connsiteY12"/>
+              </a:cxn>
+              <a:cxn ang="0">
+                <a:pos x="connsiteX13" y="connsiteY13"/>
+              </a:cxn>
+              <a:cxn ang="0">
+                <a:pos x="connsiteX14" y="connsiteY14"/>
+              </a:cxn>
+              <a:cxn ang="0">
+                <a:pos x="connsiteX15" y="connsiteY15"/>
+              </a:cxn>
+              <a:cxn ang="0">
+                <a:pos x="connsiteX16" y="connsiteY16"/>
+              </a:cxn>
+              <a:cxn ang="0">
+                <a:pos x="connsiteX17" y="connsiteY17"/>
+              </a:cxn>
+              <a:cxn ang="0">
+                <a:pos x="connsiteX18" y="connsiteY18"/>
+              </a:cxn>
+              <a:cxn ang="0">
+                <a:pos x="connsiteX19" y="connsiteY19"/>
+              </a:cxn>
+              <a:cxn ang="0">
+                <a:pos x="connsiteX20" y="connsiteY20"/>
+              </a:cxn>
+              <a:cxn ang="0">
+                <a:pos x="connsiteX21" y="connsiteY21"/>
+              </a:cxn>
+              <a:cxn ang="0">
+                <a:pos x="connsiteX22" y="connsiteY22"/>
+              </a:cxn>
+              <a:cxn ang="0">
+                <a:pos x="connsiteX23" y="connsiteY23"/>
+              </a:cxn>
+              <a:cxn ang="0">
+                <a:pos x="connsiteX24" y="connsiteY24"/>
+              </a:cxn>
+              <a:cxn ang="0">
+                <a:pos x="connsiteX25" y="connsiteY25"/>
+              </a:cxn>
+              <a:cxn ang="0">
+                <a:pos x="connsiteX26" y="connsiteY26"/>
+              </a:cxn>
+              <a:cxn ang="0">
+                <a:pos x="connsiteX27" y="connsiteY27"/>
+              </a:cxn>
+              <a:cxn ang="0">
+                <a:pos x="connsiteX28" y="connsiteY28"/>
+              </a:cxn>
+              <a:cxn ang="0">
+                <a:pos x="connsiteX29" y="connsiteY29"/>
+              </a:cxn>
+              <a:cxn ang="0">
+                <a:pos x="connsiteX30" y="connsiteY30"/>
+              </a:cxn>
+              <a:cxn ang="0">
+                <a:pos x="connsiteX31" y="connsiteY31"/>
+              </a:cxn>
+              <a:cxn ang="0">
+                <a:pos x="connsiteX32" y="connsiteY32"/>
+              </a:cxn>
+              <a:cxn ang="0">
+                <a:pos x="connsiteX33" y="connsiteY33"/>
+              </a:cxn>
+            </a:cxnLst>
+            <a:rect l="l" t="t" r="r" b="b"/>
+            <a:pathLst>
+              <a:path w="671748" h="4151086">
+                <a:moveTo>
+                  <a:pt x="307604" y="0"/>
+                </a:moveTo>
+                <a:cubicBezTo>
+                  <a:pt x="255772" y="20733"/>
+                  <a:pt x="224431" y="30940"/>
+                  <a:pt x="176976" y="58057"/>
+                </a:cubicBezTo>
+                <a:cubicBezTo>
+                  <a:pt x="161830" y="66712"/>
+                  <a:pt x="146471" y="75497"/>
+                  <a:pt x="133433" y="87086"/>
+                </a:cubicBezTo>
+                <a:cubicBezTo>
+                  <a:pt x="102750" y="114360"/>
+                  <a:pt x="46347" y="174172"/>
+                  <a:pt x="46347" y="174172"/>
+                </a:cubicBezTo>
+                <a:lnTo>
+                  <a:pt x="17318" y="261257"/>
+                </a:lnTo>
+                <a:lnTo>
+                  <a:pt x="2804" y="304800"/>
+                </a:lnTo>
+                <a:cubicBezTo>
+                  <a:pt x="15579" y="585847"/>
+                  <a:pt x="-36701" y="550344"/>
+                  <a:pt x="60861" y="696686"/>
+                </a:cubicBezTo>
+                <a:cubicBezTo>
+                  <a:pt x="74279" y="716814"/>
+                  <a:pt x="89890" y="735391"/>
+                  <a:pt x="104404" y="754743"/>
+                </a:cubicBezTo>
+                <a:cubicBezTo>
+                  <a:pt x="109242" y="769257"/>
+                  <a:pt x="112076" y="784602"/>
+                  <a:pt x="118918" y="798286"/>
+                </a:cubicBezTo>
+                <a:cubicBezTo>
+                  <a:pt x="150744" y="861938"/>
+                  <a:pt x="273507" y="973917"/>
+                  <a:pt x="293090" y="986972"/>
+                </a:cubicBezTo>
+                <a:cubicBezTo>
+                  <a:pt x="307604" y="996648"/>
+                  <a:pt x="323232" y="1004833"/>
+                  <a:pt x="336633" y="1016000"/>
+                </a:cubicBezTo>
+                <a:cubicBezTo>
+                  <a:pt x="371104" y="1044726"/>
+                  <a:pt x="414104" y="1098937"/>
+                  <a:pt x="438233" y="1132114"/>
+                </a:cubicBezTo>
+                <a:cubicBezTo>
+                  <a:pt x="531324" y="1260114"/>
+                  <a:pt x="464844" y="1175056"/>
+                  <a:pt x="539833" y="1306286"/>
+                </a:cubicBezTo>
+                <a:cubicBezTo>
+                  <a:pt x="562478" y="1345915"/>
+                  <a:pt x="612404" y="1422400"/>
+                  <a:pt x="612404" y="1422400"/>
+                </a:cubicBezTo>
+                <a:cubicBezTo>
+                  <a:pt x="622080" y="1456267"/>
+                  <a:pt x="636452" y="1489132"/>
+                  <a:pt x="641433" y="1524000"/>
+                </a:cubicBezTo>
+                <a:cubicBezTo>
+                  <a:pt x="654841" y="1617856"/>
+                  <a:pt x="669183" y="2044873"/>
+                  <a:pt x="670461" y="2075543"/>
+                </a:cubicBezTo>
+                <a:cubicBezTo>
+                  <a:pt x="662938" y="2278665"/>
+                  <a:pt x="695383" y="2394763"/>
+                  <a:pt x="626918" y="2554514"/>
+                </a:cubicBezTo>
+                <a:cubicBezTo>
+                  <a:pt x="609872" y="2594289"/>
+                  <a:pt x="588213" y="2631924"/>
+                  <a:pt x="568861" y="2670629"/>
+                </a:cubicBezTo>
+                <a:cubicBezTo>
+                  <a:pt x="564023" y="2689981"/>
+                  <a:pt x="562205" y="2710351"/>
+                  <a:pt x="554347" y="2728686"/>
+                </a:cubicBezTo>
+                <a:cubicBezTo>
+                  <a:pt x="547475" y="2744720"/>
+                  <a:pt x="531443" y="2755896"/>
+                  <a:pt x="525318" y="2772229"/>
+                </a:cubicBezTo>
+                <a:cubicBezTo>
+                  <a:pt x="516656" y="2795328"/>
+                  <a:pt x="521836" y="2822735"/>
+                  <a:pt x="510804" y="2844800"/>
+                </a:cubicBezTo>
+                <a:cubicBezTo>
+                  <a:pt x="496950" y="2872509"/>
+                  <a:pt x="469931" y="2891596"/>
+                  <a:pt x="452747" y="2917372"/>
+                </a:cubicBezTo>
+                <a:cubicBezTo>
+                  <a:pt x="440745" y="2935375"/>
+                  <a:pt x="433394" y="2956077"/>
+                  <a:pt x="423718" y="2975429"/>
+                </a:cubicBezTo>
+                <a:cubicBezTo>
+                  <a:pt x="418880" y="2994781"/>
+                  <a:pt x="417062" y="3015151"/>
+                  <a:pt x="409204" y="3033486"/>
+                </a:cubicBezTo>
+                <a:cubicBezTo>
+                  <a:pt x="402333" y="3049520"/>
+                  <a:pt x="388831" y="3061883"/>
+                  <a:pt x="380176" y="3077029"/>
+                </a:cubicBezTo>
+                <a:cubicBezTo>
+                  <a:pt x="369441" y="3095815"/>
+                  <a:pt x="361882" y="3116300"/>
+                  <a:pt x="351147" y="3135086"/>
+                </a:cubicBezTo>
+                <a:cubicBezTo>
+                  <a:pt x="323154" y="3184073"/>
+                  <a:pt x="264061" y="3280229"/>
+                  <a:pt x="264061" y="3280229"/>
+                </a:cubicBezTo>
+                <a:cubicBezTo>
+                  <a:pt x="259223" y="3299581"/>
+                  <a:pt x="256551" y="3319608"/>
+                  <a:pt x="249547" y="3338286"/>
+                </a:cubicBezTo>
+                <a:cubicBezTo>
+                  <a:pt x="227463" y="3397177"/>
+                  <a:pt x="194255" y="3451982"/>
+                  <a:pt x="176976" y="3512457"/>
+                </a:cubicBezTo>
+                <a:cubicBezTo>
+                  <a:pt x="167300" y="3546324"/>
+                  <a:pt x="158453" y="3580438"/>
+                  <a:pt x="147947" y="3614057"/>
+                </a:cubicBezTo>
+                <a:cubicBezTo>
+                  <a:pt x="134257" y="3657866"/>
+                  <a:pt x="115536" y="3700158"/>
+                  <a:pt x="104404" y="3744686"/>
+                </a:cubicBezTo>
+                <a:cubicBezTo>
+                  <a:pt x="88872" y="3806814"/>
+                  <a:pt x="87661" y="3807746"/>
+                  <a:pt x="75376" y="3875314"/>
+                </a:cubicBezTo>
+                <a:cubicBezTo>
+                  <a:pt x="70111" y="3904268"/>
+                  <a:pt x="62408" y="3933012"/>
+                  <a:pt x="60861" y="3962400"/>
+                </a:cubicBezTo>
+                <a:cubicBezTo>
+                  <a:pt x="57555" y="4025208"/>
+                  <a:pt x="60861" y="4088191"/>
+                  <a:pt x="60861" y="4151086"/>
+                </a:cubicBezTo>
+              </a:path>
+            </a:pathLst>
+          </a:custGeom>
+          <a:noFill/>
+          <a:ln w="28575">
+            <a:solidFill>
+              <a:schemeClr val="tx1"/>
+            </a:solidFill>
+          </a:ln>
+        </p:spPr>
+        <p:style>
+          <a:lnRef idx="2">
+            <a:schemeClr val="accent1">
+              <a:shade val="50000"/>
+            </a:schemeClr>
+          </a:lnRef>
+          <a:fillRef idx="1">
+            <a:schemeClr val="accent1"/>
+          </a:fillRef>
+          <a:effectRef idx="0">
+            <a:schemeClr val="accent1"/>
+          </a:effectRef>
+          <a:fontRef idx="minor">
+            <a:schemeClr val="lt1"/>
+          </a:fontRef>
+        </p:style>
+        <p:txBody>
+          <a:bodyPr rtlCol="0" anchor="ctr"/>
+          <a:lstStyle/>
+          <a:p>
+            <a:pPr algn="ctr"/>
+            <a:endParaRPr lang="en-US">
+              <a:solidFill>
+                <a:schemeClr val="tx1"/>
+              </a:solidFill>
+            </a:endParaRPr>
+          </a:p>
+        </p:txBody>
+      </p:sp>
+      <p:cxnSp>
+        <p:nvCxnSpPr>
+          <p:cNvPr id="18" name="Straight Arrow Connector 17">
+            <a:extLst>
+              <a:ext uri="{FF2B5EF4-FFF2-40B4-BE49-F238E27FC236}">
+                <a16:creationId xmlns:a16="http://schemas.microsoft.com/office/drawing/2014/main" id="{55D55C86-0A4E-AFDC-2AB9-15CD88609AD8}"/>
+              </a:ext>
+            </a:extLst>
+          </p:cNvPr>
+          <p:cNvCxnSpPr>
+            <a:cxnSpLocks/>
+            <a:stCxn id="9" idx="0"/>
+          </p:cNvCxnSpPr>
+          <p:nvPr/>
+        </p:nvCxnSpPr>
+        <p:spPr>
+          <a:xfrm flipH="1" flipV="1">
+            <a:off x="5759786" y="1392420"/>
+            <a:ext cx="77454" cy="2544352"/>
+          </a:xfrm>
+          <a:prstGeom prst="straightConnector1">
+            <a:avLst/>
+          </a:prstGeom>
+          <a:ln w="22225">
+            <a:solidFill>
+              <a:srgbClr val="B3DE69"/>
+            </a:solidFill>
+            <a:tailEnd type="triangle"/>
+          </a:ln>
+        </p:spPr>
+        <p:style>
+          <a:lnRef idx="1">
+            <a:schemeClr val="accent1"/>
+          </a:lnRef>
+          <a:fillRef idx="0">
+            <a:schemeClr val="accent1"/>
+          </a:fillRef>
+          <a:effectRef idx="0">
+            <a:schemeClr val="accent1"/>
+          </a:effectRef>
+          <a:fontRef idx="minor">
+            <a:schemeClr val="tx1"/>
+          </a:fontRef>
+        </p:style>
+      </p:cxnSp>
+      <p:sp>
+        <p:nvSpPr>
+          <p:cNvPr id="9" name="Rectangle 8">
+            <a:extLst>
+              <a:ext uri="{FF2B5EF4-FFF2-40B4-BE49-F238E27FC236}">
+                <a16:creationId xmlns:a16="http://schemas.microsoft.com/office/drawing/2014/main" id="{44322274-8573-B003-F01B-81679487DA86}"/>
+              </a:ext>
+            </a:extLst>
+          </p:cNvPr>
+          <p:cNvSpPr/>
+          <p:nvPr/>
+        </p:nvSpPr>
+        <p:spPr>
+          <a:xfrm rot="310231">
+            <a:off x="5637095" y="3935491"/>
+            <a:ext cx="343564" cy="629439"/>
+          </a:xfrm>
+          <a:prstGeom prst="rect">
+            <a:avLst/>
+          </a:prstGeom>
+          <a:solidFill>
+            <a:srgbClr val="8BD1C5"/>
+          </a:solidFill>
+          <a:ln>
+            <a:solidFill>
+              <a:srgbClr val="8BD1C5"/>
+            </a:solidFill>
+          </a:ln>
+        </p:spPr>
+        <p:style>
+          <a:lnRef idx="2">
+            <a:schemeClr val="accent1">
+              <a:shade val="50000"/>
+            </a:schemeClr>
+          </a:lnRef>
+          <a:fillRef idx="1">
+            <a:schemeClr val="accent1"/>
+          </a:fillRef>
+          <a:effectRef idx="0">
+            <a:schemeClr val="accent1"/>
+          </a:effectRef>
+          <a:fontRef idx="minor">
+            <a:schemeClr val="lt1"/>
+          </a:fontRef>
+        </p:style>
+        <p:txBody>
+          <a:bodyPr rtlCol="0" anchor="ctr"/>
+          <a:lstStyle/>
+          <a:p>
+            <a:pPr algn="ctr"/>
+            <a:endParaRPr lang="en-US"/>
+          </a:p>
+        </p:txBody>
+      </p:sp>
+      <p:sp>
+        <p:nvSpPr>
+          <p:cNvPr id="4" name="Circle: Hollow 3">
+            <a:extLst>
+              <a:ext uri="{FF2B5EF4-FFF2-40B4-BE49-F238E27FC236}">
+                <a16:creationId xmlns:a16="http://schemas.microsoft.com/office/drawing/2014/main" id="{3F2C48E3-9D3F-7DA0-0B3F-D2121B65329D}"/>
+              </a:ext>
+            </a:extLst>
+          </p:cNvPr>
+          <p:cNvSpPr/>
+          <p:nvPr/>
+        </p:nvSpPr>
+        <p:spPr>
+          <a:xfrm>
+            <a:off x="5562600" y="3819897"/>
+            <a:ext cx="197186" cy="202786"/>
+          </a:xfrm>
+          <a:prstGeom prst="donut">
+            <a:avLst>
+              <a:gd name="adj" fmla="val 5662"/>
+            </a:avLst>
+          </a:prstGeom>
+          <a:solidFill>
+            <a:srgbClr val="FF0000"/>
+          </a:solidFill>
+          <a:ln>
+            <a:solidFill>
+              <a:srgbClr val="FF0000"/>
+            </a:solidFill>
+          </a:ln>
+        </p:spPr>
+        <p:style>
+          <a:lnRef idx="2">
+            <a:schemeClr val="accent1">
+              <a:shade val="50000"/>
+            </a:schemeClr>
+          </a:lnRef>
+          <a:fillRef idx="1">
+            <a:schemeClr val="accent1"/>
+          </a:fillRef>
+          <a:effectRef idx="0">
+            <a:schemeClr val="accent1"/>
+          </a:effectRef>
+          <a:fontRef idx="minor">
+            <a:schemeClr val="lt1"/>
+          </a:fontRef>
+        </p:style>
+        <p:txBody>
+          <a:bodyPr rtlCol="0" anchor="ctr"/>
+          <a:lstStyle/>
+          <a:p>
+            <a:pPr algn="ctr"/>
+            <a:endParaRPr lang="en-US">
+              <a:solidFill>
+                <a:schemeClr val="tx1"/>
+              </a:solidFill>
+            </a:endParaRPr>
+          </a:p>
+        </p:txBody>
+      </p:sp>
+      <p:pic>
+        <p:nvPicPr>
+          <p:cNvPr id="10" name="image1.png">
+            <a:extLst>
+              <a:ext uri="{FF2B5EF4-FFF2-40B4-BE49-F238E27FC236}">
+                <a16:creationId xmlns:a16="http://schemas.microsoft.com/office/drawing/2014/main" id="{FBEDAD1A-3A3B-4A5D-B8C3-9A07DEED79D0}"/>
+              </a:ext>
+            </a:extLst>
+          </p:cNvPr>
+          <p:cNvPicPr>
+            <a:picLocks noChangeAspect="1"/>
+          </p:cNvPicPr>
+          <p:nvPr/>
+        </p:nvPicPr>
+        <p:blipFill>
+          <a:blip r:embed="rId3" cstate="print"/>
+          <a:stretch>
+            <a:fillRect/>
+          </a:stretch>
+        </p:blipFill>
+        <p:spPr>
+          <a:xfrm>
+            <a:off x="10765085" y="120681"/>
+            <a:ext cx="1307646" cy="1307646"/>
+          </a:xfrm>
+          <a:prstGeom prst="rect">
+            <a:avLst/>
+          </a:prstGeom>
+        </p:spPr>
+      </p:pic>
+    </p:spTree>
+    <p:extLst>
+      <p:ext uri="{BB962C8B-B14F-4D97-AF65-F5344CB8AC3E}">
+        <p14:creationId xmlns:p14="http://schemas.microsoft.com/office/powerpoint/2010/main" val="1024625433"/>
+      </p:ext>
+    </p:extLst>
+  </p:cSld>
+  <p:clrMapOvr>
+    <a:masterClrMapping/>
+  </p:clrMapOvr>
+  <mc:AlternateContent xmlns:mc="http://schemas.openxmlformats.org/markup-compatibility/2006" xmlns:p159="http://schemas.microsoft.com/office/powerpoint/2015/09/main">
+    <mc:Choice Requires="p159">
+      <p:transition xmlns:p14="http://schemas.microsoft.com/office/powerpoint/2010/main" spd="slow" p14:dur="2000">
+        <p159:morph option="byObject"/>
+      </p:transition>
+    </mc:Choice>
+    <mc:Fallback xmlns="">
+      <p:transition spd="slow">
+        <p:fade/>
+      </p:transition>
+    </mc:Fallback>
+  </mc:AlternateContent>
+</p:sld>
+</file>
+
+<file path=ppt/slides/slide11.xml><?xml version="1.0" encoding="utf-8"?>
+<p:sld xmlns:a="http://schemas.openxmlformats.org/drawingml/2006/main" xmlns:r="http://schemas.openxmlformats.org/officeDocument/2006/relationships" xmlns:p="http://schemas.openxmlformats.org/presentationml/2006/main">
+  <p:cSld>
+    <p:spTree>
+      <p:nvGrpSpPr>
+        <p:cNvPr id="1" name=""/>
+        <p:cNvGrpSpPr/>
+        <p:nvPr/>
+      </p:nvGrpSpPr>
+      <p:grpSpPr>
+        <a:xfrm>
+          <a:off x="0" y="0"/>
+          <a:ext cx="0" cy="0"/>
+          <a:chOff x="0" y="0"/>
+          <a:chExt cx="0" cy="0"/>
+        </a:xfrm>
+      </p:grpSpPr>
+      <p:sp>
+        <p:nvSpPr>
+          <p:cNvPr id="7" name="Content Placeholder 2">
+            <a:extLst>
+              <a:ext uri="{FF2B5EF4-FFF2-40B4-BE49-F238E27FC236}">
+                <a16:creationId xmlns:a16="http://schemas.microsoft.com/office/drawing/2014/main" id="{D3E64906-E945-371A-7BFF-AD589E514F74}"/>
+              </a:ext>
+            </a:extLst>
+          </p:cNvPr>
+          <p:cNvSpPr>
+            <a:spLocks noGrp="1"/>
+          </p:cNvSpPr>
+          <p:nvPr>
+            <p:ph idx="1"/>
+          </p:nvPr>
+        </p:nvSpPr>
+        <p:spPr>
+          <a:xfrm>
+            <a:off x="2146863" y="468824"/>
+            <a:ext cx="7898269" cy="652474"/>
+          </a:xfrm>
+        </p:spPr>
+        <p:txBody>
+          <a:bodyPr anchor="ctr" anchorCtr="0">
+            <a:noAutofit/>
+          </a:bodyPr>
+          <a:lstStyle/>
+          <a:p>
+            <a:pPr marL="0" indent="0" algn="ctr">
+              <a:buNone/>
+            </a:pPr>
+            <a:r>
+              <a:rPr lang="en-US" sz="2800" dirty="0"/>
+              <a:t>What happens if we only travel the longest distance?</a:t>
+            </a:r>
+          </a:p>
+        </p:txBody>
+      </p:sp>
+      <p:sp>
+        <p:nvSpPr>
+          <p:cNvPr id="8" name="Title 1">
+            <a:extLst>
+              <a:ext uri="{FF2B5EF4-FFF2-40B4-BE49-F238E27FC236}">
+                <a16:creationId xmlns:a16="http://schemas.microsoft.com/office/drawing/2014/main" id="{06DCD268-CBD9-011B-7DF1-A7282AA6CE71}"/>
+              </a:ext>
+            </a:extLst>
+          </p:cNvPr>
+          <p:cNvSpPr>
+            <a:spLocks noGrp="1"/>
+          </p:cNvSpPr>
+          <p:nvPr>
+            <p:ph type="title"/>
+          </p:nvPr>
+        </p:nvSpPr>
+        <p:spPr>
+          <a:xfrm>
+            <a:off x="5588004" y="6172200"/>
+            <a:ext cx="6603996" cy="685800"/>
+          </a:xfrm>
+        </p:spPr>
+        <p:txBody>
+          <a:bodyPr>
+            <a:normAutofit/>
+          </a:bodyPr>
+          <a:lstStyle/>
+          <a:p>
+            <a:r>
+              <a:rPr lang="en-US" sz="3200" dirty="0"/>
+              <a:t>Longest Safely Traversable Distance</a:t>
+            </a:r>
+          </a:p>
+        </p:txBody>
+      </p:sp>
+      <p:sp>
+        <p:nvSpPr>
           <p:cNvPr id="9" name="Rectangle 8">
             <a:extLst>
               <a:ext uri="{FF2B5EF4-FFF2-40B4-BE49-F238E27FC236}">
@@ -9524,7 +10843,7 @@
 </p:sld>
 </file>
 
-<file path=ppt/slides/slide11.xml><?xml version="1.0" encoding="utf-8"?>
+<file path=ppt/slides/slide12.xml><?xml version="1.0" encoding="utf-8"?>
 <p:sld xmlns:a="http://schemas.openxmlformats.org/drawingml/2006/main" xmlns:r="http://schemas.openxmlformats.org/officeDocument/2006/relationships" xmlns:p="http://schemas.openxmlformats.org/presentationml/2006/main">
   <p:cSld>
     <p:spTree>
@@ -9725,7 +11044,7 @@
 </p:sld>
 </file>
 
-<file path=ppt/slides/slide12.xml><?xml version="1.0" encoding="utf-8"?>
+<file path=ppt/slides/slide13.xml><?xml version="1.0" encoding="utf-8"?>
 <p:sld xmlns:a="http://schemas.openxmlformats.org/drawingml/2006/main" xmlns:r="http://schemas.openxmlformats.org/officeDocument/2006/relationships" xmlns:p="http://schemas.openxmlformats.org/presentationml/2006/main">
   <p:cSld>
     <p:spTree>
@@ -10014,7 +11333,7 @@
 </p:sld>
 </file>
 
-<file path=ppt/slides/slide13.xml><?xml version="1.0" encoding="utf-8"?>
+<file path=ppt/slides/slide14.xml><?xml version="1.0" encoding="utf-8"?>
 <p:sld xmlns:a="http://schemas.openxmlformats.org/drawingml/2006/main" xmlns:r="http://schemas.openxmlformats.org/officeDocument/2006/relationships" xmlns:p="http://schemas.openxmlformats.org/presentationml/2006/main">
   <p:cSld>
     <p:spTree>
@@ -10408,7 +11727,7 @@
 </p:sld>
 </file>
 
-<file path=ppt/slides/slide14.xml><?xml version="1.0" encoding="utf-8"?>
+<file path=ppt/slides/slide15.xml><?xml version="1.0" encoding="utf-8"?>
 <p:sld xmlns:a="http://schemas.openxmlformats.org/drawingml/2006/main" xmlns:r="http://schemas.openxmlformats.org/officeDocument/2006/relationships" xmlns:p="http://schemas.openxmlformats.org/presentationml/2006/main">
   <p:cSld>
     <p:spTree>
@@ -10838,7 +12157,7 @@
 </p:sld>
 </file>
 
-<file path=ppt/slides/slide15.xml><?xml version="1.0" encoding="utf-8"?>
+<file path=ppt/slides/slide16.xml><?xml version="1.0" encoding="utf-8"?>
 <p:sld xmlns:a="http://schemas.openxmlformats.org/drawingml/2006/main" xmlns:r="http://schemas.openxmlformats.org/officeDocument/2006/relationships" xmlns:p="http://schemas.openxmlformats.org/presentationml/2006/main">
   <p:cSld>
     <p:spTree>
@@ -12036,7 +13355,7 @@
 </p:sld>
 </file>
 
-<file path=ppt/slides/slide16.xml><?xml version="1.0" encoding="utf-8"?>
+<file path=ppt/slides/slide17.xml><?xml version="1.0" encoding="utf-8"?>
 <p:sld xmlns:a="http://schemas.openxmlformats.org/drawingml/2006/main" xmlns:r="http://schemas.openxmlformats.org/officeDocument/2006/relationships" xmlns:p="http://schemas.openxmlformats.org/presentationml/2006/main">
   <p:cSld>
     <p:spTree>
@@ -12238,7 +13557,7 @@
 </p:sld>
 </file>
 
-<file path=ppt/slides/slide17.xml><?xml version="1.0" encoding="utf-8"?>
+<file path=ppt/slides/slide18.xml><?xml version="1.0" encoding="utf-8"?>
 <p:sld xmlns:a="http://schemas.openxmlformats.org/drawingml/2006/main" xmlns:r="http://schemas.openxmlformats.org/officeDocument/2006/relationships" xmlns:p="http://schemas.openxmlformats.org/presentationml/2006/main">
   <p:cSld>
     <p:spTree>
@@ -13305,7 +14624,7 @@
 </p:sld>
 </file>
 
-<file path=ppt/slides/slide18.xml><?xml version="1.0" encoding="utf-8"?>
+<file path=ppt/slides/slide19.xml><?xml version="1.0" encoding="utf-8"?>
 <p:sld xmlns:a="http://schemas.openxmlformats.org/drawingml/2006/main" xmlns:r="http://schemas.openxmlformats.org/officeDocument/2006/relationships" xmlns:p="http://schemas.openxmlformats.org/presentationml/2006/main">
   <p:cSld>
     <p:spTree>
@@ -14479,7 +15798,128 @@
 </p:sld>
 </file>
 
-<file path=ppt/slides/slide19.xml><?xml version="1.0" encoding="utf-8"?>
+<file path=ppt/slides/slide2.xml><?xml version="1.0" encoding="utf-8"?>
+<p:sld xmlns:a="http://schemas.openxmlformats.org/drawingml/2006/main" xmlns:r="http://schemas.openxmlformats.org/officeDocument/2006/relationships" xmlns:p="http://schemas.openxmlformats.org/presentationml/2006/main">
+  <p:cSld>
+    <p:spTree>
+      <p:nvGrpSpPr>
+        <p:cNvPr id="1" name=""/>
+        <p:cNvGrpSpPr/>
+        <p:nvPr/>
+      </p:nvGrpSpPr>
+      <p:grpSpPr>
+        <a:xfrm>
+          <a:off x="0" y="0"/>
+          <a:ext cx="0" cy="0"/>
+          <a:chOff x="0" y="0"/>
+          <a:chExt cx="0" cy="0"/>
+        </a:xfrm>
+      </p:grpSpPr>
+      <p:sp>
+        <p:nvSpPr>
+          <p:cNvPr id="2" name="Title 1">
+            <a:extLst>
+              <a:ext uri="{FF2B5EF4-FFF2-40B4-BE49-F238E27FC236}">
+                <a16:creationId xmlns:a16="http://schemas.microsoft.com/office/drawing/2014/main" id="{0D93E8D2-6E82-4BC0-8C00-69D5DD0199F7}"/>
+              </a:ext>
+            </a:extLst>
+          </p:cNvPr>
+          <p:cNvSpPr>
+            <a:spLocks noGrp="1"/>
+          </p:cNvSpPr>
+          <p:nvPr>
+            <p:ph type="title"/>
+          </p:nvPr>
+        </p:nvSpPr>
+        <p:spPr/>
+        <p:txBody>
+          <a:bodyPr/>
+          <a:lstStyle/>
+          <a:p>
+            <a:r>
+              <a:rPr lang="en-IE" dirty="0"/>
+              <a:t>Pull This Repo !!!</a:t>
+            </a:r>
+          </a:p>
+        </p:txBody>
+      </p:sp>
+      <p:sp>
+        <p:nvSpPr>
+          <p:cNvPr id="3" name="Content Placeholder 2">
+            <a:extLst>
+              <a:ext uri="{FF2B5EF4-FFF2-40B4-BE49-F238E27FC236}">
+                <a16:creationId xmlns:a16="http://schemas.microsoft.com/office/drawing/2014/main" id="{E374F42E-48B2-4ACD-A60F-BF0B62A16650}"/>
+              </a:ext>
+            </a:extLst>
+          </p:cNvPr>
+          <p:cNvSpPr>
+            <a:spLocks noGrp="1"/>
+          </p:cNvSpPr>
+          <p:nvPr>
+            <p:ph idx="1"/>
+          </p:nvPr>
+        </p:nvSpPr>
+        <p:spPr/>
+        <p:txBody>
+          <a:bodyPr>
+            <a:normAutofit/>
+          </a:bodyPr>
+          <a:lstStyle/>
+          <a:p>
+            <a:endParaRPr lang="en-IE" sz="2800" dirty="0"/>
+          </a:p>
+          <a:p>
+            <a:pPr marL="0" indent="0" algn="ctr">
+              <a:buNone/>
+            </a:pPr>
+            <a:r>
+              <a:rPr lang="en-IE" sz="2800" dirty="0">
+                <a:hlinkClick r:id="rId2"/>
+              </a:rPr>
+              <a:t>https://github.com/RacingAI/Reactive-Methods-Workshop</a:t>
+            </a:r>
+            <a:endParaRPr lang="en-IE" sz="2800" dirty="0"/>
+          </a:p>
+          <a:p>
+            <a:pPr marL="0" indent="0" algn="ctr">
+              <a:buNone/>
+            </a:pPr>
+            <a:endParaRPr lang="en-IE" sz="2800" dirty="0"/>
+          </a:p>
+          <a:p>
+            <a:pPr marL="0" indent="0" algn="ctr">
+              <a:buNone/>
+            </a:pPr>
+            <a:r>
+              <a:rPr lang="en-IE" sz="2800" dirty="0"/>
+              <a:t>*** Make this nice later ***</a:t>
+            </a:r>
+          </a:p>
+          <a:p>
+            <a:pPr marL="0" indent="0" algn="ctr">
+              <a:buNone/>
+            </a:pPr>
+            <a:r>
+              <a:rPr lang="en-IE" sz="2800"/>
+              <a:t>Link in da slack</a:t>
+            </a:r>
+          </a:p>
+        </p:txBody>
+      </p:sp>
+    </p:spTree>
+    <p:extLst>
+      <p:ext uri="{BB962C8B-B14F-4D97-AF65-F5344CB8AC3E}">
+        <p14:creationId xmlns:p14="http://schemas.microsoft.com/office/powerpoint/2010/main" val="1210460911"/>
+      </p:ext>
+    </p:extLst>
+  </p:cSld>
+  <p:clrMapOvr>
+    <a:masterClrMapping/>
+  </p:clrMapOvr>
+</p:sld>
+</file>
+
+<file path=ppt/slides/slide20.xml><?xml version="1.0" encoding="utf-8"?>
 <p:sld xmlns:a="http://schemas.openxmlformats.org/drawingml/2006/main" xmlns:r="http://schemas.openxmlformats.org/officeDocument/2006/relationships" xmlns:p="http://schemas.openxmlformats.org/presentationml/2006/main">
   <p:cSld>
     <p:spTree>
@@ -16458,183 +17898,7 @@
 </p:sld>
 </file>
 
-<file path=ppt/slides/slide2.xml><?xml version="1.0" encoding="utf-8"?>
-<p:sld xmlns:a="http://schemas.openxmlformats.org/drawingml/2006/main" xmlns:r="http://schemas.openxmlformats.org/officeDocument/2006/relationships" xmlns:p="http://schemas.openxmlformats.org/presentationml/2006/main">
-  <p:cSld>
-    <p:spTree>
-      <p:nvGrpSpPr>
-        <p:cNvPr id="1" name=""/>
-        <p:cNvGrpSpPr/>
-        <p:nvPr/>
-      </p:nvGrpSpPr>
-      <p:grpSpPr>
-        <a:xfrm>
-          <a:off x="0" y="0"/>
-          <a:ext cx="0" cy="0"/>
-          <a:chOff x="0" y="0"/>
-          <a:chExt cx="0" cy="0"/>
-        </a:xfrm>
-      </p:grpSpPr>
-      <p:sp>
-        <p:nvSpPr>
-          <p:cNvPr id="6" name="Title 1">
-            <a:extLst>
-              <a:ext uri="{FF2B5EF4-FFF2-40B4-BE49-F238E27FC236}">
-                <a16:creationId xmlns:a16="http://schemas.microsoft.com/office/drawing/2014/main" id="{9A43FE2A-7AEE-F437-FBFE-42F52B79A130}"/>
-              </a:ext>
-            </a:extLst>
-          </p:cNvPr>
-          <p:cNvSpPr>
-            <a:spLocks noGrp="1"/>
-          </p:cNvSpPr>
-          <p:nvPr>
-            <p:ph type="title"/>
-          </p:nvPr>
-        </p:nvSpPr>
-        <p:spPr>
-          <a:xfrm>
-            <a:off x="1143000" y="872935"/>
-            <a:ext cx="9905999" cy="1360898"/>
-          </a:xfrm>
-        </p:spPr>
-        <p:txBody>
-          <a:bodyPr/>
-          <a:lstStyle/>
-          <a:p>
-            <a:r>
-              <a:rPr lang="en-US" dirty="0">
-                <a:latin typeface="Walbaum Display (Body)"/>
-              </a:rPr>
-              <a:t>What is it?</a:t>
-            </a:r>
-          </a:p>
-        </p:txBody>
-      </p:sp>
-      <p:sp>
-        <p:nvSpPr>
-          <p:cNvPr id="7" name="Content Placeholder 2">
-            <a:extLst>
-              <a:ext uri="{FF2B5EF4-FFF2-40B4-BE49-F238E27FC236}">
-                <a16:creationId xmlns:a16="http://schemas.microsoft.com/office/drawing/2014/main" id="{6D911064-6362-6552-0006-21B080E77CFE}"/>
-              </a:ext>
-            </a:extLst>
-          </p:cNvPr>
-          <p:cNvSpPr>
-            <a:spLocks noGrp="1"/>
-          </p:cNvSpPr>
-          <p:nvPr>
-            <p:ph idx="1"/>
-          </p:nvPr>
-        </p:nvSpPr>
-        <p:spPr>
-          <a:xfrm>
-            <a:off x="1143000" y="2332026"/>
-            <a:ext cx="9905999" cy="3567118"/>
-          </a:xfrm>
-        </p:spPr>
-        <p:txBody>
-          <a:bodyPr>
-            <a:normAutofit/>
-          </a:bodyPr>
-          <a:lstStyle/>
-          <a:p>
-            <a:pPr>
-              <a:buFont typeface="Wingdings" panose="05000000000000000000" pitchFamily="2" charset="2"/>
-              <a:buChar char="Ø"/>
-            </a:pPr>
-            <a:r>
-              <a:rPr lang="en-US" sz="2800" dirty="0"/>
-              <a:t> Reactive</a:t>
-            </a:r>
-          </a:p>
-          <a:p>
-            <a:pPr>
-              <a:buFont typeface="Wingdings" panose="05000000000000000000" pitchFamily="2" charset="2"/>
-              <a:buChar char="Ø"/>
-            </a:pPr>
-            <a:r>
-              <a:rPr lang="en-US" sz="2800" dirty="0"/>
-              <a:t> Consists of 2 main steps:</a:t>
-            </a:r>
-          </a:p>
-          <a:p>
-            <a:pPr marL="514350" lvl="1" indent="-285750">
-              <a:buFont typeface="Arial" panose="020B0604020202020204" pitchFamily="34" charset="0"/>
-              <a:buChar char="•"/>
-            </a:pPr>
-            <a:r>
-              <a:rPr lang="en-US" sz="2400" i="0" dirty="0"/>
-              <a:t>Find the longest safely traversable distance</a:t>
-            </a:r>
-          </a:p>
-          <a:p>
-            <a:pPr marL="514350" lvl="1" indent="-285750">
-              <a:buFont typeface="Arial" panose="020B0604020202020204" pitchFamily="34" charset="0"/>
-              <a:buChar char="•"/>
-            </a:pPr>
-            <a:r>
-              <a:rPr lang="en-US" sz="2400" i="0" dirty="0"/>
-              <a:t>Follow that line</a:t>
-            </a:r>
-          </a:p>
-        </p:txBody>
-      </p:sp>
-      <p:pic>
-        <p:nvPicPr>
-          <p:cNvPr id="4" name="image1.png">
-            <a:extLst>
-              <a:ext uri="{FF2B5EF4-FFF2-40B4-BE49-F238E27FC236}">
-                <a16:creationId xmlns:a16="http://schemas.microsoft.com/office/drawing/2014/main" id="{D7C34D76-116C-4415-9FA3-C5E2F576D9CB}"/>
-              </a:ext>
-            </a:extLst>
-          </p:cNvPr>
-          <p:cNvPicPr>
-            <a:picLocks noChangeAspect="1"/>
-          </p:cNvPicPr>
-          <p:nvPr/>
-        </p:nvPicPr>
-        <p:blipFill>
-          <a:blip r:embed="rId3" cstate="print"/>
-          <a:stretch>
-            <a:fillRect/>
-          </a:stretch>
-        </p:blipFill>
-        <p:spPr>
-          <a:xfrm>
-            <a:off x="10765085" y="120681"/>
-            <a:ext cx="1307646" cy="1307646"/>
-          </a:xfrm>
-          <a:prstGeom prst="rect">
-            <a:avLst/>
-          </a:prstGeom>
-        </p:spPr>
-      </p:pic>
-    </p:spTree>
-    <p:extLst>
-      <p:ext uri="{BB962C8B-B14F-4D97-AF65-F5344CB8AC3E}">
-        <p14:creationId xmlns:p14="http://schemas.microsoft.com/office/powerpoint/2010/main" val="1002892313"/>
-      </p:ext>
-    </p:extLst>
-  </p:cSld>
-  <p:clrMapOvr>
-    <a:masterClrMapping/>
-  </p:clrMapOvr>
-  <mc:AlternateContent xmlns:mc="http://schemas.openxmlformats.org/markup-compatibility/2006" xmlns:p159="http://schemas.microsoft.com/office/powerpoint/2015/09/main">
-    <mc:Choice Requires="p159">
-      <p:transition xmlns:p14="http://schemas.microsoft.com/office/powerpoint/2010/main" spd="slow" p14:dur="2000">
-        <p159:morph option="byObject"/>
-      </p:transition>
-    </mc:Choice>
-    <mc:Fallback xmlns="">
-      <p:transition spd="slow">
-        <p:fade/>
-      </p:transition>
-    </mc:Fallback>
-  </mc:AlternateContent>
-</p:sld>
-</file>
-
-<file path=ppt/slides/slide20.xml><?xml version="1.0" encoding="utf-8"?>
+<file path=ppt/slides/slide21.xml><?xml version="1.0" encoding="utf-8"?>
 <p:sld xmlns:a="http://schemas.openxmlformats.org/drawingml/2006/main" xmlns:r="http://schemas.openxmlformats.org/officeDocument/2006/relationships" xmlns:p="http://schemas.openxmlformats.org/presentationml/2006/main">
   <p:cSld>
     <p:spTree>
@@ -17656,7 +18920,7 @@
 </p:sld>
 </file>
 
-<file path=ppt/slides/slide21.xml><?xml version="1.0" encoding="utf-8"?>
+<file path=ppt/slides/slide22.xml><?xml version="1.0" encoding="utf-8"?>
 <p:sld xmlns:a="http://schemas.openxmlformats.org/drawingml/2006/main" xmlns:r="http://schemas.openxmlformats.org/officeDocument/2006/relationships" xmlns:p="http://schemas.openxmlformats.org/presentationml/2006/main">
   <p:cSld>
     <p:spTree>
@@ -18730,7 +19994,7 @@
 </p:sld>
 </file>
 
-<file path=ppt/slides/slide22.xml><?xml version="1.0" encoding="utf-8"?>
+<file path=ppt/slides/slide23.xml><?xml version="1.0" encoding="utf-8"?>
 <p:sld xmlns:a="http://schemas.openxmlformats.org/drawingml/2006/main" xmlns:r="http://schemas.openxmlformats.org/officeDocument/2006/relationships" xmlns:p="http://schemas.openxmlformats.org/presentationml/2006/main">
   <p:cSld>
     <p:spTree>
@@ -20649,7 +21913,7 @@
 </p:sld>
 </file>
 
-<file path=ppt/slides/slide23.xml><?xml version="1.0" encoding="utf-8"?>
+<file path=ppt/slides/slide24.xml><?xml version="1.0" encoding="utf-8"?>
 <p:sld xmlns:a="http://schemas.openxmlformats.org/drawingml/2006/main" xmlns:r="http://schemas.openxmlformats.org/officeDocument/2006/relationships" xmlns:p="http://schemas.openxmlformats.org/presentationml/2006/main">
   <p:cSld>
     <p:spTree>
@@ -20916,7 +22180,7 @@
 </p:sld>
 </file>
 
-<file path=ppt/slides/slide24.xml><?xml version="1.0" encoding="utf-8"?>
+<file path=ppt/slides/slide25.xml><?xml version="1.0" encoding="utf-8"?>
 <p:sld xmlns:a="http://schemas.openxmlformats.org/drawingml/2006/main" xmlns:r="http://schemas.openxmlformats.org/officeDocument/2006/relationships" xmlns:p="http://schemas.openxmlformats.org/presentationml/2006/main">
   <p:cSld>
     <p:spTree>
@@ -21509,7 +22773,7 @@
 </p:sld>
 </file>
 
-<file path=ppt/slides/slide25.xml><?xml version="1.0" encoding="utf-8"?>
+<file path=ppt/slides/slide26.xml><?xml version="1.0" encoding="utf-8"?>
 <p:sld xmlns:a="http://schemas.openxmlformats.org/drawingml/2006/main" xmlns:r="http://schemas.openxmlformats.org/officeDocument/2006/relationships" xmlns:p="http://schemas.openxmlformats.org/presentationml/2006/main">
   <p:cSld>
     <p:spTree>
@@ -25434,7 +26698,7 @@
 </p:sld>
 </file>
 
-<file path=ppt/slides/slide26.xml><?xml version="1.0" encoding="utf-8"?>
+<file path=ppt/slides/slide27.xml><?xml version="1.0" encoding="utf-8"?>
 <p:sld xmlns:a="http://schemas.openxmlformats.org/drawingml/2006/main" xmlns:r="http://schemas.openxmlformats.org/officeDocument/2006/relationships" xmlns:p="http://schemas.openxmlformats.org/presentationml/2006/main">
   <p:cSld>
     <p:spTree>
@@ -29361,7 +30625,7 @@
 </p:sld>
 </file>
 
-<file path=ppt/slides/slide27.xml><?xml version="1.0" encoding="utf-8"?>
+<file path=ppt/slides/slide28.xml><?xml version="1.0" encoding="utf-8"?>
 <p:sld xmlns:a="http://schemas.openxmlformats.org/drawingml/2006/main" xmlns:r="http://schemas.openxmlformats.org/officeDocument/2006/relationships" xmlns:p="http://schemas.openxmlformats.org/presentationml/2006/main">
   <p:cSld>
     <p:spTree>
@@ -33288,7 +34552,7 @@
 </p:sld>
 </file>
 
-<file path=ppt/slides/slide28.xml><?xml version="1.0" encoding="utf-8"?>
+<file path=ppt/slides/slide29.xml><?xml version="1.0" encoding="utf-8"?>
 <p:sld xmlns:a="http://schemas.openxmlformats.org/drawingml/2006/main" xmlns:r="http://schemas.openxmlformats.org/officeDocument/2006/relationships" xmlns:p="http://schemas.openxmlformats.org/presentationml/2006/main">
   <p:cSld>
     <p:spTree>
@@ -37215,7 +38479,183 @@
 </p:sld>
 </file>
 
-<file path=ppt/slides/slide29.xml><?xml version="1.0" encoding="utf-8"?>
+<file path=ppt/slides/slide3.xml><?xml version="1.0" encoding="utf-8"?>
+<p:sld xmlns:a="http://schemas.openxmlformats.org/drawingml/2006/main" xmlns:r="http://schemas.openxmlformats.org/officeDocument/2006/relationships" xmlns:p="http://schemas.openxmlformats.org/presentationml/2006/main">
+  <p:cSld>
+    <p:spTree>
+      <p:nvGrpSpPr>
+        <p:cNvPr id="1" name=""/>
+        <p:cNvGrpSpPr/>
+        <p:nvPr/>
+      </p:nvGrpSpPr>
+      <p:grpSpPr>
+        <a:xfrm>
+          <a:off x="0" y="0"/>
+          <a:ext cx="0" cy="0"/>
+          <a:chOff x="0" y="0"/>
+          <a:chExt cx="0" cy="0"/>
+        </a:xfrm>
+      </p:grpSpPr>
+      <p:sp>
+        <p:nvSpPr>
+          <p:cNvPr id="6" name="Title 1">
+            <a:extLst>
+              <a:ext uri="{FF2B5EF4-FFF2-40B4-BE49-F238E27FC236}">
+                <a16:creationId xmlns:a16="http://schemas.microsoft.com/office/drawing/2014/main" id="{9A43FE2A-7AEE-F437-FBFE-42F52B79A130}"/>
+              </a:ext>
+            </a:extLst>
+          </p:cNvPr>
+          <p:cNvSpPr>
+            <a:spLocks noGrp="1"/>
+          </p:cNvSpPr>
+          <p:nvPr>
+            <p:ph type="title"/>
+          </p:nvPr>
+        </p:nvSpPr>
+        <p:spPr>
+          <a:xfrm>
+            <a:off x="1143000" y="872935"/>
+            <a:ext cx="9905999" cy="1360898"/>
+          </a:xfrm>
+        </p:spPr>
+        <p:txBody>
+          <a:bodyPr/>
+          <a:lstStyle/>
+          <a:p>
+            <a:r>
+              <a:rPr lang="en-US" dirty="0">
+                <a:latin typeface="Walbaum Display (Body)"/>
+              </a:rPr>
+              <a:t>What is it?</a:t>
+            </a:r>
+          </a:p>
+        </p:txBody>
+      </p:sp>
+      <p:sp>
+        <p:nvSpPr>
+          <p:cNvPr id="7" name="Content Placeholder 2">
+            <a:extLst>
+              <a:ext uri="{FF2B5EF4-FFF2-40B4-BE49-F238E27FC236}">
+                <a16:creationId xmlns:a16="http://schemas.microsoft.com/office/drawing/2014/main" id="{6D911064-6362-6552-0006-21B080E77CFE}"/>
+              </a:ext>
+            </a:extLst>
+          </p:cNvPr>
+          <p:cNvSpPr>
+            <a:spLocks noGrp="1"/>
+          </p:cNvSpPr>
+          <p:nvPr>
+            <p:ph idx="1"/>
+          </p:nvPr>
+        </p:nvSpPr>
+        <p:spPr>
+          <a:xfrm>
+            <a:off x="1143000" y="2332026"/>
+            <a:ext cx="9905999" cy="3567118"/>
+          </a:xfrm>
+        </p:spPr>
+        <p:txBody>
+          <a:bodyPr>
+            <a:normAutofit/>
+          </a:bodyPr>
+          <a:lstStyle/>
+          <a:p>
+            <a:pPr>
+              <a:buFont typeface="Wingdings" panose="05000000000000000000" pitchFamily="2" charset="2"/>
+              <a:buChar char="Ø"/>
+            </a:pPr>
+            <a:r>
+              <a:rPr lang="en-US" sz="2800" dirty="0"/>
+              <a:t> Reactive</a:t>
+            </a:r>
+          </a:p>
+          <a:p>
+            <a:pPr>
+              <a:buFont typeface="Wingdings" panose="05000000000000000000" pitchFamily="2" charset="2"/>
+              <a:buChar char="Ø"/>
+            </a:pPr>
+            <a:r>
+              <a:rPr lang="en-US" sz="2800" dirty="0"/>
+              <a:t> Consists of 2 main steps:</a:t>
+            </a:r>
+          </a:p>
+          <a:p>
+            <a:pPr marL="514350" lvl="1" indent="-285750">
+              <a:buFont typeface="Arial" panose="020B0604020202020204" pitchFamily="34" charset="0"/>
+              <a:buChar char="•"/>
+            </a:pPr>
+            <a:r>
+              <a:rPr lang="en-US" sz="2400" i="0" dirty="0"/>
+              <a:t>Find the longest safely traversable distance</a:t>
+            </a:r>
+          </a:p>
+          <a:p>
+            <a:pPr marL="514350" lvl="1" indent="-285750">
+              <a:buFont typeface="Arial" panose="020B0604020202020204" pitchFamily="34" charset="0"/>
+              <a:buChar char="•"/>
+            </a:pPr>
+            <a:r>
+              <a:rPr lang="en-US" sz="2400" i="0" dirty="0"/>
+              <a:t>Follow that line</a:t>
+            </a:r>
+          </a:p>
+        </p:txBody>
+      </p:sp>
+      <p:pic>
+        <p:nvPicPr>
+          <p:cNvPr id="4" name="image1.png">
+            <a:extLst>
+              <a:ext uri="{FF2B5EF4-FFF2-40B4-BE49-F238E27FC236}">
+                <a16:creationId xmlns:a16="http://schemas.microsoft.com/office/drawing/2014/main" id="{D7C34D76-116C-4415-9FA3-C5E2F576D9CB}"/>
+              </a:ext>
+            </a:extLst>
+          </p:cNvPr>
+          <p:cNvPicPr>
+            <a:picLocks noChangeAspect="1"/>
+          </p:cNvPicPr>
+          <p:nvPr/>
+        </p:nvPicPr>
+        <p:blipFill>
+          <a:blip r:embed="rId3" cstate="print"/>
+          <a:stretch>
+            <a:fillRect/>
+          </a:stretch>
+        </p:blipFill>
+        <p:spPr>
+          <a:xfrm>
+            <a:off x="10765085" y="120681"/>
+            <a:ext cx="1307646" cy="1307646"/>
+          </a:xfrm>
+          <a:prstGeom prst="rect">
+            <a:avLst/>
+          </a:prstGeom>
+        </p:spPr>
+      </p:pic>
+    </p:spTree>
+    <p:extLst>
+      <p:ext uri="{BB962C8B-B14F-4D97-AF65-F5344CB8AC3E}">
+        <p14:creationId xmlns:p14="http://schemas.microsoft.com/office/powerpoint/2010/main" val="1002892313"/>
+      </p:ext>
+    </p:extLst>
+  </p:cSld>
+  <p:clrMapOvr>
+    <a:masterClrMapping/>
+  </p:clrMapOvr>
+  <mc:AlternateContent xmlns:mc="http://schemas.openxmlformats.org/markup-compatibility/2006" xmlns:p159="http://schemas.microsoft.com/office/powerpoint/2015/09/main">
+    <mc:Choice Requires="p159">
+      <p:transition xmlns:p14="http://schemas.microsoft.com/office/powerpoint/2010/main" spd="slow" p14:dur="2000">
+        <p159:morph option="byObject"/>
+      </p:transition>
+    </mc:Choice>
+    <mc:Fallback xmlns="">
+      <p:transition spd="slow">
+        <p:fade/>
+      </p:transition>
+    </mc:Fallback>
+  </mc:AlternateContent>
+</p:sld>
+</file>
+
+<file path=ppt/slides/slide30.xml><?xml version="1.0" encoding="utf-8"?>
 <p:sld xmlns:a="http://schemas.openxmlformats.org/drawingml/2006/main" xmlns:r="http://schemas.openxmlformats.org/officeDocument/2006/relationships" xmlns:p="http://schemas.openxmlformats.org/presentationml/2006/main">
   <p:cSld>
     <p:spTree>
@@ -40524,314 +41964,7 @@
 </p:sld>
 </file>
 
-<file path=ppt/slides/slide3.xml><?xml version="1.0" encoding="utf-8"?>
-<p:sld xmlns:a="http://schemas.openxmlformats.org/drawingml/2006/main" xmlns:r="http://schemas.openxmlformats.org/officeDocument/2006/relationships" xmlns:p="http://schemas.openxmlformats.org/presentationml/2006/main">
-  <p:cSld>
-    <p:spTree>
-      <p:nvGrpSpPr>
-        <p:cNvPr id="1" name=""/>
-        <p:cNvGrpSpPr/>
-        <p:nvPr/>
-      </p:nvGrpSpPr>
-      <p:grpSpPr>
-        <a:xfrm>
-          <a:off x="0" y="0"/>
-          <a:ext cx="0" cy="0"/>
-          <a:chOff x="0" y="0"/>
-          <a:chExt cx="0" cy="0"/>
-        </a:xfrm>
-      </p:grpSpPr>
-      <p:sp>
-        <p:nvSpPr>
-          <p:cNvPr id="6" name="Title 1">
-            <a:extLst>
-              <a:ext uri="{FF2B5EF4-FFF2-40B4-BE49-F238E27FC236}">
-                <a16:creationId xmlns:a16="http://schemas.microsoft.com/office/drawing/2014/main" id="{9A43FE2A-7AEE-F437-FBFE-42F52B79A130}"/>
-              </a:ext>
-            </a:extLst>
-          </p:cNvPr>
-          <p:cNvSpPr>
-            <a:spLocks noGrp="1"/>
-          </p:cNvSpPr>
-          <p:nvPr>
-            <p:ph type="title"/>
-          </p:nvPr>
-        </p:nvSpPr>
-        <p:spPr>
-          <a:xfrm>
-            <a:off x="1143000" y="872935"/>
-            <a:ext cx="9905999" cy="1360898"/>
-          </a:xfrm>
-        </p:spPr>
-        <p:txBody>
-          <a:bodyPr/>
-          <a:lstStyle/>
-          <a:p>
-            <a:r>
-              <a:rPr lang="en-US" dirty="0">
-                <a:latin typeface="Walbaum Display (Body)"/>
-              </a:rPr>
-              <a:t>What is it?</a:t>
-            </a:r>
-          </a:p>
-        </p:txBody>
-      </p:sp>
-      <p:pic>
-        <p:nvPicPr>
-          <p:cNvPr id="4" name="image1.png">
-            <a:extLst>
-              <a:ext uri="{FF2B5EF4-FFF2-40B4-BE49-F238E27FC236}">
-                <a16:creationId xmlns:a16="http://schemas.microsoft.com/office/drawing/2014/main" id="{D7C34D76-116C-4415-9FA3-C5E2F576D9CB}"/>
-              </a:ext>
-            </a:extLst>
-          </p:cNvPr>
-          <p:cNvPicPr>
-            <a:picLocks noChangeAspect="1"/>
-          </p:cNvPicPr>
-          <p:nvPr/>
-        </p:nvPicPr>
-        <p:blipFill>
-          <a:blip r:embed="rId3" cstate="print"/>
-          <a:stretch>
-            <a:fillRect/>
-          </a:stretch>
-        </p:blipFill>
-        <p:spPr>
-          <a:xfrm>
-            <a:off x="10765085" y="120681"/>
-            <a:ext cx="1307646" cy="1307646"/>
-          </a:xfrm>
-          <a:prstGeom prst="rect">
-            <a:avLst/>
-          </a:prstGeom>
-        </p:spPr>
-      </p:pic>
-      <p:grpSp>
-        <p:nvGrpSpPr>
-          <p:cNvPr id="9" name="Group 8">
-            <a:extLst>
-              <a:ext uri="{FF2B5EF4-FFF2-40B4-BE49-F238E27FC236}">
-                <a16:creationId xmlns:a16="http://schemas.microsoft.com/office/drawing/2014/main" id="{DC1C6519-7BCF-20D7-2952-9B0B726A0144}"/>
-              </a:ext>
-            </a:extLst>
-          </p:cNvPr>
-          <p:cNvGrpSpPr/>
-          <p:nvPr/>
-        </p:nvGrpSpPr>
-        <p:grpSpPr>
-          <a:xfrm>
-            <a:off x="4454688" y="2524650"/>
-            <a:ext cx="3282624" cy="1808700"/>
-            <a:chOff x="4454688" y="2524650"/>
-            <a:chExt cx="3282624" cy="1808700"/>
-          </a:xfrm>
-        </p:grpSpPr>
-        <p:sp>
-          <p:nvSpPr>
-            <p:cNvPr id="5" name="Rectangle 4">
-              <a:extLst>
-                <a:ext uri="{FF2B5EF4-FFF2-40B4-BE49-F238E27FC236}">
-                  <a16:creationId xmlns:a16="http://schemas.microsoft.com/office/drawing/2014/main" id="{F9D52F34-44BA-4407-F680-1C01614092DA}"/>
-                </a:ext>
-              </a:extLst>
-            </p:cNvPr>
-            <p:cNvSpPr/>
-            <p:nvPr/>
-          </p:nvSpPr>
-          <p:spPr>
-            <a:xfrm>
-              <a:off x="4454688" y="2524650"/>
-              <a:ext cx="3282624" cy="1808700"/>
-            </a:xfrm>
-            <a:prstGeom prst="rect">
-              <a:avLst/>
-            </a:prstGeom>
-            <a:solidFill>
-              <a:srgbClr val="8BD1C5"/>
-            </a:solidFill>
-          </p:spPr>
-          <p:style>
-            <a:lnRef idx="2">
-              <a:schemeClr val="accent1">
-                <a:shade val="50000"/>
-              </a:schemeClr>
-            </a:lnRef>
-            <a:fillRef idx="1">
-              <a:schemeClr val="accent1"/>
-            </a:fillRef>
-            <a:effectRef idx="0">
-              <a:schemeClr val="accent1"/>
-            </a:effectRef>
-            <a:fontRef idx="minor">
-              <a:schemeClr val="lt1"/>
-            </a:fontRef>
-          </p:style>
-          <p:txBody>
-            <a:bodyPr rtlCol="0" anchor="ctr"/>
-            <a:lstStyle/>
-            <a:p>
-              <a:pPr algn="ctr"/>
-              <a:endParaRPr lang="en-US" dirty="0"/>
-            </a:p>
-          </p:txBody>
-        </p:sp>
-        <mc:AlternateContent xmlns:mc="http://schemas.openxmlformats.org/markup-compatibility/2006">
-          <mc:Choice xmlns:a14="http://schemas.microsoft.com/office/drawing/2010/main" Requires="a14">
-            <p:sp>
-              <p:nvSpPr>
-                <p:cNvPr id="8" name="TextBox 7">
-                  <a:extLst>
-                    <a:ext uri="{FF2B5EF4-FFF2-40B4-BE49-F238E27FC236}">
-                      <a16:creationId xmlns:a16="http://schemas.microsoft.com/office/drawing/2014/main" id="{EA7BEF49-46FD-C6BE-4B37-E76628D0B103}"/>
-                    </a:ext>
-                  </a:extLst>
-                </p:cNvPr>
-                <p:cNvSpPr txBox="1"/>
-                <p:nvPr/>
-              </p:nvSpPr>
-              <p:spPr>
-                <a:xfrm>
-                  <a:off x="5437774" y="3075057"/>
-                  <a:ext cx="1316450" cy="707886"/>
-                </a:xfrm>
-                <a:prstGeom prst="rect">
-                  <a:avLst/>
-                </a:prstGeom>
-                <a:noFill/>
-              </p:spPr>
-              <p:txBody>
-                <a:bodyPr wrap="none" rtlCol="0">
-                  <a:spAutoFit/>
-                </a:bodyPr>
-                <a:lstStyle/>
-                <a:p>
-                  <a:pPr/>
-                  <a14:m>
-                    <m:oMathPara xmlns:m="http://schemas.openxmlformats.org/officeDocument/2006/math">
-                      <m:oMathParaPr>
-                        <m:jc m:val="centerGroup"/>
-                      </m:oMathParaPr>
-                      <m:oMath xmlns:m="http://schemas.openxmlformats.org/officeDocument/2006/math">
-                        <m:r>
-                          <a:rPr lang="en-US" sz="4000" b="0" i="1" smtClean="0">
-                            <a:solidFill>
-                              <a:schemeClr val="bg1"/>
-                            </a:solidFill>
-                            <a:latin typeface="Cambria Math" panose="02040503050406030204" pitchFamily="18" charset="0"/>
-                          </a:rPr>
-                          <m:t>𝑓</m:t>
-                        </m:r>
-                        <m:r>
-                          <a:rPr lang="en-US" sz="4000" b="0" i="1" smtClean="0">
-                            <a:solidFill>
-                              <a:schemeClr val="bg1"/>
-                            </a:solidFill>
-                            <a:latin typeface="Cambria Math" panose="02040503050406030204" pitchFamily="18" charset="0"/>
-                          </a:rPr>
-                          <m:t>(</m:t>
-                        </m:r>
-                        <m:r>
-                          <a:rPr lang="en-US" sz="4000" b="0" i="1" smtClean="0">
-                            <a:solidFill>
-                              <a:schemeClr val="bg1"/>
-                            </a:solidFill>
-                            <a:latin typeface="Cambria Math" panose="02040503050406030204" pitchFamily="18" charset="0"/>
-                          </a:rPr>
-                          <m:t>𝑥</m:t>
-                        </m:r>
-                        <m:r>
-                          <a:rPr lang="en-US" sz="4000" b="0" i="1" smtClean="0">
-                            <a:solidFill>
-                              <a:schemeClr val="bg1"/>
-                            </a:solidFill>
-                            <a:latin typeface="Cambria Math" panose="02040503050406030204" pitchFamily="18" charset="0"/>
-                          </a:rPr>
-                          <m:t>)</m:t>
-                        </m:r>
-                      </m:oMath>
-                    </m:oMathPara>
-                  </a14:m>
-                  <a:endParaRPr lang="en-US" sz="4000" dirty="0">
-                    <a:solidFill>
-                      <a:schemeClr val="bg1"/>
-                    </a:solidFill>
-                  </a:endParaRPr>
-                </a:p>
-              </p:txBody>
-            </p:sp>
-          </mc:Choice>
-          <mc:Fallback>
-            <p:sp>
-              <p:nvSpPr>
-                <p:cNvPr id="8" name="TextBox 7">
-                  <a:extLst>
-                    <a:ext uri="{FF2B5EF4-FFF2-40B4-BE49-F238E27FC236}">
-                      <a16:creationId xmlns:a16="http://schemas.microsoft.com/office/drawing/2014/main" id="{EA7BEF49-46FD-C6BE-4B37-E76628D0B103}"/>
-                    </a:ext>
-                  </a:extLst>
-                </p:cNvPr>
-                <p:cNvSpPr txBox="1">
-                  <a:spLocks noRot="1" noChangeAspect="1" noMove="1" noResize="1" noEditPoints="1" noAdjustHandles="1" noChangeArrowheads="1" noChangeShapeType="1" noTextEdit="1"/>
-                </p:cNvSpPr>
-                <p:nvPr/>
-              </p:nvSpPr>
-              <p:spPr>
-                <a:xfrm>
-                  <a:off x="5437774" y="3075057"/>
-                  <a:ext cx="1316450" cy="707886"/>
-                </a:xfrm>
-                <a:prstGeom prst="rect">
-                  <a:avLst/>
-                </a:prstGeom>
-                <a:blipFill>
-                  <a:blip r:embed="rId4"/>
-                  <a:stretch>
-                    <a:fillRect/>
-                  </a:stretch>
-                </a:blipFill>
-              </p:spPr>
-              <p:txBody>
-                <a:bodyPr/>
-                <a:lstStyle/>
-                <a:p>
-                  <a:r>
-                    <a:rPr lang="en-US">
-                      <a:noFill/>
-                    </a:rPr>
-                    <a:t> </a:t>
-                  </a:r>
-                </a:p>
-              </p:txBody>
-            </p:sp>
-          </mc:Fallback>
-        </mc:AlternateContent>
-      </p:grpSp>
-    </p:spTree>
-    <p:extLst>
-      <p:ext uri="{BB962C8B-B14F-4D97-AF65-F5344CB8AC3E}">
-        <p14:creationId xmlns:p14="http://schemas.microsoft.com/office/powerpoint/2010/main" val="561638611"/>
-      </p:ext>
-    </p:extLst>
-  </p:cSld>
-  <p:clrMapOvr>
-    <a:masterClrMapping/>
-  </p:clrMapOvr>
-  <mc:AlternateContent xmlns:mc="http://schemas.openxmlformats.org/markup-compatibility/2006">
-    <mc:Choice xmlns:p159="http://schemas.microsoft.com/office/powerpoint/2015/09/main" Requires="p159">
-      <p:transition xmlns:p14="http://schemas.microsoft.com/office/powerpoint/2010/main" spd="slow" p14:dur="2000">
-        <p159:morph option="byObject"/>
-      </p:transition>
-    </mc:Choice>
-    <mc:Fallback>
-      <p:transition spd="slow">
-        <p:fade/>
-      </p:transition>
-    </mc:Fallback>
-  </mc:AlternateContent>
-</p:sld>
-</file>
-
-<file path=ppt/slides/slide30.xml><?xml version="1.0" encoding="utf-8"?>
+<file path=ppt/slides/slide31.xml><?xml version="1.0" encoding="utf-8"?>
 <p:sld xmlns:a="http://schemas.openxmlformats.org/drawingml/2006/main" xmlns:r="http://schemas.openxmlformats.org/officeDocument/2006/relationships" xmlns:p="http://schemas.openxmlformats.org/presentationml/2006/main">
   <p:cSld>
     <p:spTree>
@@ -41475,7 +42608,7 @@
 </p:sld>
 </file>
 
-<file path=ppt/slides/slide31.xml><?xml version="1.0" encoding="utf-8"?>
+<file path=ppt/slides/slide32.xml><?xml version="1.0" encoding="utf-8"?>
 <p:sld xmlns:a="http://schemas.openxmlformats.org/drawingml/2006/main" xmlns:r="http://schemas.openxmlformats.org/officeDocument/2006/relationships" xmlns:p="http://schemas.openxmlformats.org/presentationml/2006/main">
   <p:cSld>
     <p:spTree>
@@ -41853,7 +42986,7 @@
 </p:sld>
 </file>
 
-<file path=ppt/slides/slide32.xml><?xml version="1.0" encoding="utf-8"?>
+<file path=ppt/slides/slide33.xml><?xml version="1.0" encoding="utf-8"?>
 <p:sld xmlns:a="http://schemas.openxmlformats.org/drawingml/2006/main" xmlns:r="http://schemas.openxmlformats.org/officeDocument/2006/relationships" xmlns:p="http://schemas.openxmlformats.org/presentationml/2006/main">
   <p:cSld>
     <p:spTree>
@@ -42076,6 +43209,603 @@
 </p:sld>
 </file>
 
+<file path=ppt/slides/slide34.xml><?xml version="1.0" encoding="utf-8"?>
+<p:sld xmlns:a="http://schemas.openxmlformats.org/drawingml/2006/main" xmlns:r="http://schemas.openxmlformats.org/officeDocument/2006/relationships" xmlns:p="http://schemas.openxmlformats.org/presentationml/2006/main">
+  <p:cSld>
+    <p:spTree>
+      <p:nvGrpSpPr>
+        <p:cNvPr id="1" name=""/>
+        <p:cNvGrpSpPr/>
+        <p:nvPr/>
+      </p:nvGrpSpPr>
+      <p:grpSpPr>
+        <a:xfrm>
+          <a:off x="0" y="0"/>
+          <a:ext cx="0" cy="0"/>
+          <a:chOff x="0" y="0"/>
+          <a:chExt cx="0" cy="0"/>
+        </a:xfrm>
+      </p:grpSpPr>
+      <p:sp>
+        <p:nvSpPr>
+          <p:cNvPr id="2" name="Title 1">
+            <a:extLst>
+              <a:ext uri="{FF2B5EF4-FFF2-40B4-BE49-F238E27FC236}">
+                <a16:creationId xmlns:a16="http://schemas.microsoft.com/office/drawing/2014/main" id="{3A948A77-44FA-4049-A332-E6F9683ADA6A}"/>
+              </a:ext>
+            </a:extLst>
+          </p:cNvPr>
+          <p:cNvSpPr>
+            <a:spLocks noGrp="1"/>
+          </p:cNvSpPr>
+          <p:nvPr>
+            <p:ph type="title"/>
+          </p:nvPr>
+        </p:nvSpPr>
+        <p:spPr/>
+        <p:txBody>
+          <a:bodyPr/>
+          <a:lstStyle/>
+          <a:p>
+            <a:r>
+              <a:rPr lang="en-IE" dirty="0"/>
+              <a:t>Where to go from here?</a:t>
+            </a:r>
+          </a:p>
+        </p:txBody>
+      </p:sp>
+      <p:sp>
+        <p:nvSpPr>
+          <p:cNvPr id="3" name="Content Placeholder 2">
+            <a:extLst>
+              <a:ext uri="{FF2B5EF4-FFF2-40B4-BE49-F238E27FC236}">
+                <a16:creationId xmlns:a16="http://schemas.microsoft.com/office/drawing/2014/main" id="{73A310A8-6985-4841-AF69-4C156689C8B2}"/>
+              </a:ext>
+            </a:extLst>
+          </p:cNvPr>
+          <p:cNvSpPr>
+            <a:spLocks noGrp="1"/>
+          </p:cNvSpPr>
+          <p:nvPr>
+            <p:ph idx="1"/>
+          </p:nvPr>
+        </p:nvSpPr>
+        <p:spPr>
+          <a:xfrm>
+            <a:off x="4098234" y="3153661"/>
+            <a:ext cx="4833731" cy="3567118"/>
+          </a:xfrm>
+        </p:spPr>
+        <p:txBody>
+          <a:bodyPr/>
+          <a:lstStyle/>
+          <a:p>
+            <a:r>
+              <a:rPr lang="en-IE" dirty="0"/>
+              <a:t>***Add </a:t>
+            </a:r>
+            <a:r>
+              <a:rPr lang="en-IE" dirty="0" err="1"/>
+              <a:t>Grpahic</a:t>
+            </a:r>
+            <a:r>
+              <a:rPr lang="en-IE" dirty="0"/>
+              <a:t> here later **</a:t>
+            </a:r>
+          </a:p>
+        </p:txBody>
+      </p:sp>
+    </p:spTree>
+    <p:extLst>
+      <p:ext uri="{BB962C8B-B14F-4D97-AF65-F5344CB8AC3E}">
+        <p14:creationId xmlns:p14="http://schemas.microsoft.com/office/powerpoint/2010/main" val="3809342877"/>
+      </p:ext>
+    </p:extLst>
+  </p:cSld>
+  <p:clrMapOvr>
+    <a:masterClrMapping/>
+  </p:clrMapOvr>
+</p:sld>
+</file>
+
+<file path=ppt/slides/slide35.xml><?xml version="1.0" encoding="utf-8"?>
+<p:sld xmlns:a="http://schemas.openxmlformats.org/drawingml/2006/main" xmlns:r="http://schemas.openxmlformats.org/officeDocument/2006/relationships" xmlns:p="http://schemas.openxmlformats.org/presentationml/2006/main">
+  <p:cSld>
+    <p:bg>
+      <p:bgPr>
+        <a:solidFill>
+          <a:schemeClr val="bg1"/>
+        </a:solidFill>
+        <a:effectLst/>
+      </p:bgPr>
+    </p:bg>
+    <p:spTree>
+      <p:nvGrpSpPr>
+        <p:cNvPr id="1" name=""/>
+        <p:cNvGrpSpPr/>
+        <p:nvPr/>
+      </p:nvGrpSpPr>
+      <p:grpSpPr>
+        <a:xfrm>
+          <a:off x="0" y="0"/>
+          <a:ext cx="0" cy="0"/>
+          <a:chOff x="0" y="0"/>
+          <a:chExt cx="0" cy="0"/>
+        </a:xfrm>
+      </p:grpSpPr>
+      <p:sp useBgFill="1">
+        <p:nvSpPr>
+          <p:cNvPr id="9" name="Rectangle 8">
+            <a:extLst>
+              <a:ext uri="{FF2B5EF4-FFF2-40B4-BE49-F238E27FC236}">
+                <a16:creationId xmlns:a16="http://schemas.microsoft.com/office/drawing/2014/main" id="{327AB4C5-0719-4E35-87CD-199EB59E3EE5}"/>
+              </a:ext>
+              <a:ext uri="{C183D7F6-B498-43B3-948B-1728B52AA6E4}">
+                <adec:decorative xmlns:adec="http://schemas.microsoft.com/office/drawing/2017/decorative" val="1"/>
+              </a:ext>
+            </a:extLst>
+          </p:cNvPr>
+          <p:cNvSpPr>
+            <a:spLocks noGrp="1" noRot="1" noChangeAspect="1" noMove="1" noResize="1" noEditPoints="1" noAdjustHandles="1" noChangeArrowheads="1" noChangeShapeType="1" noTextEdit="1"/>
+          </p:cNvSpPr>
+          <p:nvPr>
+            <p:extLst>
+              <p:ext uri="{386F3935-93C4-4BCD-93E2-E3B085C9AB24}">
+                <p16:designElem xmlns:p16="http://schemas.microsoft.com/office/powerpoint/2015/main" val="1"/>
+              </p:ext>
+            </p:extLst>
+          </p:nvPr>
+        </p:nvSpPr>
+        <p:spPr>
+          <a:xfrm>
+            <a:off x="0" y="0"/>
+            <a:ext cx="12192000" cy="6858000"/>
+          </a:xfrm>
+          <a:prstGeom prst="rect">
+            <a:avLst/>
+          </a:prstGeom>
+          <a:ln w="12700" cap="flat" cmpd="sng" algn="ctr">
+            <a:noFill/>
+            <a:prstDash val="solid"/>
+            <a:miter lim="800000"/>
+          </a:ln>
+          <a:effectLst/>
+          <a:extLst>
+            <a:ext uri="{91240B29-F687-4F45-9708-019B960494DF}">
+              <a14:hiddenLine xmlns:a14="http://schemas.microsoft.com/office/drawing/2010/main" w="12700" cap="flat" cmpd="sng" algn="ctr">
+                <a:solidFill>
+                  <a:schemeClr val="accent1">
+                    <a:shade val="50000"/>
+                  </a:schemeClr>
+                </a:solidFill>
+                <a:prstDash val="solid"/>
+                <a:miter lim="800000"/>
+              </a14:hiddenLine>
+            </a:ext>
+          </a:extLst>
+        </p:spPr>
+        <p:style>
+          <a:lnRef idx="2">
+            <a:schemeClr val="accent1">
+              <a:shade val="50000"/>
+            </a:schemeClr>
+          </a:lnRef>
+          <a:fillRef idx="1">
+            <a:schemeClr val="accent1"/>
+          </a:fillRef>
+          <a:effectRef idx="0">
+            <a:schemeClr val="accent1"/>
+          </a:effectRef>
+          <a:fontRef idx="minor">
+            <a:schemeClr val="lt1"/>
+          </a:fontRef>
+        </p:style>
+        <p:txBody>
+          <a:bodyPr rtlCol="0" anchor="ctr"/>
+          <a:lstStyle/>
+          <a:p>
+            <a:pPr algn="ctr"/>
+            <a:endParaRPr lang="en-US"/>
+          </a:p>
+        </p:txBody>
+      </p:sp>
+      <p:sp>
+        <p:nvSpPr>
+          <p:cNvPr id="11" name="Freeform: Shape 10">
+            <a:extLst>
+              <a:ext uri="{FF2B5EF4-FFF2-40B4-BE49-F238E27FC236}">
+                <a16:creationId xmlns:a16="http://schemas.microsoft.com/office/drawing/2014/main" id="{3F51EE1E-6258-4F09-963A-853315C6FBC0}"/>
+              </a:ext>
+              <a:ext uri="{C183D7F6-B498-43B3-948B-1728B52AA6E4}">
+                <adec:decorative xmlns:adec="http://schemas.microsoft.com/office/drawing/2017/decorative" val="1"/>
+              </a:ext>
+            </a:extLst>
+          </p:cNvPr>
+          <p:cNvSpPr>
+            <a:spLocks noGrp="1" noRot="1" noChangeAspect="1" noMove="1" noResize="1" noEditPoints="1" noAdjustHandles="1" noChangeArrowheads="1" noChangeShapeType="1" noTextEdit="1"/>
+          </p:cNvSpPr>
+          <p:nvPr>
+            <p:extLst>
+              <p:ext uri="{386F3935-93C4-4BCD-93E2-E3B085C9AB24}">
+                <p16:designElem xmlns:p16="http://schemas.microsoft.com/office/powerpoint/2015/main" val="1"/>
+              </p:ext>
+            </p:extLst>
+          </p:nvPr>
+        </p:nvSpPr>
+        <p:spPr>
+          <a:xfrm rot="16200000" flipH="1" flipV="1">
+            <a:off x="1127553" y="-1127553"/>
+            <a:ext cx="6858000" cy="9113106"/>
+          </a:xfrm>
+          <a:custGeom>
+            <a:avLst/>
+            <a:gdLst>
+              <a:gd name="connsiteX0" fmla="*/ 0 w 6858000"/>
+              <a:gd name="connsiteY0" fmla="*/ 7143270 h 9113106"/>
+              <a:gd name="connsiteX1" fmla="*/ 0 w 6858000"/>
+              <a:gd name="connsiteY1" fmla="*/ 6878623 h 9113106"/>
+              <a:gd name="connsiteX2" fmla="*/ 1 w 6858000"/>
+              <a:gd name="connsiteY2" fmla="*/ 6878623 h 9113106"/>
+              <a:gd name="connsiteX3" fmla="*/ 0 w 6858000"/>
+              <a:gd name="connsiteY3" fmla="*/ 4319945 h 9113106"/>
+              <a:gd name="connsiteX4" fmla="*/ 1 w 6858000"/>
+              <a:gd name="connsiteY4" fmla="*/ 4319945 h 9113106"/>
+              <a:gd name="connsiteX5" fmla="*/ 1 w 6858000"/>
+              <a:gd name="connsiteY5" fmla="*/ 13542 h 9113106"/>
+              <a:gd name="connsiteX6" fmla="*/ 0 w 6858000"/>
+              <a:gd name="connsiteY6" fmla="*/ 13540 h 9113106"/>
+              <a:gd name="connsiteX7" fmla="*/ 0 w 6858000"/>
+              <a:gd name="connsiteY7" fmla="*/ 0 h 9113106"/>
+              <a:gd name="connsiteX8" fmla="*/ 6858000 w 6858000"/>
+              <a:gd name="connsiteY8" fmla="*/ 6010591 h 9113106"/>
+              <a:gd name="connsiteX9" fmla="*/ 6858000 w 6858000"/>
+              <a:gd name="connsiteY9" fmla="*/ 3794798 h 9113106"/>
+              <a:gd name="connsiteX10" fmla="*/ 6858000 w 6858000"/>
+              <a:gd name="connsiteY10" fmla="*/ 3794798 h 9113106"/>
+              <a:gd name="connsiteX11" fmla="*/ 6858000 w 6858000"/>
+              <a:gd name="connsiteY11" fmla="*/ 3837120 h 9113106"/>
+              <a:gd name="connsiteX12" fmla="*/ 6858000 w 6858000"/>
+              <a:gd name="connsiteY12" fmla="*/ 6838049 h 9113106"/>
+              <a:gd name="connsiteX13" fmla="*/ 6858000 w 6858000"/>
+              <a:gd name="connsiteY13" fmla="*/ 9113106 h 9113106"/>
+              <a:gd name="connsiteX14" fmla="*/ 1 w 6858000"/>
+              <a:gd name="connsiteY14" fmla="*/ 9113106 h 9113106"/>
+              <a:gd name="connsiteX15" fmla="*/ 1 w 6858000"/>
+              <a:gd name="connsiteY15" fmla="*/ 7143270 h 9113106"/>
+            </a:gdLst>
+            <a:ahLst/>
+            <a:cxnLst>
+              <a:cxn ang="0">
+                <a:pos x="connsiteX0" y="connsiteY0"/>
+              </a:cxn>
+              <a:cxn ang="0">
+                <a:pos x="connsiteX1" y="connsiteY1"/>
+              </a:cxn>
+              <a:cxn ang="0">
+                <a:pos x="connsiteX2" y="connsiteY2"/>
+              </a:cxn>
+              <a:cxn ang="0">
+                <a:pos x="connsiteX3" y="connsiteY3"/>
+              </a:cxn>
+              <a:cxn ang="0">
+                <a:pos x="connsiteX4" y="connsiteY4"/>
+              </a:cxn>
+              <a:cxn ang="0">
+                <a:pos x="connsiteX5" y="connsiteY5"/>
+              </a:cxn>
+              <a:cxn ang="0">
+                <a:pos x="connsiteX6" y="connsiteY6"/>
+              </a:cxn>
+              <a:cxn ang="0">
+                <a:pos x="connsiteX7" y="connsiteY7"/>
+              </a:cxn>
+              <a:cxn ang="0">
+                <a:pos x="connsiteX8" y="connsiteY8"/>
+              </a:cxn>
+              <a:cxn ang="0">
+                <a:pos x="connsiteX9" y="connsiteY9"/>
+              </a:cxn>
+              <a:cxn ang="0">
+                <a:pos x="connsiteX10" y="connsiteY10"/>
+              </a:cxn>
+              <a:cxn ang="0">
+                <a:pos x="connsiteX11" y="connsiteY11"/>
+              </a:cxn>
+              <a:cxn ang="0">
+                <a:pos x="connsiteX12" y="connsiteY12"/>
+              </a:cxn>
+              <a:cxn ang="0">
+                <a:pos x="connsiteX13" y="connsiteY13"/>
+              </a:cxn>
+              <a:cxn ang="0">
+                <a:pos x="connsiteX14" y="connsiteY14"/>
+              </a:cxn>
+              <a:cxn ang="0">
+                <a:pos x="connsiteX15" y="connsiteY15"/>
+              </a:cxn>
+            </a:cxnLst>
+            <a:rect l="l" t="t" r="r" b="b"/>
+            <a:pathLst>
+              <a:path w="6858000" h="9113106">
+                <a:moveTo>
+                  <a:pt x="0" y="7143270"/>
+                </a:moveTo>
+                <a:lnTo>
+                  <a:pt x="0" y="6878623"/>
+                </a:lnTo>
+                <a:lnTo>
+                  <a:pt x="1" y="6878623"/>
+                </a:lnTo>
+                <a:lnTo>
+                  <a:pt x="0" y="4319945"/>
+                </a:lnTo>
+                <a:lnTo>
+                  <a:pt x="1" y="4319945"/>
+                </a:lnTo>
+                <a:lnTo>
+                  <a:pt x="1" y="13542"/>
+                </a:lnTo>
+                <a:lnTo>
+                  <a:pt x="0" y="13540"/>
+                </a:lnTo>
+                <a:lnTo>
+                  <a:pt x="0" y="0"/>
+                </a:lnTo>
+                <a:lnTo>
+                  <a:pt x="6858000" y="6010591"/>
+                </a:lnTo>
+                <a:lnTo>
+                  <a:pt x="6858000" y="3794798"/>
+                </a:lnTo>
+                <a:lnTo>
+                  <a:pt x="6858000" y="3794798"/>
+                </a:lnTo>
+                <a:lnTo>
+                  <a:pt x="6858000" y="3837120"/>
+                </a:lnTo>
+                <a:lnTo>
+                  <a:pt x="6858000" y="6838049"/>
+                </a:lnTo>
+                <a:lnTo>
+                  <a:pt x="6858000" y="9113106"/>
+                </a:lnTo>
+                <a:lnTo>
+                  <a:pt x="1" y="9113106"/>
+                </a:lnTo>
+                <a:lnTo>
+                  <a:pt x="1" y="7143270"/>
+                </a:lnTo>
+                <a:close/>
+              </a:path>
+            </a:pathLst>
+          </a:custGeom>
+          <a:solidFill>
+            <a:schemeClr val="bg2"/>
+          </a:solidFill>
+          <a:ln>
+            <a:noFill/>
+          </a:ln>
+        </p:spPr>
+        <p:style>
+          <a:lnRef idx="2">
+            <a:schemeClr val="accent1">
+              <a:shade val="50000"/>
+            </a:schemeClr>
+          </a:lnRef>
+          <a:fillRef idx="1">
+            <a:schemeClr val="accent1"/>
+          </a:fillRef>
+          <a:effectRef idx="0">
+            <a:schemeClr val="accent1"/>
+          </a:effectRef>
+          <a:fontRef idx="minor">
+            <a:schemeClr val="lt1"/>
+          </a:fontRef>
+        </p:style>
+        <p:txBody>
+          <a:bodyPr wrap="square" rtlCol="0" anchor="ctr">
+            <a:noAutofit/>
+          </a:bodyPr>
+          <a:lstStyle/>
+          <a:p>
+            <a:pPr algn="ctr"/>
+            <a:endParaRPr lang="en-US"/>
+          </a:p>
+        </p:txBody>
+      </p:sp>
+      <p:sp>
+        <p:nvSpPr>
+          <p:cNvPr id="2" name="Title 1">
+            <a:extLst>
+              <a:ext uri="{FF2B5EF4-FFF2-40B4-BE49-F238E27FC236}">
+                <a16:creationId xmlns:a16="http://schemas.microsoft.com/office/drawing/2014/main" id="{64E9B10D-23D4-4147-B023-B6810B374EE2}"/>
+              </a:ext>
+            </a:extLst>
+          </p:cNvPr>
+          <p:cNvSpPr>
+            <a:spLocks noGrp="1"/>
+          </p:cNvSpPr>
+          <p:nvPr>
+            <p:ph type="title"/>
+          </p:nvPr>
+        </p:nvSpPr>
+        <p:spPr>
+          <a:xfrm>
+            <a:off x="1143001" y="872935"/>
+            <a:ext cx="5999018" cy="1360898"/>
+          </a:xfrm>
+        </p:spPr>
+        <p:txBody>
+          <a:bodyPr>
+            <a:normAutofit/>
+          </a:bodyPr>
+          <a:lstStyle/>
+          <a:p>
+            <a:r>
+              <a:rPr lang="en-IE" dirty="0"/>
+              <a:t>Thank You</a:t>
+            </a:r>
+          </a:p>
+        </p:txBody>
+      </p:sp>
+      <p:sp>
+        <p:nvSpPr>
+          <p:cNvPr id="3" name="Content Placeholder 2">
+            <a:extLst>
+              <a:ext uri="{FF2B5EF4-FFF2-40B4-BE49-F238E27FC236}">
+                <a16:creationId xmlns:a16="http://schemas.microsoft.com/office/drawing/2014/main" id="{84542AEB-6C0E-4144-94CD-5FBFFFAD6123}"/>
+              </a:ext>
+            </a:extLst>
+          </p:cNvPr>
+          <p:cNvSpPr>
+            <a:spLocks noGrp="1"/>
+          </p:cNvSpPr>
+          <p:nvPr>
+            <p:ph idx="1"/>
+          </p:nvPr>
+        </p:nvSpPr>
+        <p:spPr>
+          <a:xfrm>
+            <a:off x="1143001" y="2332026"/>
+            <a:ext cx="4953000" cy="3567118"/>
+          </a:xfrm>
+        </p:spPr>
+        <p:txBody>
+          <a:bodyPr anchor="t">
+            <a:normAutofit/>
+          </a:bodyPr>
+          <a:lstStyle/>
+          <a:p>
+            <a:pPr marL="0" indent="0">
+              <a:buNone/>
+            </a:pPr>
+            <a:r>
+              <a:rPr lang="en-IE" sz="2800" dirty="0"/>
+              <a:t>   Follow us on our Instagram</a:t>
+            </a:r>
+          </a:p>
+          <a:p>
+            <a:pPr lvl="1"/>
+            <a:r>
+              <a:rPr lang="en-IE" sz="2400" i="0" dirty="0"/>
+              <a:t>	@racing.ai</a:t>
+            </a:r>
+          </a:p>
+          <a:p>
+            <a:pPr lvl="1"/>
+            <a:endParaRPr lang="en-IE" sz="2400" dirty="0"/>
+          </a:p>
+          <a:p>
+            <a:pPr lvl="1"/>
+            <a:r>
+              <a:rPr lang="en-IE" sz="2400" i="0" dirty="0"/>
+              <a:t>Contact us with any questions</a:t>
+            </a:r>
+          </a:p>
+          <a:p>
+            <a:pPr lvl="1"/>
+            <a:r>
+              <a:rPr lang="en-IE" sz="2400" i="0" dirty="0"/>
+              <a:t>	racingai.contact@gmail.com</a:t>
+            </a:r>
+          </a:p>
+        </p:txBody>
+      </p:sp>
+      <p:pic>
+        <p:nvPicPr>
+          <p:cNvPr id="4" name="image1.png">
+            <a:extLst>
+              <a:ext uri="{FF2B5EF4-FFF2-40B4-BE49-F238E27FC236}">
+                <a16:creationId xmlns:a16="http://schemas.microsoft.com/office/drawing/2014/main" id="{93987A6D-CCAD-4D0A-BAF5-AE1F73F8290B}"/>
+              </a:ext>
+            </a:extLst>
+          </p:cNvPr>
+          <p:cNvPicPr>
+            <a:picLocks noChangeAspect="1"/>
+          </p:cNvPicPr>
+          <p:nvPr/>
+        </p:nvPicPr>
+        <p:blipFill>
+          <a:blip r:embed="rId2" cstate="print"/>
+          <a:stretch>
+            <a:fillRect/>
+          </a:stretch>
+        </p:blipFill>
+        <p:spPr>
+          <a:xfrm>
+            <a:off x="6982666" y="1672548"/>
+            <a:ext cx="4756157" cy="4312517"/>
+          </a:xfrm>
+          <a:prstGeom prst="rect">
+            <a:avLst/>
+          </a:prstGeom>
+        </p:spPr>
+      </p:pic>
+      <p:cxnSp>
+        <p:nvCxnSpPr>
+          <p:cNvPr id="13" name="Straight Connector 12">
+            <a:extLst>
+              <a:ext uri="{FF2B5EF4-FFF2-40B4-BE49-F238E27FC236}">
+                <a16:creationId xmlns:a16="http://schemas.microsoft.com/office/drawing/2014/main" id="{7FA07B03-7E5B-4F33-A494-D72BC5BEB0BF}"/>
+              </a:ext>
+              <a:ext uri="{C183D7F6-B498-43B3-948B-1728B52AA6E4}">
+                <adec:decorative xmlns:adec="http://schemas.microsoft.com/office/drawing/2017/decorative" val="1"/>
+              </a:ext>
+            </a:extLst>
+          </p:cNvPr>
+          <p:cNvCxnSpPr>
+            <a:cxnSpLocks noGrp="1" noRot="1" noChangeAspect="1" noMove="1" noResize="1" noEditPoints="1" noAdjustHandles="1" noChangeArrowheads="1" noChangeShapeType="1"/>
+          </p:cNvCxnSpPr>
+          <p:nvPr>
+            <p:extLst>
+              <p:ext uri="{386F3935-93C4-4BCD-93E2-E3B085C9AB24}">
+                <p16:designElem xmlns:p16="http://schemas.microsoft.com/office/powerpoint/2015/main" val="1"/>
+              </p:ext>
+            </p:extLst>
+          </p:nvPr>
+        </p:nvCxnSpPr>
+        <p:spPr>
+          <a:xfrm>
+            <a:off x="1233837" y="6172200"/>
+            <a:ext cx="9760638" cy="0"/>
+          </a:xfrm>
+          <a:prstGeom prst="line">
+            <a:avLst/>
+          </a:prstGeom>
+          <a:ln w="12700">
+            <a:solidFill>
+              <a:schemeClr val="tx1"/>
+            </a:solidFill>
+          </a:ln>
+        </p:spPr>
+        <p:style>
+          <a:lnRef idx="1">
+            <a:schemeClr val="accent1"/>
+          </a:lnRef>
+          <a:fillRef idx="0">
+            <a:schemeClr val="accent1"/>
+          </a:fillRef>
+          <a:effectRef idx="0">
+            <a:schemeClr val="accent1"/>
+          </a:effectRef>
+          <a:fontRef idx="minor">
+            <a:schemeClr val="tx1"/>
+          </a:fontRef>
+        </p:style>
+      </p:cxnSp>
+    </p:spTree>
+    <p:extLst>
+      <p:ext uri="{BB962C8B-B14F-4D97-AF65-F5344CB8AC3E}">
+        <p14:creationId xmlns:p14="http://schemas.microsoft.com/office/powerpoint/2010/main" val="799821829"/>
+      </p:ext>
+    </p:extLst>
+  </p:cSld>
+  <p:clrMapOvr>
+    <a:masterClrMapping/>
+  </p:clrMapOvr>
+</p:sld>
+</file>
+
 <file path=ppt/slides/slide4.xml><?xml version="1.0" encoding="utf-8"?>
 <p:sld xmlns:a="http://schemas.openxmlformats.org/drawingml/2006/main" xmlns:r="http://schemas.openxmlformats.org/officeDocument/2006/relationships" xmlns:p="http://schemas.openxmlformats.org/presentationml/2006/main">
   <p:cSld>
@@ -42227,8 +43957,8 @@
             </a:p>
           </p:txBody>
         </p:sp>
-        <mc:AlternateContent xmlns:mc="http://schemas.openxmlformats.org/markup-compatibility/2006">
-          <mc:Choice xmlns:a14="http://schemas.microsoft.com/office/drawing/2010/main" Requires="a14">
+        <mc:AlternateContent xmlns:mc="http://schemas.openxmlformats.org/markup-compatibility/2006" xmlns:a14="http://schemas.microsoft.com/office/drawing/2010/main">
+          <mc:Choice Requires="a14">
             <p:sp>
               <p:nvSpPr>
                 <p:cNvPr id="8" name="TextBox 7">
@@ -42257,6 +43987,7 @@
                 </a:bodyPr>
                 <a:lstStyle/>
                 <a:p>
+                  <a:pPr/>
                   <a14:m>
                     <m:oMathPara xmlns:m="http://schemas.openxmlformats.org/officeDocument/2006/math">
                       <m:oMathParaPr>
@@ -42311,7 +44042,7 @@
               </p:txBody>
             </p:sp>
           </mc:Choice>
-          <mc:Fallback>
+          <mc:Fallback xmlns="">
             <p:sp>
               <p:nvSpPr>
                 <p:cNvPr id="8" name="TextBox 7">
@@ -42357,8 +44088,315 @@
           </mc:Fallback>
         </mc:AlternateContent>
       </p:grpSp>
-      <mc:AlternateContent xmlns:mc="http://schemas.openxmlformats.org/markup-compatibility/2006">
-        <mc:Choice xmlns:a14="http://schemas.microsoft.com/office/drawing/2010/main" Requires="a14">
+    </p:spTree>
+    <p:extLst>
+      <p:ext uri="{BB962C8B-B14F-4D97-AF65-F5344CB8AC3E}">
+        <p14:creationId xmlns:p14="http://schemas.microsoft.com/office/powerpoint/2010/main" val="561638611"/>
+      </p:ext>
+    </p:extLst>
+  </p:cSld>
+  <p:clrMapOvr>
+    <a:masterClrMapping/>
+  </p:clrMapOvr>
+  <mc:AlternateContent xmlns:mc="http://schemas.openxmlformats.org/markup-compatibility/2006" xmlns:p159="http://schemas.microsoft.com/office/powerpoint/2015/09/main">
+    <mc:Choice Requires="p159">
+      <p:transition xmlns:p14="http://schemas.microsoft.com/office/powerpoint/2010/main" spd="slow" p14:dur="2000">
+        <p159:morph option="byObject"/>
+      </p:transition>
+    </mc:Choice>
+    <mc:Fallback xmlns="">
+      <p:transition spd="slow">
+        <p:fade/>
+      </p:transition>
+    </mc:Fallback>
+  </mc:AlternateContent>
+</p:sld>
+</file>
+
+<file path=ppt/slides/slide5.xml><?xml version="1.0" encoding="utf-8"?>
+<p:sld xmlns:a="http://schemas.openxmlformats.org/drawingml/2006/main" xmlns:r="http://schemas.openxmlformats.org/officeDocument/2006/relationships" xmlns:p="http://schemas.openxmlformats.org/presentationml/2006/main">
+  <p:cSld>
+    <p:spTree>
+      <p:nvGrpSpPr>
+        <p:cNvPr id="1" name=""/>
+        <p:cNvGrpSpPr/>
+        <p:nvPr/>
+      </p:nvGrpSpPr>
+      <p:grpSpPr>
+        <a:xfrm>
+          <a:off x="0" y="0"/>
+          <a:ext cx="0" cy="0"/>
+          <a:chOff x="0" y="0"/>
+          <a:chExt cx="0" cy="0"/>
+        </a:xfrm>
+      </p:grpSpPr>
+      <p:sp>
+        <p:nvSpPr>
+          <p:cNvPr id="6" name="Title 1">
+            <a:extLst>
+              <a:ext uri="{FF2B5EF4-FFF2-40B4-BE49-F238E27FC236}">
+                <a16:creationId xmlns:a16="http://schemas.microsoft.com/office/drawing/2014/main" id="{9A43FE2A-7AEE-F437-FBFE-42F52B79A130}"/>
+              </a:ext>
+            </a:extLst>
+          </p:cNvPr>
+          <p:cNvSpPr>
+            <a:spLocks noGrp="1"/>
+          </p:cNvSpPr>
+          <p:nvPr>
+            <p:ph type="title"/>
+          </p:nvPr>
+        </p:nvSpPr>
+        <p:spPr>
+          <a:xfrm>
+            <a:off x="1143000" y="872935"/>
+            <a:ext cx="9905999" cy="1360898"/>
+          </a:xfrm>
+        </p:spPr>
+        <p:txBody>
+          <a:bodyPr/>
+          <a:lstStyle/>
+          <a:p>
+            <a:r>
+              <a:rPr lang="en-US" dirty="0">
+                <a:latin typeface="Walbaum Display (Body)"/>
+              </a:rPr>
+              <a:t>What is it?</a:t>
+            </a:r>
+          </a:p>
+        </p:txBody>
+      </p:sp>
+      <p:pic>
+        <p:nvPicPr>
+          <p:cNvPr id="4" name="image1.png">
+            <a:extLst>
+              <a:ext uri="{FF2B5EF4-FFF2-40B4-BE49-F238E27FC236}">
+                <a16:creationId xmlns:a16="http://schemas.microsoft.com/office/drawing/2014/main" id="{D7C34D76-116C-4415-9FA3-C5E2F576D9CB}"/>
+              </a:ext>
+            </a:extLst>
+          </p:cNvPr>
+          <p:cNvPicPr>
+            <a:picLocks noChangeAspect="1"/>
+          </p:cNvPicPr>
+          <p:nvPr/>
+        </p:nvPicPr>
+        <p:blipFill>
+          <a:blip r:embed="rId3" cstate="print"/>
+          <a:stretch>
+            <a:fillRect/>
+          </a:stretch>
+        </p:blipFill>
+        <p:spPr>
+          <a:xfrm>
+            <a:off x="10765085" y="120681"/>
+            <a:ext cx="1307646" cy="1307646"/>
+          </a:xfrm>
+          <a:prstGeom prst="rect">
+            <a:avLst/>
+          </a:prstGeom>
+        </p:spPr>
+      </p:pic>
+      <p:grpSp>
+        <p:nvGrpSpPr>
+          <p:cNvPr id="9" name="Group 8">
+            <a:extLst>
+              <a:ext uri="{FF2B5EF4-FFF2-40B4-BE49-F238E27FC236}">
+                <a16:creationId xmlns:a16="http://schemas.microsoft.com/office/drawing/2014/main" id="{DC1C6519-7BCF-20D7-2952-9B0B726A0144}"/>
+              </a:ext>
+            </a:extLst>
+          </p:cNvPr>
+          <p:cNvGrpSpPr/>
+          <p:nvPr/>
+        </p:nvGrpSpPr>
+        <p:grpSpPr>
+          <a:xfrm>
+            <a:off x="4454688" y="2524650"/>
+            <a:ext cx="3282624" cy="1808700"/>
+            <a:chOff x="4454688" y="2524650"/>
+            <a:chExt cx="3282624" cy="1808700"/>
+          </a:xfrm>
+        </p:grpSpPr>
+        <p:sp>
+          <p:nvSpPr>
+            <p:cNvPr id="5" name="Rectangle 4">
+              <a:extLst>
+                <a:ext uri="{FF2B5EF4-FFF2-40B4-BE49-F238E27FC236}">
+                  <a16:creationId xmlns:a16="http://schemas.microsoft.com/office/drawing/2014/main" id="{F9D52F34-44BA-4407-F680-1C01614092DA}"/>
+                </a:ext>
+              </a:extLst>
+            </p:cNvPr>
+            <p:cNvSpPr/>
+            <p:nvPr/>
+          </p:nvSpPr>
+          <p:spPr>
+            <a:xfrm>
+              <a:off x="4454688" y="2524650"/>
+              <a:ext cx="3282624" cy="1808700"/>
+            </a:xfrm>
+            <a:prstGeom prst="rect">
+              <a:avLst/>
+            </a:prstGeom>
+            <a:solidFill>
+              <a:srgbClr val="8BD1C5"/>
+            </a:solidFill>
+          </p:spPr>
+          <p:style>
+            <a:lnRef idx="2">
+              <a:schemeClr val="accent1">
+                <a:shade val="50000"/>
+              </a:schemeClr>
+            </a:lnRef>
+            <a:fillRef idx="1">
+              <a:schemeClr val="accent1"/>
+            </a:fillRef>
+            <a:effectRef idx="0">
+              <a:schemeClr val="accent1"/>
+            </a:effectRef>
+            <a:fontRef idx="minor">
+              <a:schemeClr val="lt1"/>
+            </a:fontRef>
+          </p:style>
+          <p:txBody>
+            <a:bodyPr rtlCol="0" anchor="ctr"/>
+            <a:lstStyle/>
+            <a:p>
+              <a:pPr algn="ctr"/>
+              <a:endParaRPr lang="en-US" dirty="0"/>
+            </a:p>
+          </p:txBody>
+        </p:sp>
+        <mc:AlternateContent xmlns:mc="http://schemas.openxmlformats.org/markup-compatibility/2006" xmlns:a14="http://schemas.microsoft.com/office/drawing/2010/main">
+          <mc:Choice Requires="a14">
+            <p:sp>
+              <p:nvSpPr>
+                <p:cNvPr id="8" name="TextBox 7">
+                  <a:extLst>
+                    <a:ext uri="{FF2B5EF4-FFF2-40B4-BE49-F238E27FC236}">
+                      <a16:creationId xmlns:a16="http://schemas.microsoft.com/office/drawing/2014/main" id="{EA7BEF49-46FD-C6BE-4B37-E76628D0B103}"/>
+                    </a:ext>
+                  </a:extLst>
+                </p:cNvPr>
+                <p:cNvSpPr txBox="1"/>
+                <p:nvPr/>
+              </p:nvSpPr>
+              <p:spPr>
+                <a:xfrm>
+                  <a:off x="5437774" y="3075057"/>
+                  <a:ext cx="1316450" cy="707886"/>
+                </a:xfrm>
+                <a:prstGeom prst="rect">
+                  <a:avLst/>
+                </a:prstGeom>
+                <a:noFill/>
+              </p:spPr>
+              <p:txBody>
+                <a:bodyPr wrap="none" rtlCol="0">
+                  <a:spAutoFit/>
+                </a:bodyPr>
+                <a:lstStyle/>
+                <a:p>
+                  <a:pPr/>
+                  <a14:m>
+                    <m:oMathPara xmlns:m="http://schemas.openxmlformats.org/officeDocument/2006/math">
+                      <m:oMathParaPr>
+                        <m:jc m:val="centerGroup"/>
+                      </m:oMathParaPr>
+                      <m:oMath xmlns:m="http://schemas.openxmlformats.org/officeDocument/2006/math">
+                        <m:r>
+                          <a:rPr lang="en-US" sz="4000" b="0" i="1" smtClean="0">
+                            <a:solidFill>
+                              <a:schemeClr val="bg1"/>
+                            </a:solidFill>
+                            <a:latin typeface="Cambria Math" panose="02040503050406030204" pitchFamily="18" charset="0"/>
+                          </a:rPr>
+                          <m:t>𝑓</m:t>
+                        </m:r>
+                        <m:r>
+                          <a:rPr lang="en-US" sz="4000" b="0" i="1" smtClean="0">
+                            <a:solidFill>
+                              <a:schemeClr val="bg1"/>
+                            </a:solidFill>
+                            <a:latin typeface="Cambria Math" panose="02040503050406030204" pitchFamily="18" charset="0"/>
+                          </a:rPr>
+                          <m:t>(</m:t>
+                        </m:r>
+                        <m:r>
+                          <a:rPr lang="en-US" sz="4000" b="0" i="1" smtClean="0">
+                            <a:solidFill>
+                              <a:schemeClr val="bg1"/>
+                            </a:solidFill>
+                            <a:latin typeface="Cambria Math" panose="02040503050406030204" pitchFamily="18" charset="0"/>
+                          </a:rPr>
+                          <m:t>𝑥</m:t>
+                        </m:r>
+                        <m:r>
+                          <a:rPr lang="en-US" sz="4000" b="0" i="1" smtClean="0">
+                            <a:solidFill>
+                              <a:schemeClr val="bg1"/>
+                            </a:solidFill>
+                            <a:latin typeface="Cambria Math" panose="02040503050406030204" pitchFamily="18" charset="0"/>
+                          </a:rPr>
+                          <m:t>)</m:t>
+                        </m:r>
+                      </m:oMath>
+                    </m:oMathPara>
+                  </a14:m>
+                  <a:endParaRPr lang="en-US" sz="4000" dirty="0">
+                    <a:solidFill>
+                      <a:schemeClr val="bg1"/>
+                    </a:solidFill>
+                  </a:endParaRPr>
+                </a:p>
+              </p:txBody>
+            </p:sp>
+          </mc:Choice>
+          <mc:Fallback xmlns="">
+            <p:sp>
+              <p:nvSpPr>
+                <p:cNvPr id="8" name="TextBox 7">
+                  <a:extLst>
+                    <a:ext uri="{FF2B5EF4-FFF2-40B4-BE49-F238E27FC236}">
+                      <a16:creationId xmlns:a16="http://schemas.microsoft.com/office/drawing/2014/main" id="{EA7BEF49-46FD-C6BE-4B37-E76628D0B103}"/>
+                    </a:ext>
+                  </a:extLst>
+                </p:cNvPr>
+                <p:cNvSpPr txBox="1">
+                  <a:spLocks noRot="1" noChangeAspect="1" noMove="1" noResize="1" noEditPoints="1" noAdjustHandles="1" noChangeArrowheads="1" noChangeShapeType="1" noTextEdit="1"/>
+                </p:cNvSpPr>
+                <p:nvPr/>
+              </p:nvSpPr>
+              <p:spPr>
+                <a:xfrm>
+                  <a:off x="5437774" y="3075057"/>
+                  <a:ext cx="1316450" cy="707886"/>
+                </a:xfrm>
+                <a:prstGeom prst="rect">
+                  <a:avLst/>
+                </a:prstGeom>
+                <a:blipFill>
+                  <a:blip r:embed="rId4"/>
+                  <a:stretch>
+                    <a:fillRect/>
+                  </a:stretch>
+                </a:blipFill>
+              </p:spPr>
+              <p:txBody>
+                <a:bodyPr/>
+                <a:lstStyle/>
+                <a:p>
+                  <a:r>
+                    <a:rPr lang="en-US">
+                      <a:noFill/>
+                    </a:rPr>
+                    <a:t> </a:t>
+                  </a:r>
+                </a:p>
+              </p:txBody>
+            </p:sp>
+          </mc:Fallback>
+        </mc:AlternateContent>
+      </p:grpSp>
+      <mc:AlternateContent xmlns:mc="http://schemas.openxmlformats.org/markup-compatibility/2006" xmlns:a14="http://schemas.microsoft.com/office/drawing/2010/main">
+        <mc:Choice Requires="a14">
           <p:sp>
             <p:nvSpPr>
               <p:cNvPr id="10" name="TextBox 9">
@@ -42387,6 +44425,7 @@
               </a:bodyPr>
               <a:lstStyle/>
               <a:p>
+                <a:pPr/>
                 <a14:m>
                   <m:oMathPara xmlns:m="http://schemas.openxmlformats.org/officeDocument/2006/math">
                     <m:oMathParaPr>
@@ -42407,7 +44446,7 @@
             </p:txBody>
           </p:sp>
         </mc:Choice>
-        <mc:Fallback>
+        <mc:Fallback xmlns="">
           <p:sp>
             <p:nvSpPr>
               <p:cNvPr id="10" name="TextBox 9">
@@ -42541,8 +44580,8 @@
           </a:fontRef>
         </p:style>
       </p:cxnSp>
-      <mc:AlternateContent xmlns:mc="http://schemas.openxmlformats.org/markup-compatibility/2006">
-        <mc:Choice xmlns:a14="http://schemas.microsoft.com/office/drawing/2010/main" Requires="a14">
+      <mc:AlternateContent xmlns:mc="http://schemas.openxmlformats.org/markup-compatibility/2006" xmlns:a14="http://schemas.microsoft.com/office/drawing/2010/main">
+        <mc:Choice Requires="a14">
           <p:sp>
             <p:nvSpPr>
               <p:cNvPr id="15" name="TextBox 14">
@@ -42571,6 +44610,7 @@
               </a:bodyPr>
               <a:lstStyle/>
               <a:p>
+                <a:pPr/>
                 <a14:m>
                   <m:oMathPara xmlns:m="http://schemas.openxmlformats.org/officeDocument/2006/math">
                     <m:oMathParaPr>
@@ -42615,7 +44655,7 @@
             </p:txBody>
           </p:sp>
         </mc:Choice>
-        <mc:Fallback>
+        <mc:Fallback xmlns="">
           <p:sp>
             <p:nvSpPr>
               <p:cNvPr id="15" name="TextBox 14">
@@ -42676,7 +44716,7 @@
 </p:sld>
 </file>
 
-<file path=ppt/slides/slide5.xml><?xml version="1.0" encoding="utf-8"?>
+<file path=ppt/slides/slide6.xml><?xml version="1.0" encoding="utf-8"?>
 <p:sld xmlns:a="http://schemas.openxmlformats.org/drawingml/2006/main" xmlns:r="http://schemas.openxmlformats.org/officeDocument/2006/relationships" xmlns:p="http://schemas.openxmlformats.org/presentationml/2006/main">
   <p:cSld>
     <p:spTree>
@@ -43059,7 +45099,7 @@
 </p:sld>
 </file>
 
-<file path=ppt/slides/slide6.xml><?xml version="1.0" encoding="utf-8"?>
+<file path=ppt/slides/slide7.xml><?xml version="1.0" encoding="utf-8"?>
 <p:sld xmlns:a="http://schemas.openxmlformats.org/drawingml/2006/main" xmlns:r="http://schemas.openxmlformats.org/officeDocument/2006/relationships" xmlns:p="http://schemas.openxmlformats.org/presentationml/2006/main">
   <p:cSld>
     <p:spTree>
@@ -43261,7 +45301,7 @@
 </p:sld>
 </file>
 
-<file path=ppt/slides/slide7.xml><?xml version="1.0" encoding="utf-8"?>
+<file path=ppt/slides/slide8.xml><?xml version="1.0" encoding="utf-8"?>
 <p:sld xmlns:a="http://schemas.openxmlformats.org/drawingml/2006/main" xmlns:r="http://schemas.openxmlformats.org/officeDocument/2006/relationships" xmlns:p="http://schemas.openxmlformats.org/presentationml/2006/main">
   <p:cSld>
     <p:spTree>
@@ -43520,7 +45560,7 @@
 </p:sld>
 </file>
 
-<file path=ppt/slides/slide8.xml><?xml version="1.0" encoding="utf-8"?>
+<file path=ppt/slides/slide9.xml><?xml version="1.0" encoding="utf-8"?>
 <p:sld xmlns:a="http://schemas.openxmlformats.org/drawingml/2006/main" xmlns:r="http://schemas.openxmlformats.org/officeDocument/2006/relationships" xmlns:p="http://schemas.openxmlformats.org/presentationml/2006/main">
   <p:cSld>
     <p:spTree>
@@ -44521,1068 +46561,6 @@
 </p:sld>
 </file>
 
-<file path=ppt/slides/slide9.xml><?xml version="1.0" encoding="utf-8"?>
-<p:sld xmlns:a="http://schemas.openxmlformats.org/drawingml/2006/main" xmlns:r="http://schemas.openxmlformats.org/officeDocument/2006/relationships" xmlns:p="http://schemas.openxmlformats.org/presentationml/2006/main">
-  <p:cSld>
-    <p:spTree>
-      <p:nvGrpSpPr>
-        <p:cNvPr id="1" name=""/>
-        <p:cNvGrpSpPr/>
-        <p:nvPr/>
-      </p:nvGrpSpPr>
-      <p:grpSpPr>
-        <a:xfrm>
-          <a:off x="0" y="0"/>
-          <a:ext cx="0" cy="0"/>
-          <a:chOff x="0" y="0"/>
-          <a:chExt cx="0" cy="0"/>
-        </a:xfrm>
-      </p:grpSpPr>
-      <p:sp>
-        <p:nvSpPr>
-          <p:cNvPr id="7" name="Content Placeholder 2">
-            <a:extLst>
-              <a:ext uri="{FF2B5EF4-FFF2-40B4-BE49-F238E27FC236}">
-                <a16:creationId xmlns:a16="http://schemas.microsoft.com/office/drawing/2014/main" id="{D3E64906-E945-371A-7BFF-AD589E514F74}"/>
-              </a:ext>
-            </a:extLst>
-          </p:cNvPr>
-          <p:cNvSpPr>
-            <a:spLocks noGrp="1"/>
-          </p:cNvSpPr>
-          <p:nvPr>
-            <p:ph idx="1"/>
-          </p:nvPr>
-        </p:nvSpPr>
-        <p:spPr>
-          <a:xfrm>
-            <a:off x="2146863" y="468824"/>
-            <a:ext cx="7898269" cy="652474"/>
-          </a:xfrm>
-        </p:spPr>
-        <p:txBody>
-          <a:bodyPr anchor="ctr" anchorCtr="0">
-            <a:noAutofit/>
-          </a:bodyPr>
-          <a:lstStyle/>
-          <a:p>
-            <a:pPr marL="0" indent="0" algn="ctr">
-              <a:buNone/>
-            </a:pPr>
-            <a:r>
-              <a:rPr lang="en-US" sz="2800" dirty="0"/>
-              <a:t>What happens if we only travel the longest distance?</a:t>
-            </a:r>
-          </a:p>
-        </p:txBody>
-      </p:sp>
-      <p:sp>
-        <p:nvSpPr>
-          <p:cNvPr id="8" name="Title 1">
-            <a:extLst>
-              <a:ext uri="{FF2B5EF4-FFF2-40B4-BE49-F238E27FC236}">
-                <a16:creationId xmlns:a16="http://schemas.microsoft.com/office/drawing/2014/main" id="{06DCD268-CBD9-011B-7DF1-A7282AA6CE71}"/>
-              </a:ext>
-            </a:extLst>
-          </p:cNvPr>
-          <p:cNvSpPr>
-            <a:spLocks noGrp="1"/>
-          </p:cNvSpPr>
-          <p:nvPr>
-            <p:ph type="title"/>
-          </p:nvPr>
-        </p:nvSpPr>
-        <p:spPr>
-          <a:xfrm>
-            <a:off x="5588004" y="6172200"/>
-            <a:ext cx="6603996" cy="685800"/>
-          </a:xfrm>
-        </p:spPr>
-        <p:txBody>
-          <a:bodyPr>
-            <a:normAutofit/>
-          </a:bodyPr>
-          <a:lstStyle/>
-          <a:p>
-            <a:r>
-              <a:rPr lang="en-US" sz="3200" dirty="0"/>
-              <a:t>Longest Safely Traversable Distance</a:t>
-            </a:r>
-          </a:p>
-        </p:txBody>
-      </p:sp>
-      <p:sp>
-        <p:nvSpPr>
-          <p:cNvPr id="11" name="Freeform: Shape 10">
-            <a:extLst>
-              <a:ext uri="{FF2B5EF4-FFF2-40B4-BE49-F238E27FC236}">
-                <a16:creationId xmlns:a16="http://schemas.microsoft.com/office/drawing/2014/main" id="{33C4055E-DDDB-6DB7-6A79-4AC37341359F}"/>
-              </a:ext>
-            </a:extLst>
-          </p:cNvPr>
-          <p:cNvSpPr>
-            <a:spLocks noChangeAspect="1"/>
-          </p:cNvSpPr>
-          <p:nvPr/>
-        </p:nvSpPr>
-        <p:spPr>
-          <a:xfrm>
-            <a:off x="4760689" y="1392420"/>
-            <a:ext cx="918215" cy="4687733"/>
-          </a:xfrm>
-          <a:custGeom>
-            <a:avLst/>
-            <a:gdLst>
-              <a:gd name="connsiteX0" fmla="*/ 174171 w 827314"/>
-              <a:gd name="connsiteY0" fmla="*/ 4223657 h 4223657"/>
-              <a:gd name="connsiteX1" fmla="*/ 174171 w 827314"/>
-              <a:gd name="connsiteY1" fmla="*/ 3439886 h 4223657"/>
-              <a:gd name="connsiteX2" fmla="*/ 203200 w 827314"/>
-              <a:gd name="connsiteY2" fmla="*/ 3280229 h 4223657"/>
-              <a:gd name="connsiteX3" fmla="*/ 246743 w 827314"/>
-              <a:gd name="connsiteY3" fmla="*/ 3193143 h 4223657"/>
-              <a:gd name="connsiteX4" fmla="*/ 290285 w 827314"/>
-              <a:gd name="connsiteY4" fmla="*/ 3091543 h 4223657"/>
-              <a:gd name="connsiteX5" fmla="*/ 348343 w 827314"/>
-              <a:gd name="connsiteY5" fmla="*/ 3018971 h 4223657"/>
-              <a:gd name="connsiteX6" fmla="*/ 406400 w 827314"/>
-              <a:gd name="connsiteY6" fmla="*/ 2931886 h 4223657"/>
-              <a:gd name="connsiteX7" fmla="*/ 508000 w 827314"/>
-              <a:gd name="connsiteY7" fmla="*/ 2801257 h 4223657"/>
-              <a:gd name="connsiteX8" fmla="*/ 696685 w 827314"/>
-              <a:gd name="connsiteY8" fmla="*/ 2554514 h 4223657"/>
-              <a:gd name="connsiteX9" fmla="*/ 769257 w 827314"/>
-              <a:gd name="connsiteY9" fmla="*/ 2380343 h 4223657"/>
-              <a:gd name="connsiteX10" fmla="*/ 827314 w 827314"/>
-              <a:gd name="connsiteY10" fmla="*/ 2148114 h 4223657"/>
-              <a:gd name="connsiteX11" fmla="*/ 812800 w 827314"/>
-              <a:gd name="connsiteY11" fmla="*/ 1901371 h 4223657"/>
-              <a:gd name="connsiteX12" fmla="*/ 798285 w 827314"/>
-              <a:gd name="connsiteY12" fmla="*/ 1843314 h 4223657"/>
-              <a:gd name="connsiteX13" fmla="*/ 682171 w 827314"/>
-              <a:gd name="connsiteY13" fmla="*/ 1640114 h 4223657"/>
-              <a:gd name="connsiteX14" fmla="*/ 537028 w 827314"/>
-              <a:gd name="connsiteY14" fmla="*/ 1480457 h 4223657"/>
-              <a:gd name="connsiteX15" fmla="*/ 304800 w 827314"/>
-              <a:gd name="connsiteY15" fmla="*/ 1306286 h 4223657"/>
-              <a:gd name="connsiteX16" fmla="*/ 145143 w 827314"/>
-              <a:gd name="connsiteY16" fmla="*/ 1088571 h 4223657"/>
-              <a:gd name="connsiteX17" fmla="*/ 87085 w 827314"/>
-              <a:gd name="connsiteY17" fmla="*/ 972457 h 4223657"/>
-              <a:gd name="connsiteX18" fmla="*/ 14514 w 827314"/>
-              <a:gd name="connsiteY18" fmla="*/ 856343 h 4223657"/>
-              <a:gd name="connsiteX19" fmla="*/ 0 w 827314"/>
-              <a:gd name="connsiteY19" fmla="*/ 812800 h 4223657"/>
-              <a:gd name="connsiteX20" fmla="*/ 58057 w 827314"/>
-              <a:gd name="connsiteY20" fmla="*/ 580571 h 4223657"/>
-              <a:gd name="connsiteX21" fmla="*/ 101600 w 827314"/>
-              <a:gd name="connsiteY21" fmla="*/ 537029 h 4223657"/>
-              <a:gd name="connsiteX22" fmla="*/ 188685 w 827314"/>
-              <a:gd name="connsiteY22" fmla="*/ 435429 h 4223657"/>
-              <a:gd name="connsiteX23" fmla="*/ 232228 w 827314"/>
-              <a:gd name="connsiteY23" fmla="*/ 406400 h 4223657"/>
-              <a:gd name="connsiteX24" fmla="*/ 304800 w 827314"/>
-              <a:gd name="connsiteY24" fmla="*/ 333829 h 4223657"/>
-              <a:gd name="connsiteX25" fmla="*/ 493485 w 827314"/>
-              <a:gd name="connsiteY25" fmla="*/ 217714 h 4223657"/>
-              <a:gd name="connsiteX26" fmla="*/ 638628 w 827314"/>
-              <a:gd name="connsiteY26" fmla="*/ 145143 h 4223657"/>
-              <a:gd name="connsiteX27" fmla="*/ 711200 w 827314"/>
-              <a:gd name="connsiteY27" fmla="*/ 87086 h 4223657"/>
-              <a:gd name="connsiteX28" fmla="*/ 827314 w 827314"/>
-              <a:gd name="connsiteY28" fmla="*/ 0 h 4223657"/>
-            </a:gdLst>
-            <a:ahLst/>
-            <a:cxnLst>
-              <a:cxn ang="0">
-                <a:pos x="connsiteX0" y="connsiteY0"/>
-              </a:cxn>
-              <a:cxn ang="0">
-                <a:pos x="connsiteX1" y="connsiteY1"/>
-              </a:cxn>
-              <a:cxn ang="0">
-                <a:pos x="connsiteX2" y="connsiteY2"/>
-              </a:cxn>
-              <a:cxn ang="0">
-                <a:pos x="connsiteX3" y="connsiteY3"/>
-              </a:cxn>
-              <a:cxn ang="0">
-                <a:pos x="connsiteX4" y="connsiteY4"/>
-              </a:cxn>
-              <a:cxn ang="0">
-                <a:pos x="connsiteX5" y="connsiteY5"/>
-              </a:cxn>
-              <a:cxn ang="0">
-                <a:pos x="connsiteX6" y="connsiteY6"/>
-              </a:cxn>
-              <a:cxn ang="0">
-                <a:pos x="connsiteX7" y="connsiteY7"/>
-              </a:cxn>
-              <a:cxn ang="0">
-                <a:pos x="connsiteX8" y="connsiteY8"/>
-              </a:cxn>
-              <a:cxn ang="0">
-                <a:pos x="connsiteX9" y="connsiteY9"/>
-              </a:cxn>
-              <a:cxn ang="0">
-                <a:pos x="connsiteX10" y="connsiteY10"/>
-              </a:cxn>
-              <a:cxn ang="0">
-                <a:pos x="connsiteX11" y="connsiteY11"/>
-              </a:cxn>
-              <a:cxn ang="0">
-                <a:pos x="connsiteX12" y="connsiteY12"/>
-              </a:cxn>
-              <a:cxn ang="0">
-                <a:pos x="connsiteX13" y="connsiteY13"/>
-              </a:cxn>
-              <a:cxn ang="0">
-                <a:pos x="connsiteX14" y="connsiteY14"/>
-              </a:cxn>
-              <a:cxn ang="0">
-                <a:pos x="connsiteX15" y="connsiteY15"/>
-              </a:cxn>
-              <a:cxn ang="0">
-                <a:pos x="connsiteX16" y="connsiteY16"/>
-              </a:cxn>
-              <a:cxn ang="0">
-                <a:pos x="connsiteX17" y="connsiteY17"/>
-              </a:cxn>
-              <a:cxn ang="0">
-                <a:pos x="connsiteX18" y="connsiteY18"/>
-              </a:cxn>
-              <a:cxn ang="0">
-                <a:pos x="connsiteX19" y="connsiteY19"/>
-              </a:cxn>
-              <a:cxn ang="0">
-                <a:pos x="connsiteX20" y="connsiteY20"/>
-              </a:cxn>
-              <a:cxn ang="0">
-                <a:pos x="connsiteX21" y="connsiteY21"/>
-              </a:cxn>
-              <a:cxn ang="0">
-                <a:pos x="connsiteX22" y="connsiteY22"/>
-              </a:cxn>
-              <a:cxn ang="0">
-                <a:pos x="connsiteX23" y="connsiteY23"/>
-              </a:cxn>
-              <a:cxn ang="0">
-                <a:pos x="connsiteX24" y="connsiteY24"/>
-              </a:cxn>
-              <a:cxn ang="0">
-                <a:pos x="connsiteX25" y="connsiteY25"/>
-              </a:cxn>
-              <a:cxn ang="0">
-                <a:pos x="connsiteX26" y="connsiteY26"/>
-              </a:cxn>
-              <a:cxn ang="0">
-                <a:pos x="connsiteX27" y="connsiteY27"/>
-              </a:cxn>
-              <a:cxn ang="0">
-                <a:pos x="connsiteX28" y="connsiteY28"/>
-              </a:cxn>
-            </a:cxnLst>
-            <a:rect l="l" t="t" r="r" b="b"/>
-            <a:pathLst>
-              <a:path w="827314" h="4223657">
-                <a:moveTo>
-                  <a:pt x="174171" y="4223657"/>
-                </a:moveTo>
-                <a:cubicBezTo>
-                  <a:pt x="114150" y="3923546"/>
-                  <a:pt x="149597" y="4127967"/>
-                  <a:pt x="174171" y="3439886"/>
-                </a:cubicBezTo>
-                <a:cubicBezTo>
-                  <a:pt x="174929" y="3418658"/>
-                  <a:pt x="190053" y="3313095"/>
-                  <a:pt x="203200" y="3280229"/>
-                </a:cubicBezTo>
-                <a:cubicBezTo>
-                  <a:pt x="215254" y="3250095"/>
-                  <a:pt x="233143" y="3222611"/>
-                  <a:pt x="246743" y="3193143"/>
-                </a:cubicBezTo>
-                <a:cubicBezTo>
-                  <a:pt x="262183" y="3159689"/>
-                  <a:pt x="271720" y="3123370"/>
-                  <a:pt x="290285" y="3091543"/>
-                </a:cubicBezTo>
-                <a:cubicBezTo>
-                  <a:pt x="305895" y="3064784"/>
-                  <a:pt x="330122" y="3044025"/>
-                  <a:pt x="348343" y="3018971"/>
-                </a:cubicBezTo>
-                <a:cubicBezTo>
-                  <a:pt x="368863" y="2990756"/>
-                  <a:pt x="384066" y="2958688"/>
-                  <a:pt x="406400" y="2931886"/>
-                </a:cubicBezTo>
-                <a:cubicBezTo>
-                  <a:pt x="625486" y="2668980"/>
-                  <a:pt x="395528" y="2951221"/>
-                  <a:pt x="508000" y="2801257"/>
-                </a:cubicBezTo>
-                <a:cubicBezTo>
-                  <a:pt x="570124" y="2718425"/>
-                  <a:pt x="656862" y="2650089"/>
-                  <a:pt x="696685" y="2554514"/>
-                </a:cubicBezTo>
-                <a:cubicBezTo>
-                  <a:pt x="720876" y="2496457"/>
-                  <a:pt x="747763" y="2439451"/>
-                  <a:pt x="769257" y="2380343"/>
-                </a:cubicBezTo>
-                <a:cubicBezTo>
-                  <a:pt x="811923" y="2263011"/>
-                  <a:pt x="809934" y="2252398"/>
-                  <a:pt x="827314" y="2148114"/>
-                </a:cubicBezTo>
-                <a:cubicBezTo>
-                  <a:pt x="822476" y="2065866"/>
-                  <a:pt x="820611" y="1983390"/>
-                  <a:pt x="812800" y="1901371"/>
-                </a:cubicBezTo>
-                <a:cubicBezTo>
-                  <a:pt x="810909" y="1881513"/>
-                  <a:pt x="805102" y="1862061"/>
-                  <a:pt x="798285" y="1843314"/>
-                </a:cubicBezTo>
-                <a:cubicBezTo>
-                  <a:pt x="759891" y="1737729"/>
-                  <a:pt x="751827" y="1732988"/>
-                  <a:pt x="682171" y="1640114"/>
-                </a:cubicBezTo>
-                <a:cubicBezTo>
-                  <a:pt x="641470" y="1585846"/>
-                  <a:pt x="589035" y="1522713"/>
-                  <a:pt x="537028" y="1480457"/>
-                </a:cubicBezTo>
-                <a:cubicBezTo>
-                  <a:pt x="478868" y="1433202"/>
-                  <a:pt x="361792" y="1368028"/>
-                  <a:pt x="304800" y="1306286"/>
-                </a:cubicBezTo>
-                <a:cubicBezTo>
-                  <a:pt x="299919" y="1300998"/>
-                  <a:pt x="153639" y="1105562"/>
-                  <a:pt x="145143" y="1088571"/>
-                </a:cubicBezTo>
-                <a:cubicBezTo>
-                  <a:pt x="125790" y="1049866"/>
-                  <a:pt x="107601" y="1010558"/>
-                  <a:pt x="87085" y="972457"/>
-                </a:cubicBezTo>
-                <a:cubicBezTo>
-                  <a:pt x="62572" y="926933"/>
-                  <a:pt x="41875" y="897384"/>
-                  <a:pt x="14514" y="856343"/>
-                </a:cubicBezTo>
-                <a:cubicBezTo>
-                  <a:pt x="9676" y="841829"/>
-                  <a:pt x="0" y="828099"/>
-                  <a:pt x="0" y="812800"/>
-                </a:cubicBezTo>
-                <a:cubicBezTo>
-                  <a:pt x="0" y="710884"/>
-                  <a:pt x="4613" y="660736"/>
-                  <a:pt x="58057" y="580571"/>
-                </a:cubicBezTo>
-                <a:cubicBezTo>
-                  <a:pt x="69443" y="563492"/>
-                  <a:pt x="88242" y="552614"/>
-                  <a:pt x="101600" y="537029"/>
-                </a:cubicBezTo>
-                <a:cubicBezTo>
-                  <a:pt x="149653" y="480967"/>
-                  <a:pt x="134660" y="480450"/>
-                  <a:pt x="188685" y="435429"/>
-                </a:cubicBezTo>
-                <a:cubicBezTo>
-                  <a:pt x="202086" y="424262"/>
-                  <a:pt x="219100" y="417887"/>
-                  <a:pt x="232228" y="406400"/>
-                </a:cubicBezTo>
-                <a:cubicBezTo>
-                  <a:pt x="257974" y="383872"/>
-                  <a:pt x="277066" y="353859"/>
-                  <a:pt x="304800" y="333829"/>
-                </a:cubicBezTo>
-                <a:cubicBezTo>
-                  <a:pt x="364669" y="290590"/>
-                  <a:pt x="430159" y="255710"/>
-                  <a:pt x="493485" y="217714"/>
-                </a:cubicBezTo>
-                <a:cubicBezTo>
-                  <a:pt x="596058" y="156170"/>
-                  <a:pt x="562909" y="170382"/>
-                  <a:pt x="638628" y="145143"/>
-                </a:cubicBezTo>
-                <a:cubicBezTo>
-                  <a:pt x="662819" y="125791"/>
-                  <a:pt x="686146" y="105307"/>
-                  <a:pt x="711200" y="87086"/>
-                </a:cubicBezTo>
-                <a:cubicBezTo>
-                  <a:pt x="831552" y="-442"/>
-                  <a:pt x="765033" y="62281"/>
-                  <a:pt x="827314" y="0"/>
-                </a:cubicBezTo>
-              </a:path>
-            </a:pathLst>
-          </a:custGeom>
-          <a:noFill/>
-          <a:ln w="28575">
-            <a:solidFill>
-              <a:schemeClr val="tx1"/>
-            </a:solidFill>
-          </a:ln>
-        </p:spPr>
-        <p:style>
-          <a:lnRef idx="2">
-            <a:schemeClr val="accent1">
-              <a:shade val="50000"/>
-            </a:schemeClr>
-          </a:lnRef>
-          <a:fillRef idx="1">
-            <a:schemeClr val="accent1"/>
-          </a:fillRef>
-          <a:effectRef idx="0">
-            <a:schemeClr val="accent1"/>
-          </a:effectRef>
-          <a:fontRef idx="minor">
-            <a:schemeClr val="lt1"/>
-          </a:fontRef>
-        </p:style>
-        <p:txBody>
-          <a:bodyPr rtlCol="0" anchor="ctr"/>
-          <a:lstStyle/>
-          <a:p>
-            <a:pPr algn="ctr"/>
-            <a:endParaRPr lang="en-US">
-              <a:solidFill>
-                <a:schemeClr val="tx1"/>
-              </a:solidFill>
-            </a:endParaRPr>
-          </a:p>
-        </p:txBody>
-      </p:sp>
-      <p:sp>
-        <p:nvSpPr>
-          <p:cNvPr id="12" name="Freeform: Shape 11">
-            <a:extLst>
-              <a:ext uri="{FF2B5EF4-FFF2-40B4-BE49-F238E27FC236}">
-                <a16:creationId xmlns:a16="http://schemas.microsoft.com/office/drawing/2014/main" id="{F6396D48-1F54-154E-2315-038E78D3F8A0}"/>
-              </a:ext>
-            </a:extLst>
-          </p:cNvPr>
-          <p:cNvSpPr>
-            <a:spLocks noChangeAspect="1"/>
-          </p:cNvSpPr>
-          <p:nvPr/>
-        </p:nvSpPr>
-        <p:spPr>
-          <a:xfrm>
-            <a:off x="5882784" y="1626486"/>
-            <a:ext cx="721213" cy="4456756"/>
-          </a:xfrm>
-          <a:custGeom>
-            <a:avLst/>
-            <a:gdLst>
-              <a:gd name="connsiteX0" fmla="*/ 307604 w 671748"/>
-              <a:gd name="connsiteY0" fmla="*/ 0 h 4151086"/>
-              <a:gd name="connsiteX1" fmla="*/ 176976 w 671748"/>
-              <a:gd name="connsiteY1" fmla="*/ 58057 h 4151086"/>
-              <a:gd name="connsiteX2" fmla="*/ 133433 w 671748"/>
-              <a:gd name="connsiteY2" fmla="*/ 87086 h 4151086"/>
-              <a:gd name="connsiteX3" fmla="*/ 46347 w 671748"/>
-              <a:gd name="connsiteY3" fmla="*/ 174172 h 4151086"/>
-              <a:gd name="connsiteX4" fmla="*/ 17318 w 671748"/>
-              <a:gd name="connsiteY4" fmla="*/ 261257 h 4151086"/>
-              <a:gd name="connsiteX5" fmla="*/ 2804 w 671748"/>
-              <a:gd name="connsiteY5" fmla="*/ 304800 h 4151086"/>
-              <a:gd name="connsiteX6" fmla="*/ 60861 w 671748"/>
-              <a:gd name="connsiteY6" fmla="*/ 696686 h 4151086"/>
-              <a:gd name="connsiteX7" fmla="*/ 104404 w 671748"/>
-              <a:gd name="connsiteY7" fmla="*/ 754743 h 4151086"/>
-              <a:gd name="connsiteX8" fmla="*/ 118918 w 671748"/>
-              <a:gd name="connsiteY8" fmla="*/ 798286 h 4151086"/>
-              <a:gd name="connsiteX9" fmla="*/ 293090 w 671748"/>
-              <a:gd name="connsiteY9" fmla="*/ 986972 h 4151086"/>
-              <a:gd name="connsiteX10" fmla="*/ 336633 w 671748"/>
-              <a:gd name="connsiteY10" fmla="*/ 1016000 h 4151086"/>
-              <a:gd name="connsiteX11" fmla="*/ 438233 w 671748"/>
-              <a:gd name="connsiteY11" fmla="*/ 1132114 h 4151086"/>
-              <a:gd name="connsiteX12" fmla="*/ 539833 w 671748"/>
-              <a:gd name="connsiteY12" fmla="*/ 1306286 h 4151086"/>
-              <a:gd name="connsiteX13" fmla="*/ 612404 w 671748"/>
-              <a:gd name="connsiteY13" fmla="*/ 1422400 h 4151086"/>
-              <a:gd name="connsiteX14" fmla="*/ 641433 w 671748"/>
-              <a:gd name="connsiteY14" fmla="*/ 1524000 h 4151086"/>
-              <a:gd name="connsiteX15" fmla="*/ 670461 w 671748"/>
-              <a:gd name="connsiteY15" fmla="*/ 2075543 h 4151086"/>
-              <a:gd name="connsiteX16" fmla="*/ 626918 w 671748"/>
-              <a:gd name="connsiteY16" fmla="*/ 2554514 h 4151086"/>
-              <a:gd name="connsiteX17" fmla="*/ 568861 w 671748"/>
-              <a:gd name="connsiteY17" fmla="*/ 2670629 h 4151086"/>
-              <a:gd name="connsiteX18" fmla="*/ 554347 w 671748"/>
-              <a:gd name="connsiteY18" fmla="*/ 2728686 h 4151086"/>
-              <a:gd name="connsiteX19" fmla="*/ 525318 w 671748"/>
-              <a:gd name="connsiteY19" fmla="*/ 2772229 h 4151086"/>
-              <a:gd name="connsiteX20" fmla="*/ 510804 w 671748"/>
-              <a:gd name="connsiteY20" fmla="*/ 2844800 h 4151086"/>
-              <a:gd name="connsiteX21" fmla="*/ 452747 w 671748"/>
-              <a:gd name="connsiteY21" fmla="*/ 2917372 h 4151086"/>
-              <a:gd name="connsiteX22" fmla="*/ 423718 w 671748"/>
-              <a:gd name="connsiteY22" fmla="*/ 2975429 h 4151086"/>
-              <a:gd name="connsiteX23" fmla="*/ 409204 w 671748"/>
-              <a:gd name="connsiteY23" fmla="*/ 3033486 h 4151086"/>
-              <a:gd name="connsiteX24" fmla="*/ 380176 w 671748"/>
-              <a:gd name="connsiteY24" fmla="*/ 3077029 h 4151086"/>
-              <a:gd name="connsiteX25" fmla="*/ 351147 w 671748"/>
-              <a:gd name="connsiteY25" fmla="*/ 3135086 h 4151086"/>
-              <a:gd name="connsiteX26" fmla="*/ 264061 w 671748"/>
-              <a:gd name="connsiteY26" fmla="*/ 3280229 h 4151086"/>
-              <a:gd name="connsiteX27" fmla="*/ 249547 w 671748"/>
-              <a:gd name="connsiteY27" fmla="*/ 3338286 h 4151086"/>
-              <a:gd name="connsiteX28" fmla="*/ 176976 w 671748"/>
-              <a:gd name="connsiteY28" fmla="*/ 3512457 h 4151086"/>
-              <a:gd name="connsiteX29" fmla="*/ 147947 w 671748"/>
-              <a:gd name="connsiteY29" fmla="*/ 3614057 h 4151086"/>
-              <a:gd name="connsiteX30" fmla="*/ 104404 w 671748"/>
-              <a:gd name="connsiteY30" fmla="*/ 3744686 h 4151086"/>
-              <a:gd name="connsiteX31" fmla="*/ 75376 w 671748"/>
-              <a:gd name="connsiteY31" fmla="*/ 3875314 h 4151086"/>
-              <a:gd name="connsiteX32" fmla="*/ 60861 w 671748"/>
-              <a:gd name="connsiteY32" fmla="*/ 3962400 h 4151086"/>
-              <a:gd name="connsiteX33" fmla="*/ 60861 w 671748"/>
-              <a:gd name="connsiteY33" fmla="*/ 4151086 h 4151086"/>
-            </a:gdLst>
-            <a:ahLst/>
-            <a:cxnLst>
-              <a:cxn ang="0">
-                <a:pos x="connsiteX0" y="connsiteY0"/>
-              </a:cxn>
-              <a:cxn ang="0">
-                <a:pos x="connsiteX1" y="connsiteY1"/>
-              </a:cxn>
-              <a:cxn ang="0">
-                <a:pos x="connsiteX2" y="connsiteY2"/>
-              </a:cxn>
-              <a:cxn ang="0">
-                <a:pos x="connsiteX3" y="connsiteY3"/>
-              </a:cxn>
-              <a:cxn ang="0">
-                <a:pos x="connsiteX4" y="connsiteY4"/>
-              </a:cxn>
-              <a:cxn ang="0">
-                <a:pos x="connsiteX5" y="connsiteY5"/>
-              </a:cxn>
-              <a:cxn ang="0">
-                <a:pos x="connsiteX6" y="connsiteY6"/>
-              </a:cxn>
-              <a:cxn ang="0">
-                <a:pos x="connsiteX7" y="connsiteY7"/>
-              </a:cxn>
-              <a:cxn ang="0">
-                <a:pos x="connsiteX8" y="connsiteY8"/>
-              </a:cxn>
-              <a:cxn ang="0">
-                <a:pos x="connsiteX9" y="connsiteY9"/>
-              </a:cxn>
-              <a:cxn ang="0">
-                <a:pos x="connsiteX10" y="connsiteY10"/>
-              </a:cxn>
-              <a:cxn ang="0">
-                <a:pos x="connsiteX11" y="connsiteY11"/>
-              </a:cxn>
-              <a:cxn ang="0">
-                <a:pos x="connsiteX12" y="connsiteY12"/>
-              </a:cxn>
-              <a:cxn ang="0">
-                <a:pos x="connsiteX13" y="connsiteY13"/>
-              </a:cxn>
-              <a:cxn ang="0">
-                <a:pos x="connsiteX14" y="connsiteY14"/>
-              </a:cxn>
-              <a:cxn ang="0">
-                <a:pos x="connsiteX15" y="connsiteY15"/>
-              </a:cxn>
-              <a:cxn ang="0">
-                <a:pos x="connsiteX16" y="connsiteY16"/>
-              </a:cxn>
-              <a:cxn ang="0">
-                <a:pos x="connsiteX17" y="connsiteY17"/>
-              </a:cxn>
-              <a:cxn ang="0">
-                <a:pos x="connsiteX18" y="connsiteY18"/>
-              </a:cxn>
-              <a:cxn ang="0">
-                <a:pos x="connsiteX19" y="connsiteY19"/>
-              </a:cxn>
-              <a:cxn ang="0">
-                <a:pos x="connsiteX20" y="connsiteY20"/>
-              </a:cxn>
-              <a:cxn ang="0">
-                <a:pos x="connsiteX21" y="connsiteY21"/>
-              </a:cxn>
-              <a:cxn ang="0">
-                <a:pos x="connsiteX22" y="connsiteY22"/>
-              </a:cxn>
-              <a:cxn ang="0">
-                <a:pos x="connsiteX23" y="connsiteY23"/>
-              </a:cxn>
-              <a:cxn ang="0">
-                <a:pos x="connsiteX24" y="connsiteY24"/>
-              </a:cxn>
-              <a:cxn ang="0">
-                <a:pos x="connsiteX25" y="connsiteY25"/>
-              </a:cxn>
-              <a:cxn ang="0">
-                <a:pos x="connsiteX26" y="connsiteY26"/>
-              </a:cxn>
-              <a:cxn ang="0">
-                <a:pos x="connsiteX27" y="connsiteY27"/>
-              </a:cxn>
-              <a:cxn ang="0">
-                <a:pos x="connsiteX28" y="connsiteY28"/>
-              </a:cxn>
-              <a:cxn ang="0">
-                <a:pos x="connsiteX29" y="connsiteY29"/>
-              </a:cxn>
-              <a:cxn ang="0">
-                <a:pos x="connsiteX30" y="connsiteY30"/>
-              </a:cxn>
-              <a:cxn ang="0">
-                <a:pos x="connsiteX31" y="connsiteY31"/>
-              </a:cxn>
-              <a:cxn ang="0">
-                <a:pos x="connsiteX32" y="connsiteY32"/>
-              </a:cxn>
-              <a:cxn ang="0">
-                <a:pos x="connsiteX33" y="connsiteY33"/>
-              </a:cxn>
-            </a:cxnLst>
-            <a:rect l="l" t="t" r="r" b="b"/>
-            <a:pathLst>
-              <a:path w="671748" h="4151086">
-                <a:moveTo>
-                  <a:pt x="307604" y="0"/>
-                </a:moveTo>
-                <a:cubicBezTo>
-                  <a:pt x="255772" y="20733"/>
-                  <a:pt x="224431" y="30940"/>
-                  <a:pt x="176976" y="58057"/>
-                </a:cubicBezTo>
-                <a:cubicBezTo>
-                  <a:pt x="161830" y="66712"/>
-                  <a:pt x="146471" y="75497"/>
-                  <a:pt x="133433" y="87086"/>
-                </a:cubicBezTo>
-                <a:cubicBezTo>
-                  <a:pt x="102750" y="114360"/>
-                  <a:pt x="46347" y="174172"/>
-                  <a:pt x="46347" y="174172"/>
-                </a:cubicBezTo>
-                <a:lnTo>
-                  <a:pt x="17318" y="261257"/>
-                </a:lnTo>
-                <a:lnTo>
-                  <a:pt x="2804" y="304800"/>
-                </a:lnTo>
-                <a:cubicBezTo>
-                  <a:pt x="15579" y="585847"/>
-                  <a:pt x="-36701" y="550344"/>
-                  <a:pt x="60861" y="696686"/>
-                </a:cubicBezTo>
-                <a:cubicBezTo>
-                  <a:pt x="74279" y="716814"/>
-                  <a:pt x="89890" y="735391"/>
-                  <a:pt x="104404" y="754743"/>
-                </a:cubicBezTo>
-                <a:cubicBezTo>
-                  <a:pt x="109242" y="769257"/>
-                  <a:pt x="112076" y="784602"/>
-                  <a:pt x="118918" y="798286"/>
-                </a:cubicBezTo>
-                <a:cubicBezTo>
-                  <a:pt x="150744" y="861938"/>
-                  <a:pt x="273507" y="973917"/>
-                  <a:pt x="293090" y="986972"/>
-                </a:cubicBezTo>
-                <a:cubicBezTo>
-                  <a:pt x="307604" y="996648"/>
-                  <a:pt x="323232" y="1004833"/>
-                  <a:pt x="336633" y="1016000"/>
-                </a:cubicBezTo>
-                <a:cubicBezTo>
-                  <a:pt x="371104" y="1044726"/>
-                  <a:pt x="414104" y="1098937"/>
-                  <a:pt x="438233" y="1132114"/>
-                </a:cubicBezTo>
-                <a:cubicBezTo>
-                  <a:pt x="531324" y="1260114"/>
-                  <a:pt x="464844" y="1175056"/>
-                  <a:pt x="539833" y="1306286"/>
-                </a:cubicBezTo>
-                <a:cubicBezTo>
-                  <a:pt x="562478" y="1345915"/>
-                  <a:pt x="612404" y="1422400"/>
-                  <a:pt x="612404" y="1422400"/>
-                </a:cubicBezTo>
-                <a:cubicBezTo>
-                  <a:pt x="622080" y="1456267"/>
-                  <a:pt x="636452" y="1489132"/>
-                  <a:pt x="641433" y="1524000"/>
-                </a:cubicBezTo>
-                <a:cubicBezTo>
-                  <a:pt x="654841" y="1617856"/>
-                  <a:pt x="669183" y="2044873"/>
-                  <a:pt x="670461" y="2075543"/>
-                </a:cubicBezTo>
-                <a:cubicBezTo>
-                  <a:pt x="662938" y="2278665"/>
-                  <a:pt x="695383" y="2394763"/>
-                  <a:pt x="626918" y="2554514"/>
-                </a:cubicBezTo>
-                <a:cubicBezTo>
-                  <a:pt x="609872" y="2594289"/>
-                  <a:pt x="588213" y="2631924"/>
-                  <a:pt x="568861" y="2670629"/>
-                </a:cubicBezTo>
-                <a:cubicBezTo>
-                  <a:pt x="564023" y="2689981"/>
-                  <a:pt x="562205" y="2710351"/>
-                  <a:pt x="554347" y="2728686"/>
-                </a:cubicBezTo>
-                <a:cubicBezTo>
-                  <a:pt x="547475" y="2744720"/>
-                  <a:pt x="531443" y="2755896"/>
-                  <a:pt x="525318" y="2772229"/>
-                </a:cubicBezTo>
-                <a:cubicBezTo>
-                  <a:pt x="516656" y="2795328"/>
-                  <a:pt x="521836" y="2822735"/>
-                  <a:pt x="510804" y="2844800"/>
-                </a:cubicBezTo>
-                <a:cubicBezTo>
-                  <a:pt x="496950" y="2872509"/>
-                  <a:pt x="469931" y="2891596"/>
-                  <a:pt x="452747" y="2917372"/>
-                </a:cubicBezTo>
-                <a:cubicBezTo>
-                  <a:pt x="440745" y="2935375"/>
-                  <a:pt x="433394" y="2956077"/>
-                  <a:pt x="423718" y="2975429"/>
-                </a:cubicBezTo>
-                <a:cubicBezTo>
-                  <a:pt x="418880" y="2994781"/>
-                  <a:pt x="417062" y="3015151"/>
-                  <a:pt x="409204" y="3033486"/>
-                </a:cubicBezTo>
-                <a:cubicBezTo>
-                  <a:pt x="402333" y="3049520"/>
-                  <a:pt x="388831" y="3061883"/>
-                  <a:pt x="380176" y="3077029"/>
-                </a:cubicBezTo>
-                <a:cubicBezTo>
-                  <a:pt x="369441" y="3095815"/>
-                  <a:pt x="361882" y="3116300"/>
-                  <a:pt x="351147" y="3135086"/>
-                </a:cubicBezTo>
-                <a:cubicBezTo>
-                  <a:pt x="323154" y="3184073"/>
-                  <a:pt x="264061" y="3280229"/>
-                  <a:pt x="264061" y="3280229"/>
-                </a:cubicBezTo>
-                <a:cubicBezTo>
-                  <a:pt x="259223" y="3299581"/>
-                  <a:pt x="256551" y="3319608"/>
-                  <a:pt x="249547" y="3338286"/>
-                </a:cubicBezTo>
-                <a:cubicBezTo>
-                  <a:pt x="227463" y="3397177"/>
-                  <a:pt x="194255" y="3451982"/>
-                  <a:pt x="176976" y="3512457"/>
-                </a:cubicBezTo>
-                <a:cubicBezTo>
-                  <a:pt x="167300" y="3546324"/>
-                  <a:pt x="158453" y="3580438"/>
-                  <a:pt x="147947" y="3614057"/>
-                </a:cubicBezTo>
-                <a:cubicBezTo>
-                  <a:pt x="134257" y="3657866"/>
-                  <a:pt x="115536" y="3700158"/>
-                  <a:pt x="104404" y="3744686"/>
-                </a:cubicBezTo>
-                <a:cubicBezTo>
-                  <a:pt x="88872" y="3806814"/>
-                  <a:pt x="87661" y="3807746"/>
-                  <a:pt x="75376" y="3875314"/>
-                </a:cubicBezTo>
-                <a:cubicBezTo>
-                  <a:pt x="70111" y="3904268"/>
-                  <a:pt x="62408" y="3933012"/>
-                  <a:pt x="60861" y="3962400"/>
-                </a:cubicBezTo>
-                <a:cubicBezTo>
-                  <a:pt x="57555" y="4025208"/>
-                  <a:pt x="60861" y="4088191"/>
-                  <a:pt x="60861" y="4151086"/>
-                </a:cubicBezTo>
-              </a:path>
-            </a:pathLst>
-          </a:custGeom>
-          <a:noFill/>
-          <a:ln w="28575">
-            <a:solidFill>
-              <a:schemeClr val="tx1"/>
-            </a:solidFill>
-          </a:ln>
-        </p:spPr>
-        <p:style>
-          <a:lnRef idx="2">
-            <a:schemeClr val="accent1">
-              <a:shade val="50000"/>
-            </a:schemeClr>
-          </a:lnRef>
-          <a:fillRef idx="1">
-            <a:schemeClr val="accent1"/>
-          </a:fillRef>
-          <a:effectRef idx="0">
-            <a:schemeClr val="accent1"/>
-          </a:effectRef>
-          <a:fontRef idx="minor">
-            <a:schemeClr val="lt1"/>
-          </a:fontRef>
-        </p:style>
-        <p:txBody>
-          <a:bodyPr rtlCol="0" anchor="ctr"/>
-          <a:lstStyle/>
-          <a:p>
-            <a:pPr algn="ctr"/>
-            <a:endParaRPr lang="en-US">
-              <a:solidFill>
-                <a:schemeClr val="tx1"/>
-              </a:solidFill>
-            </a:endParaRPr>
-          </a:p>
-        </p:txBody>
-      </p:sp>
-      <p:cxnSp>
-        <p:nvCxnSpPr>
-          <p:cNvPr id="18" name="Straight Arrow Connector 17">
-            <a:extLst>
-              <a:ext uri="{FF2B5EF4-FFF2-40B4-BE49-F238E27FC236}">
-                <a16:creationId xmlns:a16="http://schemas.microsoft.com/office/drawing/2014/main" id="{55D55C86-0A4E-AFDC-2AB9-15CD88609AD8}"/>
-              </a:ext>
-            </a:extLst>
-          </p:cNvPr>
-          <p:cNvCxnSpPr>
-            <a:cxnSpLocks/>
-            <a:stCxn id="9" idx="0"/>
-          </p:cNvCxnSpPr>
-          <p:nvPr/>
-        </p:nvCxnSpPr>
-        <p:spPr>
-          <a:xfrm flipH="1" flipV="1">
-            <a:off x="5759786" y="1392420"/>
-            <a:ext cx="77454" cy="2544352"/>
-          </a:xfrm>
-          <a:prstGeom prst="straightConnector1">
-            <a:avLst/>
-          </a:prstGeom>
-          <a:ln w="22225">
-            <a:solidFill>
-              <a:srgbClr val="B3DE69"/>
-            </a:solidFill>
-            <a:tailEnd type="triangle"/>
-          </a:ln>
-        </p:spPr>
-        <p:style>
-          <a:lnRef idx="1">
-            <a:schemeClr val="accent1"/>
-          </a:lnRef>
-          <a:fillRef idx="0">
-            <a:schemeClr val="accent1"/>
-          </a:fillRef>
-          <a:effectRef idx="0">
-            <a:schemeClr val="accent1"/>
-          </a:effectRef>
-          <a:fontRef idx="minor">
-            <a:schemeClr val="tx1"/>
-          </a:fontRef>
-        </p:style>
-      </p:cxnSp>
-      <p:sp>
-        <p:nvSpPr>
-          <p:cNvPr id="9" name="Rectangle 8">
-            <a:extLst>
-              <a:ext uri="{FF2B5EF4-FFF2-40B4-BE49-F238E27FC236}">
-                <a16:creationId xmlns:a16="http://schemas.microsoft.com/office/drawing/2014/main" id="{44322274-8573-B003-F01B-81679487DA86}"/>
-              </a:ext>
-            </a:extLst>
-          </p:cNvPr>
-          <p:cNvSpPr/>
-          <p:nvPr/>
-        </p:nvSpPr>
-        <p:spPr>
-          <a:xfrm rot="310231">
-            <a:off x="5637095" y="3935491"/>
-            <a:ext cx="343564" cy="629439"/>
-          </a:xfrm>
-          <a:prstGeom prst="rect">
-            <a:avLst/>
-          </a:prstGeom>
-          <a:solidFill>
-            <a:srgbClr val="8BD1C5"/>
-          </a:solidFill>
-          <a:ln>
-            <a:solidFill>
-              <a:srgbClr val="8BD1C5"/>
-            </a:solidFill>
-          </a:ln>
-        </p:spPr>
-        <p:style>
-          <a:lnRef idx="2">
-            <a:schemeClr val="accent1">
-              <a:shade val="50000"/>
-            </a:schemeClr>
-          </a:lnRef>
-          <a:fillRef idx="1">
-            <a:schemeClr val="accent1"/>
-          </a:fillRef>
-          <a:effectRef idx="0">
-            <a:schemeClr val="accent1"/>
-          </a:effectRef>
-          <a:fontRef idx="minor">
-            <a:schemeClr val="lt1"/>
-          </a:fontRef>
-        </p:style>
-        <p:txBody>
-          <a:bodyPr rtlCol="0" anchor="ctr"/>
-          <a:lstStyle/>
-          <a:p>
-            <a:pPr algn="ctr"/>
-            <a:endParaRPr lang="en-US"/>
-          </a:p>
-        </p:txBody>
-      </p:sp>
-      <p:sp>
-        <p:nvSpPr>
-          <p:cNvPr id="4" name="Circle: Hollow 3">
-            <a:extLst>
-              <a:ext uri="{FF2B5EF4-FFF2-40B4-BE49-F238E27FC236}">
-                <a16:creationId xmlns:a16="http://schemas.microsoft.com/office/drawing/2014/main" id="{3F2C48E3-9D3F-7DA0-0B3F-D2121B65329D}"/>
-              </a:ext>
-            </a:extLst>
-          </p:cNvPr>
-          <p:cNvSpPr/>
-          <p:nvPr/>
-        </p:nvSpPr>
-        <p:spPr>
-          <a:xfrm>
-            <a:off x="5562600" y="3819897"/>
-            <a:ext cx="197186" cy="202786"/>
-          </a:xfrm>
-          <a:prstGeom prst="donut">
-            <a:avLst>
-              <a:gd name="adj" fmla="val 5662"/>
-            </a:avLst>
-          </a:prstGeom>
-          <a:solidFill>
-            <a:srgbClr val="FF0000"/>
-          </a:solidFill>
-          <a:ln>
-            <a:solidFill>
-              <a:srgbClr val="FF0000"/>
-            </a:solidFill>
-          </a:ln>
-        </p:spPr>
-        <p:style>
-          <a:lnRef idx="2">
-            <a:schemeClr val="accent1">
-              <a:shade val="50000"/>
-            </a:schemeClr>
-          </a:lnRef>
-          <a:fillRef idx="1">
-            <a:schemeClr val="accent1"/>
-          </a:fillRef>
-          <a:effectRef idx="0">
-            <a:schemeClr val="accent1"/>
-          </a:effectRef>
-          <a:fontRef idx="minor">
-            <a:schemeClr val="lt1"/>
-          </a:fontRef>
-        </p:style>
-        <p:txBody>
-          <a:bodyPr rtlCol="0" anchor="ctr"/>
-          <a:lstStyle/>
-          <a:p>
-            <a:pPr algn="ctr"/>
-            <a:endParaRPr lang="en-US">
-              <a:solidFill>
-                <a:schemeClr val="tx1"/>
-              </a:solidFill>
-            </a:endParaRPr>
-          </a:p>
-        </p:txBody>
-      </p:sp>
-      <p:pic>
-        <p:nvPicPr>
-          <p:cNvPr id="10" name="image1.png">
-            <a:extLst>
-              <a:ext uri="{FF2B5EF4-FFF2-40B4-BE49-F238E27FC236}">
-                <a16:creationId xmlns:a16="http://schemas.microsoft.com/office/drawing/2014/main" id="{FBEDAD1A-3A3B-4A5D-B8C3-9A07DEED79D0}"/>
-              </a:ext>
-            </a:extLst>
-          </p:cNvPr>
-          <p:cNvPicPr>
-            <a:picLocks noChangeAspect="1"/>
-          </p:cNvPicPr>
-          <p:nvPr/>
-        </p:nvPicPr>
-        <p:blipFill>
-          <a:blip r:embed="rId3" cstate="print"/>
-          <a:stretch>
-            <a:fillRect/>
-          </a:stretch>
-        </p:blipFill>
-        <p:spPr>
-          <a:xfrm>
-            <a:off x="10765085" y="120681"/>
-            <a:ext cx="1307646" cy="1307646"/>
-          </a:xfrm>
-          <a:prstGeom prst="rect">
-            <a:avLst/>
-          </a:prstGeom>
-        </p:spPr>
-      </p:pic>
-    </p:spTree>
-    <p:extLst>
-      <p:ext uri="{BB962C8B-B14F-4D97-AF65-F5344CB8AC3E}">
-        <p14:creationId xmlns:p14="http://schemas.microsoft.com/office/powerpoint/2010/main" val="1024625433"/>
-      </p:ext>
-    </p:extLst>
-  </p:cSld>
-  <p:clrMapOvr>
-    <a:masterClrMapping/>
-  </p:clrMapOvr>
-  <mc:AlternateContent xmlns:mc="http://schemas.openxmlformats.org/markup-compatibility/2006" xmlns:p159="http://schemas.microsoft.com/office/powerpoint/2015/09/main">
-    <mc:Choice Requires="p159">
-      <p:transition xmlns:p14="http://schemas.microsoft.com/office/powerpoint/2010/main" spd="slow" p14:dur="2000">
-        <p159:morph option="byObject"/>
-      </p:transition>
-    </mc:Choice>
-    <mc:Fallback xmlns="">
-      <p:transition spd="slow">
-        <p:fade/>
-      </p:transition>
-    </mc:Fallback>
-  </mc:AlternateContent>
-</p:sld>
-</file>
-
 <file path=ppt/theme/theme1.xml><?xml version="1.0" encoding="utf-8"?>
 <a:theme xmlns:a="http://schemas.openxmlformats.org/drawingml/2006/main" name="RegattaVTI">
   <a:themeElements>
